--- a/presentations/Bridging.pptx
+++ b/presentations/Bridging.pptx
@@ -6,7 +6,7 @@
     <p:sldMasterId id="2147483671" r:id="rId2"/>
   </p:sldMasterIdLst>
   <p:notesMasterIdLst>
-    <p:notesMasterId r:id="rId25"/>
+    <p:notesMasterId r:id="rId35"/>
   </p:notesMasterIdLst>
   <p:sldIdLst>
     <p:sldId id="256" r:id="rId3"/>
@@ -26,11 +26,21 @@
     <p:sldId id="305" r:id="rId17"/>
     <p:sldId id="307" r:id="rId18"/>
     <p:sldId id="309" r:id="rId19"/>
-    <p:sldId id="310" r:id="rId20"/>
-    <p:sldId id="311" r:id="rId21"/>
-    <p:sldId id="312" r:id="rId22"/>
-    <p:sldId id="308" r:id="rId23"/>
-    <p:sldId id="263" r:id="rId24"/>
+    <p:sldId id="313" r:id="rId20"/>
+    <p:sldId id="310" r:id="rId21"/>
+    <p:sldId id="311" r:id="rId22"/>
+    <p:sldId id="314" r:id="rId23"/>
+    <p:sldId id="315" r:id="rId24"/>
+    <p:sldId id="316" r:id="rId25"/>
+    <p:sldId id="312" r:id="rId26"/>
+    <p:sldId id="317" r:id="rId27"/>
+    <p:sldId id="318" r:id="rId28"/>
+    <p:sldId id="308" r:id="rId29"/>
+    <p:sldId id="319" r:id="rId30"/>
+    <p:sldId id="320" r:id="rId31"/>
+    <p:sldId id="321" r:id="rId32"/>
+    <p:sldId id="322" r:id="rId33"/>
+    <p:sldId id="263" r:id="rId34"/>
   </p:sldIdLst>
   <p:sldSz cx="9144000" cy="5143500" type="screen16x9"/>
   <p:notesSz cx="7019925" cy="9305925"/>
@@ -1820,6 +1830,73 @@
           </a:bodyPr>
           <a:lstStyle/>
           <a:p>
+            <a:pPr marL="419100" indent="-342900">
+              <a:spcBef>
+                <a:spcPts val="0"/>
+              </a:spcBef>
+              <a:buSzPts val="2400"/>
+            </a:pPr>
+            <a:r>
+              <a:rPr lang="en-US" sz="2400" dirty="0">
+                <a:latin typeface="Times New Roman"/>
+                <a:ea typeface="Times New Roman"/>
+                <a:cs typeface="Times New Roman"/>
+                <a:sym typeface="Times New Roman"/>
+              </a:rPr>
+              <a:t>Uses </a:t>
+            </a:r>
+            <a:r>
+              <a:rPr lang="en-US" sz="2400" dirty="0" err="1">
+                <a:latin typeface="Times New Roman"/>
+                <a:ea typeface="Times New Roman"/>
+                <a:cs typeface="Times New Roman"/>
+                <a:sym typeface="Times New Roman"/>
+              </a:rPr>
+              <a:t>netperf</a:t>
+            </a:r>
+            <a:r>
+              <a:rPr lang="en-US" sz="2400" dirty="0">
+                <a:latin typeface="Times New Roman"/>
+                <a:ea typeface="Times New Roman"/>
+                <a:cs typeface="Times New Roman"/>
+                <a:sym typeface="Times New Roman"/>
+              </a:rPr>
+              <a:t> UDP_STREAM </a:t>
+            </a:r>
+            <a:r>
+              <a:rPr lang="en-US" sz="2400" dirty="0" err="1">
+                <a:latin typeface="Times New Roman"/>
+                <a:ea typeface="Times New Roman"/>
+                <a:cs typeface="Times New Roman"/>
+                <a:sym typeface="Times New Roman"/>
+              </a:rPr>
+              <a:t>microbenchmark</a:t>
+            </a:r>
+            <a:endParaRPr lang="en-US" sz="2400" dirty="0">
+              <a:latin typeface="Times New Roman"/>
+              <a:ea typeface="Times New Roman"/>
+              <a:cs typeface="Times New Roman"/>
+              <a:sym typeface="Times New Roman"/>
+            </a:endParaRPr>
+          </a:p>
+          <a:p>
+            <a:pPr marL="876300" lvl="1" indent="-342900">
+              <a:spcBef>
+                <a:spcPts val="0"/>
+              </a:spcBef>
+              <a:buSzPts val="2400"/>
+            </a:pPr>
+            <a:r>
+              <a:rPr lang="en-US" sz="2000" dirty="0">
+                <a:latin typeface="Times New Roman"/>
+                <a:ea typeface="Times New Roman"/>
+                <a:cs typeface="Times New Roman"/>
+                <a:sym typeface="Times New Roman"/>
+              </a:rPr>
+              <a:t>Difficult to quantify CPU costs for TCP due to ACK packets</a:t>
+            </a:r>
+          </a:p>
+          <a:p>
             <a:pPr marL="0" lvl="0" indent="0" rtl="0">
               <a:spcBef>
                 <a:spcPts val="0"/>
@@ -2531,7 +2608,7 @@
     </p:spTree>
     <p:extLst>
       <p:ext uri="{BB962C8B-B14F-4D97-AF65-F5344CB8AC3E}">
-        <p14:creationId xmlns:p14="http://schemas.microsoft.com/office/powerpoint/2010/main" val="3015877554"/>
+        <p14:creationId xmlns:p14="http://schemas.microsoft.com/office/powerpoint/2010/main" val="2708204534"/>
       </p:ext>
     </p:extLst>
   </p:cSld>
@@ -2640,7 +2717,7 @@
     </p:spTree>
     <p:extLst>
       <p:ext uri="{BB962C8B-B14F-4D97-AF65-F5344CB8AC3E}">
-        <p14:creationId xmlns:p14="http://schemas.microsoft.com/office/powerpoint/2010/main" val="1172116419"/>
+        <p14:creationId xmlns:p14="http://schemas.microsoft.com/office/powerpoint/2010/main" val="3015877554"/>
       </p:ext>
     </p:extLst>
   </p:cSld>
@@ -2853,6 +2930,442 @@
     </p:spTree>
     <p:extLst>
       <p:ext uri="{BB962C8B-B14F-4D97-AF65-F5344CB8AC3E}">
+        <p14:creationId xmlns:p14="http://schemas.microsoft.com/office/powerpoint/2010/main" val="1172116419"/>
+      </p:ext>
+    </p:extLst>
+  </p:cSld>
+  <p:clrMapOvr>
+    <a:masterClrMapping/>
+  </p:clrMapOvr>
+</p:notes>
+</file>
+
+<file path=ppt/notesSlides/notesSlide21.xml><?xml version="1.0" encoding="utf-8"?>
+<p:notes xmlns:a="http://schemas.openxmlformats.org/drawingml/2006/main" xmlns:r="http://schemas.openxmlformats.org/officeDocument/2006/relationships" xmlns:p="http://schemas.openxmlformats.org/presentationml/2006/main" showMasterSp="0" showMasterPhAnim="0">
+  <p:cSld>
+    <p:spTree>
+      <p:nvGrpSpPr>
+        <p:cNvPr id="1" name="Shape 107"/>
+        <p:cNvGrpSpPr/>
+        <p:nvPr/>
+      </p:nvGrpSpPr>
+      <p:grpSpPr>
+        <a:xfrm>
+          <a:off x="0" y="0"/>
+          <a:ext cx="0" cy="0"/>
+          <a:chOff x="0" y="0"/>
+          <a:chExt cx="0" cy="0"/>
+        </a:xfrm>
+      </p:grpSpPr>
+      <p:sp>
+        <p:nvSpPr>
+          <p:cNvPr id="108" name="Shape 108"/>
+          <p:cNvSpPr txBox="1">
+            <a:spLocks noGrp="1"/>
+          </p:cNvSpPr>
+          <p:nvPr>
+            <p:ph type="body" idx="1"/>
+          </p:nvPr>
+        </p:nvSpPr>
+        <p:spPr>
+          <a:xfrm>
+            <a:off x="701993" y="4420315"/>
+            <a:ext cx="5616000" cy="4187700"/>
+          </a:xfrm>
+          <a:prstGeom prst="rect">
+            <a:avLst/>
+          </a:prstGeom>
+        </p:spPr>
+        <p:txBody>
+          <a:bodyPr spcFirstLastPara="1" wrap="square" lIns="91425" tIns="91425" rIns="91425" bIns="91425" anchor="t" anchorCtr="0">
+            <a:noAutofit/>
+          </a:bodyPr>
+          <a:lstStyle/>
+          <a:p>
+            <a:pPr marL="0" lvl="0" indent="0" rtl="0">
+              <a:spcBef>
+                <a:spcPts val="0"/>
+              </a:spcBef>
+              <a:spcAft>
+                <a:spcPts val="0"/>
+              </a:spcAft>
+              <a:buNone/>
+            </a:pPr>
+            <a:endParaRPr dirty="0"/>
+          </a:p>
+        </p:txBody>
+      </p:sp>
+      <p:sp>
+        <p:nvSpPr>
+          <p:cNvPr id="109" name="Shape 109"/>
+          <p:cNvSpPr>
+            <a:spLocks noGrp="1" noRot="1" noChangeAspect="1"/>
+          </p:cNvSpPr>
+          <p:nvPr>
+            <p:ph type="sldImg" idx="2"/>
+          </p:nvPr>
+        </p:nvSpPr>
+        <p:spPr>
+          <a:xfrm>
+            <a:off x="409575" y="698500"/>
+            <a:ext cx="6200775" cy="3489325"/>
+          </a:xfrm>
+          <a:custGeom>
+            <a:avLst/>
+            <a:gdLst/>
+            <a:ahLst/>
+            <a:cxnLst/>
+            <a:rect l="0" t="0" r="0" b="0"/>
+            <a:pathLst>
+              <a:path w="120000" h="120000" extrusionOk="0">
+                <a:moveTo>
+                  <a:pt x="0" y="0"/>
+                </a:moveTo>
+                <a:lnTo>
+                  <a:pt x="120000" y="0"/>
+                </a:lnTo>
+                <a:lnTo>
+                  <a:pt x="120000" y="120000"/>
+                </a:lnTo>
+                <a:lnTo>
+                  <a:pt x="0" y="120000"/>
+                </a:lnTo>
+                <a:close/>
+              </a:path>
+            </a:pathLst>
+          </a:custGeom>
+        </p:spPr>
+      </p:sp>
+    </p:spTree>
+    <p:extLst>
+      <p:ext uri="{BB962C8B-B14F-4D97-AF65-F5344CB8AC3E}">
+        <p14:creationId xmlns:p14="http://schemas.microsoft.com/office/powerpoint/2010/main" val="1325846267"/>
+      </p:ext>
+    </p:extLst>
+  </p:cSld>
+  <p:clrMapOvr>
+    <a:masterClrMapping/>
+  </p:clrMapOvr>
+</p:notes>
+</file>
+
+<file path=ppt/notesSlides/notesSlide22.xml><?xml version="1.0" encoding="utf-8"?>
+<p:notes xmlns:a="http://schemas.openxmlformats.org/drawingml/2006/main" xmlns:r="http://schemas.openxmlformats.org/officeDocument/2006/relationships" xmlns:p="http://schemas.openxmlformats.org/presentationml/2006/main" showMasterSp="0" showMasterPhAnim="0">
+  <p:cSld>
+    <p:spTree>
+      <p:nvGrpSpPr>
+        <p:cNvPr id="1" name="Shape 107"/>
+        <p:cNvGrpSpPr/>
+        <p:nvPr/>
+      </p:nvGrpSpPr>
+      <p:grpSpPr>
+        <a:xfrm>
+          <a:off x="0" y="0"/>
+          <a:ext cx="0" cy="0"/>
+          <a:chOff x="0" y="0"/>
+          <a:chExt cx="0" cy="0"/>
+        </a:xfrm>
+      </p:grpSpPr>
+      <p:sp>
+        <p:nvSpPr>
+          <p:cNvPr id="108" name="Shape 108"/>
+          <p:cNvSpPr txBox="1">
+            <a:spLocks noGrp="1"/>
+          </p:cNvSpPr>
+          <p:nvPr>
+            <p:ph type="body" idx="1"/>
+          </p:nvPr>
+        </p:nvSpPr>
+        <p:spPr>
+          <a:xfrm>
+            <a:off x="701993" y="4420315"/>
+            <a:ext cx="5616000" cy="4187700"/>
+          </a:xfrm>
+          <a:prstGeom prst="rect">
+            <a:avLst/>
+          </a:prstGeom>
+        </p:spPr>
+        <p:txBody>
+          <a:bodyPr spcFirstLastPara="1" wrap="square" lIns="91425" tIns="91425" rIns="91425" bIns="91425" anchor="t" anchorCtr="0">
+            <a:noAutofit/>
+          </a:bodyPr>
+          <a:lstStyle/>
+          <a:p>
+            <a:pPr marL="0" lvl="0" indent="0" rtl="0">
+              <a:spcBef>
+                <a:spcPts val="0"/>
+              </a:spcBef>
+              <a:spcAft>
+                <a:spcPts val="0"/>
+              </a:spcAft>
+              <a:buNone/>
+            </a:pPr>
+            <a:endParaRPr dirty="0"/>
+          </a:p>
+        </p:txBody>
+      </p:sp>
+      <p:sp>
+        <p:nvSpPr>
+          <p:cNvPr id="109" name="Shape 109"/>
+          <p:cNvSpPr>
+            <a:spLocks noGrp="1" noRot="1" noChangeAspect="1"/>
+          </p:cNvSpPr>
+          <p:nvPr>
+            <p:ph type="sldImg" idx="2"/>
+          </p:nvPr>
+        </p:nvSpPr>
+        <p:spPr>
+          <a:xfrm>
+            <a:off x="409575" y="698500"/>
+            <a:ext cx="6200775" cy="3489325"/>
+          </a:xfrm>
+          <a:custGeom>
+            <a:avLst/>
+            <a:gdLst/>
+            <a:ahLst/>
+            <a:cxnLst/>
+            <a:rect l="0" t="0" r="0" b="0"/>
+            <a:pathLst>
+              <a:path w="120000" h="120000" extrusionOk="0">
+                <a:moveTo>
+                  <a:pt x="0" y="0"/>
+                </a:moveTo>
+                <a:lnTo>
+                  <a:pt x="120000" y="0"/>
+                </a:lnTo>
+                <a:lnTo>
+                  <a:pt x="120000" y="120000"/>
+                </a:lnTo>
+                <a:lnTo>
+                  <a:pt x="0" y="120000"/>
+                </a:lnTo>
+                <a:close/>
+              </a:path>
+            </a:pathLst>
+          </a:custGeom>
+        </p:spPr>
+      </p:sp>
+    </p:spTree>
+    <p:extLst>
+      <p:ext uri="{BB962C8B-B14F-4D97-AF65-F5344CB8AC3E}">
+        <p14:creationId xmlns:p14="http://schemas.microsoft.com/office/powerpoint/2010/main" val="2375700011"/>
+      </p:ext>
+    </p:extLst>
+  </p:cSld>
+  <p:clrMapOvr>
+    <a:masterClrMapping/>
+  </p:clrMapOvr>
+</p:notes>
+</file>
+
+<file path=ppt/notesSlides/notesSlide23.xml><?xml version="1.0" encoding="utf-8"?>
+<p:notes xmlns:a="http://schemas.openxmlformats.org/drawingml/2006/main" xmlns:r="http://schemas.openxmlformats.org/officeDocument/2006/relationships" xmlns:p="http://schemas.openxmlformats.org/presentationml/2006/main" showMasterSp="0" showMasterPhAnim="0">
+  <p:cSld>
+    <p:spTree>
+      <p:nvGrpSpPr>
+        <p:cNvPr id="1" name="Shape 107"/>
+        <p:cNvGrpSpPr/>
+        <p:nvPr/>
+      </p:nvGrpSpPr>
+      <p:grpSpPr>
+        <a:xfrm>
+          <a:off x="0" y="0"/>
+          <a:ext cx="0" cy="0"/>
+          <a:chOff x="0" y="0"/>
+          <a:chExt cx="0" cy="0"/>
+        </a:xfrm>
+      </p:grpSpPr>
+      <p:sp>
+        <p:nvSpPr>
+          <p:cNvPr id="108" name="Shape 108"/>
+          <p:cNvSpPr txBox="1">
+            <a:spLocks noGrp="1"/>
+          </p:cNvSpPr>
+          <p:nvPr>
+            <p:ph type="body" idx="1"/>
+          </p:nvPr>
+        </p:nvSpPr>
+        <p:spPr>
+          <a:xfrm>
+            <a:off x="701993" y="4420315"/>
+            <a:ext cx="5616000" cy="4187700"/>
+          </a:xfrm>
+          <a:prstGeom prst="rect">
+            <a:avLst/>
+          </a:prstGeom>
+        </p:spPr>
+        <p:txBody>
+          <a:bodyPr spcFirstLastPara="1" wrap="square" lIns="91425" tIns="91425" rIns="91425" bIns="91425" anchor="t" anchorCtr="0">
+            <a:noAutofit/>
+          </a:bodyPr>
+          <a:lstStyle/>
+          <a:p>
+            <a:pPr marL="0" lvl="0" indent="0" rtl="0">
+              <a:spcBef>
+                <a:spcPts val="0"/>
+              </a:spcBef>
+              <a:spcAft>
+                <a:spcPts val="0"/>
+              </a:spcAft>
+              <a:buNone/>
+            </a:pPr>
+            <a:endParaRPr dirty="0"/>
+          </a:p>
+        </p:txBody>
+      </p:sp>
+      <p:sp>
+        <p:nvSpPr>
+          <p:cNvPr id="109" name="Shape 109"/>
+          <p:cNvSpPr>
+            <a:spLocks noGrp="1" noRot="1" noChangeAspect="1"/>
+          </p:cNvSpPr>
+          <p:nvPr>
+            <p:ph type="sldImg" idx="2"/>
+          </p:nvPr>
+        </p:nvSpPr>
+        <p:spPr>
+          <a:xfrm>
+            <a:off x="409575" y="698500"/>
+            <a:ext cx="6200775" cy="3489325"/>
+          </a:xfrm>
+          <a:custGeom>
+            <a:avLst/>
+            <a:gdLst/>
+            <a:ahLst/>
+            <a:cxnLst/>
+            <a:rect l="0" t="0" r="0" b="0"/>
+            <a:pathLst>
+              <a:path w="120000" h="120000" extrusionOk="0">
+                <a:moveTo>
+                  <a:pt x="0" y="0"/>
+                </a:moveTo>
+                <a:lnTo>
+                  <a:pt x="120000" y="0"/>
+                </a:lnTo>
+                <a:lnTo>
+                  <a:pt x="120000" y="120000"/>
+                </a:lnTo>
+                <a:lnTo>
+                  <a:pt x="0" y="120000"/>
+                </a:lnTo>
+                <a:close/>
+              </a:path>
+            </a:pathLst>
+          </a:custGeom>
+        </p:spPr>
+      </p:sp>
+    </p:spTree>
+    <p:extLst>
+      <p:ext uri="{BB962C8B-B14F-4D97-AF65-F5344CB8AC3E}">
+        <p14:creationId xmlns:p14="http://schemas.microsoft.com/office/powerpoint/2010/main" val="2374884977"/>
+      </p:ext>
+    </p:extLst>
+  </p:cSld>
+  <p:clrMapOvr>
+    <a:masterClrMapping/>
+  </p:clrMapOvr>
+</p:notes>
+</file>
+
+<file path=ppt/notesSlides/notesSlide24.xml><?xml version="1.0" encoding="utf-8"?>
+<p:notes xmlns:a="http://schemas.openxmlformats.org/drawingml/2006/main" xmlns:r="http://schemas.openxmlformats.org/officeDocument/2006/relationships" xmlns:p="http://schemas.openxmlformats.org/presentationml/2006/main" showMasterSp="0" showMasterPhAnim="0">
+  <p:cSld>
+    <p:spTree>
+      <p:nvGrpSpPr>
+        <p:cNvPr id="1" name="Shape 107"/>
+        <p:cNvGrpSpPr/>
+        <p:nvPr/>
+      </p:nvGrpSpPr>
+      <p:grpSpPr>
+        <a:xfrm>
+          <a:off x="0" y="0"/>
+          <a:ext cx="0" cy="0"/>
+          <a:chOff x="0" y="0"/>
+          <a:chExt cx="0" cy="0"/>
+        </a:xfrm>
+      </p:grpSpPr>
+      <p:sp>
+        <p:nvSpPr>
+          <p:cNvPr id="108" name="Shape 108"/>
+          <p:cNvSpPr txBox="1">
+            <a:spLocks noGrp="1"/>
+          </p:cNvSpPr>
+          <p:nvPr>
+            <p:ph type="body" idx="1"/>
+          </p:nvPr>
+        </p:nvSpPr>
+        <p:spPr>
+          <a:xfrm>
+            <a:off x="701993" y="4420315"/>
+            <a:ext cx="5616000" cy="4187700"/>
+          </a:xfrm>
+          <a:prstGeom prst="rect">
+            <a:avLst/>
+          </a:prstGeom>
+        </p:spPr>
+        <p:txBody>
+          <a:bodyPr spcFirstLastPara="1" wrap="square" lIns="91425" tIns="91425" rIns="91425" bIns="91425" anchor="t" anchorCtr="0">
+            <a:noAutofit/>
+          </a:bodyPr>
+          <a:lstStyle/>
+          <a:p>
+            <a:pPr marL="0" lvl="0" indent="0" rtl="0">
+              <a:spcBef>
+                <a:spcPts val="0"/>
+              </a:spcBef>
+              <a:spcAft>
+                <a:spcPts val="0"/>
+              </a:spcAft>
+              <a:buNone/>
+            </a:pPr>
+            <a:endParaRPr dirty="0"/>
+          </a:p>
+        </p:txBody>
+      </p:sp>
+      <p:sp>
+        <p:nvSpPr>
+          <p:cNvPr id="109" name="Shape 109"/>
+          <p:cNvSpPr>
+            <a:spLocks noGrp="1" noRot="1" noChangeAspect="1"/>
+          </p:cNvSpPr>
+          <p:nvPr>
+            <p:ph type="sldImg" idx="2"/>
+          </p:nvPr>
+        </p:nvSpPr>
+        <p:spPr>
+          <a:xfrm>
+            <a:off x="409575" y="698500"/>
+            <a:ext cx="6200775" cy="3489325"/>
+          </a:xfrm>
+          <a:custGeom>
+            <a:avLst/>
+            <a:gdLst/>
+            <a:ahLst/>
+            <a:cxnLst/>
+            <a:rect l="0" t="0" r="0" b="0"/>
+            <a:pathLst>
+              <a:path w="120000" h="120000" extrusionOk="0">
+                <a:moveTo>
+                  <a:pt x="0" y="0"/>
+                </a:moveTo>
+                <a:lnTo>
+                  <a:pt x="120000" y="0"/>
+                </a:lnTo>
+                <a:lnTo>
+                  <a:pt x="120000" y="120000"/>
+                </a:lnTo>
+                <a:lnTo>
+                  <a:pt x="0" y="120000"/>
+                </a:lnTo>
+                <a:close/>
+              </a:path>
+            </a:pathLst>
+          </a:custGeom>
+        </p:spPr>
+      </p:sp>
+    </p:spTree>
+    <p:extLst>
+      <p:ext uri="{BB962C8B-B14F-4D97-AF65-F5344CB8AC3E}">
         <p14:creationId xmlns:p14="http://schemas.microsoft.com/office/powerpoint/2010/main" val="236660203"/>
       </p:ext>
     </p:extLst>
@@ -2863,7 +3376,225 @@
 </p:notes>
 </file>
 
-<file path=ppt/notesSlides/notesSlide21.xml><?xml version="1.0" encoding="utf-8"?>
+<file path=ppt/notesSlides/notesSlide25.xml><?xml version="1.0" encoding="utf-8"?>
+<p:notes xmlns:a="http://schemas.openxmlformats.org/drawingml/2006/main" xmlns:r="http://schemas.openxmlformats.org/officeDocument/2006/relationships" xmlns:p="http://schemas.openxmlformats.org/presentationml/2006/main" showMasterSp="0" showMasterPhAnim="0">
+  <p:cSld>
+    <p:spTree>
+      <p:nvGrpSpPr>
+        <p:cNvPr id="1" name="Shape 107"/>
+        <p:cNvGrpSpPr/>
+        <p:nvPr/>
+      </p:nvGrpSpPr>
+      <p:grpSpPr>
+        <a:xfrm>
+          <a:off x="0" y="0"/>
+          <a:ext cx="0" cy="0"/>
+          <a:chOff x="0" y="0"/>
+          <a:chExt cx="0" cy="0"/>
+        </a:xfrm>
+      </p:grpSpPr>
+      <p:sp>
+        <p:nvSpPr>
+          <p:cNvPr id="108" name="Shape 108"/>
+          <p:cNvSpPr txBox="1">
+            <a:spLocks noGrp="1"/>
+          </p:cNvSpPr>
+          <p:nvPr>
+            <p:ph type="body" idx="1"/>
+          </p:nvPr>
+        </p:nvSpPr>
+        <p:spPr>
+          <a:xfrm>
+            <a:off x="701993" y="4420315"/>
+            <a:ext cx="5616000" cy="4187700"/>
+          </a:xfrm>
+          <a:prstGeom prst="rect">
+            <a:avLst/>
+          </a:prstGeom>
+        </p:spPr>
+        <p:txBody>
+          <a:bodyPr spcFirstLastPara="1" wrap="square" lIns="91425" tIns="91425" rIns="91425" bIns="91425" anchor="t" anchorCtr="0">
+            <a:noAutofit/>
+          </a:bodyPr>
+          <a:lstStyle/>
+          <a:p>
+            <a:pPr marL="0" lvl="0" indent="0" rtl="0">
+              <a:spcBef>
+                <a:spcPts val="0"/>
+              </a:spcBef>
+              <a:spcAft>
+                <a:spcPts val="0"/>
+              </a:spcAft>
+              <a:buNone/>
+            </a:pPr>
+            <a:endParaRPr dirty="0"/>
+          </a:p>
+        </p:txBody>
+      </p:sp>
+      <p:sp>
+        <p:nvSpPr>
+          <p:cNvPr id="109" name="Shape 109"/>
+          <p:cNvSpPr>
+            <a:spLocks noGrp="1" noRot="1" noChangeAspect="1"/>
+          </p:cNvSpPr>
+          <p:nvPr>
+            <p:ph type="sldImg" idx="2"/>
+          </p:nvPr>
+        </p:nvSpPr>
+        <p:spPr>
+          <a:xfrm>
+            <a:off x="409575" y="698500"/>
+            <a:ext cx="6200775" cy="3489325"/>
+          </a:xfrm>
+          <a:custGeom>
+            <a:avLst/>
+            <a:gdLst/>
+            <a:ahLst/>
+            <a:cxnLst/>
+            <a:rect l="0" t="0" r="0" b="0"/>
+            <a:pathLst>
+              <a:path w="120000" h="120000" extrusionOk="0">
+                <a:moveTo>
+                  <a:pt x="0" y="0"/>
+                </a:moveTo>
+                <a:lnTo>
+                  <a:pt x="120000" y="0"/>
+                </a:lnTo>
+                <a:lnTo>
+                  <a:pt x="120000" y="120000"/>
+                </a:lnTo>
+                <a:lnTo>
+                  <a:pt x="0" y="120000"/>
+                </a:lnTo>
+                <a:close/>
+              </a:path>
+            </a:pathLst>
+          </a:custGeom>
+        </p:spPr>
+      </p:sp>
+    </p:spTree>
+    <p:extLst>
+      <p:ext uri="{BB962C8B-B14F-4D97-AF65-F5344CB8AC3E}">
+        <p14:creationId xmlns:p14="http://schemas.microsoft.com/office/powerpoint/2010/main" val="3727583067"/>
+      </p:ext>
+    </p:extLst>
+  </p:cSld>
+  <p:clrMapOvr>
+    <a:masterClrMapping/>
+  </p:clrMapOvr>
+</p:notes>
+</file>
+
+<file path=ppt/notesSlides/notesSlide26.xml><?xml version="1.0" encoding="utf-8"?>
+<p:notes xmlns:a="http://schemas.openxmlformats.org/drawingml/2006/main" xmlns:r="http://schemas.openxmlformats.org/officeDocument/2006/relationships" xmlns:p="http://schemas.openxmlformats.org/presentationml/2006/main" showMasterSp="0" showMasterPhAnim="0">
+  <p:cSld>
+    <p:spTree>
+      <p:nvGrpSpPr>
+        <p:cNvPr id="1" name="Shape 107"/>
+        <p:cNvGrpSpPr/>
+        <p:nvPr/>
+      </p:nvGrpSpPr>
+      <p:grpSpPr>
+        <a:xfrm>
+          <a:off x="0" y="0"/>
+          <a:ext cx="0" cy="0"/>
+          <a:chOff x="0" y="0"/>
+          <a:chExt cx="0" cy="0"/>
+        </a:xfrm>
+      </p:grpSpPr>
+      <p:sp>
+        <p:nvSpPr>
+          <p:cNvPr id="108" name="Shape 108"/>
+          <p:cNvSpPr txBox="1">
+            <a:spLocks noGrp="1"/>
+          </p:cNvSpPr>
+          <p:nvPr>
+            <p:ph type="body" idx="1"/>
+          </p:nvPr>
+        </p:nvSpPr>
+        <p:spPr>
+          <a:xfrm>
+            <a:off x="701993" y="4420315"/>
+            <a:ext cx="5616000" cy="4187700"/>
+          </a:xfrm>
+          <a:prstGeom prst="rect">
+            <a:avLst/>
+          </a:prstGeom>
+        </p:spPr>
+        <p:txBody>
+          <a:bodyPr spcFirstLastPara="1" wrap="square" lIns="91425" tIns="91425" rIns="91425" bIns="91425" anchor="t" anchorCtr="0">
+            <a:noAutofit/>
+          </a:bodyPr>
+          <a:lstStyle/>
+          <a:p>
+            <a:pPr marL="0" lvl="0" indent="0" rtl="0">
+              <a:spcBef>
+                <a:spcPts val="0"/>
+              </a:spcBef>
+              <a:spcAft>
+                <a:spcPts val="0"/>
+              </a:spcAft>
+              <a:buNone/>
+            </a:pPr>
+            <a:endParaRPr dirty="0"/>
+          </a:p>
+        </p:txBody>
+      </p:sp>
+      <p:sp>
+        <p:nvSpPr>
+          <p:cNvPr id="109" name="Shape 109"/>
+          <p:cNvSpPr>
+            <a:spLocks noGrp="1" noRot="1" noChangeAspect="1"/>
+          </p:cNvSpPr>
+          <p:nvPr>
+            <p:ph type="sldImg" idx="2"/>
+          </p:nvPr>
+        </p:nvSpPr>
+        <p:spPr>
+          <a:xfrm>
+            <a:off x="409575" y="698500"/>
+            <a:ext cx="6200775" cy="3489325"/>
+          </a:xfrm>
+          <a:custGeom>
+            <a:avLst/>
+            <a:gdLst/>
+            <a:ahLst/>
+            <a:cxnLst/>
+            <a:rect l="0" t="0" r="0" b="0"/>
+            <a:pathLst>
+              <a:path w="120000" h="120000" extrusionOk="0">
+                <a:moveTo>
+                  <a:pt x="0" y="0"/>
+                </a:moveTo>
+                <a:lnTo>
+                  <a:pt x="120000" y="0"/>
+                </a:lnTo>
+                <a:lnTo>
+                  <a:pt x="120000" y="120000"/>
+                </a:lnTo>
+                <a:lnTo>
+                  <a:pt x="0" y="120000"/>
+                </a:lnTo>
+                <a:close/>
+              </a:path>
+            </a:pathLst>
+          </a:custGeom>
+        </p:spPr>
+      </p:sp>
+    </p:spTree>
+    <p:extLst>
+      <p:ext uri="{BB962C8B-B14F-4D97-AF65-F5344CB8AC3E}">
+        <p14:creationId xmlns:p14="http://schemas.microsoft.com/office/powerpoint/2010/main" val="4065786199"/>
+      </p:ext>
+    </p:extLst>
+  </p:cSld>
+  <p:clrMapOvr>
+    <a:masterClrMapping/>
+  </p:clrMapOvr>
+</p:notes>
+</file>
+
+<file path=ppt/notesSlides/notesSlide27.xml><?xml version="1.0" encoding="utf-8"?>
 <p:notes xmlns:a="http://schemas.openxmlformats.org/drawingml/2006/main" xmlns:r="http://schemas.openxmlformats.org/officeDocument/2006/relationships" xmlns:p="http://schemas.openxmlformats.org/presentationml/2006/main" showMasterSp="0" showMasterPhAnim="0">
   <p:cSld>
     <p:spTree>
@@ -2972,12 +3703,12 @@
 </p:notes>
 </file>
 
-<file path=ppt/notesSlides/notesSlide22.xml><?xml version="1.0" encoding="utf-8"?>
+<file path=ppt/notesSlides/notesSlide28.xml><?xml version="1.0" encoding="utf-8"?>
 <p:notes xmlns:a="http://schemas.openxmlformats.org/drawingml/2006/main" xmlns:r="http://schemas.openxmlformats.org/officeDocument/2006/relationships" xmlns:p="http://schemas.openxmlformats.org/presentationml/2006/main" showMasterSp="0" showMasterPhAnim="0">
   <p:cSld>
     <p:spTree>
       <p:nvGrpSpPr>
-        <p:cNvPr id="1" name="Shape 139"/>
+        <p:cNvPr id="1" name="Shape 107"/>
         <p:cNvGrpSpPr/>
         <p:nvPr/>
       </p:nvGrpSpPr>
@@ -2991,7 +3722,7 @@
       </p:grpSpPr>
       <p:sp>
         <p:nvSpPr>
-          <p:cNvPr id="140" name="Shape 140"/>
+          <p:cNvPr id="108" name="Shape 108"/>
           <p:cNvSpPr txBox="1">
             <a:spLocks noGrp="1"/>
           </p:cNvSpPr>
@@ -3023,13 +3754,13 @@
               </a:spcAft>
               <a:buNone/>
             </a:pPr>
-            <a:endParaRPr/>
+            <a:endParaRPr dirty="0"/>
           </a:p>
         </p:txBody>
       </p:sp>
       <p:sp>
         <p:nvSpPr>
-          <p:cNvPr id="141" name="Shape 141"/>
+          <p:cNvPr id="109" name="Shape 109"/>
           <p:cNvSpPr>
             <a:spLocks noGrp="1" noRot="1" noChangeAspect="1"/>
           </p:cNvSpPr>
@@ -3069,6 +3800,120 @@
         </p:spPr>
       </p:sp>
     </p:spTree>
+    <p:extLst>
+      <p:ext uri="{BB962C8B-B14F-4D97-AF65-F5344CB8AC3E}">
+        <p14:creationId xmlns:p14="http://schemas.microsoft.com/office/powerpoint/2010/main" val="1896707506"/>
+      </p:ext>
+    </p:extLst>
+  </p:cSld>
+  <p:clrMapOvr>
+    <a:masterClrMapping/>
+  </p:clrMapOvr>
+</p:notes>
+</file>
+
+<file path=ppt/notesSlides/notesSlide29.xml><?xml version="1.0" encoding="utf-8"?>
+<p:notes xmlns:a="http://schemas.openxmlformats.org/drawingml/2006/main" xmlns:r="http://schemas.openxmlformats.org/officeDocument/2006/relationships" xmlns:p="http://schemas.openxmlformats.org/presentationml/2006/main" showMasterSp="0" showMasterPhAnim="0">
+  <p:cSld>
+    <p:spTree>
+      <p:nvGrpSpPr>
+        <p:cNvPr id="1" name="Shape 107"/>
+        <p:cNvGrpSpPr/>
+        <p:nvPr/>
+      </p:nvGrpSpPr>
+      <p:grpSpPr>
+        <a:xfrm>
+          <a:off x="0" y="0"/>
+          <a:ext cx="0" cy="0"/>
+          <a:chOff x="0" y="0"/>
+          <a:chExt cx="0" cy="0"/>
+        </a:xfrm>
+      </p:grpSpPr>
+      <p:sp>
+        <p:nvSpPr>
+          <p:cNvPr id="108" name="Shape 108"/>
+          <p:cNvSpPr txBox="1">
+            <a:spLocks noGrp="1"/>
+          </p:cNvSpPr>
+          <p:nvPr>
+            <p:ph type="body" idx="1"/>
+          </p:nvPr>
+        </p:nvSpPr>
+        <p:spPr>
+          <a:xfrm>
+            <a:off x="701993" y="4420315"/>
+            <a:ext cx="5616000" cy="4187700"/>
+          </a:xfrm>
+          <a:prstGeom prst="rect">
+            <a:avLst/>
+          </a:prstGeom>
+        </p:spPr>
+        <p:txBody>
+          <a:bodyPr spcFirstLastPara="1" wrap="square" lIns="91425" tIns="91425" rIns="91425" bIns="91425" anchor="t" anchorCtr="0">
+            <a:noAutofit/>
+          </a:bodyPr>
+          <a:lstStyle/>
+          <a:p>
+            <a:pPr marL="0" lvl="0" indent="0" rtl="0">
+              <a:spcBef>
+                <a:spcPts val="0"/>
+              </a:spcBef>
+              <a:spcAft>
+                <a:spcPts val="0"/>
+              </a:spcAft>
+              <a:buNone/>
+            </a:pPr>
+            <a:endParaRPr dirty="0"/>
+          </a:p>
+        </p:txBody>
+      </p:sp>
+      <p:sp>
+        <p:nvSpPr>
+          <p:cNvPr id="109" name="Shape 109"/>
+          <p:cNvSpPr>
+            <a:spLocks noGrp="1" noRot="1" noChangeAspect="1"/>
+          </p:cNvSpPr>
+          <p:nvPr>
+            <p:ph type="sldImg" idx="2"/>
+          </p:nvPr>
+        </p:nvSpPr>
+        <p:spPr>
+          <a:xfrm>
+            <a:off x="409575" y="698500"/>
+            <a:ext cx="6200775" cy="3489325"/>
+          </a:xfrm>
+          <a:custGeom>
+            <a:avLst/>
+            <a:gdLst/>
+            <a:ahLst/>
+            <a:cxnLst/>
+            <a:rect l="0" t="0" r="0" b="0"/>
+            <a:pathLst>
+              <a:path w="120000" h="120000" extrusionOk="0">
+                <a:moveTo>
+                  <a:pt x="0" y="0"/>
+                </a:moveTo>
+                <a:lnTo>
+                  <a:pt x="120000" y="0"/>
+                </a:lnTo>
+                <a:lnTo>
+                  <a:pt x="120000" y="120000"/>
+                </a:lnTo>
+                <a:lnTo>
+                  <a:pt x="0" y="120000"/>
+                </a:lnTo>
+                <a:close/>
+              </a:path>
+            </a:pathLst>
+          </a:custGeom>
+        </p:spPr>
+      </p:sp>
+    </p:spTree>
+    <p:extLst>
+      <p:ext uri="{BB962C8B-B14F-4D97-AF65-F5344CB8AC3E}">
+        <p14:creationId xmlns:p14="http://schemas.microsoft.com/office/powerpoint/2010/main" val="2897755944"/>
+      </p:ext>
+    </p:extLst>
   </p:cSld>
   <p:clrMapOvr>
     <a:masterClrMapping/>
@@ -3178,6 +4023,328 @@
         <p14:creationId xmlns:p14="http://schemas.microsoft.com/office/powerpoint/2010/main" val="4115078332"/>
       </p:ext>
     </p:extLst>
+  </p:cSld>
+  <p:clrMapOvr>
+    <a:masterClrMapping/>
+  </p:clrMapOvr>
+</p:notes>
+</file>
+
+<file path=ppt/notesSlides/notesSlide30.xml><?xml version="1.0" encoding="utf-8"?>
+<p:notes xmlns:a="http://schemas.openxmlformats.org/drawingml/2006/main" xmlns:r="http://schemas.openxmlformats.org/officeDocument/2006/relationships" xmlns:p="http://schemas.openxmlformats.org/presentationml/2006/main" showMasterSp="0" showMasterPhAnim="0">
+  <p:cSld>
+    <p:spTree>
+      <p:nvGrpSpPr>
+        <p:cNvPr id="1" name="Shape 107"/>
+        <p:cNvGrpSpPr/>
+        <p:nvPr/>
+      </p:nvGrpSpPr>
+      <p:grpSpPr>
+        <a:xfrm>
+          <a:off x="0" y="0"/>
+          <a:ext cx="0" cy="0"/>
+          <a:chOff x="0" y="0"/>
+          <a:chExt cx="0" cy="0"/>
+        </a:xfrm>
+      </p:grpSpPr>
+      <p:sp>
+        <p:nvSpPr>
+          <p:cNvPr id="108" name="Shape 108"/>
+          <p:cNvSpPr txBox="1">
+            <a:spLocks noGrp="1"/>
+          </p:cNvSpPr>
+          <p:nvPr>
+            <p:ph type="body" idx="1"/>
+          </p:nvPr>
+        </p:nvSpPr>
+        <p:spPr>
+          <a:xfrm>
+            <a:off x="701993" y="4420315"/>
+            <a:ext cx="5616000" cy="4187700"/>
+          </a:xfrm>
+          <a:prstGeom prst="rect">
+            <a:avLst/>
+          </a:prstGeom>
+        </p:spPr>
+        <p:txBody>
+          <a:bodyPr spcFirstLastPara="1" wrap="square" lIns="91425" tIns="91425" rIns="91425" bIns="91425" anchor="t" anchorCtr="0">
+            <a:noAutofit/>
+          </a:bodyPr>
+          <a:lstStyle/>
+          <a:p>
+            <a:pPr marL="0" lvl="0" indent="0" rtl="0">
+              <a:spcBef>
+                <a:spcPts val="0"/>
+              </a:spcBef>
+              <a:spcAft>
+                <a:spcPts val="0"/>
+              </a:spcAft>
+              <a:buNone/>
+            </a:pPr>
+            <a:endParaRPr dirty="0"/>
+          </a:p>
+        </p:txBody>
+      </p:sp>
+      <p:sp>
+        <p:nvSpPr>
+          <p:cNvPr id="109" name="Shape 109"/>
+          <p:cNvSpPr>
+            <a:spLocks noGrp="1" noRot="1" noChangeAspect="1"/>
+          </p:cNvSpPr>
+          <p:nvPr>
+            <p:ph type="sldImg" idx="2"/>
+          </p:nvPr>
+        </p:nvSpPr>
+        <p:spPr>
+          <a:xfrm>
+            <a:off x="409575" y="698500"/>
+            <a:ext cx="6200775" cy="3489325"/>
+          </a:xfrm>
+          <a:custGeom>
+            <a:avLst/>
+            <a:gdLst/>
+            <a:ahLst/>
+            <a:cxnLst/>
+            <a:rect l="0" t="0" r="0" b="0"/>
+            <a:pathLst>
+              <a:path w="120000" h="120000" extrusionOk="0">
+                <a:moveTo>
+                  <a:pt x="0" y="0"/>
+                </a:moveTo>
+                <a:lnTo>
+                  <a:pt x="120000" y="0"/>
+                </a:lnTo>
+                <a:lnTo>
+                  <a:pt x="120000" y="120000"/>
+                </a:lnTo>
+                <a:lnTo>
+                  <a:pt x="0" y="120000"/>
+                </a:lnTo>
+                <a:close/>
+              </a:path>
+            </a:pathLst>
+          </a:custGeom>
+        </p:spPr>
+      </p:sp>
+    </p:spTree>
+    <p:extLst>
+      <p:ext uri="{BB962C8B-B14F-4D97-AF65-F5344CB8AC3E}">
+        <p14:creationId xmlns:p14="http://schemas.microsoft.com/office/powerpoint/2010/main" val="1575012360"/>
+      </p:ext>
+    </p:extLst>
+  </p:cSld>
+  <p:clrMapOvr>
+    <a:masterClrMapping/>
+  </p:clrMapOvr>
+</p:notes>
+</file>
+
+<file path=ppt/notesSlides/notesSlide31.xml><?xml version="1.0" encoding="utf-8"?>
+<p:notes xmlns:a="http://schemas.openxmlformats.org/drawingml/2006/main" xmlns:r="http://schemas.openxmlformats.org/officeDocument/2006/relationships" xmlns:p="http://schemas.openxmlformats.org/presentationml/2006/main" showMasterSp="0" showMasterPhAnim="0">
+  <p:cSld>
+    <p:spTree>
+      <p:nvGrpSpPr>
+        <p:cNvPr id="1" name="Shape 107"/>
+        <p:cNvGrpSpPr/>
+        <p:nvPr/>
+      </p:nvGrpSpPr>
+      <p:grpSpPr>
+        <a:xfrm>
+          <a:off x="0" y="0"/>
+          <a:ext cx="0" cy="0"/>
+          <a:chOff x="0" y="0"/>
+          <a:chExt cx="0" cy="0"/>
+        </a:xfrm>
+      </p:grpSpPr>
+      <p:sp>
+        <p:nvSpPr>
+          <p:cNvPr id="108" name="Shape 108"/>
+          <p:cNvSpPr txBox="1">
+            <a:spLocks noGrp="1"/>
+          </p:cNvSpPr>
+          <p:nvPr>
+            <p:ph type="body" idx="1"/>
+          </p:nvPr>
+        </p:nvSpPr>
+        <p:spPr>
+          <a:xfrm>
+            <a:off x="701993" y="4420315"/>
+            <a:ext cx="5616000" cy="4187700"/>
+          </a:xfrm>
+          <a:prstGeom prst="rect">
+            <a:avLst/>
+          </a:prstGeom>
+        </p:spPr>
+        <p:txBody>
+          <a:bodyPr spcFirstLastPara="1" wrap="square" lIns="91425" tIns="91425" rIns="91425" bIns="91425" anchor="t" anchorCtr="0">
+            <a:noAutofit/>
+          </a:bodyPr>
+          <a:lstStyle/>
+          <a:p>
+            <a:pPr marL="0" lvl="0" indent="0" rtl="0">
+              <a:spcBef>
+                <a:spcPts val="0"/>
+              </a:spcBef>
+              <a:spcAft>
+                <a:spcPts val="0"/>
+              </a:spcAft>
+              <a:buNone/>
+            </a:pPr>
+            <a:endParaRPr dirty="0"/>
+          </a:p>
+        </p:txBody>
+      </p:sp>
+      <p:sp>
+        <p:nvSpPr>
+          <p:cNvPr id="109" name="Shape 109"/>
+          <p:cNvSpPr>
+            <a:spLocks noGrp="1" noRot="1" noChangeAspect="1"/>
+          </p:cNvSpPr>
+          <p:nvPr>
+            <p:ph type="sldImg" idx="2"/>
+          </p:nvPr>
+        </p:nvSpPr>
+        <p:spPr>
+          <a:xfrm>
+            <a:off x="409575" y="698500"/>
+            <a:ext cx="6200775" cy="3489325"/>
+          </a:xfrm>
+          <a:custGeom>
+            <a:avLst/>
+            <a:gdLst/>
+            <a:ahLst/>
+            <a:cxnLst/>
+            <a:rect l="0" t="0" r="0" b="0"/>
+            <a:pathLst>
+              <a:path w="120000" h="120000" extrusionOk="0">
+                <a:moveTo>
+                  <a:pt x="0" y="0"/>
+                </a:moveTo>
+                <a:lnTo>
+                  <a:pt x="120000" y="0"/>
+                </a:lnTo>
+                <a:lnTo>
+                  <a:pt x="120000" y="120000"/>
+                </a:lnTo>
+                <a:lnTo>
+                  <a:pt x="0" y="120000"/>
+                </a:lnTo>
+                <a:close/>
+              </a:path>
+            </a:pathLst>
+          </a:custGeom>
+        </p:spPr>
+      </p:sp>
+    </p:spTree>
+    <p:extLst>
+      <p:ext uri="{BB962C8B-B14F-4D97-AF65-F5344CB8AC3E}">
+        <p14:creationId xmlns:p14="http://schemas.microsoft.com/office/powerpoint/2010/main" val="2478681484"/>
+      </p:ext>
+    </p:extLst>
+  </p:cSld>
+  <p:clrMapOvr>
+    <a:masterClrMapping/>
+  </p:clrMapOvr>
+</p:notes>
+</file>
+
+<file path=ppt/notesSlides/notesSlide32.xml><?xml version="1.0" encoding="utf-8"?>
+<p:notes xmlns:a="http://schemas.openxmlformats.org/drawingml/2006/main" xmlns:r="http://schemas.openxmlformats.org/officeDocument/2006/relationships" xmlns:p="http://schemas.openxmlformats.org/presentationml/2006/main" showMasterSp="0" showMasterPhAnim="0">
+  <p:cSld>
+    <p:spTree>
+      <p:nvGrpSpPr>
+        <p:cNvPr id="1" name="Shape 139"/>
+        <p:cNvGrpSpPr/>
+        <p:nvPr/>
+      </p:nvGrpSpPr>
+      <p:grpSpPr>
+        <a:xfrm>
+          <a:off x="0" y="0"/>
+          <a:ext cx="0" cy="0"/>
+          <a:chOff x="0" y="0"/>
+          <a:chExt cx="0" cy="0"/>
+        </a:xfrm>
+      </p:grpSpPr>
+      <p:sp>
+        <p:nvSpPr>
+          <p:cNvPr id="140" name="Shape 140"/>
+          <p:cNvSpPr txBox="1">
+            <a:spLocks noGrp="1"/>
+          </p:cNvSpPr>
+          <p:nvPr>
+            <p:ph type="body" idx="1"/>
+          </p:nvPr>
+        </p:nvSpPr>
+        <p:spPr>
+          <a:xfrm>
+            <a:off x="701993" y="4420315"/>
+            <a:ext cx="5616000" cy="4187700"/>
+          </a:xfrm>
+          <a:prstGeom prst="rect">
+            <a:avLst/>
+          </a:prstGeom>
+        </p:spPr>
+        <p:txBody>
+          <a:bodyPr spcFirstLastPara="1" wrap="square" lIns="91425" tIns="91425" rIns="91425" bIns="91425" anchor="t" anchorCtr="0">
+            <a:noAutofit/>
+          </a:bodyPr>
+          <a:lstStyle/>
+          <a:p>
+            <a:pPr marL="0" lvl="0" indent="0" rtl="0">
+              <a:spcBef>
+                <a:spcPts val="0"/>
+              </a:spcBef>
+              <a:spcAft>
+                <a:spcPts val="0"/>
+              </a:spcAft>
+              <a:buNone/>
+            </a:pPr>
+            <a:endParaRPr/>
+          </a:p>
+        </p:txBody>
+      </p:sp>
+      <p:sp>
+        <p:nvSpPr>
+          <p:cNvPr id="141" name="Shape 141"/>
+          <p:cNvSpPr>
+            <a:spLocks noGrp="1" noRot="1" noChangeAspect="1"/>
+          </p:cNvSpPr>
+          <p:nvPr>
+            <p:ph type="sldImg" idx="2"/>
+          </p:nvPr>
+        </p:nvSpPr>
+        <p:spPr>
+          <a:xfrm>
+            <a:off x="409575" y="698500"/>
+            <a:ext cx="6200775" cy="3489325"/>
+          </a:xfrm>
+          <a:custGeom>
+            <a:avLst/>
+            <a:gdLst/>
+            <a:ahLst/>
+            <a:cxnLst/>
+            <a:rect l="0" t="0" r="0" b="0"/>
+            <a:pathLst>
+              <a:path w="120000" h="120000" extrusionOk="0">
+                <a:moveTo>
+                  <a:pt x="0" y="0"/>
+                </a:moveTo>
+                <a:lnTo>
+                  <a:pt x="120000" y="0"/>
+                </a:lnTo>
+                <a:lnTo>
+                  <a:pt x="120000" y="120000"/>
+                </a:lnTo>
+                <a:lnTo>
+                  <a:pt x="0" y="120000"/>
+                </a:lnTo>
+                <a:close/>
+              </a:path>
+            </a:pathLst>
+          </a:custGeom>
+        </p:spPr>
+      </p:sp>
+    </p:spTree>
   </p:cSld>
   <p:clrMapOvr>
     <a:masterClrMapping/>
@@ -17703,11 +18870,12 @@
             </a:r>
           </a:p>
           <a:p>
-            <a:pPr marL="876300" lvl="1" indent="-342900">
+            <a:pPr marL="533400" lvl="1" indent="0">
               <a:spcBef>
                 <a:spcPts val="0"/>
               </a:spcBef>
               <a:buSzPts val="2400"/>
+              <a:buNone/>
             </a:pPr>
             <a:endParaRPr lang="en-US" sz="2000" dirty="0">
               <a:latin typeface="Times New Roman"/>
@@ -17715,67 +18883,6 @@
               <a:cs typeface="Times New Roman"/>
               <a:sym typeface="Times New Roman"/>
             </a:endParaRPr>
-          </a:p>
-          <a:p>
-            <a:pPr marL="419100" indent="-342900">
-              <a:spcBef>
-                <a:spcPts val="0"/>
-              </a:spcBef>
-              <a:buSzPts val="2400"/>
-            </a:pPr>
-            <a:r>
-              <a:rPr lang="en-US" sz="2400" dirty="0">
-                <a:latin typeface="Times New Roman"/>
-                <a:ea typeface="Times New Roman"/>
-                <a:cs typeface="Times New Roman"/>
-                <a:sym typeface="Times New Roman"/>
-              </a:rPr>
-              <a:t>Uses </a:t>
-            </a:r>
-            <a:r>
-              <a:rPr lang="en-US" sz="2400" dirty="0" err="1">
-                <a:latin typeface="Times New Roman"/>
-                <a:ea typeface="Times New Roman"/>
-                <a:cs typeface="Times New Roman"/>
-                <a:sym typeface="Times New Roman"/>
-              </a:rPr>
-              <a:t>netperf</a:t>
-            </a:r>
-            <a:r>
-              <a:rPr lang="en-US" sz="2400" dirty="0">
-                <a:latin typeface="Times New Roman"/>
-                <a:ea typeface="Times New Roman"/>
-                <a:cs typeface="Times New Roman"/>
-                <a:sym typeface="Times New Roman"/>
-              </a:rPr>
-              <a:t> UDP_STREAM </a:t>
-            </a:r>
-            <a:r>
-              <a:rPr lang="en-US" sz="2400" dirty="0" err="1">
-                <a:latin typeface="Times New Roman"/>
-                <a:ea typeface="Times New Roman"/>
-                <a:cs typeface="Times New Roman"/>
-                <a:sym typeface="Times New Roman"/>
-              </a:rPr>
-              <a:t>microbenchmark</a:t>
-            </a:r>
-          </a:p>
-          <a:p>
-            <a:pPr marL="876300" lvl="1" indent="-342900">
-              <a:spcBef>
-                <a:spcPts val="0"/>
-              </a:spcBef>
-              <a:buSzPts val="2400"/>
-            </a:pPr>
-            <a:r>
-              <a:rPr lang="en-US" sz="2000" dirty="0">
-                <a:latin typeface="Times New Roman"/>
-                <a:ea typeface="Times New Roman"/>
-                <a:cs typeface="Times New Roman"/>
-                <a:sym typeface="Times New Roman"/>
-              </a:rPr>
-              <a:t>Difficult to quantify CPU costs for TCP due to ACK packets</a:t>
-            </a:r>
           </a:p>
         </p:txBody>
       </p:sp>
@@ -17905,21 +19012,6 @@
           </a:bodyPr>
           <a:lstStyle/>
           <a:p>
-            <a:pPr marL="533400" lvl="1" indent="0">
-              <a:spcBef>
-                <a:spcPts val="0"/>
-              </a:spcBef>
-              <a:buSzPts val="2400"/>
-              <a:buNone/>
-            </a:pPr>
-            <a:endParaRPr lang="en-US" sz="2000" dirty="0">
-              <a:latin typeface="Times New Roman"/>
-              <a:ea typeface="Times New Roman"/>
-              <a:cs typeface="Times New Roman"/>
-              <a:sym typeface="Times New Roman"/>
-            </a:endParaRPr>
-          </a:p>
-          <a:p>
             <a:pPr marL="419100" indent="-342900">
               <a:spcBef>
                 <a:spcPts val="0"/>
@@ -17962,6 +19054,12 @@
               </a:rPr>
               <a:t>microbenchmark</a:t>
             </a:r>
+            <a:endParaRPr lang="en-US" sz="2400" dirty="0">
+              <a:latin typeface="Times New Roman"/>
+              <a:ea typeface="Times New Roman"/>
+              <a:cs typeface="Times New Roman"/>
+              <a:sym typeface="Times New Roman"/>
+            </a:endParaRPr>
           </a:p>
           <a:p>
             <a:pPr marL="876300" lvl="1" indent="-342900">
@@ -18045,6 +19143,36 @@
           </a:p>
         </p:txBody>
       </p:sp>
+      <p:pic>
+        <p:nvPicPr>
+          <p:cNvPr id="2" name="Picture 1">
+            <a:extLst>
+              <a:ext uri="{FF2B5EF4-FFF2-40B4-BE49-F238E27FC236}">
+                <a16:creationId xmlns:a16="http://schemas.microsoft.com/office/drawing/2014/main" id="{1369FEEC-C27F-F641-964A-18942870F0AA}"/>
+              </a:ext>
+            </a:extLst>
+          </p:cNvPr>
+          <p:cNvPicPr>
+            <a:picLocks noChangeAspect="1"/>
+          </p:cNvPicPr>
+          <p:nvPr/>
+        </p:nvPicPr>
+        <p:blipFill>
+          <a:blip r:embed="rId3"/>
+          <a:stretch>
+            <a:fillRect/>
+          </a:stretch>
+        </p:blipFill>
+        <p:spPr>
+          <a:xfrm>
+            <a:off x="6510386" y="2838452"/>
+            <a:ext cx="1790700" cy="1790700"/>
+          </a:xfrm>
+          <a:prstGeom prst="rect">
+            <a:avLst/>
+          </a:prstGeom>
+        </p:spPr>
+      </p:pic>
     </p:spTree>
     <p:extLst>
       <p:ext uri="{BB962C8B-B14F-4D97-AF65-F5344CB8AC3E}">
@@ -18224,7 +19352,7 @@
         </p:blipFill>
         <p:spPr>
           <a:xfrm>
-            <a:off x="1910281" y="1389332"/>
+            <a:off x="298764" y="1294741"/>
             <a:ext cx="5148970" cy="3205319"/>
           </a:xfrm>
           <a:prstGeom prst="rect">
@@ -18232,6 +19360,517 @@
           </a:prstGeom>
         </p:spPr>
       </p:pic>
+      <p:sp>
+        <p:nvSpPr>
+          <p:cNvPr id="5" name="Shape 112">
+            <a:extLst>
+              <a:ext uri="{FF2B5EF4-FFF2-40B4-BE49-F238E27FC236}">
+                <a16:creationId xmlns:a16="http://schemas.microsoft.com/office/drawing/2014/main" id="{A0CA5E3E-B2B9-BA42-9D4D-C1C9BE26690D}"/>
+              </a:ext>
+            </a:extLst>
+          </p:cNvPr>
+          <p:cNvSpPr txBox="1">
+            <a:spLocks/>
+          </p:cNvSpPr>
+          <p:nvPr/>
+        </p:nvSpPr>
+        <p:spPr>
+          <a:xfrm>
+            <a:off x="5447734" y="1352551"/>
+            <a:ext cx="3391466" cy="3394500"/>
+          </a:xfrm>
+          <a:prstGeom prst="rect">
+            <a:avLst/>
+          </a:prstGeom>
+          <a:noFill/>
+          <a:ln>
+            <a:noFill/>
+          </a:ln>
+        </p:spPr>
+        <p:txBody>
+          <a:bodyPr spcFirstLastPara="1" wrap="square" lIns="91425" tIns="45700" rIns="91425" bIns="45700" anchor="t" anchorCtr="0">
+            <a:noAutofit/>
+          </a:bodyPr>
+          <a:lstStyle>
+            <a:defPPr marR="0" lvl="0" algn="l" rtl="0">
+              <a:lnSpc>
+                <a:spcPct val="100000"/>
+              </a:lnSpc>
+              <a:spcBef>
+                <a:spcPts val="0"/>
+              </a:spcBef>
+              <a:spcAft>
+                <a:spcPts val="0"/>
+              </a:spcAft>
+            </a:defPPr>
+            <a:lvl1pPr marL="457200" marR="0" lvl="0" indent="-431800" algn="l" rtl="0">
+              <a:lnSpc>
+                <a:spcPct val="100000"/>
+              </a:lnSpc>
+              <a:spcBef>
+                <a:spcPts val="640"/>
+              </a:spcBef>
+              <a:spcAft>
+                <a:spcPts val="0"/>
+              </a:spcAft>
+              <a:buClr>
+                <a:srgbClr val="30302C"/>
+              </a:buClr>
+              <a:buSzPts val="3200"/>
+              <a:buFont typeface="Arial"/>
+              <a:buChar char="•"/>
+              <a:defRPr sz="3200" b="0" i="0" u="none" strike="noStrike" cap="none">
+                <a:solidFill>
+                  <a:srgbClr val="30302C"/>
+                </a:solidFill>
+                <a:latin typeface="Verdana"/>
+                <a:ea typeface="Verdana"/>
+                <a:cs typeface="Verdana"/>
+                <a:sym typeface="Verdana"/>
+              </a:defRPr>
+            </a:lvl1pPr>
+            <a:lvl2pPr marL="914400" marR="0" lvl="1" indent="-406400" algn="l" rtl="0">
+              <a:lnSpc>
+                <a:spcPct val="100000"/>
+              </a:lnSpc>
+              <a:spcBef>
+                <a:spcPts val="560"/>
+              </a:spcBef>
+              <a:spcAft>
+                <a:spcPts val="0"/>
+              </a:spcAft>
+              <a:buClr>
+                <a:srgbClr val="30302C"/>
+              </a:buClr>
+              <a:buSzPts val="2800"/>
+              <a:buFont typeface="Arial"/>
+              <a:buChar char="–"/>
+              <a:defRPr sz="2800" b="0" i="0" u="none" strike="noStrike" cap="none">
+                <a:solidFill>
+                  <a:srgbClr val="30302C"/>
+                </a:solidFill>
+                <a:latin typeface="Verdana"/>
+                <a:ea typeface="Verdana"/>
+                <a:cs typeface="Verdana"/>
+                <a:sym typeface="Verdana"/>
+              </a:defRPr>
+            </a:lvl2pPr>
+            <a:lvl3pPr marL="1371600" marR="0" lvl="2" indent="-381000" algn="l" rtl="0">
+              <a:lnSpc>
+                <a:spcPct val="100000"/>
+              </a:lnSpc>
+              <a:spcBef>
+                <a:spcPts val="480"/>
+              </a:spcBef>
+              <a:spcAft>
+                <a:spcPts val="0"/>
+              </a:spcAft>
+              <a:buClr>
+                <a:srgbClr val="30302C"/>
+              </a:buClr>
+              <a:buSzPts val="2400"/>
+              <a:buFont typeface="Arial"/>
+              <a:buChar char="•"/>
+              <a:defRPr sz="2400" b="0" i="0" u="none" strike="noStrike" cap="none">
+                <a:solidFill>
+                  <a:srgbClr val="30302C"/>
+                </a:solidFill>
+                <a:latin typeface="Verdana"/>
+                <a:ea typeface="Verdana"/>
+                <a:cs typeface="Verdana"/>
+                <a:sym typeface="Verdana"/>
+              </a:defRPr>
+            </a:lvl3pPr>
+            <a:lvl4pPr marL="1828800" marR="0" lvl="3" indent="-355600" algn="l" rtl="0">
+              <a:lnSpc>
+                <a:spcPct val="100000"/>
+              </a:lnSpc>
+              <a:spcBef>
+                <a:spcPts val="400"/>
+              </a:spcBef>
+              <a:spcAft>
+                <a:spcPts val="0"/>
+              </a:spcAft>
+              <a:buClr>
+                <a:srgbClr val="30302C"/>
+              </a:buClr>
+              <a:buSzPts val="2000"/>
+              <a:buFont typeface="Arial"/>
+              <a:buChar char="–"/>
+              <a:defRPr sz="2000" b="0" i="0" u="none" strike="noStrike" cap="none">
+                <a:solidFill>
+                  <a:srgbClr val="30302C"/>
+                </a:solidFill>
+                <a:latin typeface="Verdana"/>
+                <a:ea typeface="Verdana"/>
+                <a:cs typeface="Verdana"/>
+                <a:sym typeface="Verdana"/>
+              </a:defRPr>
+            </a:lvl4pPr>
+            <a:lvl5pPr marL="2286000" marR="0" lvl="4" indent="-355600" algn="l" rtl="0">
+              <a:lnSpc>
+                <a:spcPct val="100000"/>
+              </a:lnSpc>
+              <a:spcBef>
+                <a:spcPts val="400"/>
+              </a:spcBef>
+              <a:spcAft>
+                <a:spcPts val="0"/>
+              </a:spcAft>
+              <a:buClr>
+                <a:srgbClr val="30302C"/>
+              </a:buClr>
+              <a:buSzPts val="2000"/>
+              <a:buFont typeface="Arial"/>
+              <a:buChar char="»"/>
+              <a:defRPr sz="2000" b="0" i="0" u="none" strike="noStrike" cap="none">
+                <a:solidFill>
+                  <a:srgbClr val="30302C"/>
+                </a:solidFill>
+                <a:latin typeface="Verdana"/>
+                <a:ea typeface="Verdana"/>
+                <a:cs typeface="Verdana"/>
+                <a:sym typeface="Verdana"/>
+              </a:defRPr>
+            </a:lvl5pPr>
+            <a:lvl6pPr marL="2743200" marR="0" lvl="5" indent="-355600" algn="l" rtl="0">
+              <a:lnSpc>
+                <a:spcPct val="100000"/>
+              </a:lnSpc>
+              <a:spcBef>
+                <a:spcPts val="400"/>
+              </a:spcBef>
+              <a:spcAft>
+                <a:spcPts val="0"/>
+              </a:spcAft>
+              <a:buClr>
+                <a:schemeClr val="dk1"/>
+              </a:buClr>
+              <a:buSzPts val="2000"/>
+              <a:buFont typeface="Arial"/>
+              <a:buChar char="•"/>
+              <a:defRPr sz="2000" b="0" i="0" u="none" strike="noStrike" cap="none">
+                <a:solidFill>
+                  <a:schemeClr val="dk1"/>
+                </a:solidFill>
+                <a:latin typeface="Calibri"/>
+                <a:ea typeface="Calibri"/>
+                <a:cs typeface="Calibri"/>
+                <a:sym typeface="Calibri"/>
+              </a:defRPr>
+            </a:lvl6pPr>
+            <a:lvl7pPr marL="3200400" marR="0" lvl="6" indent="-355600" algn="l" rtl="0">
+              <a:lnSpc>
+                <a:spcPct val="100000"/>
+              </a:lnSpc>
+              <a:spcBef>
+                <a:spcPts val="400"/>
+              </a:spcBef>
+              <a:spcAft>
+                <a:spcPts val="0"/>
+              </a:spcAft>
+              <a:buClr>
+                <a:schemeClr val="dk1"/>
+              </a:buClr>
+              <a:buSzPts val="2000"/>
+              <a:buFont typeface="Arial"/>
+              <a:buChar char="•"/>
+              <a:defRPr sz="2000" b="0" i="0" u="none" strike="noStrike" cap="none">
+                <a:solidFill>
+                  <a:schemeClr val="dk1"/>
+                </a:solidFill>
+                <a:latin typeface="Calibri"/>
+                <a:ea typeface="Calibri"/>
+                <a:cs typeface="Calibri"/>
+                <a:sym typeface="Calibri"/>
+              </a:defRPr>
+            </a:lvl7pPr>
+            <a:lvl8pPr marL="3657600" marR="0" lvl="7" indent="-355600" algn="l" rtl="0">
+              <a:lnSpc>
+                <a:spcPct val="100000"/>
+              </a:lnSpc>
+              <a:spcBef>
+                <a:spcPts val="400"/>
+              </a:spcBef>
+              <a:spcAft>
+                <a:spcPts val="0"/>
+              </a:spcAft>
+              <a:buClr>
+                <a:schemeClr val="dk1"/>
+              </a:buClr>
+              <a:buSzPts val="2000"/>
+              <a:buFont typeface="Arial"/>
+              <a:buChar char="•"/>
+              <a:defRPr sz="2000" b="0" i="0" u="none" strike="noStrike" cap="none">
+                <a:solidFill>
+                  <a:schemeClr val="dk1"/>
+                </a:solidFill>
+                <a:latin typeface="Calibri"/>
+                <a:ea typeface="Calibri"/>
+                <a:cs typeface="Calibri"/>
+                <a:sym typeface="Calibri"/>
+              </a:defRPr>
+            </a:lvl8pPr>
+            <a:lvl9pPr marL="4114800" marR="0" lvl="8" indent="-355600" algn="l" rtl="0">
+              <a:lnSpc>
+                <a:spcPct val="100000"/>
+              </a:lnSpc>
+              <a:spcBef>
+                <a:spcPts val="400"/>
+              </a:spcBef>
+              <a:spcAft>
+                <a:spcPts val="0"/>
+              </a:spcAft>
+              <a:buClr>
+                <a:schemeClr val="dk1"/>
+              </a:buClr>
+              <a:buSzPts val="2000"/>
+              <a:buFont typeface="Arial"/>
+              <a:buChar char="•"/>
+              <a:defRPr sz="2000" b="0" i="0" u="none" strike="noStrike" cap="none">
+                <a:solidFill>
+                  <a:schemeClr val="dk1"/>
+                </a:solidFill>
+                <a:latin typeface="Calibri"/>
+                <a:ea typeface="Calibri"/>
+                <a:cs typeface="Calibri"/>
+                <a:sym typeface="Calibri"/>
+              </a:defRPr>
+            </a:lvl9pPr>
+          </a:lstStyle>
+          <a:p>
+            <a:pPr marL="533400" lvl="1" indent="0">
+              <a:spcBef>
+                <a:spcPts val="0"/>
+              </a:spcBef>
+              <a:buSzPts val="2400"/>
+              <a:buNone/>
+            </a:pPr>
+            <a:r>
+              <a:rPr lang="en-US" sz="1200" b="1" dirty="0">
+                <a:latin typeface="Times New Roman"/>
+                <a:ea typeface="Times New Roman"/>
+                <a:cs typeface="Times New Roman"/>
+                <a:sym typeface="Times New Roman"/>
+              </a:rPr>
+              <a:t>app: </a:t>
+            </a:r>
+            <a:r>
+              <a:rPr lang="en-US" sz="1200" dirty="0">
+                <a:latin typeface="Times New Roman"/>
+                <a:ea typeface="Times New Roman"/>
+                <a:cs typeface="Times New Roman"/>
+                <a:sym typeface="Times New Roman"/>
+              </a:rPr>
+              <a:t>user-space application on guest</a:t>
+            </a:r>
+          </a:p>
+          <a:p>
+            <a:pPr marL="533400" lvl="1" indent="0">
+              <a:spcBef>
+                <a:spcPts val="0"/>
+              </a:spcBef>
+              <a:buSzPts val="2400"/>
+              <a:buNone/>
+            </a:pPr>
+            <a:r>
+              <a:rPr lang="en-US" sz="1200" b="1" dirty="0" err="1">
+                <a:latin typeface="Times New Roman"/>
+                <a:ea typeface="Times New Roman"/>
+                <a:cs typeface="Times New Roman"/>
+                <a:sym typeface="Times New Roman"/>
+              </a:rPr>
+              <a:t>usercopy</a:t>
+            </a:r>
+            <a:r>
+              <a:rPr lang="en-US" sz="1200" b="1" dirty="0">
+                <a:latin typeface="Times New Roman"/>
+                <a:ea typeface="Times New Roman"/>
+                <a:cs typeface="Times New Roman"/>
+                <a:sym typeface="Times New Roman"/>
+              </a:rPr>
+              <a:t>: </a:t>
+            </a:r>
+            <a:r>
+              <a:rPr lang="en-US" sz="1200" dirty="0">
+                <a:latin typeface="Times New Roman"/>
+                <a:ea typeface="Times New Roman"/>
+                <a:cs typeface="Times New Roman"/>
+                <a:sym typeface="Times New Roman"/>
+              </a:rPr>
+              <a:t>packet copy to user app</a:t>
+            </a:r>
+          </a:p>
+          <a:p>
+            <a:pPr marL="533400" lvl="1" indent="0">
+              <a:spcBef>
+                <a:spcPts val="0"/>
+              </a:spcBef>
+              <a:buSzPts val="2400"/>
+              <a:buNone/>
+            </a:pPr>
+            <a:r>
+              <a:rPr lang="en-US" sz="1200" b="1" dirty="0">
+                <a:latin typeface="Times New Roman"/>
+                <a:ea typeface="Times New Roman"/>
+                <a:cs typeface="Times New Roman"/>
+                <a:sym typeface="Times New Roman"/>
+              </a:rPr>
+              <a:t>kernel</a:t>
+            </a:r>
+            <a:r>
+              <a:rPr lang="en-US" sz="1200" dirty="0">
+                <a:latin typeface="Times New Roman"/>
+                <a:ea typeface="Times New Roman"/>
+                <a:cs typeface="Times New Roman"/>
+                <a:sym typeface="Times New Roman"/>
+              </a:rPr>
+              <a:t>: kernel-space code on guest</a:t>
+            </a:r>
+          </a:p>
+          <a:p>
+            <a:pPr marL="533400" lvl="1" indent="0">
+              <a:spcBef>
+                <a:spcPts val="0"/>
+              </a:spcBef>
+              <a:buSzPts val="2400"/>
+              <a:buNone/>
+            </a:pPr>
+            <a:r>
+              <a:rPr lang="en-US" sz="1200" b="1" dirty="0" err="1">
+                <a:latin typeface="Times New Roman"/>
+                <a:ea typeface="Times New Roman"/>
+                <a:cs typeface="Times New Roman"/>
+                <a:sym typeface="Times New Roman"/>
+              </a:rPr>
+              <a:t>xen</a:t>
+            </a:r>
+            <a:r>
+              <a:rPr lang="en-US" sz="1200" dirty="0">
+                <a:latin typeface="Times New Roman"/>
+                <a:ea typeface="Times New Roman"/>
+                <a:cs typeface="Times New Roman"/>
+                <a:sym typeface="Times New Roman"/>
+              </a:rPr>
+              <a:t>: hypervisor code related to guest</a:t>
+            </a:r>
+          </a:p>
+          <a:p>
+            <a:pPr marL="533400" lvl="1" indent="0">
+              <a:spcBef>
+                <a:spcPts val="0"/>
+              </a:spcBef>
+              <a:buSzPts val="2400"/>
+              <a:buNone/>
+            </a:pPr>
+            <a:r>
+              <a:rPr lang="en-US" sz="1200" b="1" dirty="0" err="1">
+                <a:latin typeface="Times New Roman"/>
+                <a:ea typeface="Times New Roman"/>
+                <a:cs typeface="Times New Roman"/>
+                <a:sym typeface="Times New Roman"/>
+              </a:rPr>
+              <a:t>grantcopy</a:t>
+            </a:r>
+            <a:r>
+              <a:rPr lang="en-US" sz="1200" dirty="0">
+                <a:latin typeface="Times New Roman"/>
+                <a:ea typeface="Times New Roman"/>
+                <a:cs typeface="Times New Roman"/>
+                <a:sym typeface="Times New Roman"/>
+              </a:rPr>
+              <a:t>: driver to guest data copy</a:t>
+            </a:r>
+          </a:p>
+          <a:p>
+            <a:pPr marL="533400" lvl="1" indent="0">
+              <a:spcBef>
+                <a:spcPts val="0"/>
+              </a:spcBef>
+              <a:buSzPts val="2400"/>
+              <a:buNone/>
+            </a:pPr>
+            <a:r>
+              <a:rPr lang="en-US" sz="1200" b="1" dirty="0">
+                <a:latin typeface="Times New Roman"/>
+                <a:ea typeface="Times New Roman"/>
+                <a:cs typeface="Times New Roman"/>
+                <a:sym typeface="Times New Roman"/>
+              </a:rPr>
+              <a:t>kernel0</a:t>
+            </a:r>
+            <a:r>
+              <a:rPr lang="en-US" sz="1200" dirty="0">
+                <a:latin typeface="Times New Roman"/>
+                <a:ea typeface="Times New Roman"/>
+                <a:cs typeface="Times New Roman"/>
+                <a:sym typeface="Times New Roman"/>
+              </a:rPr>
+              <a:t>: kernel code in driver domain</a:t>
+            </a:r>
+          </a:p>
+          <a:p>
+            <a:pPr marL="533400" lvl="1" indent="0">
+              <a:spcBef>
+                <a:spcPts val="0"/>
+              </a:spcBef>
+              <a:buSzPts val="2400"/>
+              <a:buNone/>
+            </a:pPr>
+            <a:r>
+              <a:rPr lang="en-US" sz="1200" b="1" dirty="0">
+                <a:latin typeface="Times New Roman"/>
+                <a:ea typeface="Times New Roman"/>
+                <a:cs typeface="Times New Roman"/>
+                <a:sym typeface="Times New Roman"/>
+              </a:rPr>
+              <a:t>xen0</a:t>
+            </a:r>
+            <a:r>
+              <a:rPr lang="en-US" sz="1200" dirty="0">
+                <a:latin typeface="Times New Roman"/>
+                <a:ea typeface="Times New Roman"/>
+                <a:cs typeface="Times New Roman"/>
+                <a:sym typeface="Times New Roman"/>
+              </a:rPr>
+              <a:t>: hypervisor code in driver domain</a:t>
+            </a:r>
+          </a:p>
+          <a:p>
+            <a:pPr marL="533400" lvl="1" indent="0">
+              <a:spcBef>
+                <a:spcPts val="0"/>
+              </a:spcBef>
+              <a:buSzPts val="2400"/>
+              <a:buNone/>
+            </a:pPr>
+            <a:endParaRPr lang="en-US" sz="1200" dirty="0">
+              <a:latin typeface="Times New Roman"/>
+              <a:ea typeface="Times New Roman"/>
+              <a:cs typeface="Times New Roman"/>
+              <a:sym typeface="Times New Roman"/>
+            </a:endParaRPr>
+          </a:p>
+          <a:p>
+            <a:pPr marL="533400" lvl="1" indent="0">
+              <a:spcBef>
+                <a:spcPts val="0"/>
+              </a:spcBef>
+              <a:buSzPts val="2400"/>
+              <a:buNone/>
+            </a:pPr>
+            <a:r>
+              <a:rPr lang="en-US" sz="1200" b="1" dirty="0">
+                <a:latin typeface="Times New Roman"/>
+                <a:ea typeface="Times New Roman"/>
+                <a:cs typeface="Times New Roman"/>
+                <a:sym typeface="Times New Roman"/>
+              </a:rPr>
+              <a:t> </a:t>
+            </a:r>
+          </a:p>
+        </p:txBody>
+      </p:sp>
     </p:spTree>
     <p:extLst>
       <p:ext uri="{BB962C8B-B14F-4D97-AF65-F5344CB8AC3E}">
@@ -18775,21 +20414,6 @@
           </a:bodyPr>
           <a:lstStyle/>
           <a:p>
-            <a:pPr marL="533400" lvl="1" indent="0">
-              <a:spcBef>
-                <a:spcPts val="0"/>
-              </a:spcBef>
-              <a:buSzPts val="2400"/>
-              <a:buNone/>
-            </a:pPr>
-            <a:endParaRPr lang="en-US" sz="2000" dirty="0">
-              <a:latin typeface="Times New Roman"/>
-              <a:ea typeface="Times New Roman"/>
-              <a:cs typeface="Times New Roman"/>
-              <a:sym typeface="Times New Roman"/>
-            </a:endParaRPr>
-          </a:p>
-          <a:p>
             <a:pPr marL="419100" indent="-342900">
               <a:spcBef>
                 <a:spcPts val="0"/>
@@ -18803,7 +20427,76 @@
                 <a:cs typeface="Times New Roman"/>
                 <a:sym typeface="Times New Roman"/>
               </a:rPr>
-              <a:t>Data copying moved to guest…</a:t>
+              <a:t>Data copying moved to guest</a:t>
+            </a:r>
+          </a:p>
+          <a:p>
+            <a:pPr marL="876300" lvl="1" indent="-342900">
+              <a:spcBef>
+                <a:spcPts val="0"/>
+              </a:spcBef>
+              <a:buSzPts val="2400"/>
+            </a:pPr>
+            <a:r>
+              <a:rPr lang="en-US" sz="2000" dirty="0">
+                <a:latin typeface="Times New Roman"/>
+                <a:ea typeface="Times New Roman"/>
+                <a:cs typeface="Times New Roman"/>
+                <a:sym typeface="Times New Roman"/>
+              </a:rPr>
+              <a:t>Additional copy between </a:t>
+            </a:r>
+            <a:r>
+              <a:rPr lang="en-US" sz="2000" dirty="0" err="1">
+                <a:latin typeface="Times New Roman"/>
+                <a:ea typeface="Times New Roman"/>
+                <a:cs typeface="Times New Roman"/>
+                <a:sym typeface="Times New Roman"/>
+              </a:rPr>
+              <a:t>DomD</a:t>
+            </a:r>
+            <a:r>
+              <a:rPr lang="en-US" sz="2000" dirty="0">
+                <a:latin typeface="Times New Roman"/>
+                <a:ea typeface="Times New Roman"/>
+                <a:cs typeface="Times New Roman"/>
+                <a:sym typeface="Times New Roman"/>
+              </a:rPr>
+              <a:t> and guest is overhead not required in native Linux</a:t>
+            </a:r>
+          </a:p>
+          <a:p>
+            <a:pPr marL="876300" lvl="1" indent="-342900">
+              <a:spcBef>
+                <a:spcPts val="0"/>
+              </a:spcBef>
+              <a:buSzPts val="2400"/>
+            </a:pPr>
+            <a:r>
+              <a:rPr lang="en-US" sz="2000" dirty="0">
+                <a:latin typeface="Times New Roman"/>
+                <a:ea typeface="Times New Roman"/>
+                <a:cs typeface="Times New Roman"/>
+                <a:sym typeface="Times New Roman"/>
+              </a:rPr>
+              <a:t>The data copy is likely performed by different CPU cores (one for driver domain, one for guest) leading to poor cache locality</a:t>
+            </a:r>
+          </a:p>
+          <a:p>
+            <a:pPr marL="876300" lvl="1" indent="-342900">
+              <a:spcBef>
+                <a:spcPts val="0"/>
+              </a:spcBef>
+              <a:buSzPts val="2400"/>
+            </a:pPr>
+            <a:r>
+              <a:rPr lang="en-US" sz="2000" dirty="0">
+                <a:latin typeface="Times New Roman"/>
+                <a:ea typeface="Times New Roman"/>
+                <a:cs typeface="Times New Roman"/>
+                <a:sym typeface="Times New Roman"/>
+              </a:rPr>
+              <a:t>Ownership of the page in the driver domain containing the packet from the NIC is transferred to the guest</a:t>
             </a:r>
           </a:p>
           <a:p>
@@ -18930,21 +20623,6 @@
           </a:bodyPr>
           <a:lstStyle/>
           <a:p>
-            <a:pPr marL="533400" lvl="1" indent="0">
-              <a:spcBef>
-                <a:spcPts val="0"/>
-              </a:spcBef>
-              <a:buSzPts val="2400"/>
-              <a:buNone/>
-            </a:pPr>
-            <a:endParaRPr lang="en-US" sz="2000" dirty="0">
-              <a:latin typeface="Times New Roman"/>
-              <a:ea typeface="Times New Roman"/>
-              <a:cs typeface="Times New Roman"/>
-              <a:sym typeface="Times New Roman"/>
-            </a:endParaRPr>
-          </a:p>
-          <a:p>
             <a:pPr marL="419100" indent="-342900">
               <a:spcBef>
                 <a:spcPts val="0"/>
@@ -18958,16 +20636,119 @@
                 <a:cs typeface="Times New Roman"/>
                 <a:sym typeface="Times New Roman"/>
               </a:rPr>
-              <a:t>Grant mechanism extensions…</a:t>
+              <a:t>Data copying moved to guest</a:t>
             </a:r>
           </a:p>
           <a:p>
-            <a:pPr marL="533400" lvl="1" indent="0">
+            <a:pPr marL="876300" lvl="1" indent="-342900">
               <a:spcBef>
                 <a:spcPts val="0"/>
               </a:spcBef>
               <a:buSzPts val="2400"/>
-              <a:buNone/>
+            </a:pPr>
+            <a:r>
+              <a:rPr lang="en-US" sz="2000" dirty="0">
+                <a:latin typeface="Times New Roman"/>
+                <a:ea typeface="Times New Roman"/>
+                <a:cs typeface="Times New Roman"/>
+                <a:sym typeface="Times New Roman"/>
+              </a:rPr>
+              <a:t>Grant copy operation is performed on the guest just like the second data copy so the page is likely to exist in L2 cache</a:t>
+            </a:r>
+          </a:p>
+          <a:p>
+            <a:pPr marL="876300" lvl="1" indent="-342900">
+              <a:spcBef>
+                <a:spcPts val="0"/>
+              </a:spcBef>
+              <a:buSzPts val="2400"/>
+            </a:pPr>
+            <a:r>
+              <a:rPr lang="en-US" sz="2000" dirty="0">
+                <a:latin typeface="Times New Roman"/>
+                <a:ea typeface="Times New Roman"/>
+                <a:cs typeface="Times New Roman"/>
+                <a:sym typeface="Times New Roman"/>
+              </a:rPr>
+              <a:t>Avoids polluting </a:t>
+            </a:r>
+            <a:r>
+              <a:rPr lang="en-US" sz="2000" dirty="0" err="1">
+                <a:latin typeface="Times New Roman"/>
+                <a:ea typeface="Times New Roman"/>
+                <a:cs typeface="Times New Roman"/>
+                <a:sym typeface="Times New Roman"/>
+              </a:rPr>
+              <a:t>DomD</a:t>
+            </a:r>
+            <a:r>
+              <a:rPr lang="en-US" sz="2000" dirty="0">
+                <a:latin typeface="Times New Roman"/>
+                <a:ea typeface="Times New Roman"/>
+                <a:cs typeface="Times New Roman"/>
+                <a:sym typeface="Times New Roman"/>
+              </a:rPr>
+              <a:t> CPU cache</a:t>
+            </a:r>
+          </a:p>
+          <a:p>
+            <a:pPr marL="876300" lvl="1" indent="-342900">
+              <a:spcBef>
+                <a:spcPts val="0"/>
+              </a:spcBef>
+              <a:buSzPts val="2400"/>
+            </a:pPr>
+            <a:r>
+              <a:rPr lang="en-US" sz="2000" dirty="0">
+                <a:latin typeface="Times New Roman"/>
+                <a:ea typeface="Times New Roman"/>
+                <a:cs typeface="Times New Roman"/>
+                <a:sym typeface="Times New Roman"/>
+              </a:rPr>
+              <a:t>Improved scalability for multiple guests (avoids </a:t>
+            </a:r>
+            <a:r>
+              <a:rPr lang="en-US" sz="2000" dirty="0" err="1">
+                <a:latin typeface="Times New Roman"/>
+                <a:ea typeface="Times New Roman"/>
+                <a:cs typeface="Times New Roman"/>
+                <a:sym typeface="Times New Roman"/>
+              </a:rPr>
+              <a:t>DomD</a:t>
+            </a:r>
+            <a:r>
+              <a:rPr lang="en-US" sz="2000" dirty="0">
+                <a:latin typeface="Times New Roman"/>
+                <a:ea typeface="Times New Roman"/>
+                <a:cs typeface="Times New Roman"/>
+                <a:sym typeface="Times New Roman"/>
+              </a:rPr>
+              <a:t> bottleneck)</a:t>
+            </a:r>
+          </a:p>
+          <a:p>
+            <a:pPr marL="876300" lvl="1" indent="-342900">
+              <a:spcBef>
+                <a:spcPts val="0"/>
+              </a:spcBef>
+              <a:buSzPts val="2400"/>
+            </a:pPr>
+            <a:r>
+              <a:rPr lang="en-US" sz="2000" dirty="0">
+                <a:latin typeface="Times New Roman"/>
+                <a:ea typeface="Times New Roman"/>
+                <a:cs typeface="Times New Roman"/>
+                <a:sym typeface="Times New Roman"/>
+              </a:rPr>
+              <a:t>Enables other optimizations (e.g., socket buffer fragment allocation)</a:t>
+            </a:r>
+          </a:p>
+          <a:p>
+            <a:pPr marL="876300" lvl="1" indent="-342900">
+              <a:spcBef>
+                <a:spcPts val="0"/>
+              </a:spcBef>
+              <a:buSzPts val="2400"/>
             </a:pPr>
             <a:endParaRPr lang="en-US" sz="2000" dirty="0">
               <a:latin typeface="Times New Roman"/>
@@ -18976,12 +20757,44 @@
               <a:sym typeface="Times New Roman"/>
             </a:endParaRPr>
           </a:p>
+          <a:p>
+            <a:pPr marL="419100" indent="-342900">
+              <a:spcBef>
+                <a:spcPts val="0"/>
+              </a:spcBef>
+              <a:buSzPts val="2400"/>
+            </a:pPr>
+            <a:r>
+              <a:rPr lang="en-US" sz="2400" dirty="0">
+                <a:latin typeface="Times New Roman"/>
+                <a:ea typeface="Times New Roman"/>
+                <a:cs typeface="Times New Roman"/>
+                <a:sym typeface="Times New Roman"/>
+              </a:rPr>
+              <a:t>Saves ~2250 cycles or 276% of native</a:t>
+            </a:r>
+          </a:p>
+          <a:p>
+            <a:pPr marL="533400" lvl="1" indent="0">
+              <a:spcBef>
+                <a:spcPts val="0"/>
+              </a:spcBef>
+              <a:buSzPts val="2400"/>
+              <a:buNone/>
+            </a:pPr>
+            <a:endParaRPr lang="en-US" sz="2000" dirty="0">
+              <a:latin typeface="Times New Roman"/>
+              <a:ea typeface="Times New Roman"/>
+              <a:cs typeface="Times New Roman"/>
+              <a:sym typeface="Times New Roman"/>
+            </a:endParaRPr>
+          </a:p>
         </p:txBody>
       </p:sp>
     </p:spTree>
     <p:extLst>
       <p:ext uri="{BB962C8B-B14F-4D97-AF65-F5344CB8AC3E}">
-        <p14:creationId xmlns:p14="http://schemas.microsoft.com/office/powerpoint/2010/main" val="846996893"/>
+        <p14:creationId xmlns:p14="http://schemas.microsoft.com/office/powerpoint/2010/main" val="2036892811"/>
       </p:ext>
     </p:extLst>
   </p:cSld>
@@ -19113,30 +20926,109 @@
                 <a:cs typeface="Times New Roman"/>
                 <a:sym typeface="Times New Roman"/>
               </a:rPr>
-              <a:t>Multi-queue device support…</a:t>
+              <a:t>Grant mechanism extensions</a:t>
             </a:r>
           </a:p>
           <a:p>
-            <a:pPr marL="533400" lvl="1" indent="0">
+            <a:pPr marL="876300" lvl="1" indent="-342900">
               <a:spcBef>
                 <a:spcPts val="0"/>
               </a:spcBef>
               <a:buSzPts val="2400"/>
-              <a:buNone/>
             </a:pPr>
-            <a:endParaRPr lang="en-US" sz="2000" dirty="0">
-              <a:latin typeface="Times New Roman"/>
-              <a:ea typeface="Times New Roman"/>
-              <a:cs typeface="Times New Roman"/>
-              <a:sym typeface="Times New Roman"/>
-            </a:endParaRPr>
+            <a:r>
+              <a:rPr lang="en-US" sz="2000" dirty="0" err="1">
+                <a:latin typeface="Times New Roman"/>
+                <a:ea typeface="Times New Roman"/>
+                <a:cs typeface="Times New Roman"/>
+                <a:sym typeface="Times New Roman"/>
+              </a:rPr>
+              <a:t>DomD</a:t>
+            </a:r>
+            <a:r>
+              <a:rPr lang="en-US" sz="2000" dirty="0">
+                <a:latin typeface="Times New Roman"/>
+                <a:ea typeface="Times New Roman"/>
+                <a:cs typeface="Times New Roman"/>
+                <a:sym typeface="Times New Roman"/>
+              </a:rPr>
+              <a:t> issues grant to the guest</a:t>
+            </a:r>
+          </a:p>
+          <a:p>
+            <a:pPr marL="876300" lvl="1" indent="-342900">
+              <a:spcBef>
+                <a:spcPts val="0"/>
+              </a:spcBef>
+              <a:buSzPts val="2400"/>
+            </a:pPr>
+            <a:r>
+              <a:rPr lang="en-US" sz="2000" dirty="0">
+                <a:latin typeface="Times New Roman"/>
+                <a:ea typeface="Times New Roman"/>
+                <a:cs typeface="Times New Roman"/>
+                <a:sym typeface="Times New Roman"/>
+              </a:rPr>
+              <a:t>Packets received from other guests are not owned by driver domain</a:t>
+            </a:r>
+          </a:p>
+          <a:p>
+            <a:pPr marL="876300" lvl="1" indent="-342900">
+              <a:spcBef>
+                <a:spcPts val="0"/>
+              </a:spcBef>
+              <a:buSzPts val="2400"/>
+            </a:pPr>
+            <a:r>
+              <a:rPr lang="en-US" sz="2000" dirty="0">
+                <a:latin typeface="Times New Roman"/>
+                <a:ea typeface="Times New Roman"/>
+                <a:cs typeface="Times New Roman"/>
+                <a:sym typeface="Times New Roman"/>
+              </a:rPr>
+              <a:t>Requires grant transitivity, guest domain can transfer grant to another</a:t>
+            </a:r>
+          </a:p>
+          <a:p>
+            <a:pPr marL="876300" lvl="1" indent="-342900">
+              <a:spcBef>
+                <a:spcPts val="0"/>
+              </a:spcBef>
+              <a:buSzPts val="2400"/>
+            </a:pPr>
+            <a:r>
+              <a:rPr lang="en-US" sz="2000" dirty="0">
+                <a:latin typeface="Times New Roman"/>
+                <a:ea typeface="Times New Roman"/>
+                <a:cs typeface="Times New Roman"/>
+                <a:sym typeface="Times New Roman"/>
+              </a:rPr>
+              <a:t>Same I/O buffer can receive data from different guests =&gt; potential security violation</a:t>
+            </a:r>
+          </a:p>
+          <a:p>
+            <a:pPr marL="876300" lvl="1" indent="-342900">
+              <a:spcBef>
+                <a:spcPts val="0"/>
+              </a:spcBef>
+              <a:buSzPts val="2400"/>
+            </a:pPr>
+            <a:r>
+              <a:rPr lang="en-US" sz="2000" dirty="0">
+                <a:latin typeface="Times New Roman"/>
+                <a:ea typeface="Times New Roman"/>
+                <a:cs typeface="Times New Roman"/>
+                <a:sym typeface="Times New Roman"/>
+              </a:rPr>
+              <a:t>Grants extended with offset and size fields so receiving guest only receives access to memory containing received packet data</a:t>
+            </a:r>
           </a:p>
         </p:txBody>
       </p:sp>
     </p:spTree>
     <p:extLst>
       <p:ext uri="{BB962C8B-B14F-4D97-AF65-F5344CB8AC3E}">
-        <p14:creationId xmlns:p14="http://schemas.microsoft.com/office/powerpoint/2010/main" val="4133337529"/>
+        <p14:creationId xmlns:p14="http://schemas.microsoft.com/office/powerpoint/2010/main" val="846996893"/>
       </p:ext>
     </p:extLst>
   </p:cSld>
@@ -19503,23 +21395,111 @@
                 <a:cs typeface="Times New Roman"/>
                 <a:sym typeface="Times New Roman"/>
               </a:rPr>
-              <a:t>Caching and </a:t>
+              <a:t>Multi-queue device support</a:t>
             </a:r>
+          </a:p>
+          <a:p>
+            <a:pPr marL="876300" lvl="1" indent="-342900">
+              <a:spcBef>
+                <a:spcPts val="0"/>
+              </a:spcBef>
+              <a:buSzPts val="2400"/>
+            </a:pPr>
             <a:r>
-              <a:rPr lang="en-US" sz="2400">
+              <a:rPr lang="en-US" sz="2000" dirty="0">
                 <a:latin typeface="Times New Roman"/>
                 <a:ea typeface="Times New Roman"/>
                 <a:cs typeface="Times New Roman"/>
                 <a:sym typeface="Times New Roman"/>
               </a:rPr>
-              <a:t>reusing page grants…</a:t>
+              <a:t>Moving extra data copy to guest is good, eliminating it better!</a:t>
             </a:r>
-            <a:endParaRPr lang="en-US" sz="2400" dirty="0">
-              <a:latin typeface="Times New Roman"/>
-              <a:ea typeface="Times New Roman"/>
-              <a:cs typeface="Times New Roman"/>
-              <a:sym typeface="Times New Roman"/>
-            </a:endParaRPr>
+          </a:p>
+          <a:p>
+            <a:pPr marL="876300" lvl="1" indent="-342900">
+              <a:spcBef>
+                <a:spcPts val="0"/>
+              </a:spcBef>
+              <a:buSzPts val="2400"/>
+            </a:pPr>
+            <a:r>
+              <a:rPr lang="en-US" sz="2000" dirty="0">
+                <a:latin typeface="Times New Roman"/>
+                <a:ea typeface="Times New Roman"/>
+                <a:cs typeface="Times New Roman"/>
+                <a:sym typeface="Times New Roman"/>
+              </a:rPr>
+              <a:t>If only NIC could place packets directly into guest kernel buffer</a:t>
+            </a:r>
+          </a:p>
+          <a:p>
+            <a:pPr marL="876300" lvl="1" indent="-342900">
+              <a:spcBef>
+                <a:spcPts val="0"/>
+              </a:spcBef>
+              <a:buSzPts val="2400"/>
+            </a:pPr>
+            <a:r>
+              <a:rPr lang="en-US" sz="2000" dirty="0">
+                <a:latin typeface="Times New Roman"/>
+                <a:ea typeface="Times New Roman"/>
+                <a:cs typeface="Times New Roman"/>
+                <a:sym typeface="Times New Roman"/>
+              </a:rPr>
+              <a:t>Driver domain is bypassed</a:t>
+            </a:r>
+          </a:p>
+          <a:p>
+            <a:pPr marL="876300" lvl="1" indent="-342900">
+              <a:spcBef>
+                <a:spcPts val="0"/>
+              </a:spcBef>
+              <a:buSzPts val="2400"/>
+            </a:pPr>
+            <a:r>
+              <a:rPr lang="en-US" sz="2000" dirty="0">
+                <a:latin typeface="Times New Roman"/>
+                <a:ea typeface="Times New Roman"/>
+                <a:cs typeface="Times New Roman"/>
+                <a:sym typeface="Times New Roman"/>
+              </a:rPr>
+              <a:t>Some NICs </a:t>
+            </a:r>
+            <a:r>
+              <a:rPr lang="en-US" sz="2000" dirty="0" err="1">
+                <a:latin typeface="Times New Roman"/>
+                <a:ea typeface="Times New Roman"/>
+                <a:cs typeface="Times New Roman"/>
+                <a:sym typeface="Times New Roman"/>
+              </a:rPr>
+              <a:t>demultiplex</a:t>
+            </a:r>
+            <a:r>
+              <a:rPr lang="en-US" sz="2000" dirty="0">
+                <a:latin typeface="Times New Roman"/>
+                <a:ea typeface="Times New Roman"/>
+                <a:cs typeface="Times New Roman"/>
+                <a:sym typeface="Times New Roman"/>
+              </a:rPr>
+              <a:t> packets into multiple RX queues based on destination MAC address and VLAN IDs</a:t>
+            </a:r>
+          </a:p>
+          <a:p>
+            <a:pPr marL="876300" lvl="1" indent="-342900">
+              <a:spcBef>
+                <a:spcPts val="0"/>
+              </a:spcBef>
+              <a:buSzPts val="2400"/>
+            </a:pPr>
+            <a:r>
+              <a:rPr lang="en-US" sz="2000" dirty="0">
+                <a:latin typeface="Times New Roman"/>
+                <a:ea typeface="Times New Roman"/>
+                <a:cs typeface="Times New Roman"/>
+                <a:sym typeface="Times New Roman"/>
+              </a:rPr>
+              <a:t>Achieved by dedicating one RX queue to each guest</a:t>
+            </a:r>
           </a:p>
           <a:p>
             <a:pPr marL="533400" lvl="1" indent="0">
@@ -19541,7 +21521,7 @@
     </p:spTree>
     <p:extLst>
       <p:ext uri="{BB962C8B-B14F-4D97-AF65-F5344CB8AC3E}">
-        <p14:creationId xmlns:p14="http://schemas.microsoft.com/office/powerpoint/2010/main" val="106055819"/>
+        <p14:creationId xmlns:p14="http://schemas.microsoft.com/office/powerpoint/2010/main" val="4133337529"/>
       </p:ext>
     </p:extLst>
   </p:cSld>
@@ -19659,6 +21639,1366 @@
               <a:sym typeface="Times New Roman"/>
             </a:endParaRPr>
           </a:p>
+        </p:txBody>
+      </p:sp>
+      <p:pic>
+        <p:nvPicPr>
+          <p:cNvPr id="2" name="Picture 1">
+            <a:extLst>
+              <a:ext uri="{FF2B5EF4-FFF2-40B4-BE49-F238E27FC236}">
+                <a16:creationId xmlns:a16="http://schemas.microsoft.com/office/drawing/2014/main" id="{A0DFC7C0-D060-9C4C-8EF6-6A83931D477F}"/>
+              </a:ext>
+            </a:extLst>
+          </p:cNvPr>
+          <p:cNvPicPr>
+            <a:picLocks noChangeAspect="1"/>
+          </p:cNvPicPr>
+          <p:nvPr/>
+        </p:nvPicPr>
+        <p:blipFill>
+          <a:blip r:embed="rId3"/>
+          <a:stretch>
+            <a:fillRect/>
+          </a:stretch>
+        </p:blipFill>
+        <p:spPr>
+          <a:xfrm>
+            <a:off x="4572000" y="1159664"/>
+            <a:ext cx="4110274" cy="3415713"/>
+          </a:xfrm>
+          <a:prstGeom prst="rect">
+            <a:avLst/>
+          </a:prstGeom>
+        </p:spPr>
+      </p:pic>
+      <p:pic>
+        <p:nvPicPr>
+          <p:cNvPr id="5" name="Picture 4">
+            <a:extLst>
+              <a:ext uri="{FF2B5EF4-FFF2-40B4-BE49-F238E27FC236}">
+                <a16:creationId xmlns:a16="http://schemas.microsoft.com/office/drawing/2014/main" id="{E3AB62B2-C49F-8C41-A801-2B0558C3FBAF}"/>
+              </a:ext>
+            </a:extLst>
+          </p:cNvPr>
+          <p:cNvPicPr>
+            <a:picLocks noChangeAspect="1"/>
+          </p:cNvPicPr>
+          <p:nvPr/>
+        </p:nvPicPr>
+        <p:blipFill>
+          <a:blip r:embed="rId4"/>
+          <a:stretch>
+            <a:fillRect/>
+          </a:stretch>
+        </p:blipFill>
+        <p:spPr>
+          <a:xfrm>
+            <a:off x="253496" y="1136699"/>
+            <a:ext cx="4129575" cy="3457952"/>
+          </a:xfrm>
+          <a:prstGeom prst="rect">
+            <a:avLst/>
+          </a:prstGeom>
+        </p:spPr>
+      </p:pic>
+    </p:spTree>
+    <p:extLst>
+      <p:ext uri="{BB962C8B-B14F-4D97-AF65-F5344CB8AC3E}">
+        <p14:creationId xmlns:p14="http://schemas.microsoft.com/office/powerpoint/2010/main" val="3162653593"/>
+      </p:ext>
+    </p:extLst>
+  </p:cSld>
+  <p:clrMapOvr>
+    <a:masterClrMapping/>
+  </p:clrMapOvr>
+</p:sld>
+</file>
+
+<file path=ppt/slides/slide22.xml><?xml version="1.0" encoding="utf-8"?>
+<p:sld xmlns:a="http://schemas.openxmlformats.org/drawingml/2006/main" xmlns:r="http://schemas.openxmlformats.org/officeDocument/2006/relationships" xmlns:p="http://schemas.openxmlformats.org/presentationml/2006/main">
+  <p:cSld>
+    <p:spTree>
+      <p:nvGrpSpPr>
+        <p:cNvPr id="1" name="Shape 110"/>
+        <p:cNvGrpSpPr/>
+        <p:nvPr/>
+      </p:nvGrpSpPr>
+      <p:grpSpPr>
+        <a:xfrm>
+          <a:off x="0" y="0"/>
+          <a:ext cx="0" cy="0"/>
+          <a:chOff x="0" y="0"/>
+          <a:chExt cx="0" cy="0"/>
+        </a:xfrm>
+      </p:grpSpPr>
+      <p:sp>
+        <p:nvSpPr>
+          <p:cNvPr id="111" name="Shape 111"/>
+          <p:cNvSpPr txBox="1">
+            <a:spLocks noGrp="1"/>
+          </p:cNvSpPr>
+          <p:nvPr>
+            <p:ph type="title"/>
+          </p:nvPr>
+        </p:nvSpPr>
+        <p:spPr>
+          <a:xfrm>
+            <a:off x="457200" y="628650"/>
+            <a:ext cx="8229600" cy="537000"/>
+          </a:xfrm>
+          <a:prstGeom prst="rect">
+            <a:avLst/>
+          </a:prstGeom>
+          <a:noFill/>
+          <a:ln>
+            <a:noFill/>
+          </a:ln>
+        </p:spPr>
+        <p:txBody>
+          <a:bodyPr spcFirstLastPara="1" wrap="square" lIns="91425" tIns="45700" rIns="91425" bIns="45700" anchor="ctr" anchorCtr="0">
+            <a:noAutofit/>
+          </a:bodyPr>
+          <a:lstStyle/>
+          <a:p>
+            <a:pPr lvl="0">
+              <a:buSzPts val="3600"/>
+            </a:pPr>
+            <a:r>
+              <a:rPr lang="en-US" sz="3000" dirty="0"/>
+              <a:t>Xen Network Design Changes</a:t>
+            </a:r>
+            <a:endParaRPr sz="3000" b="0" i="0" u="none" strike="noStrike" cap="none" dirty="0">
+              <a:solidFill>
+                <a:srgbClr val="09347A"/>
+              </a:solidFill>
+              <a:latin typeface="Verdana"/>
+              <a:ea typeface="Verdana"/>
+              <a:cs typeface="Verdana"/>
+              <a:sym typeface="Verdana"/>
+            </a:endParaRPr>
+          </a:p>
+        </p:txBody>
+      </p:sp>
+      <p:sp>
+        <p:nvSpPr>
+          <p:cNvPr id="112" name="Shape 112"/>
+          <p:cNvSpPr txBox="1">
+            <a:spLocks noGrp="1"/>
+          </p:cNvSpPr>
+          <p:nvPr>
+            <p:ph type="body" idx="1"/>
+          </p:nvPr>
+        </p:nvSpPr>
+        <p:spPr>
+          <a:xfrm>
+            <a:off x="457200" y="1200151"/>
+            <a:ext cx="8229600" cy="3394500"/>
+          </a:xfrm>
+          <a:prstGeom prst="rect">
+            <a:avLst/>
+          </a:prstGeom>
+          <a:noFill/>
+          <a:ln>
+            <a:noFill/>
+          </a:ln>
+        </p:spPr>
+        <p:txBody>
+          <a:bodyPr spcFirstLastPara="1" wrap="square" lIns="91425" tIns="45700" rIns="91425" bIns="45700" anchor="t" anchorCtr="0">
+            <a:noAutofit/>
+          </a:bodyPr>
+          <a:lstStyle/>
+          <a:p>
+            <a:pPr marL="533400" lvl="1" indent="0">
+              <a:spcBef>
+                <a:spcPts val="0"/>
+              </a:spcBef>
+              <a:buSzPts val="2400"/>
+              <a:buNone/>
+            </a:pPr>
+            <a:endParaRPr lang="en-US" sz="2000" dirty="0">
+              <a:latin typeface="Times New Roman"/>
+              <a:ea typeface="Times New Roman"/>
+              <a:cs typeface="Times New Roman"/>
+              <a:sym typeface="Times New Roman"/>
+            </a:endParaRPr>
+          </a:p>
+          <a:p>
+            <a:pPr marL="419100" indent="-342900">
+              <a:spcBef>
+                <a:spcPts val="0"/>
+              </a:spcBef>
+              <a:buSzPts val="2400"/>
+            </a:pPr>
+            <a:r>
+              <a:rPr lang="en-US" sz="2400" dirty="0">
+                <a:latin typeface="Times New Roman"/>
+                <a:ea typeface="Times New Roman"/>
+                <a:cs typeface="Times New Roman"/>
+                <a:sym typeface="Times New Roman"/>
+              </a:rPr>
+              <a:t>Guest copy move optimization remains useful </a:t>
+            </a:r>
+          </a:p>
+          <a:p>
+            <a:pPr marL="876300" lvl="1" indent="-342900">
+              <a:spcBef>
+                <a:spcPts val="0"/>
+              </a:spcBef>
+              <a:buSzPts val="2400"/>
+            </a:pPr>
+            <a:r>
+              <a:rPr lang="en-US" sz="2000" dirty="0">
+                <a:latin typeface="Times New Roman"/>
+                <a:ea typeface="Times New Roman"/>
+                <a:cs typeface="Times New Roman"/>
+                <a:sym typeface="Times New Roman"/>
+              </a:rPr>
+              <a:t>Number of guests can exceed number of RX queues</a:t>
+            </a:r>
+          </a:p>
+          <a:p>
+            <a:pPr marL="876300" lvl="1" indent="-342900">
+              <a:spcBef>
+                <a:spcPts val="0"/>
+              </a:spcBef>
+              <a:buSzPts val="2400"/>
+            </a:pPr>
+            <a:r>
+              <a:rPr lang="en-US" sz="2000" dirty="0">
+                <a:latin typeface="Times New Roman"/>
+                <a:ea typeface="Times New Roman"/>
+                <a:cs typeface="Times New Roman"/>
+                <a:sym typeface="Times New Roman"/>
+              </a:rPr>
+              <a:t>Still necessary for guest to guest traffic</a:t>
+            </a:r>
+          </a:p>
+          <a:p>
+            <a:pPr marL="876300" lvl="1" indent="-342900">
+              <a:spcBef>
+                <a:spcPts val="0"/>
+              </a:spcBef>
+              <a:buSzPts val="2400"/>
+            </a:pPr>
+            <a:r>
+              <a:rPr lang="en-US" sz="2000" dirty="0">
+                <a:latin typeface="Times New Roman"/>
+                <a:ea typeface="Times New Roman"/>
+                <a:cs typeface="Times New Roman"/>
+                <a:sym typeface="Times New Roman"/>
+              </a:rPr>
+              <a:t>Packets from other guests contain copy grants</a:t>
+            </a:r>
+          </a:p>
+          <a:p>
+            <a:pPr marL="533400" lvl="1" indent="0">
+              <a:spcBef>
+                <a:spcPts val="0"/>
+              </a:spcBef>
+              <a:buSzPts val="2400"/>
+              <a:buNone/>
+            </a:pPr>
+            <a:endParaRPr lang="en-US" sz="2000" dirty="0">
+              <a:latin typeface="Times New Roman"/>
+              <a:ea typeface="Times New Roman"/>
+              <a:cs typeface="Times New Roman"/>
+              <a:sym typeface="Times New Roman"/>
+            </a:endParaRPr>
+          </a:p>
+        </p:txBody>
+      </p:sp>
+    </p:spTree>
+    <p:extLst>
+      <p:ext uri="{BB962C8B-B14F-4D97-AF65-F5344CB8AC3E}">
+        <p14:creationId xmlns:p14="http://schemas.microsoft.com/office/powerpoint/2010/main" val="3317363499"/>
+      </p:ext>
+    </p:extLst>
+  </p:cSld>
+  <p:clrMapOvr>
+    <a:masterClrMapping/>
+  </p:clrMapOvr>
+</p:sld>
+</file>
+
+<file path=ppt/slides/slide23.xml><?xml version="1.0" encoding="utf-8"?>
+<p:sld xmlns:a="http://schemas.openxmlformats.org/drawingml/2006/main" xmlns:r="http://schemas.openxmlformats.org/officeDocument/2006/relationships" xmlns:p="http://schemas.openxmlformats.org/presentationml/2006/main">
+  <p:cSld>
+    <p:spTree>
+      <p:nvGrpSpPr>
+        <p:cNvPr id="1" name="Shape 110"/>
+        <p:cNvGrpSpPr/>
+        <p:nvPr/>
+      </p:nvGrpSpPr>
+      <p:grpSpPr>
+        <a:xfrm>
+          <a:off x="0" y="0"/>
+          <a:ext cx="0" cy="0"/>
+          <a:chOff x="0" y="0"/>
+          <a:chExt cx="0" cy="0"/>
+        </a:xfrm>
+      </p:grpSpPr>
+      <p:sp>
+        <p:nvSpPr>
+          <p:cNvPr id="111" name="Shape 111"/>
+          <p:cNvSpPr txBox="1">
+            <a:spLocks noGrp="1"/>
+          </p:cNvSpPr>
+          <p:nvPr>
+            <p:ph type="title"/>
+          </p:nvPr>
+        </p:nvSpPr>
+        <p:spPr>
+          <a:xfrm>
+            <a:off x="457200" y="628650"/>
+            <a:ext cx="8229600" cy="537000"/>
+          </a:xfrm>
+          <a:prstGeom prst="rect">
+            <a:avLst/>
+          </a:prstGeom>
+          <a:noFill/>
+          <a:ln>
+            <a:noFill/>
+          </a:ln>
+        </p:spPr>
+        <p:txBody>
+          <a:bodyPr spcFirstLastPara="1" wrap="square" lIns="91425" tIns="45700" rIns="91425" bIns="45700" anchor="ctr" anchorCtr="0">
+            <a:noAutofit/>
+          </a:bodyPr>
+          <a:lstStyle/>
+          <a:p>
+            <a:pPr lvl="0">
+              <a:buSzPts val="3600"/>
+            </a:pPr>
+            <a:r>
+              <a:rPr lang="en-US" sz="3000" dirty="0"/>
+              <a:t>Xen Network Design Changes</a:t>
+            </a:r>
+            <a:endParaRPr sz="3000" b="0" i="0" u="none" strike="noStrike" cap="none" dirty="0">
+              <a:solidFill>
+                <a:srgbClr val="09347A"/>
+              </a:solidFill>
+              <a:latin typeface="Verdana"/>
+              <a:ea typeface="Verdana"/>
+              <a:cs typeface="Verdana"/>
+              <a:sym typeface="Verdana"/>
+            </a:endParaRPr>
+          </a:p>
+        </p:txBody>
+      </p:sp>
+      <p:sp>
+        <p:nvSpPr>
+          <p:cNvPr id="112" name="Shape 112"/>
+          <p:cNvSpPr txBox="1">
+            <a:spLocks noGrp="1"/>
+          </p:cNvSpPr>
+          <p:nvPr>
+            <p:ph type="body" idx="1"/>
+          </p:nvPr>
+        </p:nvSpPr>
+        <p:spPr>
+          <a:xfrm>
+            <a:off x="457200" y="1200151"/>
+            <a:ext cx="8229600" cy="3394500"/>
+          </a:xfrm>
+          <a:prstGeom prst="rect">
+            <a:avLst/>
+          </a:prstGeom>
+          <a:noFill/>
+          <a:ln>
+            <a:noFill/>
+          </a:ln>
+        </p:spPr>
+        <p:txBody>
+          <a:bodyPr spcFirstLastPara="1" wrap="square" lIns="91425" tIns="45700" rIns="91425" bIns="45700" anchor="t" anchorCtr="0">
+            <a:noAutofit/>
+          </a:bodyPr>
+          <a:lstStyle/>
+          <a:p>
+            <a:pPr marL="533400" lvl="1" indent="0">
+              <a:spcBef>
+                <a:spcPts val="0"/>
+              </a:spcBef>
+              <a:buSzPts val="2400"/>
+              <a:buNone/>
+            </a:pPr>
+            <a:endParaRPr lang="en-US" sz="2000" dirty="0">
+              <a:latin typeface="Times New Roman"/>
+              <a:ea typeface="Times New Roman"/>
+              <a:cs typeface="Times New Roman"/>
+              <a:sym typeface="Times New Roman"/>
+            </a:endParaRPr>
+          </a:p>
+          <a:p>
+            <a:pPr marL="419100" indent="-342900">
+              <a:spcBef>
+                <a:spcPts val="0"/>
+              </a:spcBef>
+              <a:buSzPts val="2400"/>
+            </a:pPr>
+            <a:r>
+              <a:rPr lang="en-US" sz="2400" dirty="0">
+                <a:latin typeface="Times New Roman"/>
+                <a:ea typeface="Times New Roman"/>
+                <a:cs typeface="Times New Roman"/>
+                <a:sym typeface="Times New Roman"/>
+              </a:rPr>
+              <a:t>Multi-queue summary</a:t>
+            </a:r>
+          </a:p>
+          <a:p>
+            <a:pPr marL="990600" lvl="1" indent="-457200">
+              <a:spcBef>
+                <a:spcPts val="0"/>
+              </a:spcBef>
+              <a:buSzPts val="2400"/>
+            </a:pPr>
+            <a:r>
+              <a:rPr lang="en-US" sz="2000" dirty="0">
+                <a:latin typeface="Times New Roman"/>
+                <a:ea typeface="Times New Roman"/>
+                <a:cs typeface="Times New Roman"/>
+                <a:sym typeface="Times New Roman"/>
+              </a:rPr>
+              <a:t>Device to guest data transfer reduces cost by 700 cycles</a:t>
+            </a:r>
+          </a:p>
+          <a:p>
+            <a:pPr marL="990600" lvl="1" indent="-457200">
+              <a:spcBef>
+                <a:spcPts val="0"/>
+              </a:spcBef>
+              <a:buSzPts val="2400"/>
+            </a:pPr>
+            <a:r>
+              <a:rPr lang="en-US" sz="2000" dirty="0">
+                <a:latin typeface="Times New Roman"/>
+                <a:ea typeface="Times New Roman"/>
+                <a:cs typeface="Times New Roman"/>
+                <a:sym typeface="Times New Roman"/>
+              </a:rPr>
+              <a:t>Simplified socket buffer allocation and packet routing by 1150</a:t>
+            </a:r>
+          </a:p>
+          <a:p>
+            <a:pPr marL="990600" lvl="1" indent="-457200">
+              <a:spcBef>
+                <a:spcPts val="0"/>
+              </a:spcBef>
+              <a:buSzPts val="2400"/>
+            </a:pPr>
+            <a:r>
+              <a:rPr lang="en-US" sz="2000" dirty="0">
+                <a:latin typeface="Times New Roman"/>
+                <a:ea typeface="Times New Roman"/>
+                <a:cs typeface="Times New Roman"/>
+                <a:sym typeface="Times New Roman"/>
+              </a:rPr>
+              <a:t>Grant mapping requires two grant copies (map and </a:t>
+            </a:r>
+            <a:r>
+              <a:rPr lang="en-US" sz="2000" dirty="0" err="1">
+                <a:latin typeface="Times New Roman"/>
+                <a:ea typeface="Times New Roman"/>
+                <a:cs typeface="Times New Roman"/>
+                <a:sym typeface="Times New Roman"/>
+              </a:rPr>
+              <a:t>unmap</a:t>
+            </a:r>
+            <a:r>
+              <a:rPr lang="en-US" sz="2000" dirty="0">
+                <a:latin typeface="Times New Roman"/>
+                <a:ea typeface="Times New Roman"/>
+                <a:cs typeface="Times New Roman"/>
+                <a:sym typeface="Times New Roman"/>
+              </a:rPr>
+              <a:t>) increasing cost by 650 cycles</a:t>
+            </a:r>
+          </a:p>
+          <a:p>
+            <a:pPr marL="533400" lvl="1" indent="0">
+              <a:spcBef>
+                <a:spcPts val="0"/>
+              </a:spcBef>
+              <a:buSzPts val="2400"/>
+              <a:buNone/>
+            </a:pPr>
+            <a:endParaRPr lang="en-US" sz="2000" dirty="0">
+              <a:latin typeface="Times New Roman"/>
+              <a:ea typeface="Times New Roman"/>
+              <a:cs typeface="Times New Roman"/>
+              <a:sym typeface="Times New Roman"/>
+            </a:endParaRPr>
+          </a:p>
+          <a:p>
+            <a:pPr marL="533400" indent="-457200">
+              <a:spcBef>
+                <a:spcPts val="0"/>
+              </a:spcBef>
+              <a:buSzPts val="2400"/>
+            </a:pPr>
+            <a:r>
+              <a:rPr lang="en-US" sz="2400" dirty="0">
+                <a:latin typeface="Times New Roman"/>
+                <a:ea typeface="Times New Roman"/>
+                <a:cs typeface="Times New Roman"/>
+                <a:sym typeface="Times New Roman"/>
+              </a:rPr>
+              <a:t>Net reduction: 1200 cycles or 246% of native</a:t>
+            </a:r>
+          </a:p>
+        </p:txBody>
+      </p:sp>
+    </p:spTree>
+    <p:extLst>
+      <p:ext uri="{BB962C8B-B14F-4D97-AF65-F5344CB8AC3E}">
+        <p14:creationId xmlns:p14="http://schemas.microsoft.com/office/powerpoint/2010/main" val="4097825951"/>
+      </p:ext>
+    </p:extLst>
+  </p:cSld>
+  <p:clrMapOvr>
+    <a:masterClrMapping/>
+  </p:clrMapOvr>
+</p:sld>
+</file>
+
+<file path=ppt/slides/slide24.xml><?xml version="1.0" encoding="utf-8"?>
+<p:sld xmlns:a="http://schemas.openxmlformats.org/drawingml/2006/main" xmlns:r="http://schemas.openxmlformats.org/officeDocument/2006/relationships" xmlns:p="http://schemas.openxmlformats.org/presentationml/2006/main">
+  <p:cSld>
+    <p:spTree>
+      <p:nvGrpSpPr>
+        <p:cNvPr id="1" name="Shape 110"/>
+        <p:cNvGrpSpPr/>
+        <p:nvPr/>
+      </p:nvGrpSpPr>
+      <p:grpSpPr>
+        <a:xfrm>
+          <a:off x="0" y="0"/>
+          <a:ext cx="0" cy="0"/>
+          <a:chOff x="0" y="0"/>
+          <a:chExt cx="0" cy="0"/>
+        </a:xfrm>
+      </p:grpSpPr>
+      <p:sp>
+        <p:nvSpPr>
+          <p:cNvPr id="111" name="Shape 111"/>
+          <p:cNvSpPr txBox="1">
+            <a:spLocks noGrp="1"/>
+          </p:cNvSpPr>
+          <p:nvPr>
+            <p:ph type="title"/>
+          </p:nvPr>
+        </p:nvSpPr>
+        <p:spPr>
+          <a:xfrm>
+            <a:off x="457200" y="628650"/>
+            <a:ext cx="8229600" cy="537000"/>
+          </a:xfrm>
+          <a:prstGeom prst="rect">
+            <a:avLst/>
+          </a:prstGeom>
+          <a:noFill/>
+          <a:ln>
+            <a:noFill/>
+          </a:ln>
+        </p:spPr>
+        <p:txBody>
+          <a:bodyPr spcFirstLastPara="1" wrap="square" lIns="91425" tIns="45700" rIns="91425" bIns="45700" anchor="ctr" anchorCtr="0">
+            <a:noAutofit/>
+          </a:bodyPr>
+          <a:lstStyle/>
+          <a:p>
+            <a:pPr lvl="0">
+              <a:buSzPts val="3600"/>
+            </a:pPr>
+            <a:r>
+              <a:rPr lang="en-US" sz="3000" dirty="0"/>
+              <a:t>Xen Network Design Changes</a:t>
+            </a:r>
+            <a:endParaRPr sz="3000" b="0" i="0" u="none" strike="noStrike" cap="none" dirty="0">
+              <a:solidFill>
+                <a:srgbClr val="09347A"/>
+              </a:solidFill>
+              <a:latin typeface="Verdana"/>
+              <a:ea typeface="Verdana"/>
+              <a:cs typeface="Verdana"/>
+              <a:sym typeface="Verdana"/>
+            </a:endParaRPr>
+          </a:p>
+        </p:txBody>
+      </p:sp>
+      <p:sp>
+        <p:nvSpPr>
+          <p:cNvPr id="112" name="Shape 112"/>
+          <p:cNvSpPr txBox="1">
+            <a:spLocks noGrp="1"/>
+          </p:cNvSpPr>
+          <p:nvPr>
+            <p:ph type="body" idx="1"/>
+          </p:nvPr>
+        </p:nvSpPr>
+        <p:spPr>
+          <a:xfrm>
+            <a:off x="457200" y="1200151"/>
+            <a:ext cx="8229600" cy="3394500"/>
+          </a:xfrm>
+          <a:prstGeom prst="rect">
+            <a:avLst/>
+          </a:prstGeom>
+          <a:noFill/>
+          <a:ln>
+            <a:noFill/>
+          </a:ln>
+        </p:spPr>
+        <p:txBody>
+          <a:bodyPr spcFirstLastPara="1" wrap="square" lIns="91425" tIns="45700" rIns="91425" bIns="45700" anchor="t" anchorCtr="0">
+            <a:noAutofit/>
+          </a:bodyPr>
+          <a:lstStyle/>
+          <a:p>
+            <a:pPr marL="533400" lvl="1" indent="0">
+              <a:spcBef>
+                <a:spcPts val="0"/>
+              </a:spcBef>
+              <a:buSzPts val="2400"/>
+              <a:buNone/>
+            </a:pPr>
+            <a:endParaRPr lang="en-US" sz="2000" dirty="0">
+              <a:latin typeface="Times New Roman"/>
+              <a:ea typeface="Times New Roman"/>
+              <a:cs typeface="Times New Roman"/>
+              <a:sym typeface="Times New Roman"/>
+            </a:endParaRPr>
+          </a:p>
+          <a:p>
+            <a:pPr marL="419100" indent="-342900">
+              <a:spcBef>
+                <a:spcPts val="0"/>
+              </a:spcBef>
+              <a:buSzPts val="2400"/>
+            </a:pPr>
+            <a:r>
+              <a:rPr lang="en-US" sz="2400" dirty="0">
+                <a:latin typeface="Times New Roman"/>
+                <a:ea typeface="Times New Roman"/>
+                <a:cs typeface="Times New Roman"/>
+                <a:sym typeface="Times New Roman"/>
+              </a:rPr>
+              <a:t>Caching and reusing page grants</a:t>
+            </a:r>
+          </a:p>
+          <a:p>
+            <a:pPr marL="876300" lvl="1" indent="-342900">
+              <a:spcBef>
+                <a:spcPts val="0"/>
+              </a:spcBef>
+              <a:buSzPts val="2400"/>
+            </a:pPr>
+            <a:r>
+              <a:rPr lang="en-US" sz="2000" dirty="0">
+                <a:latin typeface="Times New Roman"/>
+                <a:ea typeface="Times New Roman"/>
+                <a:cs typeface="Times New Roman"/>
+                <a:sym typeface="Times New Roman"/>
+              </a:rPr>
+              <a:t>Large percentage of Xen I/O CPU cycles due to page grants</a:t>
+            </a:r>
+          </a:p>
+          <a:p>
+            <a:pPr marL="876300" lvl="1" indent="-342900">
+              <a:spcBef>
+                <a:spcPts val="0"/>
+              </a:spcBef>
+              <a:buSzPts val="2400"/>
+            </a:pPr>
+            <a:r>
+              <a:rPr lang="en-US" sz="2000" dirty="0">
+                <a:latin typeface="Times New Roman"/>
+                <a:ea typeface="Times New Roman"/>
+                <a:cs typeface="Times New Roman"/>
+                <a:sym typeface="Times New Roman"/>
+              </a:rPr>
+              <a:t>Memory isolation property slightly relaxed</a:t>
+            </a:r>
+          </a:p>
+          <a:p>
+            <a:pPr marL="876300" lvl="1" indent="-342900">
+              <a:spcBef>
+                <a:spcPts val="0"/>
+              </a:spcBef>
+              <a:buSzPts val="2400"/>
+            </a:pPr>
+            <a:r>
+              <a:rPr lang="en-US" sz="2000" dirty="0">
+                <a:latin typeface="Times New Roman"/>
+                <a:ea typeface="Times New Roman"/>
+                <a:cs typeface="Times New Roman"/>
+                <a:sym typeface="Times New Roman"/>
+              </a:rPr>
+              <a:t>Driver domain keeps guest I/O buffers mapped in its address space</a:t>
+            </a:r>
+          </a:p>
+          <a:p>
+            <a:pPr marL="876300" lvl="1" indent="-342900">
+              <a:spcBef>
+                <a:spcPts val="0"/>
+              </a:spcBef>
+              <a:buSzPts val="2400"/>
+            </a:pPr>
+            <a:r>
+              <a:rPr lang="en-US" sz="2000" dirty="0">
+                <a:latin typeface="Times New Roman"/>
+                <a:ea typeface="Times New Roman"/>
+                <a:cs typeface="Times New Roman"/>
+                <a:sym typeface="Times New Roman"/>
+              </a:rPr>
+              <a:t>Linux slab allocator caches previously used I/O buffers allowing page grants can be reused</a:t>
+            </a:r>
+          </a:p>
+          <a:p>
+            <a:pPr marL="876300" lvl="1" indent="-342900">
+              <a:spcBef>
+                <a:spcPts val="0"/>
+              </a:spcBef>
+              <a:buSzPts val="2400"/>
+            </a:pPr>
+            <a:r>
+              <a:rPr lang="en-US" sz="2000" dirty="0">
+                <a:latin typeface="Times New Roman"/>
+                <a:ea typeface="Times New Roman"/>
+                <a:cs typeface="Times New Roman"/>
+                <a:sym typeface="Times New Roman"/>
+              </a:rPr>
+              <a:t>Security loss is minimal as </a:t>
+            </a:r>
+            <a:r>
+              <a:rPr lang="en-US" sz="2000" dirty="0" err="1">
+                <a:latin typeface="Times New Roman"/>
+                <a:ea typeface="Times New Roman"/>
+                <a:cs typeface="Times New Roman"/>
+                <a:sym typeface="Times New Roman"/>
+              </a:rPr>
+              <a:t>DomD</a:t>
+            </a:r>
+            <a:r>
+              <a:rPr lang="en-US" sz="2000" dirty="0">
+                <a:latin typeface="Times New Roman"/>
+                <a:ea typeface="Times New Roman"/>
+                <a:cs typeface="Times New Roman"/>
+                <a:sym typeface="Times New Roman"/>
+              </a:rPr>
+              <a:t> can only access I/O pages, no other data or code</a:t>
+            </a:r>
+          </a:p>
+          <a:p>
+            <a:pPr marL="533400" lvl="1" indent="0">
+              <a:spcBef>
+                <a:spcPts val="0"/>
+              </a:spcBef>
+              <a:buSzPts val="2400"/>
+              <a:buNone/>
+            </a:pPr>
+            <a:endParaRPr lang="en-US" sz="2000" dirty="0">
+              <a:latin typeface="Times New Roman"/>
+              <a:ea typeface="Times New Roman"/>
+              <a:cs typeface="Times New Roman"/>
+              <a:sym typeface="Times New Roman"/>
+            </a:endParaRPr>
+          </a:p>
+        </p:txBody>
+      </p:sp>
+    </p:spTree>
+    <p:extLst>
+      <p:ext uri="{BB962C8B-B14F-4D97-AF65-F5344CB8AC3E}">
+        <p14:creationId xmlns:p14="http://schemas.microsoft.com/office/powerpoint/2010/main" val="106055819"/>
+      </p:ext>
+    </p:extLst>
+  </p:cSld>
+  <p:clrMapOvr>
+    <a:masterClrMapping/>
+  </p:clrMapOvr>
+</p:sld>
+</file>
+
+<file path=ppt/slides/slide25.xml><?xml version="1.0" encoding="utf-8"?>
+<p:sld xmlns:a="http://schemas.openxmlformats.org/drawingml/2006/main" xmlns:r="http://schemas.openxmlformats.org/officeDocument/2006/relationships" xmlns:p="http://schemas.openxmlformats.org/presentationml/2006/main">
+  <p:cSld>
+    <p:spTree>
+      <p:nvGrpSpPr>
+        <p:cNvPr id="1" name="Shape 110"/>
+        <p:cNvGrpSpPr/>
+        <p:nvPr/>
+      </p:nvGrpSpPr>
+      <p:grpSpPr>
+        <a:xfrm>
+          <a:off x="0" y="0"/>
+          <a:ext cx="0" cy="0"/>
+          <a:chOff x="0" y="0"/>
+          <a:chExt cx="0" cy="0"/>
+        </a:xfrm>
+      </p:grpSpPr>
+      <p:sp>
+        <p:nvSpPr>
+          <p:cNvPr id="111" name="Shape 111"/>
+          <p:cNvSpPr txBox="1">
+            <a:spLocks noGrp="1"/>
+          </p:cNvSpPr>
+          <p:nvPr>
+            <p:ph type="title"/>
+          </p:nvPr>
+        </p:nvSpPr>
+        <p:spPr>
+          <a:xfrm>
+            <a:off x="457200" y="628650"/>
+            <a:ext cx="8229600" cy="537000"/>
+          </a:xfrm>
+          <a:prstGeom prst="rect">
+            <a:avLst/>
+          </a:prstGeom>
+          <a:noFill/>
+          <a:ln>
+            <a:noFill/>
+          </a:ln>
+        </p:spPr>
+        <p:txBody>
+          <a:bodyPr spcFirstLastPara="1" wrap="square" lIns="91425" tIns="45700" rIns="91425" bIns="45700" anchor="ctr" anchorCtr="0">
+            <a:noAutofit/>
+          </a:bodyPr>
+          <a:lstStyle/>
+          <a:p>
+            <a:pPr lvl="0">
+              <a:buSzPts val="3600"/>
+            </a:pPr>
+            <a:r>
+              <a:rPr lang="en-US" sz="3000" dirty="0"/>
+              <a:t>Xen Network Design Changes</a:t>
+            </a:r>
+            <a:endParaRPr sz="3000" b="0" i="0" u="none" strike="noStrike" cap="none" dirty="0">
+              <a:solidFill>
+                <a:srgbClr val="09347A"/>
+              </a:solidFill>
+              <a:latin typeface="Verdana"/>
+              <a:ea typeface="Verdana"/>
+              <a:cs typeface="Verdana"/>
+              <a:sym typeface="Verdana"/>
+            </a:endParaRPr>
+          </a:p>
+        </p:txBody>
+      </p:sp>
+      <p:sp>
+        <p:nvSpPr>
+          <p:cNvPr id="112" name="Shape 112"/>
+          <p:cNvSpPr txBox="1">
+            <a:spLocks noGrp="1"/>
+          </p:cNvSpPr>
+          <p:nvPr>
+            <p:ph type="body" idx="1"/>
+          </p:nvPr>
+        </p:nvSpPr>
+        <p:spPr>
+          <a:xfrm>
+            <a:off x="457200" y="1200151"/>
+            <a:ext cx="8229600" cy="3394500"/>
+          </a:xfrm>
+          <a:prstGeom prst="rect">
+            <a:avLst/>
+          </a:prstGeom>
+          <a:noFill/>
+          <a:ln>
+            <a:noFill/>
+          </a:ln>
+        </p:spPr>
+        <p:txBody>
+          <a:bodyPr spcFirstLastPara="1" wrap="square" lIns="91425" tIns="45700" rIns="91425" bIns="45700" anchor="t" anchorCtr="0">
+            <a:noAutofit/>
+          </a:bodyPr>
+          <a:lstStyle/>
+          <a:p>
+            <a:pPr marL="533400" lvl="1" indent="0">
+              <a:spcBef>
+                <a:spcPts val="0"/>
+              </a:spcBef>
+              <a:buSzPts val="2400"/>
+              <a:buNone/>
+            </a:pPr>
+            <a:endParaRPr lang="en-US" sz="2000" dirty="0">
+              <a:latin typeface="Times New Roman"/>
+              <a:ea typeface="Times New Roman"/>
+              <a:cs typeface="Times New Roman"/>
+              <a:sym typeface="Times New Roman"/>
+            </a:endParaRPr>
+          </a:p>
+        </p:txBody>
+      </p:sp>
+      <p:pic>
+        <p:nvPicPr>
+          <p:cNvPr id="2" name="Picture 1">
+            <a:extLst>
+              <a:ext uri="{FF2B5EF4-FFF2-40B4-BE49-F238E27FC236}">
+                <a16:creationId xmlns:a16="http://schemas.microsoft.com/office/drawing/2014/main" id="{A0DFC7C0-D060-9C4C-8EF6-6A83931D477F}"/>
+              </a:ext>
+            </a:extLst>
+          </p:cNvPr>
+          <p:cNvPicPr>
+            <a:picLocks noChangeAspect="1"/>
+          </p:cNvPicPr>
+          <p:nvPr/>
+        </p:nvPicPr>
+        <p:blipFill>
+          <a:blip r:embed="rId3"/>
+          <a:stretch>
+            <a:fillRect/>
+          </a:stretch>
+        </p:blipFill>
+        <p:spPr>
+          <a:xfrm>
+            <a:off x="457200" y="1165650"/>
+            <a:ext cx="4110274" cy="3415713"/>
+          </a:xfrm>
+          <a:prstGeom prst="rect">
+            <a:avLst/>
+          </a:prstGeom>
+        </p:spPr>
+      </p:pic>
+      <p:pic>
+        <p:nvPicPr>
+          <p:cNvPr id="3" name="Picture 2">
+            <a:extLst>
+              <a:ext uri="{FF2B5EF4-FFF2-40B4-BE49-F238E27FC236}">
+                <a16:creationId xmlns:a16="http://schemas.microsoft.com/office/drawing/2014/main" id="{311CE271-9CD2-8747-9F30-D75454FEBE42}"/>
+              </a:ext>
+            </a:extLst>
+          </p:cNvPr>
+          <p:cNvPicPr>
+            <a:picLocks noChangeAspect="1"/>
+          </p:cNvPicPr>
+          <p:nvPr/>
+        </p:nvPicPr>
+        <p:blipFill>
+          <a:blip r:embed="rId4"/>
+          <a:stretch>
+            <a:fillRect/>
+          </a:stretch>
+        </p:blipFill>
+        <p:spPr>
+          <a:xfrm>
+            <a:off x="4726870" y="1159005"/>
+            <a:ext cx="4013062" cy="3429001"/>
+          </a:xfrm>
+          <a:prstGeom prst="rect">
+            <a:avLst/>
+          </a:prstGeom>
+        </p:spPr>
+      </p:pic>
+    </p:spTree>
+    <p:extLst>
+      <p:ext uri="{BB962C8B-B14F-4D97-AF65-F5344CB8AC3E}">
+        <p14:creationId xmlns:p14="http://schemas.microsoft.com/office/powerpoint/2010/main" val="260541682"/>
+      </p:ext>
+    </p:extLst>
+  </p:cSld>
+  <p:clrMapOvr>
+    <a:masterClrMapping/>
+  </p:clrMapOvr>
+</p:sld>
+</file>
+
+<file path=ppt/slides/slide26.xml><?xml version="1.0" encoding="utf-8"?>
+<p:sld xmlns:a="http://schemas.openxmlformats.org/drawingml/2006/main" xmlns:r="http://schemas.openxmlformats.org/officeDocument/2006/relationships" xmlns:p="http://schemas.openxmlformats.org/presentationml/2006/main">
+  <p:cSld>
+    <p:spTree>
+      <p:nvGrpSpPr>
+        <p:cNvPr id="1" name="Shape 110"/>
+        <p:cNvGrpSpPr/>
+        <p:nvPr/>
+      </p:nvGrpSpPr>
+      <p:grpSpPr>
+        <a:xfrm>
+          <a:off x="0" y="0"/>
+          <a:ext cx="0" cy="0"/>
+          <a:chOff x="0" y="0"/>
+          <a:chExt cx="0" cy="0"/>
+        </a:xfrm>
+      </p:grpSpPr>
+      <p:sp>
+        <p:nvSpPr>
+          <p:cNvPr id="111" name="Shape 111"/>
+          <p:cNvSpPr txBox="1">
+            <a:spLocks noGrp="1"/>
+          </p:cNvSpPr>
+          <p:nvPr>
+            <p:ph type="title"/>
+          </p:nvPr>
+        </p:nvSpPr>
+        <p:spPr>
+          <a:xfrm>
+            <a:off x="457200" y="628650"/>
+            <a:ext cx="8229600" cy="537000"/>
+          </a:xfrm>
+          <a:prstGeom prst="rect">
+            <a:avLst/>
+          </a:prstGeom>
+          <a:noFill/>
+          <a:ln>
+            <a:noFill/>
+          </a:ln>
+        </p:spPr>
+        <p:txBody>
+          <a:bodyPr spcFirstLastPara="1" wrap="square" lIns="91425" tIns="45700" rIns="91425" bIns="45700" anchor="ctr" anchorCtr="0">
+            <a:noAutofit/>
+          </a:bodyPr>
+          <a:lstStyle/>
+          <a:p>
+            <a:pPr lvl="0">
+              <a:buSzPts val="3600"/>
+            </a:pPr>
+            <a:r>
+              <a:rPr lang="en-US" sz="3000" dirty="0"/>
+              <a:t>Xen Network Design Changes</a:t>
+            </a:r>
+            <a:endParaRPr sz="3000" b="0" i="0" u="none" strike="noStrike" cap="none" dirty="0">
+              <a:solidFill>
+                <a:srgbClr val="09347A"/>
+              </a:solidFill>
+              <a:latin typeface="Verdana"/>
+              <a:ea typeface="Verdana"/>
+              <a:cs typeface="Verdana"/>
+              <a:sym typeface="Verdana"/>
+            </a:endParaRPr>
+          </a:p>
+        </p:txBody>
+      </p:sp>
+      <p:sp>
+        <p:nvSpPr>
+          <p:cNvPr id="112" name="Shape 112"/>
+          <p:cNvSpPr txBox="1">
+            <a:spLocks noGrp="1"/>
+          </p:cNvSpPr>
+          <p:nvPr>
+            <p:ph type="body" idx="1"/>
+          </p:nvPr>
+        </p:nvSpPr>
+        <p:spPr>
+          <a:xfrm>
+            <a:off x="457200" y="1200151"/>
+            <a:ext cx="8229600" cy="3394500"/>
+          </a:xfrm>
+          <a:prstGeom prst="rect">
+            <a:avLst/>
+          </a:prstGeom>
+          <a:noFill/>
+          <a:ln>
+            <a:noFill/>
+          </a:ln>
+        </p:spPr>
+        <p:txBody>
+          <a:bodyPr spcFirstLastPara="1" wrap="square" lIns="91425" tIns="45700" rIns="91425" bIns="45700" anchor="t" anchorCtr="0">
+            <a:noAutofit/>
+          </a:bodyPr>
+          <a:lstStyle/>
+          <a:p>
+            <a:pPr marL="533400" lvl="1" indent="0">
+              <a:spcBef>
+                <a:spcPts val="0"/>
+              </a:spcBef>
+              <a:buSzPts val="2400"/>
+              <a:buNone/>
+            </a:pPr>
+            <a:endParaRPr lang="en-US" sz="2000" dirty="0">
+              <a:latin typeface="Times New Roman"/>
+              <a:ea typeface="Times New Roman"/>
+              <a:cs typeface="Times New Roman"/>
+              <a:sym typeface="Times New Roman"/>
+            </a:endParaRPr>
+          </a:p>
+          <a:p>
+            <a:pPr marL="419100" indent="-342900">
+              <a:spcBef>
+                <a:spcPts val="0"/>
+              </a:spcBef>
+              <a:buSzPts val="2400"/>
+            </a:pPr>
+            <a:r>
+              <a:rPr lang="en-US" sz="2400" dirty="0">
+                <a:latin typeface="Times New Roman"/>
+                <a:ea typeface="Times New Roman"/>
+                <a:cs typeface="Times New Roman"/>
+                <a:sym typeface="Times New Roman"/>
+              </a:rPr>
+              <a:t>Caching and reusing page grants</a:t>
+            </a:r>
+          </a:p>
+          <a:p>
+            <a:pPr marL="876300" lvl="1" indent="-342900">
+              <a:spcBef>
+                <a:spcPts val="0"/>
+              </a:spcBef>
+              <a:buSzPts val="2400"/>
+            </a:pPr>
+            <a:r>
+              <a:rPr lang="en-US" sz="2000" dirty="0">
+                <a:latin typeface="Times New Roman"/>
+                <a:ea typeface="Times New Roman"/>
+                <a:cs typeface="Times New Roman"/>
+                <a:sym typeface="Times New Roman"/>
+              </a:rPr>
+              <a:t>Number of cached grants limited by address space of </a:t>
+            </a:r>
+            <a:r>
+              <a:rPr lang="en-US" sz="2000" dirty="0" err="1">
+                <a:latin typeface="Times New Roman"/>
+                <a:ea typeface="Times New Roman"/>
+                <a:cs typeface="Times New Roman"/>
+                <a:sym typeface="Times New Roman"/>
+              </a:rPr>
+              <a:t>DomD</a:t>
+            </a:r>
+            <a:r>
+              <a:rPr lang="en-US" sz="2000" dirty="0">
+                <a:latin typeface="Times New Roman"/>
+                <a:ea typeface="Times New Roman"/>
+                <a:cs typeface="Times New Roman"/>
+                <a:sym typeface="Times New Roman"/>
+              </a:rPr>
+              <a:t> kernel</a:t>
+            </a:r>
+          </a:p>
+          <a:p>
+            <a:pPr marL="876300" lvl="1" indent="-342900">
+              <a:spcBef>
+                <a:spcPts val="0"/>
+              </a:spcBef>
+              <a:buSzPts val="2400"/>
+            </a:pPr>
+            <a:r>
+              <a:rPr lang="en-US" sz="2000" dirty="0">
+                <a:latin typeface="Times New Roman"/>
+                <a:ea typeface="Times New Roman"/>
+                <a:cs typeface="Times New Roman"/>
+                <a:sym typeface="Times New Roman"/>
+              </a:rPr>
+              <a:t>Grant reuse mechanism expected to have nearly 100% hit rate</a:t>
+            </a:r>
+          </a:p>
+          <a:p>
+            <a:pPr marL="876300" lvl="1" indent="-342900">
+              <a:spcBef>
+                <a:spcPts val="0"/>
+              </a:spcBef>
+              <a:buSzPts val="2400"/>
+            </a:pPr>
+            <a:r>
+              <a:rPr lang="en-US" sz="2000" dirty="0">
+                <a:latin typeface="Times New Roman"/>
+                <a:ea typeface="Times New Roman"/>
+                <a:cs typeface="Times New Roman"/>
+                <a:sym typeface="Times New Roman"/>
+              </a:rPr>
+              <a:t>Amortized overhead should be nearly 0% over time</a:t>
+            </a:r>
+          </a:p>
+          <a:p>
+            <a:pPr marL="876300" lvl="1" indent="-342900">
+              <a:spcBef>
+                <a:spcPts val="0"/>
+              </a:spcBef>
+              <a:buSzPts val="2400"/>
+            </a:pPr>
+            <a:r>
+              <a:rPr lang="en-US" sz="2000" dirty="0">
+                <a:latin typeface="Times New Roman"/>
+                <a:ea typeface="Times New Roman"/>
+                <a:cs typeface="Times New Roman"/>
+                <a:sym typeface="Times New Roman"/>
+              </a:rPr>
+              <a:t>Not yet implemented!</a:t>
+            </a:r>
+          </a:p>
+          <a:p>
+            <a:pPr marL="876300" lvl="1" indent="-342900">
+              <a:spcBef>
+                <a:spcPts val="0"/>
+              </a:spcBef>
+              <a:buSzPts val="2400"/>
+            </a:pPr>
+            <a:r>
+              <a:rPr lang="en-US" sz="2000" dirty="0">
+                <a:latin typeface="Times New Roman"/>
+                <a:ea typeface="Times New Roman"/>
+                <a:cs typeface="Times New Roman"/>
+                <a:sym typeface="Times New Roman"/>
+              </a:rPr>
+              <a:t>Simplified, grant-free mechanism applied for simulation purposes</a:t>
+            </a:r>
+          </a:p>
+          <a:p>
+            <a:pPr marL="876300" lvl="1" indent="-342900">
+              <a:spcBef>
+                <a:spcPts val="0"/>
+              </a:spcBef>
+              <a:buSzPts val="2400"/>
+            </a:pPr>
+            <a:endParaRPr lang="en-US" sz="2000" dirty="0">
+              <a:latin typeface="Times New Roman"/>
+              <a:ea typeface="Times New Roman"/>
+              <a:cs typeface="Times New Roman"/>
+              <a:sym typeface="Times New Roman"/>
+            </a:endParaRPr>
+          </a:p>
+          <a:p>
+            <a:pPr marL="419100" indent="-342900">
+              <a:spcBef>
+                <a:spcPts val="0"/>
+              </a:spcBef>
+              <a:buSzPts val="2400"/>
+            </a:pPr>
+            <a:r>
+              <a:rPr lang="en-US" sz="2400" dirty="0">
+                <a:latin typeface="Times New Roman"/>
+                <a:ea typeface="Times New Roman"/>
+                <a:cs typeface="Times New Roman"/>
+                <a:sym typeface="Times New Roman"/>
+              </a:rPr>
+              <a:t>1950 cycles saved for total of 10,300 or 198% of native</a:t>
+            </a:r>
+          </a:p>
+          <a:p>
+            <a:pPr marL="533400" lvl="1" indent="0">
+              <a:spcBef>
+                <a:spcPts val="0"/>
+              </a:spcBef>
+              <a:buSzPts val="2400"/>
+              <a:buNone/>
+            </a:pPr>
+            <a:endParaRPr lang="en-US" sz="2000" dirty="0">
+              <a:latin typeface="Times New Roman"/>
+              <a:ea typeface="Times New Roman"/>
+              <a:cs typeface="Times New Roman"/>
+              <a:sym typeface="Times New Roman"/>
+            </a:endParaRPr>
+          </a:p>
+        </p:txBody>
+      </p:sp>
+    </p:spTree>
+    <p:extLst>
+      <p:ext uri="{BB962C8B-B14F-4D97-AF65-F5344CB8AC3E}">
+        <p14:creationId xmlns:p14="http://schemas.microsoft.com/office/powerpoint/2010/main" val="2951030529"/>
+      </p:ext>
+    </p:extLst>
+  </p:cSld>
+  <p:clrMapOvr>
+    <a:masterClrMapping/>
+  </p:clrMapOvr>
+</p:sld>
+</file>
+
+<file path=ppt/slides/slide27.xml><?xml version="1.0" encoding="utf-8"?>
+<p:sld xmlns:a="http://schemas.openxmlformats.org/drawingml/2006/main" xmlns:r="http://schemas.openxmlformats.org/officeDocument/2006/relationships" xmlns:p="http://schemas.openxmlformats.org/presentationml/2006/main">
+  <p:cSld>
+    <p:spTree>
+      <p:nvGrpSpPr>
+        <p:cNvPr id="1" name="Shape 110"/>
+        <p:cNvGrpSpPr/>
+        <p:nvPr/>
+      </p:nvGrpSpPr>
+      <p:grpSpPr>
+        <a:xfrm>
+          <a:off x="0" y="0"/>
+          <a:ext cx="0" cy="0"/>
+          <a:chOff x="0" y="0"/>
+          <a:chExt cx="0" cy="0"/>
+        </a:xfrm>
+      </p:grpSpPr>
+      <p:sp>
+        <p:nvSpPr>
+          <p:cNvPr id="111" name="Shape 111"/>
+          <p:cNvSpPr txBox="1">
+            <a:spLocks noGrp="1"/>
+          </p:cNvSpPr>
+          <p:nvPr>
+            <p:ph type="title"/>
+          </p:nvPr>
+        </p:nvSpPr>
+        <p:spPr>
+          <a:xfrm>
+            <a:off x="457200" y="628650"/>
+            <a:ext cx="8229600" cy="537000"/>
+          </a:xfrm>
+          <a:prstGeom prst="rect">
+            <a:avLst/>
+          </a:prstGeom>
+          <a:noFill/>
+          <a:ln>
+            <a:noFill/>
+          </a:ln>
+        </p:spPr>
+        <p:txBody>
+          <a:bodyPr spcFirstLastPara="1" wrap="square" lIns="91425" tIns="45700" rIns="91425" bIns="45700" anchor="ctr" anchorCtr="0">
+            <a:noAutofit/>
+          </a:bodyPr>
+          <a:lstStyle/>
+          <a:p>
+            <a:pPr lvl="0">
+              <a:buSzPts val="3600"/>
+            </a:pPr>
+            <a:r>
+              <a:rPr lang="en-US" sz="3000" dirty="0"/>
+              <a:t>Xen Network Design Changes</a:t>
+            </a:r>
+            <a:endParaRPr sz="3000" b="0" i="0" u="none" strike="noStrike" cap="none" dirty="0">
+              <a:solidFill>
+                <a:srgbClr val="09347A"/>
+              </a:solidFill>
+              <a:latin typeface="Verdana"/>
+              <a:ea typeface="Verdana"/>
+              <a:cs typeface="Verdana"/>
+              <a:sym typeface="Verdana"/>
+            </a:endParaRPr>
+          </a:p>
+        </p:txBody>
+      </p:sp>
+      <p:sp>
+        <p:nvSpPr>
+          <p:cNvPr id="112" name="Shape 112"/>
+          <p:cNvSpPr txBox="1">
+            <a:spLocks noGrp="1"/>
+          </p:cNvSpPr>
+          <p:nvPr>
+            <p:ph type="body" idx="1"/>
+          </p:nvPr>
+        </p:nvSpPr>
+        <p:spPr>
+          <a:xfrm>
+            <a:off x="457200" y="1200151"/>
+            <a:ext cx="8229600" cy="3394500"/>
+          </a:xfrm>
+          <a:prstGeom prst="rect">
+            <a:avLst/>
+          </a:prstGeom>
+          <a:noFill/>
+          <a:ln>
+            <a:noFill/>
+          </a:ln>
+        </p:spPr>
+        <p:txBody>
+          <a:bodyPr spcFirstLastPara="1" wrap="square" lIns="91425" tIns="45700" rIns="91425" bIns="45700" anchor="t" anchorCtr="0">
+            <a:noAutofit/>
+          </a:bodyPr>
+          <a:lstStyle/>
+          <a:p>
+            <a:pPr marL="533400" lvl="1" indent="0">
+              <a:spcBef>
+                <a:spcPts val="0"/>
+              </a:spcBef>
+              <a:buSzPts val="2400"/>
+              <a:buNone/>
+            </a:pPr>
+            <a:endParaRPr lang="en-US" sz="2000" dirty="0">
+              <a:latin typeface="Times New Roman"/>
+              <a:ea typeface="Times New Roman"/>
+              <a:cs typeface="Times New Roman"/>
+              <a:sym typeface="Times New Roman"/>
+            </a:endParaRPr>
+          </a:p>
           <a:p>
             <a:pPr marL="533400" lvl="1" indent="0">
               <a:spcBef>
@@ -19719,12 +23059,12 @@
 </p:sld>
 </file>
 
-<file path=ppt/slides/slide22.xml><?xml version="1.0" encoding="utf-8"?>
+<file path=ppt/slides/slide28.xml><?xml version="1.0" encoding="utf-8"?>
 <p:sld xmlns:a="http://schemas.openxmlformats.org/drawingml/2006/main" xmlns:r="http://schemas.openxmlformats.org/officeDocument/2006/relationships" xmlns:p="http://schemas.openxmlformats.org/presentationml/2006/main">
   <p:cSld>
     <p:spTree>
       <p:nvGrpSpPr>
-        <p:cNvPr id="1" name="Shape 142"/>
+        <p:cNvPr id="1" name="Shape 110"/>
         <p:cNvGrpSpPr/>
         <p:nvPr/>
       </p:nvGrpSpPr>
@@ -19738,7 +23078,7 @@
       </p:grpSpPr>
       <p:sp>
         <p:nvSpPr>
-          <p:cNvPr id="143" name="Shape 143"/>
+          <p:cNvPr id="111" name="Shape 111"/>
           <p:cNvSpPr txBox="1">
             <a:spLocks noGrp="1"/>
           </p:cNvSpPr>
@@ -19765,23 +23105,12 @@
           </a:bodyPr>
           <a:lstStyle/>
           <a:p>
-            <a:pPr marL="0" marR="0" lvl="0" indent="0" algn="ctr" rtl="0">
-              <a:spcBef>
-                <a:spcPts val="0"/>
-              </a:spcBef>
-              <a:spcAft>
-                <a:spcPts val="0"/>
-              </a:spcAft>
-              <a:buClr>
-                <a:srgbClr val="09347A"/>
-              </a:buClr>
+            <a:pPr lvl="0">
               <a:buSzPts val="3600"/>
-              <a:buFont typeface="Verdana"/>
-              <a:buNone/>
             </a:pPr>
             <a:r>
               <a:rPr lang="en-US" sz="3000" dirty="0"/>
-              <a:t>Conclusion</a:t>
+              <a:t>Tuning I/O Virtualization Configuration</a:t>
             </a:r>
             <a:endParaRPr sz="3000" b="0" i="0" u="none" strike="noStrike" cap="none" dirty="0">
               <a:solidFill>
@@ -19797,7 +23126,7 @@
       </p:sp>
       <p:sp>
         <p:nvSpPr>
-          <p:cNvPr id="144" name="Shape 144"/>
+          <p:cNvPr id="112" name="Shape 112"/>
           <p:cNvSpPr txBox="1">
             <a:spLocks noGrp="1"/>
           </p:cNvSpPr>
@@ -19824,18 +23153,14 @@
           </a:bodyPr>
           <a:lstStyle/>
           <a:p>
-            <a:pPr marL="457200" marR="0" lvl="0" indent="-381000" algn="l" rtl="0">
-              <a:spcBef>
-                <a:spcPts val="0"/>
-              </a:spcBef>
-              <a:spcAft>
-                <a:spcPts val="0"/>
-              </a:spcAft>
+            <a:pPr marL="533400" lvl="1" indent="0">
+              <a:spcBef>
+                <a:spcPts val="0"/>
+              </a:spcBef>
               <a:buSzPts val="2400"/>
-              <a:buFont typeface="Times New Roman"/>
-              <a:buChar char="•"/>
+              <a:buNone/>
             </a:pPr>
-            <a:endParaRPr lang="en-US" sz="2400" dirty="0">
+            <a:endParaRPr lang="en-US" sz="2000" dirty="0">
               <a:latin typeface="Times New Roman"/>
               <a:ea typeface="Times New Roman"/>
               <a:cs typeface="Times New Roman"/>
@@ -19843,16 +23168,11 @@
             </a:endParaRPr>
           </a:p>
           <a:p>
-            <a:pPr marL="457200" marR="0" lvl="0" indent="-381000" algn="l" rtl="0">
-              <a:spcBef>
-                <a:spcPts val="0"/>
-              </a:spcBef>
-              <a:spcAft>
-                <a:spcPts val="0"/>
-              </a:spcAft>
+            <a:pPr marL="419100" indent="-342900">
+              <a:spcBef>
+                <a:spcPts val="0"/>
+              </a:spcBef>
               <a:buSzPts val="2400"/>
-              <a:buFont typeface="Times New Roman"/>
-              <a:buChar char="•"/>
             </a:pPr>
             <a:r>
               <a:rPr lang="en-US" sz="2400" dirty="0">
@@ -19861,27 +23181,8 @@
                 <a:cs typeface="Times New Roman"/>
                 <a:sym typeface="Times New Roman"/>
               </a:rPr>
-              <a:t>Existing filesystems lack physical isolation</a:t>
+              <a:t>Decoupling </a:t>
             </a:r>
-            <a:endParaRPr sz="2400" dirty="0">
-              <a:latin typeface="Times New Roman"/>
-              <a:ea typeface="Times New Roman"/>
-              <a:cs typeface="Times New Roman"/>
-              <a:sym typeface="Times New Roman"/>
-            </a:endParaRPr>
-          </a:p>
-          <a:p>
-            <a:pPr marL="457200" marR="0" lvl="0" indent="-381000" algn="l" rtl="0">
-              <a:spcBef>
-                <a:spcPts val="0"/>
-              </a:spcBef>
-              <a:spcAft>
-                <a:spcPts val="0"/>
-              </a:spcAft>
-              <a:buSzPts val="2400"/>
-              <a:buFont typeface="Times New Roman"/>
-              <a:buChar char="•"/>
-            </a:pPr>
             <a:r>
               <a:rPr lang="en-US" sz="2400" dirty="0" err="1">
                 <a:latin typeface="Times New Roman"/>
@@ -19889,7 +23190,7 @@
                 <a:cs typeface="Times New Roman"/>
                 <a:sym typeface="Times New Roman"/>
               </a:rPr>
-              <a:t>IceFS</a:t>
+              <a:t>DomD</a:t>
             </a:r>
             <a:r>
               <a:rPr lang="en-US" sz="2400" dirty="0">
@@ -19898,20 +23199,275 @@
                 <a:cs typeface="Times New Roman"/>
                 <a:sym typeface="Times New Roman"/>
               </a:rPr>
-              <a:t> achieves isolation using cube abstraction</a:t>
+              <a:t> from Dom0</a:t>
             </a:r>
           </a:p>
           <a:p>
-            <a:pPr marL="457200" marR="0" lvl="0" indent="-381000" algn="l" rtl="0">
-              <a:spcBef>
-                <a:spcPts val="0"/>
-              </a:spcBef>
-              <a:spcAft>
-                <a:spcPts val="0"/>
-              </a:spcAft>
+            <a:pPr marL="876300" lvl="1" indent="-342900">
+              <a:spcBef>
+                <a:spcPts val="0"/>
+              </a:spcBef>
               <a:buSzPts val="2400"/>
-              <a:buFont typeface="Times New Roman"/>
-              <a:buChar char="•"/>
+            </a:pPr>
+            <a:r>
+              <a:rPr lang="en-US" sz="2000" dirty="0">
+                <a:latin typeface="Times New Roman"/>
+                <a:ea typeface="Times New Roman"/>
+                <a:cs typeface="Times New Roman"/>
+                <a:sym typeface="Times New Roman"/>
+              </a:rPr>
+              <a:t>Xen allows </a:t>
+            </a:r>
+            <a:r>
+              <a:rPr lang="en-US" sz="2000" dirty="0" err="1">
+                <a:latin typeface="Times New Roman"/>
+                <a:ea typeface="Times New Roman"/>
+                <a:cs typeface="Times New Roman"/>
+                <a:sym typeface="Times New Roman"/>
+              </a:rPr>
+              <a:t>DomD</a:t>
+            </a:r>
+            <a:r>
+              <a:rPr lang="en-US" sz="2000" dirty="0">
+                <a:latin typeface="Times New Roman"/>
+                <a:ea typeface="Times New Roman"/>
+                <a:cs typeface="Times New Roman"/>
+                <a:sym typeface="Times New Roman"/>
+              </a:rPr>
+              <a:t> to be configured independently</a:t>
+            </a:r>
+          </a:p>
+          <a:p>
+            <a:pPr marL="876300" lvl="1" indent="-342900">
+              <a:spcBef>
+                <a:spcPts val="0"/>
+              </a:spcBef>
+              <a:buSzPts val="2400"/>
+            </a:pPr>
+            <a:r>
+              <a:rPr lang="en-US" sz="2000" dirty="0">
+                <a:latin typeface="Times New Roman"/>
+                <a:ea typeface="Times New Roman"/>
+                <a:cs typeface="Times New Roman"/>
+                <a:sym typeface="Times New Roman"/>
+              </a:rPr>
+              <a:t>No fault isolation mechanism exists (e.g., detecting crashed drivers and restarting them)</a:t>
+            </a:r>
+          </a:p>
+          <a:p>
+            <a:pPr marL="876300" lvl="1" indent="-342900">
+              <a:spcBef>
+                <a:spcPts val="0"/>
+              </a:spcBef>
+              <a:buSzPts val="2400"/>
+            </a:pPr>
+            <a:r>
+              <a:rPr lang="en-US" sz="2000" dirty="0">
+                <a:latin typeface="Times New Roman"/>
+                <a:ea typeface="Times New Roman"/>
+                <a:cs typeface="Times New Roman"/>
+                <a:sym typeface="Times New Roman"/>
+              </a:rPr>
+              <a:t>Hosting all device drivers in Dom0 limits flexibility</a:t>
+            </a:r>
+          </a:p>
+          <a:p>
+            <a:pPr marL="876300" lvl="1" indent="-342900">
+              <a:spcBef>
+                <a:spcPts val="0"/>
+              </a:spcBef>
+              <a:buSzPts val="2400"/>
+            </a:pPr>
+            <a:r>
+              <a:rPr lang="en-US" sz="2000" dirty="0">
+                <a:latin typeface="Times New Roman"/>
+                <a:ea typeface="Times New Roman"/>
+                <a:cs typeface="Times New Roman"/>
+                <a:sym typeface="Times New Roman"/>
+              </a:rPr>
+              <a:t>e.g., Disabling bridge </a:t>
+            </a:r>
+            <a:r>
+              <a:rPr lang="en-US" sz="2000" dirty="0" err="1">
+                <a:latin typeface="Times New Roman"/>
+                <a:ea typeface="Times New Roman"/>
+                <a:cs typeface="Times New Roman"/>
+                <a:sym typeface="Times New Roman"/>
+              </a:rPr>
+              <a:t>netfilter</a:t>
+            </a:r>
+            <a:r>
+              <a:rPr lang="en-US" sz="2000" dirty="0">
+                <a:latin typeface="Times New Roman"/>
+                <a:ea typeface="Times New Roman"/>
+                <a:cs typeface="Times New Roman"/>
+                <a:sym typeface="Times New Roman"/>
+              </a:rPr>
+              <a:t> optimization cannot be applied or </a:t>
+            </a:r>
+            <a:r>
+              <a:rPr lang="en-US" sz="2000" dirty="0" err="1">
+                <a:latin typeface="Times New Roman"/>
+                <a:ea typeface="Times New Roman"/>
+                <a:cs typeface="Times New Roman"/>
+                <a:sym typeface="Times New Roman"/>
+              </a:rPr>
+              <a:t>iptables</a:t>
+            </a:r>
+            <a:r>
+              <a:rPr lang="en-US" sz="2000" dirty="0">
+                <a:latin typeface="Times New Roman"/>
+                <a:ea typeface="Times New Roman"/>
+                <a:cs typeface="Times New Roman"/>
+                <a:sym typeface="Times New Roman"/>
+              </a:rPr>
+              <a:t> does not work properly</a:t>
+            </a:r>
+          </a:p>
+          <a:p>
+            <a:pPr marL="533400" lvl="1" indent="0">
+              <a:spcBef>
+                <a:spcPts val="0"/>
+              </a:spcBef>
+              <a:buSzPts val="2400"/>
+              <a:buNone/>
+            </a:pPr>
+            <a:endParaRPr lang="en-US" sz="2000" dirty="0">
+              <a:latin typeface="Times New Roman"/>
+              <a:ea typeface="Times New Roman"/>
+              <a:cs typeface="Times New Roman"/>
+              <a:sym typeface="Times New Roman"/>
+            </a:endParaRPr>
+          </a:p>
+        </p:txBody>
+      </p:sp>
+    </p:spTree>
+    <p:extLst>
+      <p:ext uri="{BB962C8B-B14F-4D97-AF65-F5344CB8AC3E}">
+        <p14:creationId xmlns:p14="http://schemas.microsoft.com/office/powerpoint/2010/main" val="591617634"/>
+      </p:ext>
+    </p:extLst>
+  </p:cSld>
+  <p:clrMapOvr>
+    <a:masterClrMapping/>
+  </p:clrMapOvr>
+</p:sld>
+</file>
+
+<file path=ppt/slides/slide29.xml><?xml version="1.0" encoding="utf-8"?>
+<p:sld xmlns:a="http://schemas.openxmlformats.org/drawingml/2006/main" xmlns:r="http://schemas.openxmlformats.org/officeDocument/2006/relationships" xmlns:p="http://schemas.openxmlformats.org/presentationml/2006/main">
+  <p:cSld>
+    <p:spTree>
+      <p:nvGrpSpPr>
+        <p:cNvPr id="1" name="Shape 110"/>
+        <p:cNvGrpSpPr/>
+        <p:nvPr/>
+      </p:nvGrpSpPr>
+      <p:grpSpPr>
+        <a:xfrm>
+          <a:off x="0" y="0"/>
+          <a:ext cx="0" cy="0"/>
+          <a:chOff x="0" y="0"/>
+          <a:chExt cx="0" cy="0"/>
+        </a:xfrm>
+      </p:grpSpPr>
+      <p:sp>
+        <p:nvSpPr>
+          <p:cNvPr id="111" name="Shape 111"/>
+          <p:cNvSpPr txBox="1">
+            <a:spLocks noGrp="1"/>
+          </p:cNvSpPr>
+          <p:nvPr>
+            <p:ph type="title"/>
+          </p:nvPr>
+        </p:nvSpPr>
+        <p:spPr>
+          <a:xfrm>
+            <a:off x="457200" y="628650"/>
+            <a:ext cx="8229600" cy="537000"/>
+          </a:xfrm>
+          <a:prstGeom prst="rect">
+            <a:avLst/>
+          </a:prstGeom>
+          <a:noFill/>
+          <a:ln>
+            <a:noFill/>
+          </a:ln>
+        </p:spPr>
+        <p:txBody>
+          <a:bodyPr spcFirstLastPara="1" wrap="square" lIns="91425" tIns="45700" rIns="91425" bIns="45700" anchor="ctr" anchorCtr="0">
+            <a:noAutofit/>
+          </a:bodyPr>
+          <a:lstStyle/>
+          <a:p>
+            <a:pPr lvl="0">
+              <a:buSzPts val="3600"/>
+            </a:pPr>
+            <a:r>
+              <a:rPr lang="en-US" sz="3000" dirty="0"/>
+              <a:t>Tuning I/O Virtualization Configuration</a:t>
+            </a:r>
+            <a:endParaRPr sz="3000" b="0" i="0" u="none" strike="noStrike" cap="none" dirty="0">
+              <a:solidFill>
+                <a:srgbClr val="09347A"/>
+              </a:solidFill>
+              <a:latin typeface="Verdana"/>
+              <a:ea typeface="Verdana"/>
+              <a:cs typeface="Verdana"/>
+              <a:sym typeface="Verdana"/>
+            </a:endParaRPr>
+          </a:p>
+        </p:txBody>
+      </p:sp>
+      <p:sp>
+        <p:nvSpPr>
+          <p:cNvPr id="112" name="Shape 112"/>
+          <p:cNvSpPr txBox="1">
+            <a:spLocks noGrp="1"/>
+          </p:cNvSpPr>
+          <p:nvPr>
+            <p:ph type="body" idx="1"/>
+          </p:nvPr>
+        </p:nvSpPr>
+        <p:spPr>
+          <a:xfrm>
+            <a:off x="457200" y="1200151"/>
+            <a:ext cx="8229600" cy="3394500"/>
+          </a:xfrm>
+          <a:prstGeom prst="rect">
+            <a:avLst/>
+          </a:prstGeom>
+          <a:noFill/>
+          <a:ln>
+            <a:noFill/>
+          </a:ln>
+        </p:spPr>
+        <p:txBody>
+          <a:bodyPr spcFirstLastPara="1" wrap="square" lIns="91425" tIns="45700" rIns="91425" bIns="45700" anchor="t" anchorCtr="0">
+            <a:noAutofit/>
+          </a:bodyPr>
+          <a:lstStyle/>
+          <a:p>
+            <a:pPr marL="533400" lvl="1" indent="0">
+              <a:spcBef>
+                <a:spcPts val="0"/>
+              </a:spcBef>
+              <a:buSzPts val="2400"/>
+              <a:buNone/>
+            </a:pPr>
+            <a:endParaRPr lang="en-US" sz="2000" dirty="0">
+              <a:latin typeface="Times New Roman"/>
+              <a:ea typeface="Times New Roman"/>
+              <a:cs typeface="Times New Roman"/>
+              <a:sym typeface="Times New Roman"/>
+            </a:endParaRPr>
+          </a:p>
+          <a:p>
+            <a:pPr marL="419100" indent="-342900">
+              <a:spcBef>
+                <a:spcPts val="0"/>
+              </a:spcBef>
+              <a:buSzPts val="2400"/>
             </a:pPr>
             <a:r>
               <a:rPr lang="en-US" sz="2400" dirty="0">
@@ -19920,79 +23476,154 @@
                 <a:cs typeface="Times New Roman"/>
                 <a:sym typeface="Times New Roman"/>
               </a:rPr>
-              <a:t>No shared resources, access dependencies, or bundled transactions among cubes</a:t>
+              <a:t>Reducing interrupt rate</a:t>
             </a:r>
           </a:p>
           <a:p>
-            <a:pPr marL="457200" marR="0" lvl="0" indent="-381000" algn="l" rtl="0">
-              <a:spcBef>
-                <a:spcPts val="0"/>
-              </a:spcBef>
-              <a:spcAft>
-                <a:spcPts val="0"/>
-              </a:spcAft>
+            <a:pPr marL="876300" lvl="1" indent="-342900">
+              <a:spcBef>
+                <a:spcPts val="0"/>
+              </a:spcBef>
               <a:buSzPts val="2400"/>
-              <a:buFont typeface="Times New Roman"/>
-              <a:buChar char="•"/>
             </a:pPr>
             <a:r>
-              <a:rPr lang="en-US" sz="2400" dirty="0">
+              <a:rPr lang="en-US" sz="2000" dirty="0">
                 <a:latin typeface="Times New Roman"/>
                 <a:ea typeface="Times New Roman"/>
                 <a:cs typeface="Times New Roman"/>
                 <a:sym typeface="Times New Roman"/>
               </a:rPr>
-              <a:t>Localize failures that were previously global</a:t>
+              <a:t>Data copy and page grant overhead are proportional to traffic received</a:t>
             </a:r>
           </a:p>
           <a:p>
-            <a:pPr marL="457200" marR="0" lvl="0" indent="-381000" algn="l" rtl="0">
-              <a:spcBef>
-                <a:spcPts val="0"/>
-              </a:spcBef>
-              <a:spcAft>
-                <a:spcPts val="0"/>
-              </a:spcAft>
+            <a:pPr marL="876300" lvl="1" indent="-342900">
+              <a:spcBef>
+                <a:spcPts val="0"/>
+              </a:spcBef>
               <a:buSzPts val="2400"/>
-              <a:buFont typeface="Times New Roman"/>
-              <a:buChar char="•"/>
             </a:pPr>
             <a:r>
-              <a:rPr lang="en-US" sz="2400" dirty="0">
+              <a:rPr lang="en-US" sz="2000" dirty="0">
                 <a:latin typeface="Times New Roman"/>
                 <a:ea typeface="Times New Roman"/>
                 <a:cs typeface="Times New Roman"/>
                 <a:sym typeface="Times New Roman"/>
               </a:rPr>
-              <a:t>Demonstrated fault isolation and fast recovery in two case studies: VM server and HDFS data nodes</a:t>
+              <a:t>Most remaining overhead proportional to number of times </a:t>
             </a:r>
-            <a:endParaRPr sz="2400" dirty="0">
+            <a:r>
+              <a:rPr lang="en-US" sz="2000" dirty="0" err="1">
+                <a:latin typeface="Times New Roman"/>
+                <a:ea typeface="Times New Roman"/>
+                <a:cs typeface="Times New Roman"/>
+                <a:sym typeface="Times New Roman"/>
+              </a:rPr>
+              <a:t>DomD</a:t>
+            </a:r>
+            <a:r>
+              <a:rPr lang="en-US" sz="2000" dirty="0">
+                <a:latin typeface="Times New Roman"/>
+                <a:ea typeface="Times New Roman"/>
+                <a:cs typeface="Times New Roman"/>
+                <a:sym typeface="Times New Roman"/>
+              </a:rPr>
+              <a:t> and guest are scheduled</a:t>
+            </a:r>
+          </a:p>
+          <a:p>
+            <a:pPr marL="876300" lvl="1" indent="-342900">
+              <a:spcBef>
+                <a:spcPts val="0"/>
+              </a:spcBef>
+              <a:buSzPts val="2400"/>
+            </a:pPr>
+            <a:r>
+              <a:rPr lang="en-US" sz="2000" dirty="0">
+                <a:latin typeface="Times New Roman"/>
+                <a:ea typeface="Times New Roman"/>
+                <a:cs typeface="Times New Roman"/>
+                <a:sym typeface="Times New Roman"/>
+              </a:rPr>
+              <a:t>Physical and virtual interrupts, events, </a:t>
+            </a:r>
+            <a:r>
+              <a:rPr lang="en-US" sz="2000" dirty="0" err="1">
+                <a:latin typeface="Times New Roman"/>
+                <a:ea typeface="Times New Roman"/>
+                <a:cs typeface="Times New Roman"/>
+                <a:sym typeface="Times New Roman"/>
+              </a:rPr>
+              <a:t>hypercalls</a:t>
+            </a:r>
+            <a:r>
+              <a:rPr lang="en-US" sz="2000" dirty="0">
+                <a:latin typeface="Times New Roman"/>
+                <a:ea typeface="Times New Roman"/>
+                <a:cs typeface="Times New Roman"/>
+                <a:sym typeface="Times New Roman"/>
+              </a:rPr>
+              <a:t>, etc.</a:t>
+            </a:r>
+          </a:p>
+          <a:p>
+            <a:pPr marL="876300" lvl="1" indent="-342900">
+              <a:spcBef>
+                <a:spcPts val="0"/>
+              </a:spcBef>
+              <a:buSzPts val="2400"/>
+            </a:pPr>
+            <a:r>
+              <a:rPr lang="en-US" sz="2000" dirty="0">
+                <a:latin typeface="Times New Roman"/>
+                <a:ea typeface="Times New Roman"/>
+                <a:cs typeface="Times New Roman"/>
+                <a:sym typeface="Times New Roman"/>
+              </a:rPr>
+              <a:t>Device interrupt consumed by Dom0 and </a:t>
+            </a:r>
+            <a:r>
+              <a:rPr lang="en-US" sz="2000" dirty="0" err="1">
+                <a:latin typeface="Times New Roman"/>
+                <a:ea typeface="Times New Roman"/>
+                <a:cs typeface="Times New Roman"/>
+                <a:sym typeface="Times New Roman"/>
+              </a:rPr>
+              <a:t>DomD</a:t>
+            </a:r>
+            <a:r>
+              <a:rPr lang="en-US" sz="2000" dirty="0">
+                <a:latin typeface="Times New Roman"/>
+                <a:ea typeface="Times New Roman"/>
+                <a:cs typeface="Times New Roman"/>
+                <a:sym typeface="Times New Roman"/>
+              </a:rPr>
+              <a:t>, and the corresponding virtual interrupt in the guest</a:t>
+            </a:r>
+          </a:p>
+          <a:p>
+            <a:pPr marL="533400" lvl="1" indent="0">
+              <a:spcBef>
+                <a:spcPts val="0"/>
+              </a:spcBef>
+              <a:buSzPts val="2400"/>
+              <a:buNone/>
+            </a:pPr>
+            <a:endParaRPr lang="en-US" sz="2000" dirty="0">
               <a:latin typeface="Times New Roman"/>
               <a:ea typeface="Times New Roman"/>
               <a:cs typeface="Times New Roman"/>
               <a:sym typeface="Times New Roman"/>
             </a:endParaRPr>
           </a:p>
-          <a:p>
-            <a:pPr marL="0" marR="0" lvl="0" indent="0" algn="l" rtl="0">
-              <a:spcBef>
-                <a:spcPts val="0"/>
-              </a:spcBef>
-              <a:spcAft>
-                <a:spcPts val="0"/>
-              </a:spcAft>
-              <a:buNone/>
-            </a:pPr>
-            <a:endParaRPr sz="2400" dirty="0">
-              <a:latin typeface="Times New Roman"/>
-              <a:ea typeface="Times New Roman"/>
-              <a:cs typeface="Times New Roman"/>
-              <a:sym typeface="Times New Roman"/>
-            </a:endParaRPr>
-          </a:p>
         </p:txBody>
       </p:sp>
     </p:spTree>
+    <p:extLst>
+      <p:ext uri="{BB962C8B-B14F-4D97-AF65-F5344CB8AC3E}">
+        <p14:creationId xmlns:p14="http://schemas.microsoft.com/office/powerpoint/2010/main" val="413265128"/>
+      </p:ext>
+    </p:extLst>
   </p:cSld>
   <p:clrMapOvr>
     <a:masterClrMapping/>
@@ -20270,6 +23901,722 @@
         <p14:creationId xmlns:p14="http://schemas.microsoft.com/office/powerpoint/2010/main" val="1973450442"/>
       </p:ext>
     </p:extLst>
+  </p:cSld>
+  <p:clrMapOvr>
+    <a:masterClrMapping/>
+  </p:clrMapOvr>
+</p:sld>
+</file>
+
+<file path=ppt/slides/slide30.xml><?xml version="1.0" encoding="utf-8"?>
+<p:sld xmlns:a="http://schemas.openxmlformats.org/drawingml/2006/main" xmlns:r="http://schemas.openxmlformats.org/officeDocument/2006/relationships" xmlns:p="http://schemas.openxmlformats.org/presentationml/2006/main">
+  <p:cSld>
+    <p:spTree>
+      <p:nvGrpSpPr>
+        <p:cNvPr id="1" name="Shape 110"/>
+        <p:cNvGrpSpPr/>
+        <p:nvPr/>
+      </p:nvGrpSpPr>
+      <p:grpSpPr>
+        <a:xfrm>
+          <a:off x="0" y="0"/>
+          <a:ext cx="0" cy="0"/>
+          <a:chOff x="0" y="0"/>
+          <a:chExt cx="0" cy="0"/>
+        </a:xfrm>
+      </p:grpSpPr>
+      <p:sp>
+        <p:nvSpPr>
+          <p:cNvPr id="111" name="Shape 111"/>
+          <p:cNvSpPr txBox="1">
+            <a:spLocks noGrp="1"/>
+          </p:cNvSpPr>
+          <p:nvPr>
+            <p:ph type="title"/>
+          </p:nvPr>
+        </p:nvSpPr>
+        <p:spPr>
+          <a:xfrm>
+            <a:off x="457200" y="628650"/>
+            <a:ext cx="8229600" cy="537000"/>
+          </a:xfrm>
+          <a:prstGeom prst="rect">
+            <a:avLst/>
+          </a:prstGeom>
+          <a:noFill/>
+          <a:ln>
+            <a:noFill/>
+          </a:ln>
+        </p:spPr>
+        <p:txBody>
+          <a:bodyPr spcFirstLastPara="1" wrap="square" lIns="91425" tIns="45700" rIns="91425" bIns="45700" anchor="ctr" anchorCtr="0">
+            <a:noAutofit/>
+          </a:bodyPr>
+          <a:lstStyle/>
+          <a:p>
+            <a:pPr lvl="0">
+              <a:buSzPts val="3600"/>
+            </a:pPr>
+            <a:r>
+              <a:rPr lang="en-US" sz="3000" dirty="0"/>
+              <a:t>Tuning I/O Virtualization Configuration</a:t>
+            </a:r>
+            <a:endParaRPr sz="3000" b="0" i="0" u="none" strike="noStrike" cap="none" dirty="0">
+              <a:solidFill>
+                <a:srgbClr val="09347A"/>
+              </a:solidFill>
+              <a:latin typeface="Verdana"/>
+              <a:ea typeface="Verdana"/>
+              <a:cs typeface="Verdana"/>
+              <a:sym typeface="Verdana"/>
+            </a:endParaRPr>
+          </a:p>
+        </p:txBody>
+      </p:sp>
+      <p:sp>
+        <p:nvSpPr>
+          <p:cNvPr id="112" name="Shape 112"/>
+          <p:cNvSpPr txBox="1">
+            <a:spLocks noGrp="1"/>
+          </p:cNvSpPr>
+          <p:nvPr>
+            <p:ph type="body" idx="1"/>
+          </p:nvPr>
+        </p:nvSpPr>
+        <p:spPr>
+          <a:xfrm>
+            <a:off x="457200" y="1200151"/>
+            <a:ext cx="8229600" cy="3394500"/>
+          </a:xfrm>
+          <a:prstGeom prst="rect">
+            <a:avLst/>
+          </a:prstGeom>
+          <a:noFill/>
+          <a:ln>
+            <a:noFill/>
+          </a:ln>
+        </p:spPr>
+        <p:txBody>
+          <a:bodyPr spcFirstLastPara="1" wrap="square" lIns="91425" tIns="45700" rIns="91425" bIns="45700" anchor="t" anchorCtr="0">
+            <a:noAutofit/>
+          </a:bodyPr>
+          <a:lstStyle/>
+          <a:p>
+            <a:pPr marL="533400" lvl="1" indent="0">
+              <a:spcBef>
+                <a:spcPts val="0"/>
+              </a:spcBef>
+              <a:buSzPts val="2400"/>
+              <a:buNone/>
+            </a:pPr>
+            <a:endParaRPr lang="en-US" sz="2000" dirty="0">
+              <a:latin typeface="Times New Roman"/>
+              <a:ea typeface="Times New Roman"/>
+              <a:cs typeface="Times New Roman"/>
+              <a:sym typeface="Times New Roman"/>
+            </a:endParaRPr>
+          </a:p>
+          <a:p>
+            <a:pPr marL="419100" indent="-342900">
+              <a:spcBef>
+                <a:spcPts val="0"/>
+              </a:spcBef>
+              <a:buSzPts val="2400"/>
+            </a:pPr>
+            <a:r>
+              <a:rPr lang="en-US" sz="2400" dirty="0">
+                <a:latin typeface="Times New Roman"/>
+                <a:ea typeface="Times New Roman"/>
+                <a:cs typeface="Times New Roman"/>
+                <a:sym typeface="Times New Roman"/>
+              </a:rPr>
+              <a:t>Reducing interrupt rate</a:t>
+            </a:r>
+          </a:p>
+          <a:p>
+            <a:pPr marL="876300" lvl="1" indent="-342900">
+              <a:spcBef>
+                <a:spcPts val="0"/>
+              </a:spcBef>
+              <a:buSzPts val="2400"/>
+            </a:pPr>
+            <a:r>
+              <a:rPr lang="en-US" sz="2000" dirty="0">
+                <a:latin typeface="Times New Roman"/>
+                <a:ea typeface="Times New Roman"/>
+                <a:cs typeface="Times New Roman"/>
+                <a:sym typeface="Times New Roman"/>
+              </a:rPr>
+              <a:t>Modern NICs can delay interrupts until multiple packets received</a:t>
+            </a:r>
+          </a:p>
+          <a:p>
+            <a:pPr marL="876300" lvl="1" indent="-342900">
+              <a:spcBef>
+                <a:spcPts val="0"/>
+              </a:spcBef>
+              <a:buSzPts val="2400"/>
+            </a:pPr>
+            <a:r>
+              <a:rPr lang="en-US" sz="2000" dirty="0">
+                <a:latin typeface="Times New Roman"/>
+                <a:ea typeface="Times New Roman"/>
+                <a:cs typeface="Times New Roman"/>
+                <a:sym typeface="Times New Roman"/>
+              </a:rPr>
+              <a:t>Interrupt rate can be controlled by driver parameters called </a:t>
+            </a:r>
+            <a:r>
+              <a:rPr lang="en-US" sz="2000" i="1" dirty="0">
+                <a:latin typeface="Times New Roman"/>
+                <a:ea typeface="Times New Roman"/>
+                <a:cs typeface="Times New Roman"/>
+                <a:sym typeface="Times New Roman"/>
+              </a:rPr>
+              <a:t>interrupt coalescing parameters</a:t>
+            </a:r>
+          </a:p>
+          <a:p>
+            <a:pPr marL="876300" lvl="1" indent="-342900">
+              <a:spcBef>
+                <a:spcPts val="0"/>
+              </a:spcBef>
+              <a:buSzPts val="2400"/>
+            </a:pPr>
+            <a:r>
+              <a:rPr lang="en-US" sz="2000" dirty="0">
+                <a:latin typeface="Times New Roman"/>
+                <a:ea typeface="Times New Roman"/>
+                <a:cs typeface="Times New Roman"/>
+                <a:sym typeface="Times New Roman"/>
+              </a:rPr>
+              <a:t>Interrupt generated when specified number of packets received or specified delay is reached</a:t>
+            </a:r>
+          </a:p>
+          <a:p>
+            <a:pPr marL="876300" lvl="1" indent="-342900">
+              <a:spcBef>
+                <a:spcPts val="0"/>
+              </a:spcBef>
+              <a:buSzPts val="2400"/>
+            </a:pPr>
+            <a:r>
+              <a:rPr lang="en-US" sz="2000" dirty="0">
+                <a:latin typeface="Times New Roman"/>
+                <a:ea typeface="Times New Roman"/>
+                <a:cs typeface="Times New Roman"/>
+                <a:sym typeface="Times New Roman"/>
+              </a:rPr>
+              <a:t>Limits interrupts at high I/O rates but preserves latency at low rates</a:t>
+            </a:r>
+          </a:p>
+          <a:p>
+            <a:pPr marL="876300" lvl="1" indent="-342900">
+              <a:spcBef>
+                <a:spcPts val="0"/>
+              </a:spcBef>
+              <a:buSzPts val="2400"/>
+            </a:pPr>
+            <a:r>
+              <a:rPr lang="en-US" sz="2000" dirty="0">
+                <a:latin typeface="Times New Roman"/>
+                <a:ea typeface="Times New Roman"/>
+                <a:cs typeface="Times New Roman"/>
+                <a:sym typeface="Times New Roman"/>
+              </a:rPr>
+              <a:t>Amortizes interrupt costs for Dom0, </a:t>
+            </a:r>
+            <a:r>
+              <a:rPr lang="en-US" sz="2000" dirty="0" err="1">
+                <a:latin typeface="Times New Roman"/>
+                <a:ea typeface="Times New Roman"/>
+                <a:cs typeface="Times New Roman"/>
+                <a:sym typeface="Times New Roman"/>
+              </a:rPr>
+              <a:t>DomD</a:t>
+            </a:r>
+            <a:r>
+              <a:rPr lang="en-US" sz="2000" dirty="0">
+                <a:latin typeface="Times New Roman"/>
+                <a:ea typeface="Times New Roman"/>
+                <a:cs typeface="Times New Roman"/>
+                <a:sym typeface="Times New Roman"/>
+              </a:rPr>
+              <a:t>, and guests</a:t>
+            </a:r>
+          </a:p>
+          <a:p>
+            <a:pPr marL="533400" lvl="1" indent="0">
+              <a:spcBef>
+                <a:spcPts val="0"/>
+              </a:spcBef>
+              <a:buSzPts val="2400"/>
+              <a:buNone/>
+            </a:pPr>
+            <a:endParaRPr lang="en-US" sz="2000" dirty="0">
+              <a:latin typeface="Times New Roman"/>
+              <a:ea typeface="Times New Roman"/>
+              <a:cs typeface="Times New Roman"/>
+              <a:sym typeface="Times New Roman"/>
+            </a:endParaRPr>
+          </a:p>
+        </p:txBody>
+      </p:sp>
+    </p:spTree>
+    <p:extLst>
+      <p:ext uri="{BB962C8B-B14F-4D97-AF65-F5344CB8AC3E}">
+        <p14:creationId xmlns:p14="http://schemas.microsoft.com/office/powerpoint/2010/main" val="608159650"/>
+      </p:ext>
+    </p:extLst>
+  </p:cSld>
+  <p:clrMapOvr>
+    <a:masterClrMapping/>
+  </p:clrMapOvr>
+</p:sld>
+</file>
+
+<file path=ppt/slides/slide31.xml><?xml version="1.0" encoding="utf-8"?>
+<p:sld xmlns:a="http://schemas.openxmlformats.org/drawingml/2006/main" xmlns:r="http://schemas.openxmlformats.org/officeDocument/2006/relationships" xmlns:p="http://schemas.openxmlformats.org/presentationml/2006/main">
+  <p:cSld>
+    <p:spTree>
+      <p:nvGrpSpPr>
+        <p:cNvPr id="1" name="Shape 110"/>
+        <p:cNvGrpSpPr/>
+        <p:nvPr/>
+      </p:nvGrpSpPr>
+      <p:grpSpPr>
+        <a:xfrm>
+          <a:off x="0" y="0"/>
+          <a:ext cx="0" cy="0"/>
+          <a:chOff x="0" y="0"/>
+          <a:chExt cx="0" cy="0"/>
+        </a:xfrm>
+      </p:grpSpPr>
+      <p:sp>
+        <p:nvSpPr>
+          <p:cNvPr id="111" name="Shape 111"/>
+          <p:cNvSpPr txBox="1">
+            <a:spLocks noGrp="1"/>
+          </p:cNvSpPr>
+          <p:nvPr>
+            <p:ph type="title"/>
+          </p:nvPr>
+        </p:nvSpPr>
+        <p:spPr>
+          <a:xfrm>
+            <a:off x="457200" y="628650"/>
+            <a:ext cx="8229600" cy="537000"/>
+          </a:xfrm>
+          <a:prstGeom prst="rect">
+            <a:avLst/>
+          </a:prstGeom>
+          <a:noFill/>
+          <a:ln>
+            <a:noFill/>
+          </a:ln>
+        </p:spPr>
+        <p:txBody>
+          <a:bodyPr spcFirstLastPara="1" wrap="square" lIns="91425" tIns="45700" rIns="91425" bIns="45700" anchor="ctr" anchorCtr="0">
+            <a:noAutofit/>
+          </a:bodyPr>
+          <a:lstStyle/>
+          <a:p>
+            <a:pPr lvl="0">
+              <a:buSzPts val="3600"/>
+            </a:pPr>
+            <a:r>
+              <a:rPr lang="en-US" sz="3000" dirty="0"/>
+              <a:t>Tuning I/O Virtualization Configuration</a:t>
+            </a:r>
+            <a:endParaRPr sz="3000" b="0" i="0" u="none" strike="noStrike" cap="none" dirty="0">
+              <a:solidFill>
+                <a:srgbClr val="09347A"/>
+              </a:solidFill>
+              <a:latin typeface="Verdana"/>
+              <a:ea typeface="Verdana"/>
+              <a:cs typeface="Verdana"/>
+              <a:sym typeface="Verdana"/>
+            </a:endParaRPr>
+          </a:p>
+        </p:txBody>
+      </p:sp>
+      <p:sp>
+        <p:nvSpPr>
+          <p:cNvPr id="112" name="Shape 112"/>
+          <p:cNvSpPr txBox="1">
+            <a:spLocks noGrp="1"/>
+          </p:cNvSpPr>
+          <p:nvPr>
+            <p:ph type="body" idx="1"/>
+          </p:nvPr>
+        </p:nvSpPr>
+        <p:spPr>
+          <a:xfrm>
+            <a:off x="457200" y="1200151"/>
+            <a:ext cx="8229600" cy="3394500"/>
+          </a:xfrm>
+          <a:prstGeom prst="rect">
+            <a:avLst/>
+          </a:prstGeom>
+          <a:noFill/>
+          <a:ln>
+            <a:noFill/>
+          </a:ln>
+        </p:spPr>
+        <p:txBody>
+          <a:bodyPr spcFirstLastPara="1" wrap="square" lIns="91425" tIns="45700" rIns="91425" bIns="45700" anchor="t" anchorCtr="0">
+            <a:noAutofit/>
+          </a:bodyPr>
+          <a:lstStyle/>
+          <a:p>
+            <a:pPr marL="533400" lvl="1" indent="0">
+              <a:spcBef>
+                <a:spcPts val="0"/>
+              </a:spcBef>
+              <a:buSzPts val="2400"/>
+              <a:buNone/>
+            </a:pPr>
+            <a:endParaRPr lang="en-US" sz="2000" dirty="0">
+              <a:latin typeface="Times New Roman"/>
+              <a:ea typeface="Times New Roman"/>
+              <a:cs typeface="Times New Roman"/>
+              <a:sym typeface="Times New Roman"/>
+            </a:endParaRPr>
+          </a:p>
+          <a:p>
+            <a:pPr marL="533400" lvl="1" indent="0">
+              <a:spcBef>
+                <a:spcPts val="0"/>
+              </a:spcBef>
+              <a:buSzPts val="2400"/>
+              <a:buNone/>
+            </a:pPr>
+            <a:endParaRPr lang="en-US" sz="2000" dirty="0">
+              <a:latin typeface="Times New Roman"/>
+              <a:ea typeface="Times New Roman"/>
+              <a:cs typeface="Times New Roman"/>
+              <a:sym typeface="Times New Roman"/>
+            </a:endParaRPr>
+          </a:p>
+        </p:txBody>
+      </p:sp>
+      <p:pic>
+        <p:nvPicPr>
+          <p:cNvPr id="2" name="Picture 1">
+            <a:extLst>
+              <a:ext uri="{FF2B5EF4-FFF2-40B4-BE49-F238E27FC236}">
+                <a16:creationId xmlns:a16="http://schemas.microsoft.com/office/drawing/2014/main" id="{CAC1497D-C516-874D-BB4B-98B2D59FD381}"/>
+              </a:ext>
+            </a:extLst>
+          </p:cNvPr>
+          <p:cNvPicPr>
+            <a:picLocks noChangeAspect="1"/>
+          </p:cNvPicPr>
+          <p:nvPr/>
+        </p:nvPicPr>
+        <p:blipFill>
+          <a:blip r:embed="rId3"/>
+          <a:stretch>
+            <a:fillRect/>
+          </a:stretch>
+        </p:blipFill>
+        <p:spPr>
+          <a:xfrm>
+            <a:off x="1841500" y="1163851"/>
+            <a:ext cx="5461000" cy="3467100"/>
+          </a:xfrm>
+          <a:prstGeom prst="rect">
+            <a:avLst/>
+          </a:prstGeom>
+        </p:spPr>
+      </p:pic>
+    </p:spTree>
+    <p:extLst>
+      <p:ext uri="{BB962C8B-B14F-4D97-AF65-F5344CB8AC3E}">
+        <p14:creationId xmlns:p14="http://schemas.microsoft.com/office/powerpoint/2010/main" val="1692091921"/>
+      </p:ext>
+    </p:extLst>
+  </p:cSld>
+  <p:clrMapOvr>
+    <a:masterClrMapping/>
+  </p:clrMapOvr>
+</p:sld>
+</file>
+
+<file path=ppt/slides/slide32.xml><?xml version="1.0" encoding="utf-8"?>
+<p:sld xmlns:a="http://schemas.openxmlformats.org/drawingml/2006/main" xmlns:r="http://schemas.openxmlformats.org/officeDocument/2006/relationships" xmlns:p="http://schemas.openxmlformats.org/presentationml/2006/main">
+  <p:cSld>
+    <p:spTree>
+      <p:nvGrpSpPr>
+        <p:cNvPr id="1" name="Shape 142"/>
+        <p:cNvGrpSpPr/>
+        <p:nvPr/>
+      </p:nvGrpSpPr>
+      <p:grpSpPr>
+        <a:xfrm>
+          <a:off x="0" y="0"/>
+          <a:ext cx="0" cy="0"/>
+          <a:chOff x="0" y="0"/>
+          <a:chExt cx="0" cy="0"/>
+        </a:xfrm>
+      </p:grpSpPr>
+      <p:sp>
+        <p:nvSpPr>
+          <p:cNvPr id="143" name="Shape 143"/>
+          <p:cNvSpPr txBox="1">
+            <a:spLocks noGrp="1"/>
+          </p:cNvSpPr>
+          <p:nvPr>
+            <p:ph type="title"/>
+          </p:nvPr>
+        </p:nvSpPr>
+        <p:spPr>
+          <a:xfrm>
+            <a:off x="457200" y="628650"/>
+            <a:ext cx="8229600" cy="537000"/>
+          </a:xfrm>
+          <a:prstGeom prst="rect">
+            <a:avLst/>
+          </a:prstGeom>
+          <a:noFill/>
+          <a:ln>
+            <a:noFill/>
+          </a:ln>
+        </p:spPr>
+        <p:txBody>
+          <a:bodyPr spcFirstLastPara="1" wrap="square" lIns="91425" tIns="45700" rIns="91425" bIns="45700" anchor="ctr" anchorCtr="0">
+            <a:noAutofit/>
+          </a:bodyPr>
+          <a:lstStyle/>
+          <a:p>
+            <a:pPr marL="0" marR="0" lvl="0" indent="0" algn="ctr" rtl="0">
+              <a:spcBef>
+                <a:spcPts val="0"/>
+              </a:spcBef>
+              <a:spcAft>
+                <a:spcPts val="0"/>
+              </a:spcAft>
+              <a:buClr>
+                <a:srgbClr val="09347A"/>
+              </a:buClr>
+              <a:buSzPts val="3600"/>
+              <a:buFont typeface="Verdana"/>
+              <a:buNone/>
+            </a:pPr>
+            <a:r>
+              <a:rPr lang="en-US" sz="3000" dirty="0"/>
+              <a:t>Conclusion</a:t>
+            </a:r>
+            <a:endParaRPr sz="3000" b="0" i="0" u="none" strike="noStrike" cap="none" dirty="0">
+              <a:solidFill>
+                <a:srgbClr val="09347A"/>
+              </a:solidFill>
+              <a:latin typeface="Verdana"/>
+              <a:ea typeface="Verdana"/>
+              <a:cs typeface="Verdana"/>
+              <a:sym typeface="Verdana"/>
+            </a:endParaRPr>
+          </a:p>
+        </p:txBody>
+      </p:sp>
+      <p:sp>
+        <p:nvSpPr>
+          <p:cNvPr id="144" name="Shape 144"/>
+          <p:cNvSpPr txBox="1">
+            <a:spLocks noGrp="1"/>
+          </p:cNvSpPr>
+          <p:nvPr>
+            <p:ph type="body" idx="1"/>
+          </p:nvPr>
+        </p:nvSpPr>
+        <p:spPr>
+          <a:xfrm>
+            <a:off x="457200" y="1200151"/>
+            <a:ext cx="8229600" cy="3394500"/>
+          </a:xfrm>
+          <a:prstGeom prst="rect">
+            <a:avLst/>
+          </a:prstGeom>
+          <a:noFill/>
+          <a:ln>
+            <a:noFill/>
+          </a:ln>
+        </p:spPr>
+        <p:txBody>
+          <a:bodyPr spcFirstLastPara="1" wrap="square" lIns="91425" tIns="45700" rIns="91425" bIns="45700" anchor="t" anchorCtr="0">
+            <a:noAutofit/>
+          </a:bodyPr>
+          <a:lstStyle/>
+          <a:p>
+            <a:pPr marL="457200" marR="0" lvl="0" indent="-381000" algn="l" rtl="0">
+              <a:spcBef>
+                <a:spcPts val="0"/>
+              </a:spcBef>
+              <a:spcAft>
+                <a:spcPts val="0"/>
+              </a:spcAft>
+              <a:buSzPts val="2400"/>
+              <a:buFont typeface="Times New Roman"/>
+              <a:buChar char="•"/>
+            </a:pPr>
+            <a:endParaRPr lang="en-US" sz="2400" dirty="0">
+              <a:latin typeface="Times New Roman"/>
+              <a:ea typeface="Times New Roman"/>
+              <a:cs typeface="Times New Roman"/>
+              <a:sym typeface="Times New Roman"/>
+            </a:endParaRPr>
+          </a:p>
+          <a:p>
+            <a:pPr marL="457200" marR="0" lvl="0" indent="-381000" algn="l" rtl="0">
+              <a:spcBef>
+                <a:spcPts val="0"/>
+              </a:spcBef>
+              <a:spcAft>
+                <a:spcPts val="0"/>
+              </a:spcAft>
+              <a:buSzPts val="2400"/>
+              <a:buFont typeface="Times New Roman"/>
+              <a:buChar char="•"/>
+            </a:pPr>
+            <a:r>
+              <a:rPr lang="en-US" sz="2400" dirty="0">
+                <a:latin typeface="Times New Roman"/>
+                <a:ea typeface="Times New Roman"/>
+                <a:cs typeface="Times New Roman"/>
+                <a:sym typeface="Times New Roman"/>
+              </a:rPr>
+              <a:t>Existing filesystems lack physical isolation</a:t>
+            </a:r>
+            <a:endParaRPr sz="2400" dirty="0">
+              <a:latin typeface="Times New Roman"/>
+              <a:ea typeface="Times New Roman"/>
+              <a:cs typeface="Times New Roman"/>
+              <a:sym typeface="Times New Roman"/>
+            </a:endParaRPr>
+          </a:p>
+          <a:p>
+            <a:pPr marL="457200" marR="0" lvl="0" indent="-381000" algn="l" rtl="0">
+              <a:spcBef>
+                <a:spcPts val="0"/>
+              </a:spcBef>
+              <a:spcAft>
+                <a:spcPts val="0"/>
+              </a:spcAft>
+              <a:buSzPts val="2400"/>
+              <a:buFont typeface="Times New Roman"/>
+              <a:buChar char="•"/>
+            </a:pPr>
+            <a:r>
+              <a:rPr lang="en-US" sz="2400" dirty="0" err="1">
+                <a:latin typeface="Times New Roman"/>
+                <a:ea typeface="Times New Roman"/>
+                <a:cs typeface="Times New Roman"/>
+                <a:sym typeface="Times New Roman"/>
+              </a:rPr>
+              <a:t>IceFS</a:t>
+            </a:r>
+            <a:r>
+              <a:rPr lang="en-US" sz="2400" dirty="0">
+                <a:latin typeface="Times New Roman"/>
+                <a:ea typeface="Times New Roman"/>
+                <a:cs typeface="Times New Roman"/>
+                <a:sym typeface="Times New Roman"/>
+              </a:rPr>
+              <a:t> achieves isolation using cube abstraction</a:t>
+            </a:r>
+          </a:p>
+          <a:p>
+            <a:pPr marL="457200" marR="0" lvl="0" indent="-381000" algn="l" rtl="0">
+              <a:spcBef>
+                <a:spcPts val="0"/>
+              </a:spcBef>
+              <a:spcAft>
+                <a:spcPts val="0"/>
+              </a:spcAft>
+              <a:buSzPts val="2400"/>
+              <a:buFont typeface="Times New Roman"/>
+              <a:buChar char="•"/>
+            </a:pPr>
+            <a:r>
+              <a:rPr lang="en-US" sz="2400" dirty="0">
+                <a:latin typeface="Times New Roman"/>
+                <a:ea typeface="Times New Roman"/>
+                <a:cs typeface="Times New Roman"/>
+                <a:sym typeface="Times New Roman"/>
+              </a:rPr>
+              <a:t>No shared resources, access dependencies, or bundled transactions among cubes</a:t>
+            </a:r>
+          </a:p>
+          <a:p>
+            <a:pPr marL="457200" marR="0" lvl="0" indent="-381000" algn="l" rtl="0">
+              <a:spcBef>
+                <a:spcPts val="0"/>
+              </a:spcBef>
+              <a:spcAft>
+                <a:spcPts val="0"/>
+              </a:spcAft>
+              <a:buSzPts val="2400"/>
+              <a:buFont typeface="Times New Roman"/>
+              <a:buChar char="•"/>
+            </a:pPr>
+            <a:r>
+              <a:rPr lang="en-US" sz="2400" dirty="0">
+                <a:latin typeface="Times New Roman"/>
+                <a:ea typeface="Times New Roman"/>
+                <a:cs typeface="Times New Roman"/>
+                <a:sym typeface="Times New Roman"/>
+              </a:rPr>
+              <a:t>Localize failures that were previously global</a:t>
+            </a:r>
+          </a:p>
+          <a:p>
+            <a:pPr marL="457200" marR="0" lvl="0" indent="-381000" algn="l" rtl="0">
+              <a:spcBef>
+                <a:spcPts val="0"/>
+              </a:spcBef>
+              <a:spcAft>
+                <a:spcPts val="0"/>
+              </a:spcAft>
+              <a:buSzPts val="2400"/>
+              <a:buFont typeface="Times New Roman"/>
+              <a:buChar char="•"/>
+            </a:pPr>
+            <a:r>
+              <a:rPr lang="en-US" sz="2400" dirty="0">
+                <a:latin typeface="Times New Roman"/>
+                <a:ea typeface="Times New Roman"/>
+                <a:cs typeface="Times New Roman"/>
+                <a:sym typeface="Times New Roman"/>
+              </a:rPr>
+              <a:t>Demonstrated fault isolation and fast recovery in two case studies: VM server and HDFS data nodes</a:t>
+            </a:r>
+            <a:endParaRPr sz="2400" dirty="0">
+              <a:latin typeface="Times New Roman"/>
+              <a:ea typeface="Times New Roman"/>
+              <a:cs typeface="Times New Roman"/>
+              <a:sym typeface="Times New Roman"/>
+            </a:endParaRPr>
+          </a:p>
+          <a:p>
+            <a:pPr marL="0" marR="0" lvl="0" indent="0" algn="l" rtl="0">
+              <a:spcBef>
+                <a:spcPts val="0"/>
+              </a:spcBef>
+              <a:spcAft>
+                <a:spcPts val="0"/>
+              </a:spcAft>
+              <a:buNone/>
+            </a:pPr>
+            <a:endParaRPr sz="2400" dirty="0">
+              <a:latin typeface="Times New Roman"/>
+              <a:ea typeface="Times New Roman"/>
+              <a:cs typeface="Times New Roman"/>
+              <a:sym typeface="Times New Roman"/>
+            </a:endParaRPr>
+          </a:p>
+        </p:txBody>
+      </p:sp>
+    </p:spTree>
   </p:cSld>
   <p:clrMapOvr>
     <a:masterClrMapping/>

--- a/presentations/Bridging.pptx
+++ b/presentations/Bridging.pptx
@@ -6,7 +6,7 @@
     <p:sldMasterId id="2147483671" r:id="rId2"/>
   </p:sldMasterIdLst>
   <p:notesMasterIdLst>
-    <p:notesMasterId r:id="rId35"/>
+    <p:notesMasterId r:id="rId42"/>
   </p:notesMasterIdLst>
   <p:sldIdLst>
     <p:sldId id="256" r:id="rId3"/>
@@ -23,24 +23,31 @@
     <p:sldId id="302" r:id="rId14"/>
     <p:sldId id="303" r:id="rId15"/>
     <p:sldId id="304" r:id="rId16"/>
-    <p:sldId id="305" r:id="rId17"/>
-    <p:sldId id="307" r:id="rId18"/>
-    <p:sldId id="309" r:id="rId19"/>
-    <p:sldId id="313" r:id="rId20"/>
-    <p:sldId id="310" r:id="rId21"/>
-    <p:sldId id="311" r:id="rId22"/>
-    <p:sldId id="314" r:id="rId23"/>
-    <p:sldId id="315" r:id="rId24"/>
-    <p:sldId id="316" r:id="rId25"/>
-    <p:sldId id="312" r:id="rId26"/>
-    <p:sldId id="317" r:id="rId27"/>
-    <p:sldId id="318" r:id="rId28"/>
-    <p:sldId id="308" r:id="rId29"/>
-    <p:sldId id="319" r:id="rId30"/>
-    <p:sldId id="320" r:id="rId31"/>
-    <p:sldId id="321" r:id="rId32"/>
-    <p:sldId id="322" r:id="rId33"/>
-    <p:sldId id="263" r:id="rId34"/>
+    <p:sldId id="323" r:id="rId17"/>
+    <p:sldId id="305" r:id="rId18"/>
+    <p:sldId id="324" r:id="rId19"/>
+    <p:sldId id="325" r:id="rId20"/>
+    <p:sldId id="326" r:id="rId21"/>
+    <p:sldId id="327" r:id="rId22"/>
+    <p:sldId id="328" r:id="rId23"/>
+    <p:sldId id="329" r:id="rId24"/>
+    <p:sldId id="307" r:id="rId25"/>
+    <p:sldId id="309" r:id="rId26"/>
+    <p:sldId id="313" r:id="rId27"/>
+    <p:sldId id="310" r:id="rId28"/>
+    <p:sldId id="311" r:id="rId29"/>
+    <p:sldId id="314" r:id="rId30"/>
+    <p:sldId id="315" r:id="rId31"/>
+    <p:sldId id="316" r:id="rId32"/>
+    <p:sldId id="312" r:id="rId33"/>
+    <p:sldId id="317" r:id="rId34"/>
+    <p:sldId id="318" r:id="rId35"/>
+    <p:sldId id="308" r:id="rId36"/>
+    <p:sldId id="319" r:id="rId37"/>
+    <p:sldId id="320" r:id="rId38"/>
+    <p:sldId id="321" r:id="rId39"/>
+    <p:sldId id="322" r:id="rId40"/>
+    <p:sldId id="263" r:id="rId41"/>
   </p:sldIdLst>
   <p:sldSz cx="9144000" cy="5143500" type="screen16x9"/>
   <p:notesSz cx="7019925" cy="9305925"/>
@@ -2224,6 +2231,182 @@
           </a:bodyPr>
           <a:lstStyle/>
           <a:p>
+            <a:pPr marL="419100" indent="-342900">
+              <a:spcBef>
+                <a:spcPts val="0"/>
+              </a:spcBef>
+              <a:buSzPts val="2400"/>
+            </a:pPr>
+            <a:r>
+              <a:rPr lang="en-US" sz="2400" dirty="0">
+                <a:latin typeface="Times New Roman"/>
+                <a:ea typeface="Times New Roman"/>
+                <a:cs typeface="Times New Roman"/>
+                <a:sym typeface="Times New Roman"/>
+              </a:rPr>
+              <a:t>Uses </a:t>
+            </a:r>
+            <a:r>
+              <a:rPr lang="en-US" sz="2400" dirty="0" err="1">
+                <a:latin typeface="Times New Roman"/>
+                <a:ea typeface="Times New Roman"/>
+                <a:cs typeface="Times New Roman"/>
+                <a:sym typeface="Times New Roman"/>
+              </a:rPr>
+              <a:t>netperf</a:t>
+            </a:r>
+            <a:r>
+              <a:rPr lang="en-US" sz="2400" dirty="0">
+                <a:latin typeface="Times New Roman"/>
+                <a:ea typeface="Times New Roman"/>
+                <a:cs typeface="Times New Roman"/>
+                <a:sym typeface="Times New Roman"/>
+              </a:rPr>
+              <a:t> UDP_STREAM </a:t>
+            </a:r>
+            <a:r>
+              <a:rPr lang="en-US" sz="2400" dirty="0" err="1">
+                <a:latin typeface="Times New Roman"/>
+                <a:ea typeface="Times New Roman"/>
+                <a:cs typeface="Times New Roman"/>
+                <a:sym typeface="Times New Roman"/>
+              </a:rPr>
+              <a:t>microbenchmark</a:t>
+            </a:r>
+            <a:endParaRPr lang="en-US" sz="2400" dirty="0">
+              <a:latin typeface="Times New Roman"/>
+              <a:ea typeface="Times New Roman"/>
+              <a:cs typeface="Times New Roman"/>
+              <a:sym typeface="Times New Roman"/>
+            </a:endParaRPr>
+          </a:p>
+          <a:p>
+            <a:pPr marL="876300" lvl="1" indent="-342900">
+              <a:spcBef>
+                <a:spcPts val="0"/>
+              </a:spcBef>
+              <a:buSzPts val="2400"/>
+            </a:pPr>
+            <a:r>
+              <a:rPr lang="en-US" sz="2000" dirty="0">
+                <a:latin typeface="Times New Roman"/>
+                <a:ea typeface="Times New Roman"/>
+                <a:cs typeface="Times New Roman"/>
+                <a:sym typeface="Times New Roman"/>
+              </a:rPr>
+              <a:t>Difficult to quantify CPU costs for TCP due to ACK packets</a:t>
+            </a:r>
+          </a:p>
+          <a:p>
+            <a:pPr marL="0" lvl="0" indent="0" rtl="0">
+              <a:spcBef>
+                <a:spcPts val="0"/>
+              </a:spcBef>
+              <a:spcAft>
+                <a:spcPts val="0"/>
+              </a:spcAft>
+              <a:buNone/>
+            </a:pPr>
+            <a:endParaRPr dirty="0"/>
+          </a:p>
+        </p:txBody>
+      </p:sp>
+      <p:sp>
+        <p:nvSpPr>
+          <p:cNvPr id="109" name="Shape 109"/>
+          <p:cNvSpPr>
+            <a:spLocks noGrp="1" noRot="1" noChangeAspect="1"/>
+          </p:cNvSpPr>
+          <p:nvPr>
+            <p:ph type="sldImg" idx="2"/>
+          </p:nvPr>
+        </p:nvSpPr>
+        <p:spPr>
+          <a:xfrm>
+            <a:off x="409575" y="698500"/>
+            <a:ext cx="6200775" cy="3489325"/>
+          </a:xfrm>
+          <a:custGeom>
+            <a:avLst/>
+            <a:gdLst/>
+            <a:ahLst/>
+            <a:cxnLst/>
+            <a:rect l="0" t="0" r="0" b="0"/>
+            <a:pathLst>
+              <a:path w="120000" h="120000" extrusionOk="0">
+                <a:moveTo>
+                  <a:pt x="0" y="0"/>
+                </a:moveTo>
+                <a:lnTo>
+                  <a:pt x="120000" y="0"/>
+                </a:lnTo>
+                <a:lnTo>
+                  <a:pt x="120000" y="120000"/>
+                </a:lnTo>
+                <a:lnTo>
+                  <a:pt x="0" y="120000"/>
+                </a:lnTo>
+                <a:close/>
+              </a:path>
+            </a:pathLst>
+          </a:custGeom>
+        </p:spPr>
+      </p:sp>
+    </p:spTree>
+    <p:extLst>
+      <p:ext uri="{BB962C8B-B14F-4D97-AF65-F5344CB8AC3E}">
+        <p14:creationId xmlns:p14="http://schemas.microsoft.com/office/powerpoint/2010/main" val="271470955"/>
+      </p:ext>
+    </p:extLst>
+  </p:cSld>
+  <p:clrMapOvr>
+    <a:masterClrMapping/>
+  </p:clrMapOvr>
+</p:notes>
+</file>
+
+<file path=ppt/notesSlides/notesSlide16.xml><?xml version="1.0" encoding="utf-8"?>
+<p:notes xmlns:a="http://schemas.openxmlformats.org/drawingml/2006/main" xmlns:r="http://schemas.openxmlformats.org/officeDocument/2006/relationships" xmlns:p="http://schemas.openxmlformats.org/presentationml/2006/main" showMasterSp="0" showMasterPhAnim="0">
+  <p:cSld>
+    <p:spTree>
+      <p:nvGrpSpPr>
+        <p:cNvPr id="1" name="Shape 107"/>
+        <p:cNvGrpSpPr/>
+        <p:nvPr/>
+      </p:nvGrpSpPr>
+      <p:grpSpPr>
+        <a:xfrm>
+          <a:off x="0" y="0"/>
+          <a:ext cx="0" cy="0"/>
+          <a:chOff x="0" y="0"/>
+          <a:chExt cx="0" cy="0"/>
+        </a:xfrm>
+      </p:grpSpPr>
+      <p:sp>
+        <p:nvSpPr>
+          <p:cNvPr id="108" name="Shape 108"/>
+          <p:cNvSpPr txBox="1">
+            <a:spLocks noGrp="1"/>
+          </p:cNvSpPr>
+          <p:nvPr>
+            <p:ph type="body" idx="1"/>
+          </p:nvPr>
+        </p:nvSpPr>
+        <p:spPr>
+          <a:xfrm>
+            <a:off x="701993" y="4420315"/>
+            <a:ext cx="5616000" cy="4187700"/>
+          </a:xfrm>
+          <a:prstGeom prst="rect">
+            <a:avLst/>
+          </a:prstGeom>
+        </p:spPr>
+        <p:txBody>
+          <a:bodyPr spcFirstLastPara="1" wrap="square" lIns="91425" tIns="91425" rIns="91425" bIns="91425" anchor="t" anchorCtr="0">
+            <a:noAutofit/>
+          </a:bodyPr>
+          <a:lstStyle/>
+          <a:p>
             <a:pPr marL="0" lvl="0" indent="0" rtl="0">
               <a:spcBef>
                 <a:spcPts val="0"/>
@@ -2291,7 +2474,7 @@
 </p:notes>
 </file>
 
-<file path=ppt/notesSlides/notesSlide16.xml><?xml version="1.0" encoding="utf-8"?>
+<file path=ppt/notesSlides/notesSlide17.xml><?xml version="1.0" encoding="utf-8"?>
 <p:notes xmlns:a="http://schemas.openxmlformats.org/drawingml/2006/main" xmlns:r="http://schemas.openxmlformats.org/officeDocument/2006/relationships" xmlns:p="http://schemas.openxmlformats.org/presentationml/2006/main" showMasterSp="0" showMasterPhAnim="0">
   <p:cSld>
     <p:spTree>
@@ -2332,6 +2515,73 @@
             <a:noAutofit/>
           </a:bodyPr>
           <a:lstStyle/>
+          <a:p>
+            <a:pPr marL="419100" indent="-342900">
+              <a:spcBef>
+                <a:spcPts val="0"/>
+              </a:spcBef>
+              <a:buSzPts val="2400"/>
+            </a:pPr>
+            <a:r>
+              <a:rPr lang="en-US" sz="2400" dirty="0">
+                <a:latin typeface="Times New Roman"/>
+                <a:ea typeface="Times New Roman"/>
+                <a:cs typeface="Times New Roman"/>
+                <a:sym typeface="Times New Roman"/>
+              </a:rPr>
+              <a:t>Uses </a:t>
+            </a:r>
+            <a:r>
+              <a:rPr lang="en-US" sz="2400" dirty="0" err="1">
+                <a:latin typeface="Times New Roman"/>
+                <a:ea typeface="Times New Roman"/>
+                <a:cs typeface="Times New Roman"/>
+                <a:sym typeface="Times New Roman"/>
+              </a:rPr>
+              <a:t>netperf</a:t>
+            </a:r>
+            <a:r>
+              <a:rPr lang="en-US" sz="2400" dirty="0">
+                <a:latin typeface="Times New Roman"/>
+                <a:ea typeface="Times New Roman"/>
+                <a:cs typeface="Times New Roman"/>
+                <a:sym typeface="Times New Roman"/>
+              </a:rPr>
+              <a:t> UDP_STREAM </a:t>
+            </a:r>
+            <a:r>
+              <a:rPr lang="en-US" sz="2400" dirty="0" err="1">
+                <a:latin typeface="Times New Roman"/>
+                <a:ea typeface="Times New Roman"/>
+                <a:cs typeface="Times New Roman"/>
+                <a:sym typeface="Times New Roman"/>
+              </a:rPr>
+              <a:t>microbenchmark</a:t>
+            </a:r>
+            <a:endParaRPr lang="en-US" sz="2400" dirty="0">
+              <a:latin typeface="Times New Roman"/>
+              <a:ea typeface="Times New Roman"/>
+              <a:cs typeface="Times New Roman"/>
+              <a:sym typeface="Times New Roman"/>
+            </a:endParaRPr>
+          </a:p>
+          <a:p>
+            <a:pPr marL="876300" lvl="1" indent="-342900">
+              <a:spcBef>
+                <a:spcPts val="0"/>
+              </a:spcBef>
+              <a:buSzPts val="2400"/>
+            </a:pPr>
+            <a:r>
+              <a:rPr lang="en-US" sz="2000" dirty="0">
+                <a:latin typeface="Times New Roman"/>
+                <a:ea typeface="Times New Roman"/>
+                <a:cs typeface="Times New Roman"/>
+                <a:sym typeface="Times New Roman"/>
+              </a:rPr>
+              <a:t>Difficult to quantify CPU costs for TCP due to ACK packets</a:t>
+            </a:r>
+          </a:p>
           <a:p>
             <a:pPr marL="0" lvl="0" indent="0" rtl="0">
               <a:spcBef>
@@ -2390,116 +2640,7 @@
     </p:spTree>
     <p:extLst>
       <p:ext uri="{BB962C8B-B14F-4D97-AF65-F5344CB8AC3E}">
-        <p14:creationId xmlns:p14="http://schemas.microsoft.com/office/powerpoint/2010/main" val="3642046631"/>
-      </p:ext>
-    </p:extLst>
-  </p:cSld>
-  <p:clrMapOvr>
-    <a:masterClrMapping/>
-  </p:clrMapOvr>
-</p:notes>
-</file>
-
-<file path=ppt/notesSlides/notesSlide17.xml><?xml version="1.0" encoding="utf-8"?>
-<p:notes xmlns:a="http://schemas.openxmlformats.org/drawingml/2006/main" xmlns:r="http://schemas.openxmlformats.org/officeDocument/2006/relationships" xmlns:p="http://schemas.openxmlformats.org/presentationml/2006/main" showMasterSp="0" showMasterPhAnim="0">
-  <p:cSld>
-    <p:spTree>
-      <p:nvGrpSpPr>
-        <p:cNvPr id="1" name="Shape 107"/>
-        <p:cNvGrpSpPr/>
-        <p:nvPr/>
-      </p:nvGrpSpPr>
-      <p:grpSpPr>
-        <a:xfrm>
-          <a:off x="0" y="0"/>
-          <a:ext cx="0" cy="0"/>
-          <a:chOff x="0" y="0"/>
-          <a:chExt cx="0" cy="0"/>
-        </a:xfrm>
-      </p:grpSpPr>
-      <p:sp>
-        <p:nvSpPr>
-          <p:cNvPr id="108" name="Shape 108"/>
-          <p:cNvSpPr txBox="1">
-            <a:spLocks noGrp="1"/>
-          </p:cNvSpPr>
-          <p:nvPr>
-            <p:ph type="body" idx="1"/>
-          </p:nvPr>
-        </p:nvSpPr>
-        <p:spPr>
-          <a:xfrm>
-            <a:off x="701993" y="4420315"/>
-            <a:ext cx="5616000" cy="4187700"/>
-          </a:xfrm>
-          <a:prstGeom prst="rect">
-            <a:avLst/>
-          </a:prstGeom>
-        </p:spPr>
-        <p:txBody>
-          <a:bodyPr spcFirstLastPara="1" wrap="square" lIns="91425" tIns="91425" rIns="91425" bIns="91425" anchor="t" anchorCtr="0">
-            <a:noAutofit/>
-          </a:bodyPr>
-          <a:lstStyle/>
-          <a:p>
-            <a:pPr marL="0" lvl="0" indent="0" rtl="0">
-              <a:spcBef>
-                <a:spcPts val="0"/>
-              </a:spcBef>
-              <a:spcAft>
-                <a:spcPts val="0"/>
-              </a:spcAft>
-              <a:buNone/>
-            </a:pPr>
-            <a:endParaRPr dirty="0"/>
-          </a:p>
-        </p:txBody>
-      </p:sp>
-      <p:sp>
-        <p:nvSpPr>
-          <p:cNvPr id="109" name="Shape 109"/>
-          <p:cNvSpPr>
-            <a:spLocks noGrp="1" noRot="1" noChangeAspect="1"/>
-          </p:cNvSpPr>
-          <p:nvPr>
-            <p:ph type="sldImg" idx="2"/>
-          </p:nvPr>
-        </p:nvSpPr>
-        <p:spPr>
-          <a:xfrm>
-            <a:off x="409575" y="698500"/>
-            <a:ext cx="6200775" cy="3489325"/>
-          </a:xfrm>
-          <a:custGeom>
-            <a:avLst/>
-            <a:gdLst/>
-            <a:ahLst/>
-            <a:cxnLst/>
-            <a:rect l="0" t="0" r="0" b="0"/>
-            <a:pathLst>
-              <a:path w="120000" h="120000" extrusionOk="0">
-                <a:moveTo>
-                  <a:pt x="0" y="0"/>
-                </a:moveTo>
-                <a:lnTo>
-                  <a:pt x="120000" y="0"/>
-                </a:lnTo>
-                <a:lnTo>
-                  <a:pt x="120000" y="120000"/>
-                </a:lnTo>
-                <a:lnTo>
-                  <a:pt x="0" y="120000"/>
-                </a:lnTo>
-                <a:close/>
-              </a:path>
-            </a:pathLst>
-          </a:custGeom>
-        </p:spPr>
-      </p:sp>
-    </p:spTree>
-    <p:extLst>
-      <p:ext uri="{BB962C8B-B14F-4D97-AF65-F5344CB8AC3E}">
-        <p14:creationId xmlns:p14="http://schemas.microsoft.com/office/powerpoint/2010/main" val="471161724"/>
+        <p14:creationId xmlns:p14="http://schemas.microsoft.com/office/powerpoint/2010/main" val="3508972839"/>
       </p:ext>
     </p:extLst>
   </p:cSld>
@@ -2551,6 +2692,73 @@
           </a:bodyPr>
           <a:lstStyle/>
           <a:p>
+            <a:pPr marL="419100" indent="-342900">
+              <a:spcBef>
+                <a:spcPts val="0"/>
+              </a:spcBef>
+              <a:buSzPts val="2400"/>
+            </a:pPr>
+            <a:r>
+              <a:rPr lang="en-US" sz="2400" dirty="0">
+                <a:latin typeface="Times New Roman"/>
+                <a:ea typeface="Times New Roman"/>
+                <a:cs typeface="Times New Roman"/>
+                <a:sym typeface="Times New Roman"/>
+              </a:rPr>
+              <a:t>Uses </a:t>
+            </a:r>
+            <a:r>
+              <a:rPr lang="en-US" sz="2400" dirty="0" err="1">
+                <a:latin typeface="Times New Roman"/>
+                <a:ea typeface="Times New Roman"/>
+                <a:cs typeface="Times New Roman"/>
+                <a:sym typeface="Times New Roman"/>
+              </a:rPr>
+              <a:t>netperf</a:t>
+            </a:r>
+            <a:r>
+              <a:rPr lang="en-US" sz="2400" dirty="0">
+                <a:latin typeface="Times New Roman"/>
+                <a:ea typeface="Times New Roman"/>
+                <a:cs typeface="Times New Roman"/>
+                <a:sym typeface="Times New Roman"/>
+              </a:rPr>
+              <a:t> UDP_STREAM </a:t>
+            </a:r>
+            <a:r>
+              <a:rPr lang="en-US" sz="2400" dirty="0" err="1">
+                <a:latin typeface="Times New Roman"/>
+                <a:ea typeface="Times New Roman"/>
+                <a:cs typeface="Times New Roman"/>
+                <a:sym typeface="Times New Roman"/>
+              </a:rPr>
+              <a:t>microbenchmark</a:t>
+            </a:r>
+            <a:endParaRPr lang="en-US" sz="2400" dirty="0">
+              <a:latin typeface="Times New Roman"/>
+              <a:ea typeface="Times New Roman"/>
+              <a:cs typeface="Times New Roman"/>
+              <a:sym typeface="Times New Roman"/>
+            </a:endParaRPr>
+          </a:p>
+          <a:p>
+            <a:pPr marL="876300" lvl="1" indent="-342900">
+              <a:spcBef>
+                <a:spcPts val="0"/>
+              </a:spcBef>
+              <a:buSzPts val="2400"/>
+            </a:pPr>
+            <a:r>
+              <a:rPr lang="en-US" sz="2000" dirty="0">
+                <a:latin typeface="Times New Roman"/>
+                <a:ea typeface="Times New Roman"/>
+                <a:cs typeface="Times New Roman"/>
+                <a:sym typeface="Times New Roman"/>
+              </a:rPr>
+              <a:t>Difficult to quantify CPU costs for TCP due to ACK packets</a:t>
+            </a:r>
+          </a:p>
+          <a:p>
             <a:pPr marL="0" lvl="0" indent="0" rtl="0">
               <a:spcBef>
                 <a:spcPts val="0"/>
@@ -2608,7 +2816,7 @@
     </p:spTree>
     <p:extLst>
       <p:ext uri="{BB962C8B-B14F-4D97-AF65-F5344CB8AC3E}">
-        <p14:creationId xmlns:p14="http://schemas.microsoft.com/office/powerpoint/2010/main" val="2708204534"/>
+        <p14:creationId xmlns:p14="http://schemas.microsoft.com/office/powerpoint/2010/main" val="3934358180"/>
       </p:ext>
     </p:extLst>
   </p:cSld>
@@ -2660,6 +2868,73 @@
           </a:bodyPr>
           <a:lstStyle/>
           <a:p>
+            <a:pPr marL="419100" indent="-342900">
+              <a:spcBef>
+                <a:spcPts val="0"/>
+              </a:spcBef>
+              <a:buSzPts val="2400"/>
+            </a:pPr>
+            <a:r>
+              <a:rPr lang="en-US" sz="2400" dirty="0">
+                <a:latin typeface="Times New Roman"/>
+                <a:ea typeface="Times New Roman"/>
+                <a:cs typeface="Times New Roman"/>
+                <a:sym typeface="Times New Roman"/>
+              </a:rPr>
+              <a:t>Uses </a:t>
+            </a:r>
+            <a:r>
+              <a:rPr lang="en-US" sz="2400" dirty="0" err="1">
+                <a:latin typeface="Times New Roman"/>
+                <a:ea typeface="Times New Roman"/>
+                <a:cs typeface="Times New Roman"/>
+                <a:sym typeface="Times New Roman"/>
+              </a:rPr>
+              <a:t>netperf</a:t>
+            </a:r>
+            <a:r>
+              <a:rPr lang="en-US" sz="2400" dirty="0">
+                <a:latin typeface="Times New Roman"/>
+                <a:ea typeface="Times New Roman"/>
+                <a:cs typeface="Times New Roman"/>
+                <a:sym typeface="Times New Roman"/>
+              </a:rPr>
+              <a:t> UDP_STREAM </a:t>
+            </a:r>
+            <a:r>
+              <a:rPr lang="en-US" sz="2400" dirty="0" err="1">
+                <a:latin typeface="Times New Roman"/>
+                <a:ea typeface="Times New Roman"/>
+                <a:cs typeface="Times New Roman"/>
+                <a:sym typeface="Times New Roman"/>
+              </a:rPr>
+              <a:t>microbenchmark</a:t>
+            </a:r>
+            <a:endParaRPr lang="en-US" sz="2400" dirty="0">
+              <a:latin typeface="Times New Roman"/>
+              <a:ea typeface="Times New Roman"/>
+              <a:cs typeface="Times New Roman"/>
+              <a:sym typeface="Times New Roman"/>
+            </a:endParaRPr>
+          </a:p>
+          <a:p>
+            <a:pPr marL="876300" lvl="1" indent="-342900">
+              <a:spcBef>
+                <a:spcPts val="0"/>
+              </a:spcBef>
+              <a:buSzPts val="2400"/>
+            </a:pPr>
+            <a:r>
+              <a:rPr lang="en-US" sz="2000" dirty="0">
+                <a:latin typeface="Times New Roman"/>
+                <a:ea typeface="Times New Roman"/>
+                <a:cs typeface="Times New Roman"/>
+                <a:sym typeface="Times New Roman"/>
+              </a:rPr>
+              <a:t>Difficult to quantify CPU costs for TCP due to ACK packets</a:t>
+            </a:r>
+          </a:p>
+          <a:p>
             <a:pPr marL="0" lvl="0" indent="0" rtl="0">
               <a:spcBef>
                 <a:spcPts val="0"/>
@@ -2717,7 +2992,7 @@
     </p:spTree>
     <p:extLst>
       <p:ext uri="{BB962C8B-B14F-4D97-AF65-F5344CB8AC3E}">
-        <p14:creationId xmlns:p14="http://schemas.microsoft.com/office/powerpoint/2010/main" val="3015877554"/>
+        <p14:creationId xmlns:p14="http://schemas.microsoft.com/office/powerpoint/2010/main" val="1907105677"/>
       </p:ext>
     </p:extLst>
   </p:cSld>
@@ -2873,6 +3148,970 @@
           </a:bodyPr>
           <a:lstStyle/>
           <a:p>
+            <a:pPr marL="419100" indent="-342900">
+              <a:spcBef>
+                <a:spcPts val="0"/>
+              </a:spcBef>
+              <a:buSzPts val="2400"/>
+            </a:pPr>
+            <a:r>
+              <a:rPr lang="en-US" sz="2400" dirty="0">
+                <a:latin typeface="Times New Roman"/>
+                <a:ea typeface="Times New Roman"/>
+                <a:cs typeface="Times New Roman"/>
+                <a:sym typeface="Times New Roman"/>
+              </a:rPr>
+              <a:t>Uses </a:t>
+            </a:r>
+            <a:r>
+              <a:rPr lang="en-US" sz="2400" dirty="0" err="1">
+                <a:latin typeface="Times New Roman"/>
+                <a:ea typeface="Times New Roman"/>
+                <a:cs typeface="Times New Roman"/>
+                <a:sym typeface="Times New Roman"/>
+              </a:rPr>
+              <a:t>netperf</a:t>
+            </a:r>
+            <a:r>
+              <a:rPr lang="en-US" sz="2400" dirty="0">
+                <a:latin typeface="Times New Roman"/>
+                <a:ea typeface="Times New Roman"/>
+                <a:cs typeface="Times New Roman"/>
+                <a:sym typeface="Times New Roman"/>
+              </a:rPr>
+              <a:t> UDP_STREAM </a:t>
+            </a:r>
+            <a:r>
+              <a:rPr lang="en-US" sz="2400" dirty="0" err="1">
+                <a:latin typeface="Times New Roman"/>
+                <a:ea typeface="Times New Roman"/>
+                <a:cs typeface="Times New Roman"/>
+                <a:sym typeface="Times New Roman"/>
+              </a:rPr>
+              <a:t>microbenchmark</a:t>
+            </a:r>
+            <a:endParaRPr lang="en-US" sz="2400" dirty="0">
+              <a:latin typeface="Times New Roman"/>
+              <a:ea typeface="Times New Roman"/>
+              <a:cs typeface="Times New Roman"/>
+              <a:sym typeface="Times New Roman"/>
+            </a:endParaRPr>
+          </a:p>
+          <a:p>
+            <a:pPr marL="876300" lvl="1" indent="-342900">
+              <a:spcBef>
+                <a:spcPts val="0"/>
+              </a:spcBef>
+              <a:buSzPts val="2400"/>
+            </a:pPr>
+            <a:r>
+              <a:rPr lang="en-US" sz="2000" dirty="0">
+                <a:latin typeface="Times New Roman"/>
+                <a:ea typeface="Times New Roman"/>
+                <a:cs typeface="Times New Roman"/>
+                <a:sym typeface="Times New Roman"/>
+              </a:rPr>
+              <a:t>Difficult to quantify CPU costs for TCP due to ACK packets</a:t>
+            </a:r>
+          </a:p>
+          <a:p>
+            <a:pPr marL="0" lvl="0" indent="0" rtl="0">
+              <a:spcBef>
+                <a:spcPts val="0"/>
+              </a:spcBef>
+              <a:spcAft>
+                <a:spcPts val="0"/>
+              </a:spcAft>
+              <a:buNone/>
+            </a:pPr>
+            <a:endParaRPr dirty="0"/>
+          </a:p>
+        </p:txBody>
+      </p:sp>
+      <p:sp>
+        <p:nvSpPr>
+          <p:cNvPr id="109" name="Shape 109"/>
+          <p:cNvSpPr>
+            <a:spLocks noGrp="1" noRot="1" noChangeAspect="1"/>
+          </p:cNvSpPr>
+          <p:nvPr>
+            <p:ph type="sldImg" idx="2"/>
+          </p:nvPr>
+        </p:nvSpPr>
+        <p:spPr>
+          <a:xfrm>
+            <a:off x="409575" y="698500"/>
+            <a:ext cx="6200775" cy="3489325"/>
+          </a:xfrm>
+          <a:custGeom>
+            <a:avLst/>
+            <a:gdLst/>
+            <a:ahLst/>
+            <a:cxnLst/>
+            <a:rect l="0" t="0" r="0" b="0"/>
+            <a:pathLst>
+              <a:path w="120000" h="120000" extrusionOk="0">
+                <a:moveTo>
+                  <a:pt x="0" y="0"/>
+                </a:moveTo>
+                <a:lnTo>
+                  <a:pt x="120000" y="0"/>
+                </a:lnTo>
+                <a:lnTo>
+                  <a:pt x="120000" y="120000"/>
+                </a:lnTo>
+                <a:lnTo>
+                  <a:pt x="0" y="120000"/>
+                </a:lnTo>
+                <a:close/>
+              </a:path>
+            </a:pathLst>
+          </a:custGeom>
+        </p:spPr>
+      </p:sp>
+    </p:spTree>
+    <p:extLst>
+      <p:ext uri="{BB962C8B-B14F-4D97-AF65-F5344CB8AC3E}">
+        <p14:creationId xmlns:p14="http://schemas.microsoft.com/office/powerpoint/2010/main" val="1014796967"/>
+      </p:ext>
+    </p:extLst>
+  </p:cSld>
+  <p:clrMapOvr>
+    <a:masterClrMapping/>
+  </p:clrMapOvr>
+</p:notes>
+</file>
+
+<file path=ppt/notesSlides/notesSlide21.xml><?xml version="1.0" encoding="utf-8"?>
+<p:notes xmlns:a="http://schemas.openxmlformats.org/drawingml/2006/main" xmlns:r="http://schemas.openxmlformats.org/officeDocument/2006/relationships" xmlns:p="http://schemas.openxmlformats.org/presentationml/2006/main" showMasterSp="0" showMasterPhAnim="0">
+  <p:cSld>
+    <p:spTree>
+      <p:nvGrpSpPr>
+        <p:cNvPr id="1" name="Shape 107"/>
+        <p:cNvGrpSpPr/>
+        <p:nvPr/>
+      </p:nvGrpSpPr>
+      <p:grpSpPr>
+        <a:xfrm>
+          <a:off x="0" y="0"/>
+          <a:ext cx="0" cy="0"/>
+          <a:chOff x="0" y="0"/>
+          <a:chExt cx="0" cy="0"/>
+        </a:xfrm>
+      </p:grpSpPr>
+      <p:sp>
+        <p:nvSpPr>
+          <p:cNvPr id="108" name="Shape 108"/>
+          <p:cNvSpPr txBox="1">
+            <a:spLocks noGrp="1"/>
+          </p:cNvSpPr>
+          <p:nvPr>
+            <p:ph type="body" idx="1"/>
+          </p:nvPr>
+        </p:nvSpPr>
+        <p:spPr>
+          <a:xfrm>
+            <a:off x="701993" y="4420315"/>
+            <a:ext cx="5616000" cy="4187700"/>
+          </a:xfrm>
+          <a:prstGeom prst="rect">
+            <a:avLst/>
+          </a:prstGeom>
+        </p:spPr>
+        <p:txBody>
+          <a:bodyPr spcFirstLastPara="1" wrap="square" lIns="91425" tIns="91425" rIns="91425" bIns="91425" anchor="t" anchorCtr="0">
+            <a:noAutofit/>
+          </a:bodyPr>
+          <a:lstStyle/>
+          <a:p>
+            <a:pPr marL="419100" indent="-342900">
+              <a:spcBef>
+                <a:spcPts val="0"/>
+              </a:spcBef>
+              <a:buSzPts val="2400"/>
+            </a:pPr>
+            <a:r>
+              <a:rPr lang="en-US" sz="2400" dirty="0">
+                <a:latin typeface="Times New Roman"/>
+                <a:ea typeface="Times New Roman"/>
+                <a:cs typeface="Times New Roman"/>
+                <a:sym typeface="Times New Roman"/>
+              </a:rPr>
+              <a:t>Uses </a:t>
+            </a:r>
+            <a:r>
+              <a:rPr lang="en-US" sz="2400" dirty="0" err="1">
+                <a:latin typeface="Times New Roman"/>
+                <a:ea typeface="Times New Roman"/>
+                <a:cs typeface="Times New Roman"/>
+                <a:sym typeface="Times New Roman"/>
+              </a:rPr>
+              <a:t>netperf</a:t>
+            </a:r>
+            <a:r>
+              <a:rPr lang="en-US" sz="2400" dirty="0">
+                <a:latin typeface="Times New Roman"/>
+                <a:ea typeface="Times New Roman"/>
+                <a:cs typeface="Times New Roman"/>
+                <a:sym typeface="Times New Roman"/>
+              </a:rPr>
+              <a:t> UDP_STREAM </a:t>
+            </a:r>
+            <a:r>
+              <a:rPr lang="en-US" sz="2400" dirty="0" err="1">
+                <a:latin typeface="Times New Roman"/>
+                <a:ea typeface="Times New Roman"/>
+                <a:cs typeface="Times New Roman"/>
+                <a:sym typeface="Times New Roman"/>
+              </a:rPr>
+              <a:t>microbenchmark</a:t>
+            </a:r>
+            <a:endParaRPr lang="en-US" sz="2400" dirty="0">
+              <a:latin typeface="Times New Roman"/>
+              <a:ea typeface="Times New Roman"/>
+              <a:cs typeface="Times New Roman"/>
+              <a:sym typeface="Times New Roman"/>
+            </a:endParaRPr>
+          </a:p>
+          <a:p>
+            <a:pPr marL="876300" lvl="1" indent="-342900">
+              <a:spcBef>
+                <a:spcPts val="0"/>
+              </a:spcBef>
+              <a:buSzPts val="2400"/>
+            </a:pPr>
+            <a:r>
+              <a:rPr lang="en-US" sz="2000" dirty="0">
+                <a:latin typeface="Times New Roman"/>
+                <a:ea typeface="Times New Roman"/>
+                <a:cs typeface="Times New Roman"/>
+                <a:sym typeface="Times New Roman"/>
+              </a:rPr>
+              <a:t>Difficult to quantify CPU costs for TCP due to ACK packets</a:t>
+            </a:r>
+          </a:p>
+          <a:p>
+            <a:pPr marL="0" lvl="0" indent="0" rtl="0">
+              <a:spcBef>
+                <a:spcPts val="0"/>
+              </a:spcBef>
+              <a:spcAft>
+                <a:spcPts val="0"/>
+              </a:spcAft>
+              <a:buNone/>
+            </a:pPr>
+            <a:endParaRPr dirty="0"/>
+          </a:p>
+        </p:txBody>
+      </p:sp>
+      <p:sp>
+        <p:nvSpPr>
+          <p:cNvPr id="109" name="Shape 109"/>
+          <p:cNvSpPr>
+            <a:spLocks noGrp="1" noRot="1" noChangeAspect="1"/>
+          </p:cNvSpPr>
+          <p:nvPr>
+            <p:ph type="sldImg" idx="2"/>
+          </p:nvPr>
+        </p:nvSpPr>
+        <p:spPr>
+          <a:xfrm>
+            <a:off x="409575" y="698500"/>
+            <a:ext cx="6200775" cy="3489325"/>
+          </a:xfrm>
+          <a:custGeom>
+            <a:avLst/>
+            <a:gdLst/>
+            <a:ahLst/>
+            <a:cxnLst/>
+            <a:rect l="0" t="0" r="0" b="0"/>
+            <a:pathLst>
+              <a:path w="120000" h="120000" extrusionOk="0">
+                <a:moveTo>
+                  <a:pt x="0" y="0"/>
+                </a:moveTo>
+                <a:lnTo>
+                  <a:pt x="120000" y="0"/>
+                </a:lnTo>
+                <a:lnTo>
+                  <a:pt x="120000" y="120000"/>
+                </a:lnTo>
+                <a:lnTo>
+                  <a:pt x="0" y="120000"/>
+                </a:lnTo>
+                <a:close/>
+              </a:path>
+            </a:pathLst>
+          </a:custGeom>
+        </p:spPr>
+      </p:sp>
+    </p:spTree>
+    <p:extLst>
+      <p:ext uri="{BB962C8B-B14F-4D97-AF65-F5344CB8AC3E}">
+        <p14:creationId xmlns:p14="http://schemas.microsoft.com/office/powerpoint/2010/main" val="883475960"/>
+      </p:ext>
+    </p:extLst>
+  </p:cSld>
+  <p:clrMapOvr>
+    <a:masterClrMapping/>
+  </p:clrMapOvr>
+</p:notes>
+</file>
+
+<file path=ppt/notesSlides/notesSlide22.xml><?xml version="1.0" encoding="utf-8"?>
+<p:notes xmlns:a="http://schemas.openxmlformats.org/drawingml/2006/main" xmlns:r="http://schemas.openxmlformats.org/officeDocument/2006/relationships" xmlns:p="http://schemas.openxmlformats.org/presentationml/2006/main" showMasterSp="0" showMasterPhAnim="0">
+  <p:cSld>
+    <p:spTree>
+      <p:nvGrpSpPr>
+        <p:cNvPr id="1" name="Shape 107"/>
+        <p:cNvGrpSpPr/>
+        <p:nvPr/>
+      </p:nvGrpSpPr>
+      <p:grpSpPr>
+        <a:xfrm>
+          <a:off x="0" y="0"/>
+          <a:ext cx="0" cy="0"/>
+          <a:chOff x="0" y="0"/>
+          <a:chExt cx="0" cy="0"/>
+        </a:xfrm>
+      </p:grpSpPr>
+      <p:sp>
+        <p:nvSpPr>
+          <p:cNvPr id="108" name="Shape 108"/>
+          <p:cNvSpPr txBox="1">
+            <a:spLocks noGrp="1"/>
+          </p:cNvSpPr>
+          <p:nvPr>
+            <p:ph type="body" idx="1"/>
+          </p:nvPr>
+        </p:nvSpPr>
+        <p:spPr>
+          <a:xfrm>
+            <a:off x="701993" y="4420315"/>
+            <a:ext cx="5616000" cy="4187700"/>
+          </a:xfrm>
+          <a:prstGeom prst="rect">
+            <a:avLst/>
+          </a:prstGeom>
+        </p:spPr>
+        <p:txBody>
+          <a:bodyPr spcFirstLastPara="1" wrap="square" lIns="91425" tIns="91425" rIns="91425" bIns="91425" anchor="t" anchorCtr="0">
+            <a:noAutofit/>
+          </a:bodyPr>
+          <a:lstStyle/>
+          <a:p>
+            <a:pPr marL="419100" indent="-342900">
+              <a:spcBef>
+                <a:spcPts val="0"/>
+              </a:spcBef>
+              <a:buSzPts val="2400"/>
+            </a:pPr>
+            <a:r>
+              <a:rPr lang="en-US" sz="2400" dirty="0">
+                <a:latin typeface="Times New Roman"/>
+                <a:ea typeface="Times New Roman"/>
+                <a:cs typeface="Times New Roman"/>
+                <a:sym typeface="Times New Roman"/>
+              </a:rPr>
+              <a:t>Uses </a:t>
+            </a:r>
+            <a:r>
+              <a:rPr lang="en-US" sz="2400" dirty="0" err="1">
+                <a:latin typeface="Times New Roman"/>
+                <a:ea typeface="Times New Roman"/>
+                <a:cs typeface="Times New Roman"/>
+                <a:sym typeface="Times New Roman"/>
+              </a:rPr>
+              <a:t>netperf</a:t>
+            </a:r>
+            <a:r>
+              <a:rPr lang="en-US" sz="2400" dirty="0">
+                <a:latin typeface="Times New Roman"/>
+                <a:ea typeface="Times New Roman"/>
+                <a:cs typeface="Times New Roman"/>
+                <a:sym typeface="Times New Roman"/>
+              </a:rPr>
+              <a:t> UDP_STREAM </a:t>
+            </a:r>
+            <a:r>
+              <a:rPr lang="en-US" sz="2400" dirty="0" err="1">
+                <a:latin typeface="Times New Roman"/>
+                <a:ea typeface="Times New Roman"/>
+                <a:cs typeface="Times New Roman"/>
+                <a:sym typeface="Times New Roman"/>
+              </a:rPr>
+              <a:t>microbenchmark</a:t>
+            </a:r>
+            <a:endParaRPr lang="en-US" sz="2400" dirty="0">
+              <a:latin typeface="Times New Roman"/>
+              <a:ea typeface="Times New Roman"/>
+              <a:cs typeface="Times New Roman"/>
+              <a:sym typeface="Times New Roman"/>
+            </a:endParaRPr>
+          </a:p>
+          <a:p>
+            <a:pPr marL="876300" lvl="1" indent="-342900">
+              <a:spcBef>
+                <a:spcPts val="0"/>
+              </a:spcBef>
+              <a:buSzPts val="2400"/>
+            </a:pPr>
+            <a:r>
+              <a:rPr lang="en-US" sz="2000" dirty="0">
+                <a:latin typeface="Times New Roman"/>
+                <a:ea typeface="Times New Roman"/>
+                <a:cs typeface="Times New Roman"/>
+                <a:sym typeface="Times New Roman"/>
+              </a:rPr>
+              <a:t>Difficult to quantify CPU costs for TCP due to ACK packets</a:t>
+            </a:r>
+          </a:p>
+          <a:p>
+            <a:pPr marL="0" lvl="0" indent="0" rtl="0">
+              <a:spcBef>
+                <a:spcPts val="0"/>
+              </a:spcBef>
+              <a:spcAft>
+                <a:spcPts val="0"/>
+              </a:spcAft>
+              <a:buNone/>
+            </a:pPr>
+            <a:endParaRPr dirty="0"/>
+          </a:p>
+        </p:txBody>
+      </p:sp>
+      <p:sp>
+        <p:nvSpPr>
+          <p:cNvPr id="109" name="Shape 109"/>
+          <p:cNvSpPr>
+            <a:spLocks noGrp="1" noRot="1" noChangeAspect="1"/>
+          </p:cNvSpPr>
+          <p:nvPr>
+            <p:ph type="sldImg" idx="2"/>
+          </p:nvPr>
+        </p:nvSpPr>
+        <p:spPr>
+          <a:xfrm>
+            <a:off x="409575" y="698500"/>
+            <a:ext cx="6200775" cy="3489325"/>
+          </a:xfrm>
+          <a:custGeom>
+            <a:avLst/>
+            <a:gdLst/>
+            <a:ahLst/>
+            <a:cxnLst/>
+            <a:rect l="0" t="0" r="0" b="0"/>
+            <a:pathLst>
+              <a:path w="120000" h="120000" extrusionOk="0">
+                <a:moveTo>
+                  <a:pt x="0" y="0"/>
+                </a:moveTo>
+                <a:lnTo>
+                  <a:pt x="120000" y="0"/>
+                </a:lnTo>
+                <a:lnTo>
+                  <a:pt x="120000" y="120000"/>
+                </a:lnTo>
+                <a:lnTo>
+                  <a:pt x="0" y="120000"/>
+                </a:lnTo>
+                <a:close/>
+              </a:path>
+            </a:pathLst>
+          </a:custGeom>
+        </p:spPr>
+      </p:sp>
+    </p:spTree>
+    <p:extLst>
+      <p:ext uri="{BB962C8B-B14F-4D97-AF65-F5344CB8AC3E}">
+        <p14:creationId xmlns:p14="http://schemas.microsoft.com/office/powerpoint/2010/main" val="49688267"/>
+      </p:ext>
+    </p:extLst>
+  </p:cSld>
+  <p:clrMapOvr>
+    <a:masterClrMapping/>
+  </p:clrMapOvr>
+</p:notes>
+</file>
+
+<file path=ppt/notesSlides/notesSlide23.xml><?xml version="1.0" encoding="utf-8"?>
+<p:notes xmlns:a="http://schemas.openxmlformats.org/drawingml/2006/main" xmlns:r="http://schemas.openxmlformats.org/officeDocument/2006/relationships" xmlns:p="http://schemas.openxmlformats.org/presentationml/2006/main" showMasterSp="0" showMasterPhAnim="0">
+  <p:cSld>
+    <p:spTree>
+      <p:nvGrpSpPr>
+        <p:cNvPr id="1" name="Shape 107"/>
+        <p:cNvGrpSpPr/>
+        <p:nvPr/>
+      </p:nvGrpSpPr>
+      <p:grpSpPr>
+        <a:xfrm>
+          <a:off x="0" y="0"/>
+          <a:ext cx="0" cy="0"/>
+          <a:chOff x="0" y="0"/>
+          <a:chExt cx="0" cy="0"/>
+        </a:xfrm>
+      </p:grpSpPr>
+      <p:sp>
+        <p:nvSpPr>
+          <p:cNvPr id="108" name="Shape 108"/>
+          <p:cNvSpPr txBox="1">
+            <a:spLocks noGrp="1"/>
+          </p:cNvSpPr>
+          <p:nvPr>
+            <p:ph type="body" idx="1"/>
+          </p:nvPr>
+        </p:nvSpPr>
+        <p:spPr>
+          <a:xfrm>
+            <a:off x="701993" y="4420315"/>
+            <a:ext cx="5616000" cy="4187700"/>
+          </a:xfrm>
+          <a:prstGeom prst="rect">
+            <a:avLst/>
+          </a:prstGeom>
+        </p:spPr>
+        <p:txBody>
+          <a:bodyPr spcFirstLastPara="1" wrap="square" lIns="91425" tIns="91425" rIns="91425" bIns="91425" anchor="t" anchorCtr="0">
+            <a:noAutofit/>
+          </a:bodyPr>
+          <a:lstStyle/>
+          <a:p>
+            <a:pPr marL="0" lvl="0" indent="0" rtl="0">
+              <a:spcBef>
+                <a:spcPts val="0"/>
+              </a:spcBef>
+              <a:spcAft>
+                <a:spcPts val="0"/>
+              </a:spcAft>
+              <a:buNone/>
+            </a:pPr>
+            <a:endParaRPr dirty="0"/>
+          </a:p>
+        </p:txBody>
+      </p:sp>
+      <p:sp>
+        <p:nvSpPr>
+          <p:cNvPr id="109" name="Shape 109"/>
+          <p:cNvSpPr>
+            <a:spLocks noGrp="1" noRot="1" noChangeAspect="1"/>
+          </p:cNvSpPr>
+          <p:nvPr>
+            <p:ph type="sldImg" idx="2"/>
+          </p:nvPr>
+        </p:nvSpPr>
+        <p:spPr>
+          <a:xfrm>
+            <a:off x="409575" y="698500"/>
+            <a:ext cx="6200775" cy="3489325"/>
+          </a:xfrm>
+          <a:custGeom>
+            <a:avLst/>
+            <a:gdLst/>
+            <a:ahLst/>
+            <a:cxnLst/>
+            <a:rect l="0" t="0" r="0" b="0"/>
+            <a:pathLst>
+              <a:path w="120000" h="120000" extrusionOk="0">
+                <a:moveTo>
+                  <a:pt x="0" y="0"/>
+                </a:moveTo>
+                <a:lnTo>
+                  <a:pt x="120000" y="0"/>
+                </a:lnTo>
+                <a:lnTo>
+                  <a:pt x="120000" y="120000"/>
+                </a:lnTo>
+                <a:lnTo>
+                  <a:pt x="0" y="120000"/>
+                </a:lnTo>
+                <a:close/>
+              </a:path>
+            </a:pathLst>
+          </a:custGeom>
+        </p:spPr>
+      </p:sp>
+    </p:spTree>
+    <p:extLst>
+      <p:ext uri="{BB962C8B-B14F-4D97-AF65-F5344CB8AC3E}">
+        <p14:creationId xmlns:p14="http://schemas.microsoft.com/office/powerpoint/2010/main" val="3642046631"/>
+      </p:ext>
+    </p:extLst>
+  </p:cSld>
+  <p:clrMapOvr>
+    <a:masterClrMapping/>
+  </p:clrMapOvr>
+</p:notes>
+</file>
+
+<file path=ppt/notesSlides/notesSlide24.xml><?xml version="1.0" encoding="utf-8"?>
+<p:notes xmlns:a="http://schemas.openxmlformats.org/drawingml/2006/main" xmlns:r="http://schemas.openxmlformats.org/officeDocument/2006/relationships" xmlns:p="http://schemas.openxmlformats.org/presentationml/2006/main" showMasterSp="0" showMasterPhAnim="0">
+  <p:cSld>
+    <p:spTree>
+      <p:nvGrpSpPr>
+        <p:cNvPr id="1" name="Shape 107"/>
+        <p:cNvGrpSpPr/>
+        <p:nvPr/>
+      </p:nvGrpSpPr>
+      <p:grpSpPr>
+        <a:xfrm>
+          <a:off x="0" y="0"/>
+          <a:ext cx="0" cy="0"/>
+          <a:chOff x="0" y="0"/>
+          <a:chExt cx="0" cy="0"/>
+        </a:xfrm>
+      </p:grpSpPr>
+      <p:sp>
+        <p:nvSpPr>
+          <p:cNvPr id="108" name="Shape 108"/>
+          <p:cNvSpPr txBox="1">
+            <a:spLocks noGrp="1"/>
+          </p:cNvSpPr>
+          <p:nvPr>
+            <p:ph type="body" idx="1"/>
+          </p:nvPr>
+        </p:nvSpPr>
+        <p:spPr>
+          <a:xfrm>
+            <a:off x="701993" y="4420315"/>
+            <a:ext cx="5616000" cy="4187700"/>
+          </a:xfrm>
+          <a:prstGeom prst="rect">
+            <a:avLst/>
+          </a:prstGeom>
+        </p:spPr>
+        <p:txBody>
+          <a:bodyPr spcFirstLastPara="1" wrap="square" lIns="91425" tIns="91425" rIns="91425" bIns="91425" anchor="t" anchorCtr="0">
+            <a:noAutofit/>
+          </a:bodyPr>
+          <a:lstStyle/>
+          <a:p>
+            <a:pPr marL="0" lvl="0" indent="0" rtl="0">
+              <a:spcBef>
+                <a:spcPts val="0"/>
+              </a:spcBef>
+              <a:spcAft>
+                <a:spcPts val="0"/>
+              </a:spcAft>
+              <a:buNone/>
+            </a:pPr>
+            <a:endParaRPr dirty="0"/>
+          </a:p>
+        </p:txBody>
+      </p:sp>
+      <p:sp>
+        <p:nvSpPr>
+          <p:cNvPr id="109" name="Shape 109"/>
+          <p:cNvSpPr>
+            <a:spLocks noGrp="1" noRot="1" noChangeAspect="1"/>
+          </p:cNvSpPr>
+          <p:nvPr>
+            <p:ph type="sldImg" idx="2"/>
+          </p:nvPr>
+        </p:nvSpPr>
+        <p:spPr>
+          <a:xfrm>
+            <a:off x="409575" y="698500"/>
+            <a:ext cx="6200775" cy="3489325"/>
+          </a:xfrm>
+          <a:custGeom>
+            <a:avLst/>
+            <a:gdLst/>
+            <a:ahLst/>
+            <a:cxnLst/>
+            <a:rect l="0" t="0" r="0" b="0"/>
+            <a:pathLst>
+              <a:path w="120000" h="120000" extrusionOk="0">
+                <a:moveTo>
+                  <a:pt x="0" y="0"/>
+                </a:moveTo>
+                <a:lnTo>
+                  <a:pt x="120000" y="0"/>
+                </a:lnTo>
+                <a:lnTo>
+                  <a:pt x="120000" y="120000"/>
+                </a:lnTo>
+                <a:lnTo>
+                  <a:pt x="0" y="120000"/>
+                </a:lnTo>
+                <a:close/>
+              </a:path>
+            </a:pathLst>
+          </a:custGeom>
+        </p:spPr>
+      </p:sp>
+    </p:spTree>
+    <p:extLst>
+      <p:ext uri="{BB962C8B-B14F-4D97-AF65-F5344CB8AC3E}">
+        <p14:creationId xmlns:p14="http://schemas.microsoft.com/office/powerpoint/2010/main" val="471161724"/>
+      </p:ext>
+    </p:extLst>
+  </p:cSld>
+  <p:clrMapOvr>
+    <a:masterClrMapping/>
+  </p:clrMapOvr>
+</p:notes>
+</file>
+
+<file path=ppt/notesSlides/notesSlide25.xml><?xml version="1.0" encoding="utf-8"?>
+<p:notes xmlns:a="http://schemas.openxmlformats.org/drawingml/2006/main" xmlns:r="http://schemas.openxmlformats.org/officeDocument/2006/relationships" xmlns:p="http://schemas.openxmlformats.org/presentationml/2006/main" showMasterSp="0" showMasterPhAnim="0">
+  <p:cSld>
+    <p:spTree>
+      <p:nvGrpSpPr>
+        <p:cNvPr id="1" name="Shape 107"/>
+        <p:cNvGrpSpPr/>
+        <p:nvPr/>
+      </p:nvGrpSpPr>
+      <p:grpSpPr>
+        <a:xfrm>
+          <a:off x="0" y="0"/>
+          <a:ext cx="0" cy="0"/>
+          <a:chOff x="0" y="0"/>
+          <a:chExt cx="0" cy="0"/>
+        </a:xfrm>
+      </p:grpSpPr>
+      <p:sp>
+        <p:nvSpPr>
+          <p:cNvPr id="108" name="Shape 108"/>
+          <p:cNvSpPr txBox="1">
+            <a:spLocks noGrp="1"/>
+          </p:cNvSpPr>
+          <p:nvPr>
+            <p:ph type="body" idx="1"/>
+          </p:nvPr>
+        </p:nvSpPr>
+        <p:spPr>
+          <a:xfrm>
+            <a:off x="701993" y="4420315"/>
+            <a:ext cx="5616000" cy="4187700"/>
+          </a:xfrm>
+          <a:prstGeom prst="rect">
+            <a:avLst/>
+          </a:prstGeom>
+        </p:spPr>
+        <p:txBody>
+          <a:bodyPr spcFirstLastPara="1" wrap="square" lIns="91425" tIns="91425" rIns="91425" bIns="91425" anchor="t" anchorCtr="0">
+            <a:noAutofit/>
+          </a:bodyPr>
+          <a:lstStyle/>
+          <a:p>
+            <a:pPr marL="0" lvl="0" indent="0" rtl="0">
+              <a:spcBef>
+                <a:spcPts val="0"/>
+              </a:spcBef>
+              <a:spcAft>
+                <a:spcPts val="0"/>
+              </a:spcAft>
+              <a:buNone/>
+            </a:pPr>
+            <a:endParaRPr dirty="0"/>
+          </a:p>
+        </p:txBody>
+      </p:sp>
+      <p:sp>
+        <p:nvSpPr>
+          <p:cNvPr id="109" name="Shape 109"/>
+          <p:cNvSpPr>
+            <a:spLocks noGrp="1" noRot="1" noChangeAspect="1"/>
+          </p:cNvSpPr>
+          <p:nvPr>
+            <p:ph type="sldImg" idx="2"/>
+          </p:nvPr>
+        </p:nvSpPr>
+        <p:spPr>
+          <a:xfrm>
+            <a:off x="409575" y="698500"/>
+            <a:ext cx="6200775" cy="3489325"/>
+          </a:xfrm>
+          <a:custGeom>
+            <a:avLst/>
+            <a:gdLst/>
+            <a:ahLst/>
+            <a:cxnLst/>
+            <a:rect l="0" t="0" r="0" b="0"/>
+            <a:pathLst>
+              <a:path w="120000" h="120000" extrusionOk="0">
+                <a:moveTo>
+                  <a:pt x="0" y="0"/>
+                </a:moveTo>
+                <a:lnTo>
+                  <a:pt x="120000" y="0"/>
+                </a:lnTo>
+                <a:lnTo>
+                  <a:pt x="120000" y="120000"/>
+                </a:lnTo>
+                <a:lnTo>
+                  <a:pt x="0" y="120000"/>
+                </a:lnTo>
+                <a:close/>
+              </a:path>
+            </a:pathLst>
+          </a:custGeom>
+        </p:spPr>
+      </p:sp>
+    </p:spTree>
+    <p:extLst>
+      <p:ext uri="{BB962C8B-B14F-4D97-AF65-F5344CB8AC3E}">
+        <p14:creationId xmlns:p14="http://schemas.microsoft.com/office/powerpoint/2010/main" val="2708204534"/>
+      </p:ext>
+    </p:extLst>
+  </p:cSld>
+  <p:clrMapOvr>
+    <a:masterClrMapping/>
+  </p:clrMapOvr>
+</p:notes>
+</file>
+
+<file path=ppt/notesSlides/notesSlide26.xml><?xml version="1.0" encoding="utf-8"?>
+<p:notes xmlns:a="http://schemas.openxmlformats.org/drawingml/2006/main" xmlns:r="http://schemas.openxmlformats.org/officeDocument/2006/relationships" xmlns:p="http://schemas.openxmlformats.org/presentationml/2006/main" showMasterSp="0" showMasterPhAnim="0">
+  <p:cSld>
+    <p:spTree>
+      <p:nvGrpSpPr>
+        <p:cNvPr id="1" name="Shape 107"/>
+        <p:cNvGrpSpPr/>
+        <p:nvPr/>
+      </p:nvGrpSpPr>
+      <p:grpSpPr>
+        <a:xfrm>
+          <a:off x="0" y="0"/>
+          <a:ext cx="0" cy="0"/>
+          <a:chOff x="0" y="0"/>
+          <a:chExt cx="0" cy="0"/>
+        </a:xfrm>
+      </p:grpSpPr>
+      <p:sp>
+        <p:nvSpPr>
+          <p:cNvPr id="108" name="Shape 108"/>
+          <p:cNvSpPr txBox="1">
+            <a:spLocks noGrp="1"/>
+          </p:cNvSpPr>
+          <p:nvPr>
+            <p:ph type="body" idx="1"/>
+          </p:nvPr>
+        </p:nvSpPr>
+        <p:spPr>
+          <a:xfrm>
+            <a:off x="701993" y="4420315"/>
+            <a:ext cx="5616000" cy="4187700"/>
+          </a:xfrm>
+          <a:prstGeom prst="rect">
+            <a:avLst/>
+          </a:prstGeom>
+        </p:spPr>
+        <p:txBody>
+          <a:bodyPr spcFirstLastPara="1" wrap="square" lIns="91425" tIns="91425" rIns="91425" bIns="91425" anchor="t" anchorCtr="0">
+            <a:noAutofit/>
+          </a:bodyPr>
+          <a:lstStyle/>
+          <a:p>
+            <a:pPr marL="0" lvl="0" indent="0" rtl="0">
+              <a:spcBef>
+                <a:spcPts val="0"/>
+              </a:spcBef>
+              <a:spcAft>
+                <a:spcPts val="0"/>
+              </a:spcAft>
+              <a:buNone/>
+            </a:pPr>
+            <a:endParaRPr dirty="0"/>
+          </a:p>
+        </p:txBody>
+      </p:sp>
+      <p:sp>
+        <p:nvSpPr>
+          <p:cNvPr id="109" name="Shape 109"/>
+          <p:cNvSpPr>
+            <a:spLocks noGrp="1" noRot="1" noChangeAspect="1"/>
+          </p:cNvSpPr>
+          <p:nvPr>
+            <p:ph type="sldImg" idx="2"/>
+          </p:nvPr>
+        </p:nvSpPr>
+        <p:spPr>
+          <a:xfrm>
+            <a:off x="409575" y="698500"/>
+            <a:ext cx="6200775" cy="3489325"/>
+          </a:xfrm>
+          <a:custGeom>
+            <a:avLst/>
+            <a:gdLst/>
+            <a:ahLst/>
+            <a:cxnLst/>
+            <a:rect l="0" t="0" r="0" b="0"/>
+            <a:pathLst>
+              <a:path w="120000" h="120000" extrusionOk="0">
+                <a:moveTo>
+                  <a:pt x="0" y="0"/>
+                </a:moveTo>
+                <a:lnTo>
+                  <a:pt x="120000" y="0"/>
+                </a:lnTo>
+                <a:lnTo>
+                  <a:pt x="120000" y="120000"/>
+                </a:lnTo>
+                <a:lnTo>
+                  <a:pt x="0" y="120000"/>
+                </a:lnTo>
+                <a:close/>
+              </a:path>
+            </a:pathLst>
+          </a:custGeom>
+        </p:spPr>
+      </p:sp>
+    </p:spTree>
+    <p:extLst>
+      <p:ext uri="{BB962C8B-B14F-4D97-AF65-F5344CB8AC3E}">
+        <p14:creationId xmlns:p14="http://schemas.microsoft.com/office/powerpoint/2010/main" val="3015877554"/>
+      </p:ext>
+    </p:extLst>
+  </p:cSld>
+  <p:clrMapOvr>
+    <a:masterClrMapping/>
+  </p:clrMapOvr>
+</p:notes>
+</file>
+
+<file path=ppt/notesSlides/notesSlide27.xml><?xml version="1.0" encoding="utf-8"?>
+<p:notes xmlns:a="http://schemas.openxmlformats.org/drawingml/2006/main" xmlns:r="http://schemas.openxmlformats.org/officeDocument/2006/relationships" xmlns:p="http://schemas.openxmlformats.org/presentationml/2006/main" showMasterSp="0" showMasterPhAnim="0">
+  <p:cSld>
+    <p:spTree>
+      <p:nvGrpSpPr>
+        <p:cNvPr id="1" name="Shape 107"/>
+        <p:cNvGrpSpPr/>
+        <p:nvPr/>
+      </p:nvGrpSpPr>
+      <p:grpSpPr>
+        <a:xfrm>
+          <a:off x="0" y="0"/>
+          <a:ext cx="0" cy="0"/>
+          <a:chOff x="0" y="0"/>
+          <a:chExt cx="0" cy="0"/>
+        </a:xfrm>
+      </p:grpSpPr>
+      <p:sp>
+        <p:nvSpPr>
+          <p:cNvPr id="108" name="Shape 108"/>
+          <p:cNvSpPr txBox="1">
+            <a:spLocks noGrp="1"/>
+          </p:cNvSpPr>
+          <p:nvPr>
+            <p:ph type="body" idx="1"/>
+          </p:nvPr>
+        </p:nvSpPr>
+        <p:spPr>
+          <a:xfrm>
+            <a:off x="701993" y="4420315"/>
+            <a:ext cx="5616000" cy="4187700"/>
+          </a:xfrm>
+          <a:prstGeom prst="rect">
+            <a:avLst/>
+          </a:prstGeom>
+        </p:spPr>
+        <p:txBody>
+          <a:bodyPr spcFirstLastPara="1" wrap="square" lIns="91425" tIns="91425" rIns="91425" bIns="91425" anchor="t" anchorCtr="0">
+            <a:noAutofit/>
+          </a:bodyPr>
+          <a:lstStyle/>
+          <a:p>
             <a:pPr marL="0" lvl="0" indent="0" rtl="0">
               <a:spcBef>
                 <a:spcPts val="0"/>
@@ -2940,7 +4179,7 @@
 </p:notes>
 </file>
 
-<file path=ppt/notesSlides/notesSlide21.xml><?xml version="1.0" encoding="utf-8"?>
+<file path=ppt/notesSlides/notesSlide28.xml><?xml version="1.0" encoding="utf-8"?>
 <p:notes xmlns:a="http://schemas.openxmlformats.org/drawingml/2006/main" xmlns:r="http://schemas.openxmlformats.org/officeDocument/2006/relationships" xmlns:p="http://schemas.openxmlformats.org/presentationml/2006/main" showMasterSp="0" showMasterPhAnim="0">
   <p:cSld>
     <p:spTree>
@@ -3049,7 +4288,7 @@
 </p:notes>
 </file>
 
-<file path=ppt/notesSlides/notesSlide22.xml><?xml version="1.0" encoding="utf-8"?>
+<file path=ppt/notesSlides/notesSlide29.xml><?xml version="1.0" encoding="utf-8"?>
 <p:notes xmlns:a="http://schemas.openxmlformats.org/drawingml/2006/main" xmlns:r="http://schemas.openxmlformats.org/officeDocument/2006/relationships" xmlns:p="http://schemas.openxmlformats.org/presentationml/2006/main" showMasterSp="0" showMasterPhAnim="0">
   <p:cSld>
     <p:spTree>
@@ -3149,769 +4388,6 @@
     <p:extLst>
       <p:ext uri="{BB962C8B-B14F-4D97-AF65-F5344CB8AC3E}">
         <p14:creationId xmlns:p14="http://schemas.microsoft.com/office/powerpoint/2010/main" val="2375700011"/>
-      </p:ext>
-    </p:extLst>
-  </p:cSld>
-  <p:clrMapOvr>
-    <a:masterClrMapping/>
-  </p:clrMapOvr>
-</p:notes>
-</file>
-
-<file path=ppt/notesSlides/notesSlide23.xml><?xml version="1.0" encoding="utf-8"?>
-<p:notes xmlns:a="http://schemas.openxmlformats.org/drawingml/2006/main" xmlns:r="http://schemas.openxmlformats.org/officeDocument/2006/relationships" xmlns:p="http://schemas.openxmlformats.org/presentationml/2006/main" showMasterSp="0" showMasterPhAnim="0">
-  <p:cSld>
-    <p:spTree>
-      <p:nvGrpSpPr>
-        <p:cNvPr id="1" name="Shape 107"/>
-        <p:cNvGrpSpPr/>
-        <p:nvPr/>
-      </p:nvGrpSpPr>
-      <p:grpSpPr>
-        <a:xfrm>
-          <a:off x="0" y="0"/>
-          <a:ext cx="0" cy="0"/>
-          <a:chOff x="0" y="0"/>
-          <a:chExt cx="0" cy="0"/>
-        </a:xfrm>
-      </p:grpSpPr>
-      <p:sp>
-        <p:nvSpPr>
-          <p:cNvPr id="108" name="Shape 108"/>
-          <p:cNvSpPr txBox="1">
-            <a:spLocks noGrp="1"/>
-          </p:cNvSpPr>
-          <p:nvPr>
-            <p:ph type="body" idx="1"/>
-          </p:nvPr>
-        </p:nvSpPr>
-        <p:spPr>
-          <a:xfrm>
-            <a:off x="701993" y="4420315"/>
-            <a:ext cx="5616000" cy="4187700"/>
-          </a:xfrm>
-          <a:prstGeom prst="rect">
-            <a:avLst/>
-          </a:prstGeom>
-        </p:spPr>
-        <p:txBody>
-          <a:bodyPr spcFirstLastPara="1" wrap="square" lIns="91425" tIns="91425" rIns="91425" bIns="91425" anchor="t" anchorCtr="0">
-            <a:noAutofit/>
-          </a:bodyPr>
-          <a:lstStyle/>
-          <a:p>
-            <a:pPr marL="0" lvl="0" indent="0" rtl="0">
-              <a:spcBef>
-                <a:spcPts val="0"/>
-              </a:spcBef>
-              <a:spcAft>
-                <a:spcPts val="0"/>
-              </a:spcAft>
-              <a:buNone/>
-            </a:pPr>
-            <a:endParaRPr dirty="0"/>
-          </a:p>
-        </p:txBody>
-      </p:sp>
-      <p:sp>
-        <p:nvSpPr>
-          <p:cNvPr id="109" name="Shape 109"/>
-          <p:cNvSpPr>
-            <a:spLocks noGrp="1" noRot="1" noChangeAspect="1"/>
-          </p:cNvSpPr>
-          <p:nvPr>
-            <p:ph type="sldImg" idx="2"/>
-          </p:nvPr>
-        </p:nvSpPr>
-        <p:spPr>
-          <a:xfrm>
-            <a:off x="409575" y="698500"/>
-            <a:ext cx="6200775" cy="3489325"/>
-          </a:xfrm>
-          <a:custGeom>
-            <a:avLst/>
-            <a:gdLst/>
-            <a:ahLst/>
-            <a:cxnLst/>
-            <a:rect l="0" t="0" r="0" b="0"/>
-            <a:pathLst>
-              <a:path w="120000" h="120000" extrusionOk="0">
-                <a:moveTo>
-                  <a:pt x="0" y="0"/>
-                </a:moveTo>
-                <a:lnTo>
-                  <a:pt x="120000" y="0"/>
-                </a:lnTo>
-                <a:lnTo>
-                  <a:pt x="120000" y="120000"/>
-                </a:lnTo>
-                <a:lnTo>
-                  <a:pt x="0" y="120000"/>
-                </a:lnTo>
-                <a:close/>
-              </a:path>
-            </a:pathLst>
-          </a:custGeom>
-        </p:spPr>
-      </p:sp>
-    </p:spTree>
-    <p:extLst>
-      <p:ext uri="{BB962C8B-B14F-4D97-AF65-F5344CB8AC3E}">
-        <p14:creationId xmlns:p14="http://schemas.microsoft.com/office/powerpoint/2010/main" val="2374884977"/>
-      </p:ext>
-    </p:extLst>
-  </p:cSld>
-  <p:clrMapOvr>
-    <a:masterClrMapping/>
-  </p:clrMapOvr>
-</p:notes>
-</file>
-
-<file path=ppt/notesSlides/notesSlide24.xml><?xml version="1.0" encoding="utf-8"?>
-<p:notes xmlns:a="http://schemas.openxmlformats.org/drawingml/2006/main" xmlns:r="http://schemas.openxmlformats.org/officeDocument/2006/relationships" xmlns:p="http://schemas.openxmlformats.org/presentationml/2006/main" showMasterSp="0" showMasterPhAnim="0">
-  <p:cSld>
-    <p:spTree>
-      <p:nvGrpSpPr>
-        <p:cNvPr id="1" name="Shape 107"/>
-        <p:cNvGrpSpPr/>
-        <p:nvPr/>
-      </p:nvGrpSpPr>
-      <p:grpSpPr>
-        <a:xfrm>
-          <a:off x="0" y="0"/>
-          <a:ext cx="0" cy="0"/>
-          <a:chOff x="0" y="0"/>
-          <a:chExt cx="0" cy="0"/>
-        </a:xfrm>
-      </p:grpSpPr>
-      <p:sp>
-        <p:nvSpPr>
-          <p:cNvPr id="108" name="Shape 108"/>
-          <p:cNvSpPr txBox="1">
-            <a:spLocks noGrp="1"/>
-          </p:cNvSpPr>
-          <p:nvPr>
-            <p:ph type="body" idx="1"/>
-          </p:nvPr>
-        </p:nvSpPr>
-        <p:spPr>
-          <a:xfrm>
-            <a:off x="701993" y="4420315"/>
-            <a:ext cx="5616000" cy="4187700"/>
-          </a:xfrm>
-          <a:prstGeom prst="rect">
-            <a:avLst/>
-          </a:prstGeom>
-        </p:spPr>
-        <p:txBody>
-          <a:bodyPr spcFirstLastPara="1" wrap="square" lIns="91425" tIns="91425" rIns="91425" bIns="91425" anchor="t" anchorCtr="0">
-            <a:noAutofit/>
-          </a:bodyPr>
-          <a:lstStyle/>
-          <a:p>
-            <a:pPr marL="0" lvl="0" indent="0" rtl="0">
-              <a:spcBef>
-                <a:spcPts val="0"/>
-              </a:spcBef>
-              <a:spcAft>
-                <a:spcPts val="0"/>
-              </a:spcAft>
-              <a:buNone/>
-            </a:pPr>
-            <a:endParaRPr dirty="0"/>
-          </a:p>
-        </p:txBody>
-      </p:sp>
-      <p:sp>
-        <p:nvSpPr>
-          <p:cNvPr id="109" name="Shape 109"/>
-          <p:cNvSpPr>
-            <a:spLocks noGrp="1" noRot="1" noChangeAspect="1"/>
-          </p:cNvSpPr>
-          <p:nvPr>
-            <p:ph type="sldImg" idx="2"/>
-          </p:nvPr>
-        </p:nvSpPr>
-        <p:spPr>
-          <a:xfrm>
-            <a:off x="409575" y="698500"/>
-            <a:ext cx="6200775" cy="3489325"/>
-          </a:xfrm>
-          <a:custGeom>
-            <a:avLst/>
-            <a:gdLst/>
-            <a:ahLst/>
-            <a:cxnLst/>
-            <a:rect l="0" t="0" r="0" b="0"/>
-            <a:pathLst>
-              <a:path w="120000" h="120000" extrusionOk="0">
-                <a:moveTo>
-                  <a:pt x="0" y="0"/>
-                </a:moveTo>
-                <a:lnTo>
-                  <a:pt x="120000" y="0"/>
-                </a:lnTo>
-                <a:lnTo>
-                  <a:pt x="120000" y="120000"/>
-                </a:lnTo>
-                <a:lnTo>
-                  <a:pt x="0" y="120000"/>
-                </a:lnTo>
-                <a:close/>
-              </a:path>
-            </a:pathLst>
-          </a:custGeom>
-        </p:spPr>
-      </p:sp>
-    </p:spTree>
-    <p:extLst>
-      <p:ext uri="{BB962C8B-B14F-4D97-AF65-F5344CB8AC3E}">
-        <p14:creationId xmlns:p14="http://schemas.microsoft.com/office/powerpoint/2010/main" val="236660203"/>
-      </p:ext>
-    </p:extLst>
-  </p:cSld>
-  <p:clrMapOvr>
-    <a:masterClrMapping/>
-  </p:clrMapOvr>
-</p:notes>
-</file>
-
-<file path=ppt/notesSlides/notesSlide25.xml><?xml version="1.0" encoding="utf-8"?>
-<p:notes xmlns:a="http://schemas.openxmlformats.org/drawingml/2006/main" xmlns:r="http://schemas.openxmlformats.org/officeDocument/2006/relationships" xmlns:p="http://schemas.openxmlformats.org/presentationml/2006/main" showMasterSp="0" showMasterPhAnim="0">
-  <p:cSld>
-    <p:spTree>
-      <p:nvGrpSpPr>
-        <p:cNvPr id="1" name="Shape 107"/>
-        <p:cNvGrpSpPr/>
-        <p:nvPr/>
-      </p:nvGrpSpPr>
-      <p:grpSpPr>
-        <a:xfrm>
-          <a:off x="0" y="0"/>
-          <a:ext cx="0" cy="0"/>
-          <a:chOff x="0" y="0"/>
-          <a:chExt cx="0" cy="0"/>
-        </a:xfrm>
-      </p:grpSpPr>
-      <p:sp>
-        <p:nvSpPr>
-          <p:cNvPr id="108" name="Shape 108"/>
-          <p:cNvSpPr txBox="1">
-            <a:spLocks noGrp="1"/>
-          </p:cNvSpPr>
-          <p:nvPr>
-            <p:ph type="body" idx="1"/>
-          </p:nvPr>
-        </p:nvSpPr>
-        <p:spPr>
-          <a:xfrm>
-            <a:off x="701993" y="4420315"/>
-            <a:ext cx="5616000" cy="4187700"/>
-          </a:xfrm>
-          <a:prstGeom prst="rect">
-            <a:avLst/>
-          </a:prstGeom>
-        </p:spPr>
-        <p:txBody>
-          <a:bodyPr spcFirstLastPara="1" wrap="square" lIns="91425" tIns="91425" rIns="91425" bIns="91425" anchor="t" anchorCtr="0">
-            <a:noAutofit/>
-          </a:bodyPr>
-          <a:lstStyle/>
-          <a:p>
-            <a:pPr marL="0" lvl="0" indent="0" rtl="0">
-              <a:spcBef>
-                <a:spcPts val="0"/>
-              </a:spcBef>
-              <a:spcAft>
-                <a:spcPts val="0"/>
-              </a:spcAft>
-              <a:buNone/>
-            </a:pPr>
-            <a:endParaRPr dirty="0"/>
-          </a:p>
-        </p:txBody>
-      </p:sp>
-      <p:sp>
-        <p:nvSpPr>
-          <p:cNvPr id="109" name="Shape 109"/>
-          <p:cNvSpPr>
-            <a:spLocks noGrp="1" noRot="1" noChangeAspect="1"/>
-          </p:cNvSpPr>
-          <p:nvPr>
-            <p:ph type="sldImg" idx="2"/>
-          </p:nvPr>
-        </p:nvSpPr>
-        <p:spPr>
-          <a:xfrm>
-            <a:off x="409575" y="698500"/>
-            <a:ext cx="6200775" cy="3489325"/>
-          </a:xfrm>
-          <a:custGeom>
-            <a:avLst/>
-            <a:gdLst/>
-            <a:ahLst/>
-            <a:cxnLst/>
-            <a:rect l="0" t="0" r="0" b="0"/>
-            <a:pathLst>
-              <a:path w="120000" h="120000" extrusionOk="0">
-                <a:moveTo>
-                  <a:pt x="0" y="0"/>
-                </a:moveTo>
-                <a:lnTo>
-                  <a:pt x="120000" y="0"/>
-                </a:lnTo>
-                <a:lnTo>
-                  <a:pt x="120000" y="120000"/>
-                </a:lnTo>
-                <a:lnTo>
-                  <a:pt x="0" y="120000"/>
-                </a:lnTo>
-                <a:close/>
-              </a:path>
-            </a:pathLst>
-          </a:custGeom>
-        </p:spPr>
-      </p:sp>
-    </p:spTree>
-    <p:extLst>
-      <p:ext uri="{BB962C8B-B14F-4D97-AF65-F5344CB8AC3E}">
-        <p14:creationId xmlns:p14="http://schemas.microsoft.com/office/powerpoint/2010/main" val="3727583067"/>
-      </p:ext>
-    </p:extLst>
-  </p:cSld>
-  <p:clrMapOvr>
-    <a:masterClrMapping/>
-  </p:clrMapOvr>
-</p:notes>
-</file>
-
-<file path=ppt/notesSlides/notesSlide26.xml><?xml version="1.0" encoding="utf-8"?>
-<p:notes xmlns:a="http://schemas.openxmlformats.org/drawingml/2006/main" xmlns:r="http://schemas.openxmlformats.org/officeDocument/2006/relationships" xmlns:p="http://schemas.openxmlformats.org/presentationml/2006/main" showMasterSp="0" showMasterPhAnim="0">
-  <p:cSld>
-    <p:spTree>
-      <p:nvGrpSpPr>
-        <p:cNvPr id="1" name="Shape 107"/>
-        <p:cNvGrpSpPr/>
-        <p:nvPr/>
-      </p:nvGrpSpPr>
-      <p:grpSpPr>
-        <a:xfrm>
-          <a:off x="0" y="0"/>
-          <a:ext cx="0" cy="0"/>
-          <a:chOff x="0" y="0"/>
-          <a:chExt cx="0" cy="0"/>
-        </a:xfrm>
-      </p:grpSpPr>
-      <p:sp>
-        <p:nvSpPr>
-          <p:cNvPr id="108" name="Shape 108"/>
-          <p:cNvSpPr txBox="1">
-            <a:spLocks noGrp="1"/>
-          </p:cNvSpPr>
-          <p:nvPr>
-            <p:ph type="body" idx="1"/>
-          </p:nvPr>
-        </p:nvSpPr>
-        <p:spPr>
-          <a:xfrm>
-            <a:off x="701993" y="4420315"/>
-            <a:ext cx="5616000" cy="4187700"/>
-          </a:xfrm>
-          <a:prstGeom prst="rect">
-            <a:avLst/>
-          </a:prstGeom>
-        </p:spPr>
-        <p:txBody>
-          <a:bodyPr spcFirstLastPara="1" wrap="square" lIns="91425" tIns="91425" rIns="91425" bIns="91425" anchor="t" anchorCtr="0">
-            <a:noAutofit/>
-          </a:bodyPr>
-          <a:lstStyle/>
-          <a:p>
-            <a:pPr marL="0" lvl="0" indent="0" rtl="0">
-              <a:spcBef>
-                <a:spcPts val="0"/>
-              </a:spcBef>
-              <a:spcAft>
-                <a:spcPts val="0"/>
-              </a:spcAft>
-              <a:buNone/>
-            </a:pPr>
-            <a:endParaRPr dirty="0"/>
-          </a:p>
-        </p:txBody>
-      </p:sp>
-      <p:sp>
-        <p:nvSpPr>
-          <p:cNvPr id="109" name="Shape 109"/>
-          <p:cNvSpPr>
-            <a:spLocks noGrp="1" noRot="1" noChangeAspect="1"/>
-          </p:cNvSpPr>
-          <p:nvPr>
-            <p:ph type="sldImg" idx="2"/>
-          </p:nvPr>
-        </p:nvSpPr>
-        <p:spPr>
-          <a:xfrm>
-            <a:off x="409575" y="698500"/>
-            <a:ext cx="6200775" cy="3489325"/>
-          </a:xfrm>
-          <a:custGeom>
-            <a:avLst/>
-            <a:gdLst/>
-            <a:ahLst/>
-            <a:cxnLst/>
-            <a:rect l="0" t="0" r="0" b="0"/>
-            <a:pathLst>
-              <a:path w="120000" h="120000" extrusionOk="0">
-                <a:moveTo>
-                  <a:pt x="0" y="0"/>
-                </a:moveTo>
-                <a:lnTo>
-                  <a:pt x="120000" y="0"/>
-                </a:lnTo>
-                <a:lnTo>
-                  <a:pt x="120000" y="120000"/>
-                </a:lnTo>
-                <a:lnTo>
-                  <a:pt x="0" y="120000"/>
-                </a:lnTo>
-                <a:close/>
-              </a:path>
-            </a:pathLst>
-          </a:custGeom>
-        </p:spPr>
-      </p:sp>
-    </p:spTree>
-    <p:extLst>
-      <p:ext uri="{BB962C8B-B14F-4D97-AF65-F5344CB8AC3E}">
-        <p14:creationId xmlns:p14="http://schemas.microsoft.com/office/powerpoint/2010/main" val="4065786199"/>
-      </p:ext>
-    </p:extLst>
-  </p:cSld>
-  <p:clrMapOvr>
-    <a:masterClrMapping/>
-  </p:clrMapOvr>
-</p:notes>
-</file>
-
-<file path=ppt/notesSlides/notesSlide27.xml><?xml version="1.0" encoding="utf-8"?>
-<p:notes xmlns:a="http://schemas.openxmlformats.org/drawingml/2006/main" xmlns:r="http://schemas.openxmlformats.org/officeDocument/2006/relationships" xmlns:p="http://schemas.openxmlformats.org/presentationml/2006/main" showMasterSp="0" showMasterPhAnim="0">
-  <p:cSld>
-    <p:spTree>
-      <p:nvGrpSpPr>
-        <p:cNvPr id="1" name="Shape 107"/>
-        <p:cNvGrpSpPr/>
-        <p:nvPr/>
-      </p:nvGrpSpPr>
-      <p:grpSpPr>
-        <a:xfrm>
-          <a:off x="0" y="0"/>
-          <a:ext cx="0" cy="0"/>
-          <a:chOff x="0" y="0"/>
-          <a:chExt cx="0" cy="0"/>
-        </a:xfrm>
-      </p:grpSpPr>
-      <p:sp>
-        <p:nvSpPr>
-          <p:cNvPr id="108" name="Shape 108"/>
-          <p:cNvSpPr txBox="1">
-            <a:spLocks noGrp="1"/>
-          </p:cNvSpPr>
-          <p:nvPr>
-            <p:ph type="body" idx="1"/>
-          </p:nvPr>
-        </p:nvSpPr>
-        <p:spPr>
-          <a:xfrm>
-            <a:off x="701993" y="4420315"/>
-            <a:ext cx="5616000" cy="4187700"/>
-          </a:xfrm>
-          <a:prstGeom prst="rect">
-            <a:avLst/>
-          </a:prstGeom>
-        </p:spPr>
-        <p:txBody>
-          <a:bodyPr spcFirstLastPara="1" wrap="square" lIns="91425" tIns="91425" rIns="91425" bIns="91425" anchor="t" anchorCtr="0">
-            <a:noAutofit/>
-          </a:bodyPr>
-          <a:lstStyle/>
-          <a:p>
-            <a:pPr marL="0" lvl="0" indent="0" rtl="0">
-              <a:spcBef>
-                <a:spcPts val="0"/>
-              </a:spcBef>
-              <a:spcAft>
-                <a:spcPts val="0"/>
-              </a:spcAft>
-              <a:buNone/>
-            </a:pPr>
-            <a:endParaRPr dirty="0"/>
-          </a:p>
-        </p:txBody>
-      </p:sp>
-      <p:sp>
-        <p:nvSpPr>
-          <p:cNvPr id="109" name="Shape 109"/>
-          <p:cNvSpPr>
-            <a:spLocks noGrp="1" noRot="1" noChangeAspect="1"/>
-          </p:cNvSpPr>
-          <p:nvPr>
-            <p:ph type="sldImg" idx="2"/>
-          </p:nvPr>
-        </p:nvSpPr>
-        <p:spPr>
-          <a:xfrm>
-            <a:off x="409575" y="698500"/>
-            <a:ext cx="6200775" cy="3489325"/>
-          </a:xfrm>
-          <a:custGeom>
-            <a:avLst/>
-            <a:gdLst/>
-            <a:ahLst/>
-            <a:cxnLst/>
-            <a:rect l="0" t="0" r="0" b="0"/>
-            <a:pathLst>
-              <a:path w="120000" h="120000" extrusionOk="0">
-                <a:moveTo>
-                  <a:pt x="0" y="0"/>
-                </a:moveTo>
-                <a:lnTo>
-                  <a:pt x="120000" y="0"/>
-                </a:lnTo>
-                <a:lnTo>
-                  <a:pt x="120000" y="120000"/>
-                </a:lnTo>
-                <a:lnTo>
-                  <a:pt x="0" y="120000"/>
-                </a:lnTo>
-                <a:close/>
-              </a:path>
-            </a:pathLst>
-          </a:custGeom>
-        </p:spPr>
-      </p:sp>
-    </p:spTree>
-    <p:extLst>
-      <p:ext uri="{BB962C8B-B14F-4D97-AF65-F5344CB8AC3E}">
-        <p14:creationId xmlns:p14="http://schemas.microsoft.com/office/powerpoint/2010/main" val="3886442854"/>
-      </p:ext>
-    </p:extLst>
-  </p:cSld>
-  <p:clrMapOvr>
-    <a:masterClrMapping/>
-  </p:clrMapOvr>
-</p:notes>
-</file>
-
-<file path=ppt/notesSlides/notesSlide28.xml><?xml version="1.0" encoding="utf-8"?>
-<p:notes xmlns:a="http://schemas.openxmlformats.org/drawingml/2006/main" xmlns:r="http://schemas.openxmlformats.org/officeDocument/2006/relationships" xmlns:p="http://schemas.openxmlformats.org/presentationml/2006/main" showMasterSp="0" showMasterPhAnim="0">
-  <p:cSld>
-    <p:spTree>
-      <p:nvGrpSpPr>
-        <p:cNvPr id="1" name="Shape 107"/>
-        <p:cNvGrpSpPr/>
-        <p:nvPr/>
-      </p:nvGrpSpPr>
-      <p:grpSpPr>
-        <a:xfrm>
-          <a:off x="0" y="0"/>
-          <a:ext cx="0" cy="0"/>
-          <a:chOff x="0" y="0"/>
-          <a:chExt cx="0" cy="0"/>
-        </a:xfrm>
-      </p:grpSpPr>
-      <p:sp>
-        <p:nvSpPr>
-          <p:cNvPr id="108" name="Shape 108"/>
-          <p:cNvSpPr txBox="1">
-            <a:spLocks noGrp="1"/>
-          </p:cNvSpPr>
-          <p:nvPr>
-            <p:ph type="body" idx="1"/>
-          </p:nvPr>
-        </p:nvSpPr>
-        <p:spPr>
-          <a:xfrm>
-            <a:off x="701993" y="4420315"/>
-            <a:ext cx="5616000" cy="4187700"/>
-          </a:xfrm>
-          <a:prstGeom prst="rect">
-            <a:avLst/>
-          </a:prstGeom>
-        </p:spPr>
-        <p:txBody>
-          <a:bodyPr spcFirstLastPara="1" wrap="square" lIns="91425" tIns="91425" rIns="91425" bIns="91425" anchor="t" anchorCtr="0">
-            <a:noAutofit/>
-          </a:bodyPr>
-          <a:lstStyle/>
-          <a:p>
-            <a:pPr marL="0" lvl="0" indent="0" rtl="0">
-              <a:spcBef>
-                <a:spcPts val="0"/>
-              </a:spcBef>
-              <a:spcAft>
-                <a:spcPts val="0"/>
-              </a:spcAft>
-              <a:buNone/>
-            </a:pPr>
-            <a:endParaRPr dirty="0"/>
-          </a:p>
-        </p:txBody>
-      </p:sp>
-      <p:sp>
-        <p:nvSpPr>
-          <p:cNvPr id="109" name="Shape 109"/>
-          <p:cNvSpPr>
-            <a:spLocks noGrp="1" noRot="1" noChangeAspect="1"/>
-          </p:cNvSpPr>
-          <p:nvPr>
-            <p:ph type="sldImg" idx="2"/>
-          </p:nvPr>
-        </p:nvSpPr>
-        <p:spPr>
-          <a:xfrm>
-            <a:off x="409575" y="698500"/>
-            <a:ext cx="6200775" cy="3489325"/>
-          </a:xfrm>
-          <a:custGeom>
-            <a:avLst/>
-            <a:gdLst/>
-            <a:ahLst/>
-            <a:cxnLst/>
-            <a:rect l="0" t="0" r="0" b="0"/>
-            <a:pathLst>
-              <a:path w="120000" h="120000" extrusionOk="0">
-                <a:moveTo>
-                  <a:pt x="0" y="0"/>
-                </a:moveTo>
-                <a:lnTo>
-                  <a:pt x="120000" y="0"/>
-                </a:lnTo>
-                <a:lnTo>
-                  <a:pt x="120000" y="120000"/>
-                </a:lnTo>
-                <a:lnTo>
-                  <a:pt x="0" y="120000"/>
-                </a:lnTo>
-                <a:close/>
-              </a:path>
-            </a:pathLst>
-          </a:custGeom>
-        </p:spPr>
-      </p:sp>
-    </p:spTree>
-    <p:extLst>
-      <p:ext uri="{BB962C8B-B14F-4D97-AF65-F5344CB8AC3E}">
-        <p14:creationId xmlns:p14="http://schemas.microsoft.com/office/powerpoint/2010/main" val="1896707506"/>
-      </p:ext>
-    </p:extLst>
-  </p:cSld>
-  <p:clrMapOvr>
-    <a:masterClrMapping/>
-  </p:clrMapOvr>
-</p:notes>
-</file>
-
-<file path=ppt/notesSlides/notesSlide29.xml><?xml version="1.0" encoding="utf-8"?>
-<p:notes xmlns:a="http://schemas.openxmlformats.org/drawingml/2006/main" xmlns:r="http://schemas.openxmlformats.org/officeDocument/2006/relationships" xmlns:p="http://schemas.openxmlformats.org/presentationml/2006/main" showMasterSp="0" showMasterPhAnim="0">
-  <p:cSld>
-    <p:spTree>
-      <p:nvGrpSpPr>
-        <p:cNvPr id="1" name="Shape 107"/>
-        <p:cNvGrpSpPr/>
-        <p:nvPr/>
-      </p:nvGrpSpPr>
-      <p:grpSpPr>
-        <a:xfrm>
-          <a:off x="0" y="0"/>
-          <a:ext cx="0" cy="0"/>
-          <a:chOff x="0" y="0"/>
-          <a:chExt cx="0" cy="0"/>
-        </a:xfrm>
-      </p:grpSpPr>
-      <p:sp>
-        <p:nvSpPr>
-          <p:cNvPr id="108" name="Shape 108"/>
-          <p:cNvSpPr txBox="1">
-            <a:spLocks noGrp="1"/>
-          </p:cNvSpPr>
-          <p:nvPr>
-            <p:ph type="body" idx="1"/>
-          </p:nvPr>
-        </p:nvSpPr>
-        <p:spPr>
-          <a:xfrm>
-            <a:off x="701993" y="4420315"/>
-            <a:ext cx="5616000" cy="4187700"/>
-          </a:xfrm>
-          <a:prstGeom prst="rect">
-            <a:avLst/>
-          </a:prstGeom>
-        </p:spPr>
-        <p:txBody>
-          <a:bodyPr spcFirstLastPara="1" wrap="square" lIns="91425" tIns="91425" rIns="91425" bIns="91425" anchor="t" anchorCtr="0">
-            <a:noAutofit/>
-          </a:bodyPr>
-          <a:lstStyle/>
-          <a:p>
-            <a:pPr marL="0" lvl="0" indent="0" rtl="0">
-              <a:spcBef>
-                <a:spcPts val="0"/>
-              </a:spcBef>
-              <a:spcAft>
-                <a:spcPts val="0"/>
-              </a:spcAft>
-              <a:buNone/>
-            </a:pPr>
-            <a:endParaRPr dirty="0"/>
-          </a:p>
-        </p:txBody>
-      </p:sp>
-      <p:sp>
-        <p:nvSpPr>
-          <p:cNvPr id="109" name="Shape 109"/>
-          <p:cNvSpPr>
-            <a:spLocks noGrp="1" noRot="1" noChangeAspect="1"/>
-          </p:cNvSpPr>
-          <p:nvPr>
-            <p:ph type="sldImg" idx="2"/>
-          </p:nvPr>
-        </p:nvSpPr>
-        <p:spPr>
-          <a:xfrm>
-            <a:off x="409575" y="698500"/>
-            <a:ext cx="6200775" cy="3489325"/>
-          </a:xfrm>
-          <a:custGeom>
-            <a:avLst/>
-            <a:gdLst/>
-            <a:ahLst/>
-            <a:cxnLst/>
-            <a:rect l="0" t="0" r="0" b="0"/>
-            <a:pathLst>
-              <a:path w="120000" h="120000" extrusionOk="0">
-                <a:moveTo>
-                  <a:pt x="0" y="0"/>
-                </a:moveTo>
-                <a:lnTo>
-                  <a:pt x="120000" y="0"/>
-                </a:lnTo>
-                <a:lnTo>
-                  <a:pt x="120000" y="120000"/>
-                </a:lnTo>
-                <a:lnTo>
-                  <a:pt x="0" y="120000"/>
-                </a:lnTo>
-                <a:close/>
-              </a:path>
-            </a:pathLst>
-          </a:custGeom>
-        </p:spPr>
-      </p:sp>
-    </p:spTree>
-    <p:extLst>
-      <p:ext uri="{BB962C8B-B14F-4D97-AF65-F5344CB8AC3E}">
-        <p14:creationId xmlns:p14="http://schemas.microsoft.com/office/powerpoint/2010/main" val="2897755944"/>
       </p:ext>
     </p:extLst>
   </p:cSld>
@@ -4129,6 +4605,769 @@
     </p:spTree>
     <p:extLst>
       <p:ext uri="{BB962C8B-B14F-4D97-AF65-F5344CB8AC3E}">
+        <p14:creationId xmlns:p14="http://schemas.microsoft.com/office/powerpoint/2010/main" val="2374884977"/>
+      </p:ext>
+    </p:extLst>
+  </p:cSld>
+  <p:clrMapOvr>
+    <a:masterClrMapping/>
+  </p:clrMapOvr>
+</p:notes>
+</file>
+
+<file path=ppt/notesSlides/notesSlide31.xml><?xml version="1.0" encoding="utf-8"?>
+<p:notes xmlns:a="http://schemas.openxmlformats.org/drawingml/2006/main" xmlns:r="http://schemas.openxmlformats.org/officeDocument/2006/relationships" xmlns:p="http://schemas.openxmlformats.org/presentationml/2006/main" showMasterSp="0" showMasterPhAnim="0">
+  <p:cSld>
+    <p:spTree>
+      <p:nvGrpSpPr>
+        <p:cNvPr id="1" name="Shape 107"/>
+        <p:cNvGrpSpPr/>
+        <p:nvPr/>
+      </p:nvGrpSpPr>
+      <p:grpSpPr>
+        <a:xfrm>
+          <a:off x="0" y="0"/>
+          <a:ext cx="0" cy="0"/>
+          <a:chOff x="0" y="0"/>
+          <a:chExt cx="0" cy="0"/>
+        </a:xfrm>
+      </p:grpSpPr>
+      <p:sp>
+        <p:nvSpPr>
+          <p:cNvPr id="108" name="Shape 108"/>
+          <p:cNvSpPr txBox="1">
+            <a:spLocks noGrp="1"/>
+          </p:cNvSpPr>
+          <p:nvPr>
+            <p:ph type="body" idx="1"/>
+          </p:nvPr>
+        </p:nvSpPr>
+        <p:spPr>
+          <a:xfrm>
+            <a:off x="701993" y="4420315"/>
+            <a:ext cx="5616000" cy="4187700"/>
+          </a:xfrm>
+          <a:prstGeom prst="rect">
+            <a:avLst/>
+          </a:prstGeom>
+        </p:spPr>
+        <p:txBody>
+          <a:bodyPr spcFirstLastPara="1" wrap="square" lIns="91425" tIns="91425" rIns="91425" bIns="91425" anchor="t" anchorCtr="0">
+            <a:noAutofit/>
+          </a:bodyPr>
+          <a:lstStyle/>
+          <a:p>
+            <a:pPr marL="0" lvl="0" indent="0" rtl="0">
+              <a:spcBef>
+                <a:spcPts val="0"/>
+              </a:spcBef>
+              <a:spcAft>
+                <a:spcPts val="0"/>
+              </a:spcAft>
+              <a:buNone/>
+            </a:pPr>
+            <a:endParaRPr dirty="0"/>
+          </a:p>
+        </p:txBody>
+      </p:sp>
+      <p:sp>
+        <p:nvSpPr>
+          <p:cNvPr id="109" name="Shape 109"/>
+          <p:cNvSpPr>
+            <a:spLocks noGrp="1" noRot="1" noChangeAspect="1"/>
+          </p:cNvSpPr>
+          <p:nvPr>
+            <p:ph type="sldImg" idx="2"/>
+          </p:nvPr>
+        </p:nvSpPr>
+        <p:spPr>
+          <a:xfrm>
+            <a:off x="409575" y="698500"/>
+            <a:ext cx="6200775" cy="3489325"/>
+          </a:xfrm>
+          <a:custGeom>
+            <a:avLst/>
+            <a:gdLst/>
+            <a:ahLst/>
+            <a:cxnLst/>
+            <a:rect l="0" t="0" r="0" b="0"/>
+            <a:pathLst>
+              <a:path w="120000" h="120000" extrusionOk="0">
+                <a:moveTo>
+                  <a:pt x="0" y="0"/>
+                </a:moveTo>
+                <a:lnTo>
+                  <a:pt x="120000" y="0"/>
+                </a:lnTo>
+                <a:lnTo>
+                  <a:pt x="120000" y="120000"/>
+                </a:lnTo>
+                <a:lnTo>
+                  <a:pt x="0" y="120000"/>
+                </a:lnTo>
+                <a:close/>
+              </a:path>
+            </a:pathLst>
+          </a:custGeom>
+        </p:spPr>
+      </p:sp>
+    </p:spTree>
+    <p:extLst>
+      <p:ext uri="{BB962C8B-B14F-4D97-AF65-F5344CB8AC3E}">
+        <p14:creationId xmlns:p14="http://schemas.microsoft.com/office/powerpoint/2010/main" val="236660203"/>
+      </p:ext>
+    </p:extLst>
+  </p:cSld>
+  <p:clrMapOvr>
+    <a:masterClrMapping/>
+  </p:clrMapOvr>
+</p:notes>
+</file>
+
+<file path=ppt/notesSlides/notesSlide32.xml><?xml version="1.0" encoding="utf-8"?>
+<p:notes xmlns:a="http://schemas.openxmlformats.org/drawingml/2006/main" xmlns:r="http://schemas.openxmlformats.org/officeDocument/2006/relationships" xmlns:p="http://schemas.openxmlformats.org/presentationml/2006/main" showMasterSp="0" showMasterPhAnim="0">
+  <p:cSld>
+    <p:spTree>
+      <p:nvGrpSpPr>
+        <p:cNvPr id="1" name="Shape 107"/>
+        <p:cNvGrpSpPr/>
+        <p:nvPr/>
+      </p:nvGrpSpPr>
+      <p:grpSpPr>
+        <a:xfrm>
+          <a:off x="0" y="0"/>
+          <a:ext cx="0" cy="0"/>
+          <a:chOff x="0" y="0"/>
+          <a:chExt cx="0" cy="0"/>
+        </a:xfrm>
+      </p:grpSpPr>
+      <p:sp>
+        <p:nvSpPr>
+          <p:cNvPr id="108" name="Shape 108"/>
+          <p:cNvSpPr txBox="1">
+            <a:spLocks noGrp="1"/>
+          </p:cNvSpPr>
+          <p:nvPr>
+            <p:ph type="body" idx="1"/>
+          </p:nvPr>
+        </p:nvSpPr>
+        <p:spPr>
+          <a:xfrm>
+            <a:off x="701993" y="4420315"/>
+            <a:ext cx="5616000" cy="4187700"/>
+          </a:xfrm>
+          <a:prstGeom prst="rect">
+            <a:avLst/>
+          </a:prstGeom>
+        </p:spPr>
+        <p:txBody>
+          <a:bodyPr spcFirstLastPara="1" wrap="square" lIns="91425" tIns="91425" rIns="91425" bIns="91425" anchor="t" anchorCtr="0">
+            <a:noAutofit/>
+          </a:bodyPr>
+          <a:lstStyle/>
+          <a:p>
+            <a:pPr marL="0" lvl="0" indent="0" rtl="0">
+              <a:spcBef>
+                <a:spcPts val="0"/>
+              </a:spcBef>
+              <a:spcAft>
+                <a:spcPts val="0"/>
+              </a:spcAft>
+              <a:buNone/>
+            </a:pPr>
+            <a:endParaRPr dirty="0"/>
+          </a:p>
+        </p:txBody>
+      </p:sp>
+      <p:sp>
+        <p:nvSpPr>
+          <p:cNvPr id="109" name="Shape 109"/>
+          <p:cNvSpPr>
+            <a:spLocks noGrp="1" noRot="1" noChangeAspect="1"/>
+          </p:cNvSpPr>
+          <p:nvPr>
+            <p:ph type="sldImg" idx="2"/>
+          </p:nvPr>
+        </p:nvSpPr>
+        <p:spPr>
+          <a:xfrm>
+            <a:off x="409575" y="698500"/>
+            <a:ext cx="6200775" cy="3489325"/>
+          </a:xfrm>
+          <a:custGeom>
+            <a:avLst/>
+            <a:gdLst/>
+            <a:ahLst/>
+            <a:cxnLst/>
+            <a:rect l="0" t="0" r="0" b="0"/>
+            <a:pathLst>
+              <a:path w="120000" h="120000" extrusionOk="0">
+                <a:moveTo>
+                  <a:pt x="0" y="0"/>
+                </a:moveTo>
+                <a:lnTo>
+                  <a:pt x="120000" y="0"/>
+                </a:lnTo>
+                <a:lnTo>
+                  <a:pt x="120000" y="120000"/>
+                </a:lnTo>
+                <a:lnTo>
+                  <a:pt x="0" y="120000"/>
+                </a:lnTo>
+                <a:close/>
+              </a:path>
+            </a:pathLst>
+          </a:custGeom>
+        </p:spPr>
+      </p:sp>
+    </p:spTree>
+    <p:extLst>
+      <p:ext uri="{BB962C8B-B14F-4D97-AF65-F5344CB8AC3E}">
+        <p14:creationId xmlns:p14="http://schemas.microsoft.com/office/powerpoint/2010/main" val="3727583067"/>
+      </p:ext>
+    </p:extLst>
+  </p:cSld>
+  <p:clrMapOvr>
+    <a:masterClrMapping/>
+  </p:clrMapOvr>
+</p:notes>
+</file>
+
+<file path=ppt/notesSlides/notesSlide33.xml><?xml version="1.0" encoding="utf-8"?>
+<p:notes xmlns:a="http://schemas.openxmlformats.org/drawingml/2006/main" xmlns:r="http://schemas.openxmlformats.org/officeDocument/2006/relationships" xmlns:p="http://schemas.openxmlformats.org/presentationml/2006/main" showMasterSp="0" showMasterPhAnim="0">
+  <p:cSld>
+    <p:spTree>
+      <p:nvGrpSpPr>
+        <p:cNvPr id="1" name="Shape 107"/>
+        <p:cNvGrpSpPr/>
+        <p:nvPr/>
+      </p:nvGrpSpPr>
+      <p:grpSpPr>
+        <a:xfrm>
+          <a:off x="0" y="0"/>
+          <a:ext cx="0" cy="0"/>
+          <a:chOff x="0" y="0"/>
+          <a:chExt cx="0" cy="0"/>
+        </a:xfrm>
+      </p:grpSpPr>
+      <p:sp>
+        <p:nvSpPr>
+          <p:cNvPr id="108" name="Shape 108"/>
+          <p:cNvSpPr txBox="1">
+            <a:spLocks noGrp="1"/>
+          </p:cNvSpPr>
+          <p:nvPr>
+            <p:ph type="body" idx="1"/>
+          </p:nvPr>
+        </p:nvSpPr>
+        <p:spPr>
+          <a:xfrm>
+            <a:off x="701993" y="4420315"/>
+            <a:ext cx="5616000" cy="4187700"/>
+          </a:xfrm>
+          <a:prstGeom prst="rect">
+            <a:avLst/>
+          </a:prstGeom>
+        </p:spPr>
+        <p:txBody>
+          <a:bodyPr spcFirstLastPara="1" wrap="square" lIns="91425" tIns="91425" rIns="91425" bIns="91425" anchor="t" anchorCtr="0">
+            <a:noAutofit/>
+          </a:bodyPr>
+          <a:lstStyle/>
+          <a:p>
+            <a:pPr marL="0" lvl="0" indent="0" rtl="0">
+              <a:spcBef>
+                <a:spcPts val="0"/>
+              </a:spcBef>
+              <a:spcAft>
+                <a:spcPts val="0"/>
+              </a:spcAft>
+              <a:buNone/>
+            </a:pPr>
+            <a:endParaRPr dirty="0"/>
+          </a:p>
+        </p:txBody>
+      </p:sp>
+      <p:sp>
+        <p:nvSpPr>
+          <p:cNvPr id="109" name="Shape 109"/>
+          <p:cNvSpPr>
+            <a:spLocks noGrp="1" noRot="1" noChangeAspect="1"/>
+          </p:cNvSpPr>
+          <p:nvPr>
+            <p:ph type="sldImg" idx="2"/>
+          </p:nvPr>
+        </p:nvSpPr>
+        <p:spPr>
+          <a:xfrm>
+            <a:off x="409575" y="698500"/>
+            <a:ext cx="6200775" cy="3489325"/>
+          </a:xfrm>
+          <a:custGeom>
+            <a:avLst/>
+            <a:gdLst/>
+            <a:ahLst/>
+            <a:cxnLst/>
+            <a:rect l="0" t="0" r="0" b="0"/>
+            <a:pathLst>
+              <a:path w="120000" h="120000" extrusionOk="0">
+                <a:moveTo>
+                  <a:pt x="0" y="0"/>
+                </a:moveTo>
+                <a:lnTo>
+                  <a:pt x="120000" y="0"/>
+                </a:lnTo>
+                <a:lnTo>
+                  <a:pt x="120000" y="120000"/>
+                </a:lnTo>
+                <a:lnTo>
+                  <a:pt x="0" y="120000"/>
+                </a:lnTo>
+                <a:close/>
+              </a:path>
+            </a:pathLst>
+          </a:custGeom>
+        </p:spPr>
+      </p:sp>
+    </p:spTree>
+    <p:extLst>
+      <p:ext uri="{BB962C8B-B14F-4D97-AF65-F5344CB8AC3E}">
+        <p14:creationId xmlns:p14="http://schemas.microsoft.com/office/powerpoint/2010/main" val="4065786199"/>
+      </p:ext>
+    </p:extLst>
+  </p:cSld>
+  <p:clrMapOvr>
+    <a:masterClrMapping/>
+  </p:clrMapOvr>
+</p:notes>
+</file>
+
+<file path=ppt/notesSlides/notesSlide34.xml><?xml version="1.0" encoding="utf-8"?>
+<p:notes xmlns:a="http://schemas.openxmlformats.org/drawingml/2006/main" xmlns:r="http://schemas.openxmlformats.org/officeDocument/2006/relationships" xmlns:p="http://schemas.openxmlformats.org/presentationml/2006/main" showMasterSp="0" showMasterPhAnim="0">
+  <p:cSld>
+    <p:spTree>
+      <p:nvGrpSpPr>
+        <p:cNvPr id="1" name="Shape 107"/>
+        <p:cNvGrpSpPr/>
+        <p:nvPr/>
+      </p:nvGrpSpPr>
+      <p:grpSpPr>
+        <a:xfrm>
+          <a:off x="0" y="0"/>
+          <a:ext cx="0" cy="0"/>
+          <a:chOff x="0" y="0"/>
+          <a:chExt cx="0" cy="0"/>
+        </a:xfrm>
+      </p:grpSpPr>
+      <p:sp>
+        <p:nvSpPr>
+          <p:cNvPr id="108" name="Shape 108"/>
+          <p:cNvSpPr txBox="1">
+            <a:spLocks noGrp="1"/>
+          </p:cNvSpPr>
+          <p:nvPr>
+            <p:ph type="body" idx="1"/>
+          </p:nvPr>
+        </p:nvSpPr>
+        <p:spPr>
+          <a:xfrm>
+            <a:off x="701993" y="4420315"/>
+            <a:ext cx="5616000" cy="4187700"/>
+          </a:xfrm>
+          <a:prstGeom prst="rect">
+            <a:avLst/>
+          </a:prstGeom>
+        </p:spPr>
+        <p:txBody>
+          <a:bodyPr spcFirstLastPara="1" wrap="square" lIns="91425" tIns="91425" rIns="91425" bIns="91425" anchor="t" anchorCtr="0">
+            <a:noAutofit/>
+          </a:bodyPr>
+          <a:lstStyle/>
+          <a:p>
+            <a:pPr marL="0" lvl="0" indent="0" rtl="0">
+              <a:spcBef>
+                <a:spcPts val="0"/>
+              </a:spcBef>
+              <a:spcAft>
+                <a:spcPts val="0"/>
+              </a:spcAft>
+              <a:buNone/>
+            </a:pPr>
+            <a:endParaRPr dirty="0"/>
+          </a:p>
+        </p:txBody>
+      </p:sp>
+      <p:sp>
+        <p:nvSpPr>
+          <p:cNvPr id="109" name="Shape 109"/>
+          <p:cNvSpPr>
+            <a:spLocks noGrp="1" noRot="1" noChangeAspect="1"/>
+          </p:cNvSpPr>
+          <p:nvPr>
+            <p:ph type="sldImg" idx="2"/>
+          </p:nvPr>
+        </p:nvSpPr>
+        <p:spPr>
+          <a:xfrm>
+            <a:off x="409575" y="698500"/>
+            <a:ext cx="6200775" cy="3489325"/>
+          </a:xfrm>
+          <a:custGeom>
+            <a:avLst/>
+            <a:gdLst/>
+            <a:ahLst/>
+            <a:cxnLst/>
+            <a:rect l="0" t="0" r="0" b="0"/>
+            <a:pathLst>
+              <a:path w="120000" h="120000" extrusionOk="0">
+                <a:moveTo>
+                  <a:pt x="0" y="0"/>
+                </a:moveTo>
+                <a:lnTo>
+                  <a:pt x="120000" y="0"/>
+                </a:lnTo>
+                <a:lnTo>
+                  <a:pt x="120000" y="120000"/>
+                </a:lnTo>
+                <a:lnTo>
+                  <a:pt x="0" y="120000"/>
+                </a:lnTo>
+                <a:close/>
+              </a:path>
+            </a:pathLst>
+          </a:custGeom>
+        </p:spPr>
+      </p:sp>
+    </p:spTree>
+    <p:extLst>
+      <p:ext uri="{BB962C8B-B14F-4D97-AF65-F5344CB8AC3E}">
+        <p14:creationId xmlns:p14="http://schemas.microsoft.com/office/powerpoint/2010/main" val="3886442854"/>
+      </p:ext>
+    </p:extLst>
+  </p:cSld>
+  <p:clrMapOvr>
+    <a:masterClrMapping/>
+  </p:clrMapOvr>
+</p:notes>
+</file>
+
+<file path=ppt/notesSlides/notesSlide35.xml><?xml version="1.0" encoding="utf-8"?>
+<p:notes xmlns:a="http://schemas.openxmlformats.org/drawingml/2006/main" xmlns:r="http://schemas.openxmlformats.org/officeDocument/2006/relationships" xmlns:p="http://schemas.openxmlformats.org/presentationml/2006/main" showMasterSp="0" showMasterPhAnim="0">
+  <p:cSld>
+    <p:spTree>
+      <p:nvGrpSpPr>
+        <p:cNvPr id="1" name="Shape 107"/>
+        <p:cNvGrpSpPr/>
+        <p:nvPr/>
+      </p:nvGrpSpPr>
+      <p:grpSpPr>
+        <a:xfrm>
+          <a:off x="0" y="0"/>
+          <a:ext cx="0" cy="0"/>
+          <a:chOff x="0" y="0"/>
+          <a:chExt cx="0" cy="0"/>
+        </a:xfrm>
+      </p:grpSpPr>
+      <p:sp>
+        <p:nvSpPr>
+          <p:cNvPr id="108" name="Shape 108"/>
+          <p:cNvSpPr txBox="1">
+            <a:spLocks noGrp="1"/>
+          </p:cNvSpPr>
+          <p:nvPr>
+            <p:ph type="body" idx="1"/>
+          </p:nvPr>
+        </p:nvSpPr>
+        <p:spPr>
+          <a:xfrm>
+            <a:off x="701993" y="4420315"/>
+            <a:ext cx="5616000" cy="4187700"/>
+          </a:xfrm>
+          <a:prstGeom prst="rect">
+            <a:avLst/>
+          </a:prstGeom>
+        </p:spPr>
+        <p:txBody>
+          <a:bodyPr spcFirstLastPara="1" wrap="square" lIns="91425" tIns="91425" rIns="91425" bIns="91425" anchor="t" anchorCtr="0">
+            <a:noAutofit/>
+          </a:bodyPr>
+          <a:lstStyle/>
+          <a:p>
+            <a:pPr marL="0" lvl="0" indent="0" rtl="0">
+              <a:spcBef>
+                <a:spcPts val="0"/>
+              </a:spcBef>
+              <a:spcAft>
+                <a:spcPts val="0"/>
+              </a:spcAft>
+              <a:buNone/>
+            </a:pPr>
+            <a:endParaRPr dirty="0"/>
+          </a:p>
+        </p:txBody>
+      </p:sp>
+      <p:sp>
+        <p:nvSpPr>
+          <p:cNvPr id="109" name="Shape 109"/>
+          <p:cNvSpPr>
+            <a:spLocks noGrp="1" noRot="1" noChangeAspect="1"/>
+          </p:cNvSpPr>
+          <p:nvPr>
+            <p:ph type="sldImg" idx="2"/>
+          </p:nvPr>
+        </p:nvSpPr>
+        <p:spPr>
+          <a:xfrm>
+            <a:off x="409575" y="698500"/>
+            <a:ext cx="6200775" cy="3489325"/>
+          </a:xfrm>
+          <a:custGeom>
+            <a:avLst/>
+            <a:gdLst/>
+            <a:ahLst/>
+            <a:cxnLst/>
+            <a:rect l="0" t="0" r="0" b="0"/>
+            <a:pathLst>
+              <a:path w="120000" h="120000" extrusionOk="0">
+                <a:moveTo>
+                  <a:pt x="0" y="0"/>
+                </a:moveTo>
+                <a:lnTo>
+                  <a:pt x="120000" y="0"/>
+                </a:lnTo>
+                <a:lnTo>
+                  <a:pt x="120000" y="120000"/>
+                </a:lnTo>
+                <a:lnTo>
+                  <a:pt x="0" y="120000"/>
+                </a:lnTo>
+                <a:close/>
+              </a:path>
+            </a:pathLst>
+          </a:custGeom>
+        </p:spPr>
+      </p:sp>
+    </p:spTree>
+    <p:extLst>
+      <p:ext uri="{BB962C8B-B14F-4D97-AF65-F5344CB8AC3E}">
+        <p14:creationId xmlns:p14="http://schemas.microsoft.com/office/powerpoint/2010/main" val="1896707506"/>
+      </p:ext>
+    </p:extLst>
+  </p:cSld>
+  <p:clrMapOvr>
+    <a:masterClrMapping/>
+  </p:clrMapOvr>
+</p:notes>
+</file>
+
+<file path=ppt/notesSlides/notesSlide36.xml><?xml version="1.0" encoding="utf-8"?>
+<p:notes xmlns:a="http://schemas.openxmlformats.org/drawingml/2006/main" xmlns:r="http://schemas.openxmlformats.org/officeDocument/2006/relationships" xmlns:p="http://schemas.openxmlformats.org/presentationml/2006/main" showMasterSp="0" showMasterPhAnim="0">
+  <p:cSld>
+    <p:spTree>
+      <p:nvGrpSpPr>
+        <p:cNvPr id="1" name="Shape 107"/>
+        <p:cNvGrpSpPr/>
+        <p:nvPr/>
+      </p:nvGrpSpPr>
+      <p:grpSpPr>
+        <a:xfrm>
+          <a:off x="0" y="0"/>
+          <a:ext cx="0" cy="0"/>
+          <a:chOff x="0" y="0"/>
+          <a:chExt cx="0" cy="0"/>
+        </a:xfrm>
+      </p:grpSpPr>
+      <p:sp>
+        <p:nvSpPr>
+          <p:cNvPr id="108" name="Shape 108"/>
+          <p:cNvSpPr txBox="1">
+            <a:spLocks noGrp="1"/>
+          </p:cNvSpPr>
+          <p:nvPr>
+            <p:ph type="body" idx="1"/>
+          </p:nvPr>
+        </p:nvSpPr>
+        <p:spPr>
+          <a:xfrm>
+            <a:off x="701993" y="4420315"/>
+            <a:ext cx="5616000" cy="4187700"/>
+          </a:xfrm>
+          <a:prstGeom prst="rect">
+            <a:avLst/>
+          </a:prstGeom>
+        </p:spPr>
+        <p:txBody>
+          <a:bodyPr spcFirstLastPara="1" wrap="square" lIns="91425" tIns="91425" rIns="91425" bIns="91425" anchor="t" anchorCtr="0">
+            <a:noAutofit/>
+          </a:bodyPr>
+          <a:lstStyle/>
+          <a:p>
+            <a:pPr marL="0" lvl="0" indent="0" rtl="0">
+              <a:spcBef>
+                <a:spcPts val="0"/>
+              </a:spcBef>
+              <a:spcAft>
+                <a:spcPts val="0"/>
+              </a:spcAft>
+              <a:buNone/>
+            </a:pPr>
+            <a:endParaRPr dirty="0"/>
+          </a:p>
+        </p:txBody>
+      </p:sp>
+      <p:sp>
+        <p:nvSpPr>
+          <p:cNvPr id="109" name="Shape 109"/>
+          <p:cNvSpPr>
+            <a:spLocks noGrp="1" noRot="1" noChangeAspect="1"/>
+          </p:cNvSpPr>
+          <p:nvPr>
+            <p:ph type="sldImg" idx="2"/>
+          </p:nvPr>
+        </p:nvSpPr>
+        <p:spPr>
+          <a:xfrm>
+            <a:off x="409575" y="698500"/>
+            <a:ext cx="6200775" cy="3489325"/>
+          </a:xfrm>
+          <a:custGeom>
+            <a:avLst/>
+            <a:gdLst/>
+            <a:ahLst/>
+            <a:cxnLst/>
+            <a:rect l="0" t="0" r="0" b="0"/>
+            <a:pathLst>
+              <a:path w="120000" h="120000" extrusionOk="0">
+                <a:moveTo>
+                  <a:pt x="0" y="0"/>
+                </a:moveTo>
+                <a:lnTo>
+                  <a:pt x="120000" y="0"/>
+                </a:lnTo>
+                <a:lnTo>
+                  <a:pt x="120000" y="120000"/>
+                </a:lnTo>
+                <a:lnTo>
+                  <a:pt x="0" y="120000"/>
+                </a:lnTo>
+                <a:close/>
+              </a:path>
+            </a:pathLst>
+          </a:custGeom>
+        </p:spPr>
+      </p:sp>
+    </p:spTree>
+    <p:extLst>
+      <p:ext uri="{BB962C8B-B14F-4D97-AF65-F5344CB8AC3E}">
+        <p14:creationId xmlns:p14="http://schemas.microsoft.com/office/powerpoint/2010/main" val="2897755944"/>
+      </p:ext>
+    </p:extLst>
+  </p:cSld>
+  <p:clrMapOvr>
+    <a:masterClrMapping/>
+  </p:clrMapOvr>
+</p:notes>
+</file>
+
+<file path=ppt/notesSlides/notesSlide37.xml><?xml version="1.0" encoding="utf-8"?>
+<p:notes xmlns:a="http://schemas.openxmlformats.org/drawingml/2006/main" xmlns:r="http://schemas.openxmlformats.org/officeDocument/2006/relationships" xmlns:p="http://schemas.openxmlformats.org/presentationml/2006/main" showMasterSp="0" showMasterPhAnim="0">
+  <p:cSld>
+    <p:spTree>
+      <p:nvGrpSpPr>
+        <p:cNvPr id="1" name="Shape 107"/>
+        <p:cNvGrpSpPr/>
+        <p:nvPr/>
+      </p:nvGrpSpPr>
+      <p:grpSpPr>
+        <a:xfrm>
+          <a:off x="0" y="0"/>
+          <a:ext cx="0" cy="0"/>
+          <a:chOff x="0" y="0"/>
+          <a:chExt cx="0" cy="0"/>
+        </a:xfrm>
+      </p:grpSpPr>
+      <p:sp>
+        <p:nvSpPr>
+          <p:cNvPr id="108" name="Shape 108"/>
+          <p:cNvSpPr txBox="1">
+            <a:spLocks noGrp="1"/>
+          </p:cNvSpPr>
+          <p:nvPr>
+            <p:ph type="body" idx="1"/>
+          </p:nvPr>
+        </p:nvSpPr>
+        <p:spPr>
+          <a:xfrm>
+            <a:off x="701993" y="4420315"/>
+            <a:ext cx="5616000" cy="4187700"/>
+          </a:xfrm>
+          <a:prstGeom prst="rect">
+            <a:avLst/>
+          </a:prstGeom>
+        </p:spPr>
+        <p:txBody>
+          <a:bodyPr spcFirstLastPara="1" wrap="square" lIns="91425" tIns="91425" rIns="91425" bIns="91425" anchor="t" anchorCtr="0">
+            <a:noAutofit/>
+          </a:bodyPr>
+          <a:lstStyle/>
+          <a:p>
+            <a:pPr marL="0" lvl="0" indent="0" rtl="0">
+              <a:spcBef>
+                <a:spcPts val="0"/>
+              </a:spcBef>
+              <a:spcAft>
+                <a:spcPts val="0"/>
+              </a:spcAft>
+              <a:buNone/>
+            </a:pPr>
+            <a:endParaRPr dirty="0"/>
+          </a:p>
+        </p:txBody>
+      </p:sp>
+      <p:sp>
+        <p:nvSpPr>
+          <p:cNvPr id="109" name="Shape 109"/>
+          <p:cNvSpPr>
+            <a:spLocks noGrp="1" noRot="1" noChangeAspect="1"/>
+          </p:cNvSpPr>
+          <p:nvPr>
+            <p:ph type="sldImg" idx="2"/>
+          </p:nvPr>
+        </p:nvSpPr>
+        <p:spPr>
+          <a:xfrm>
+            <a:off x="409575" y="698500"/>
+            <a:ext cx="6200775" cy="3489325"/>
+          </a:xfrm>
+          <a:custGeom>
+            <a:avLst/>
+            <a:gdLst/>
+            <a:ahLst/>
+            <a:cxnLst/>
+            <a:rect l="0" t="0" r="0" b="0"/>
+            <a:pathLst>
+              <a:path w="120000" h="120000" extrusionOk="0">
+                <a:moveTo>
+                  <a:pt x="0" y="0"/>
+                </a:moveTo>
+                <a:lnTo>
+                  <a:pt x="120000" y="0"/>
+                </a:lnTo>
+                <a:lnTo>
+                  <a:pt x="120000" y="120000"/>
+                </a:lnTo>
+                <a:lnTo>
+                  <a:pt x="0" y="120000"/>
+                </a:lnTo>
+                <a:close/>
+              </a:path>
+            </a:pathLst>
+          </a:custGeom>
+        </p:spPr>
+      </p:sp>
+    </p:spTree>
+    <p:extLst>
+      <p:ext uri="{BB962C8B-B14F-4D97-AF65-F5344CB8AC3E}">
         <p14:creationId xmlns:p14="http://schemas.microsoft.com/office/powerpoint/2010/main" val="1575012360"/>
       </p:ext>
     </p:extLst>
@@ -4139,7 +5378,7 @@
 </p:notes>
 </file>
 
-<file path=ppt/notesSlides/notesSlide31.xml><?xml version="1.0" encoding="utf-8"?>
+<file path=ppt/notesSlides/notesSlide38.xml><?xml version="1.0" encoding="utf-8"?>
 <p:notes xmlns:a="http://schemas.openxmlformats.org/drawingml/2006/main" xmlns:r="http://schemas.openxmlformats.org/officeDocument/2006/relationships" xmlns:p="http://schemas.openxmlformats.org/presentationml/2006/main" showMasterSp="0" showMasterPhAnim="0">
   <p:cSld>
     <p:spTree>
@@ -4248,7 +5487,7 @@
 </p:notes>
 </file>
 
-<file path=ppt/notesSlides/notesSlide32.xml><?xml version="1.0" encoding="utf-8"?>
+<file path=ppt/notesSlides/notesSlide39.xml><?xml version="1.0" encoding="utf-8"?>
 <p:notes xmlns:a="http://schemas.openxmlformats.org/drawingml/2006/main" xmlns:r="http://schemas.openxmlformats.org/officeDocument/2006/relationships" xmlns:p="http://schemas.openxmlformats.org/presentationml/2006/main" showMasterSp="0" showMasterPhAnim="0">
   <p:cSld>
     <p:spTree>
@@ -18531,7 +19770,7 @@
                 <a:cs typeface="Times New Roman"/>
                 <a:sym typeface="Times New Roman"/>
               </a:rPr>
-              <a:t>netback sends response to guest</a:t>
+              <a:t>netback sends response to guest notifying of new packet</a:t>
             </a:r>
           </a:p>
           <a:p>
@@ -19106,6 +20345,84 @@
                 <a:cs typeface="Times New Roman"/>
                 <a:sym typeface="Times New Roman"/>
               </a:rPr>
+              <a:t>IOMMU prevents guests from accessing</a:t>
+            </a:r>
+          </a:p>
+          <a:p>
+            <a:pPr marL="76200" indent="0">
+              <a:spcBef>
+                <a:spcPts val="0"/>
+              </a:spcBef>
+              <a:buSzPts val="2400"/>
+              <a:buNone/>
+            </a:pPr>
+            <a:r>
+              <a:rPr lang="en-US" sz="2400" dirty="0">
+                <a:latin typeface="Times New Roman"/>
+                <a:ea typeface="Times New Roman"/>
+                <a:cs typeface="Times New Roman"/>
+                <a:sym typeface="Times New Roman"/>
+              </a:rPr>
+              <a:t>     each others’ memory via DMA</a:t>
+            </a:r>
+          </a:p>
+          <a:p>
+            <a:pPr marL="876300" lvl="1" indent="-342900">
+              <a:spcBef>
+                <a:spcPts val="0"/>
+              </a:spcBef>
+              <a:buSzPts val="2400"/>
+            </a:pPr>
+            <a:endParaRPr lang="en-US" sz="2000" dirty="0">
+              <a:latin typeface="Times New Roman"/>
+              <a:ea typeface="Times New Roman"/>
+              <a:cs typeface="Times New Roman"/>
+              <a:sym typeface="Times New Roman"/>
+            </a:endParaRPr>
+          </a:p>
+          <a:p>
+            <a:pPr marL="876300" lvl="1" indent="-342900">
+              <a:spcBef>
+                <a:spcPts val="0"/>
+              </a:spcBef>
+              <a:buSzPts val="2400"/>
+            </a:pPr>
+            <a:endParaRPr lang="en-US" sz="2000" dirty="0">
+              <a:latin typeface="Times New Roman"/>
+              <a:ea typeface="Times New Roman"/>
+              <a:cs typeface="Times New Roman"/>
+              <a:sym typeface="Times New Roman"/>
+            </a:endParaRPr>
+          </a:p>
+          <a:p>
+            <a:pPr marL="533400" lvl="1" indent="0">
+              <a:spcBef>
+                <a:spcPts val="0"/>
+              </a:spcBef>
+              <a:buSzPts val="2400"/>
+              <a:buNone/>
+            </a:pPr>
+            <a:endParaRPr lang="en-US" sz="2000" dirty="0">
+              <a:latin typeface="Times New Roman"/>
+              <a:ea typeface="Times New Roman"/>
+              <a:cs typeface="Times New Roman"/>
+              <a:sym typeface="Times New Roman"/>
+            </a:endParaRPr>
+          </a:p>
+          <a:p>
+            <a:pPr marL="419100" indent="-342900">
+              <a:spcBef>
+                <a:spcPts val="0"/>
+              </a:spcBef>
+              <a:buSzPts val="2400"/>
+            </a:pPr>
+            <a:r>
+              <a:rPr lang="en-US" sz="2400" dirty="0">
+                <a:latin typeface="Times New Roman"/>
+                <a:ea typeface="Times New Roman"/>
+                <a:cs typeface="Times New Roman"/>
+                <a:sym typeface="Times New Roman"/>
+              </a:rPr>
               <a:t>Direct I/O results optimistic due to lack of IOMMU overhead</a:t>
             </a:r>
           </a:p>
@@ -19165,7 +20482,7 @@
         </p:blipFill>
         <p:spPr>
           <a:xfrm>
-            <a:off x="6510386" y="2838452"/>
+            <a:off x="6365532" y="2002051"/>
             <a:ext cx="1790700" cy="1790700"/>
           </a:xfrm>
           <a:prstGeom prst="rect">
@@ -19673,6 +20990,21 @@
               <a:buSzPts val="2400"/>
               <a:buNone/>
             </a:pPr>
+            <a:endParaRPr lang="en-US" sz="1200" dirty="0">
+              <a:latin typeface="Times New Roman"/>
+              <a:ea typeface="Times New Roman"/>
+              <a:cs typeface="Times New Roman"/>
+              <a:sym typeface="Times New Roman"/>
+            </a:endParaRPr>
+          </a:p>
+          <a:p>
+            <a:pPr marL="533400" lvl="1" indent="0">
+              <a:spcBef>
+                <a:spcPts val="0"/>
+              </a:spcBef>
+              <a:buSzPts val="2400"/>
+              <a:buNone/>
+            </a:pPr>
             <a:r>
               <a:rPr lang="en-US" sz="1200" b="1" dirty="0" err="1">
                 <a:latin typeface="Times New Roman"/>
@@ -19709,6 +21041,21 @@
               <a:buSzPts val="2400"/>
               <a:buNone/>
             </a:pPr>
+            <a:endParaRPr lang="en-US" sz="1200" b="1" dirty="0">
+              <a:latin typeface="Times New Roman"/>
+              <a:ea typeface="Times New Roman"/>
+              <a:cs typeface="Times New Roman"/>
+              <a:sym typeface="Times New Roman"/>
+            </a:endParaRPr>
+          </a:p>
+          <a:p>
+            <a:pPr marL="533400" lvl="1" indent="0">
+              <a:spcBef>
+                <a:spcPts val="0"/>
+              </a:spcBef>
+              <a:buSzPts val="2400"/>
+              <a:buNone/>
+            </a:pPr>
             <a:r>
               <a:rPr lang="en-US" sz="1200" b="1" dirty="0">
                 <a:latin typeface="Times New Roman"/>
@@ -19736,6 +21083,21 @@
               <a:buSzPts val="2400"/>
               <a:buNone/>
             </a:pPr>
+            <a:endParaRPr lang="en-US" sz="1200" b="1" dirty="0">
+              <a:latin typeface="Times New Roman"/>
+              <a:ea typeface="Times New Roman"/>
+              <a:cs typeface="Times New Roman"/>
+              <a:sym typeface="Times New Roman"/>
+            </a:endParaRPr>
+          </a:p>
+          <a:p>
+            <a:pPr marL="533400" lvl="1" indent="0">
+              <a:spcBef>
+                <a:spcPts val="0"/>
+              </a:spcBef>
+              <a:buSzPts val="2400"/>
+              <a:buNone/>
+            </a:pPr>
             <a:r>
               <a:rPr lang="en-US" sz="1200" b="1" dirty="0" err="1">
                 <a:latin typeface="Times New Roman"/>
@@ -19763,6 +21125,21 @@
               <a:buSzPts val="2400"/>
               <a:buNone/>
             </a:pPr>
+            <a:endParaRPr lang="en-US" sz="1200" b="1" dirty="0">
+              <a:latin typeface="Times New Roman"/>
+              <a:ea typeface="Times New Roman"/>
+              <a:cs typeface="Times New Roman"/>
+              <a:sym typeface="Times New Roman"/>
+            </a:endParaRPr>
+          </a:p>
+          <a:p>
+            <a:pPr marL="533400" lvl="1" indent="0">
+              <a:spcBef>
+                <a:spcPts val="0"/>
+              </a:spcBef>
+              <a:buSzPts val="2400"/>
+              <a:buNone/>
+            </a:pPr>
             <a:r>
               <a:rPr lang="en-US" sz="1200" b="1" dirty="0" err="1">
                 <a:latin typeface="Times New Roman"/>
@@ -19790,6 +21167,21 @@
               <a:buSzPts val="2400"/>
               <a:buNone/>
             </a:pPr>
+            <a:endParaRPr lang="en-US" sz="1200" b="1" dirty="0">
+              <a:latin typeface="Times New Roman"/>
+              <a:ea typeface="Times New Roman"/>
+              <a:cs typeface="Times New Roman"/>
+              <a:sym typeface="Times New Roman"/>
+            </a:endParaRPr>
+          </a:p>
+          <a:p>
+            <a:pPr marL="533400" lvl="1" indent="0">
+              <a:spcBef>
+                <a:spcPts val="0"/>
+              </a:spcBef>
+              <a:buSzPts val="2400"/>
+              <a:buNone/>
+            </a:pPr>
             <a:r>
               <a:rPr lang="en-US" sz="1200" b="1" dirty="0">
                 <a:latin typeface="Times New Roman"/>
@@ -19808,6 +21200,21 @@
               </a:rPr>
               <a:t>: kernel code in driver domain</a:t>
             </a:r>
+          </a:p>
+          <a:p>
+            <a:pPr marL="533400" lvl="1" indent="0">
+              <a:spcBef>
+                <a:spcPts val="0"/>
+              </a:spcBef>
+              <a:buSzPts val="2400"/>
+              <a:buNone/>
+            </a:pPr>
+            <a:endParaRPr lang="en-US" sz="1200" b="1" dirty="0">
+              <a:latin typeface="Times New Roman"/>
+              <a:ea typeface="Times New Roman"/>
+              <a:cs typeface="Times New Roman"/>
+              <a:sym typeface="Times New Roman"/>
+            </a:endParaRPr>
           </a:p>
           <a:p>
             <a:pPr marL="533400" lvl="1" indent="0">
@@ -19997,14 +21404,13 @@
           </a:bodyPr>
           <a:lstStyle/>
           <a:p>
-            <a:pPr marL="533400" lvl="1" indent="0">
+            <a:pPr marL="419100" indent="-342900">
               <a:spcBef>
                 <a:spcPts val="0"/>
               </a:spcBef>
               <a:buSzPts val="2400"/>
-              <a:buNone/>
-            </a:pPr>
-            <a:endParaRPr lang="en-US" sz="2000" dirty="0">
+            </a:pPr>
+            <a:endParaRPr lang="en-US" sz="2400" dirty="0">
               <a:latin typeface="Times New Roman"/>
               <a:ea typeface="Times New Roman"/>
               <a:cs typeface="Times New Roman"/>
@@ -20012,56 +21418,131 @@
             </a:endParaRPr>
           </a:p>
           <a:p>
-            <a:pPr marL="533400" lvl="1" indent="0">
+            <a:pPr marL="419100" indent="-342900">
               <a:spcBef>
                 <a:spcPts val="0"/>
               </a:spcBef>
               <a:buSzPts val="2400"/>
-              <a:buNone/>
-            </a:pPr>
-            <a:endParaRPr lang="en-US" sz="2000" dirty="0">
-              <a:latin typeface="Times New Roman"/>
-              <a:ea typeface="Times New Roman"/>
-              <a:cs typeface="Times New Roman"/>
-              <a:sym typeface="Times New Roman"/>
-            </a:endParaRPr>
+            </a:pPr>
+            <a:r>
+              <a:rPr lang="en-US" sz="2400" dirty="0">
+                <a:latin typeface="Times New Roman"/>
+                <a:ea typeface="Times New Roman"/>
+                <a:cs typeface="Times New Roman"/>
+                <a:sym typeface="Times New Roman"/>
+              </a:rPr>
+              <a:t>Direct I/O Analysis</a:t>
+            </a:r>
+          </a:p>
+          <a:p>
+            <a:pPr marL="990600" lvl="1" indent="-457200">
+              <a:spcBef>
+                <a:spcPts val="0"/>
+              </a:spcBef>
+              <a:buSzPts val="2400"/>
+            </a:pPr>
+            <a:r>
+              <a:rPr lang="en-US" sz="2000" dirty="0">
+                <a:latin typeface="Times New Roman"/>
+                <a:ea typeface="Times New Roman"/>
+                <a:cs typeface="Times New Roman"/>
+                <a:sym typeface="Times New Roman"/>
+              </a:rPr>
+              <a:t>31% overhead </a:t>
+            </a:r>
+            <a:r>
+              <a:rPr lang="en-US" sz="2000" dirty="0" err="1">
+                <a:latin typeface="Times New Roman"/>
+                <a:ea typeface="Times New Roman"/>
+                <a:cs typeface="Times New Roman"/>
+                <a:sym typeface="Times New Roman"/>
+              </a:rPr>
+              <a:t>w.r.t</a:t>
+            </a:r>
+            <a:r>
+              <a:rPr lang="en-US" sz="2000" dirty="0">
+                <a:latin typeface="Times New Roman"/>
+                <a:ea typeface="Times New Roman"/>
+                <a:cs typeface="Times New Roman"/>
+                <a:sym typeface="Times New Roman"/>
+              </a:rPr>
+              <a:t>. native Linux on RX</a:t>
+            </a:r>
+          </a:p>
+          <a:p>
+            <a:pPr marL="990600" lvl="1" indent="-457200">
+              <a:spcBef>
+                <a:spcPts val="0"/>
+              </a:spcBef>
+              <a:buSzPts val="2400"/>
+            </a:pPr>
+            <a:r>
+              <a:rPr lang="en-US" sz="2000" dirty="0">
+                <a:latin typeface="Times New Roman"/>
+                <a:ea typeface="Times New Roman"/>
+                <a:cs typeface="Times New Roman"/>
+                <a:sym typeface="Times New Roman"/>
+              </a:rPr>
+              <a:t>Mostly in the DMA interface</a:t>
+            </a:r>
+          </a:p>
+          <a:p>
+            <a:pPr marL="990600" lvl="1" indent="-457200">
+              <a:spcBef>
+                <a:spcPts val="0"/>
+              </a:spcBef>
+              <a:buSzPts val="2400"/>
+            </a:pPr>
+            <a:r>
+              <a:rPr lang="en-US" sz="2000" dirty="0">
+                <a:latin typeface="Times New Roman"/>
+                <a:ea typeface="Times New Roman"/>
+                <a:cs typeface="Times New Roman"/>
+                <a:sym typeface="Times New Roman"/>
+              </a:rPr>
+              <a:t>DMA driver must translate virtual addresses to device bus addresses</a:t>
+            </a:r>
+          </a:p>
+          <a:p>
+            <a:pPr marL="990600" lvl="1" indent="-457200">
+              <a:spcBef>
+                <a:spcPts val="0"/>
+              </a:spcBef>
+              <a:buSzPts val="2400"/>
+            </a:pPr>
+            <a:r>
+              <a:rPr lang="en-US" sz="2000" dirty="0">
+                <a:latin typeface="Times New Roman"/>
+                <a:ea typeface="Times New Roman"/>
+                <a:cs typeface="Times New Roman"/>
+                <a:sym typeface="Times New Roman"/>
+              </a:rPr>
+              <a:t>Requires SW emulated TLB code on x86</a:t>
+            </a:r>
+          </a:p>
+          <a:p>
+            <a:pPr marL="990600" lvl="1" indent="-457200">
+              <a:spcBef>
+                <a:spcPts val="0"/>
+              </a:spcBef>
+              <a:buSzPts val="2400"/>
+            </a:pPr>
+            <a:r>
+              <a:rPr lang="en-US" sz="2000" dirty="0">
+                <a:latin typeface="Times New Roman"/>
+                <a:ea typeface="Times New Roman"/>
+                <a:cs typeface="Times New Roman"/>
+                <a:sym typeface="Times New Roman"/>
+              </a:rPr>
+              <a:t>Linux bounce buffer if physical memory not contiguous</a:t>
+            </a:r>
           </a:p>
         </p:txBody>
       </p:sp>
-      <p:pic>
-        <p:nvPicPr>
-          <p:cNvPr id="3" name="Picture 2">
-            <a:extLst>
-              <a:ext uri="{FF2B5EF4-FFF2-40B4-BE49-F238E27FC236}">
-                <a16:creationId xmlns:a16="http://schemas.microsoft.com/office/drawing/2014/main" id="{B8C03DFB-BC20-5F4B-9FC4-C261F8E64FAE}"/>
-              </a:ext>
-            </a:extLst>
-          </p:cNvPr>
-          <p:cNvPicPr>
-            <a:picLocks noChangeAspect="1"/>
-          </p:cNvPicPr>
-          <p:nvPr/>
-        </p:nvPicPr>
-        <p:blipFill>
-          <a:blip r:embed="rId3"/>
-          <a:stretch>
-            <a:fillRect/>
-          </a:stretch>
-        </p:blipFill>
-        <p:spPr>
-          <a:xfrm>
-            <a:off x="1969996" y="1448651"/>
-            <a:ext cx="5051971" cy="3146000"/>
-          </a:xfrm>
-          <a:prstGeom prst="rect">
-            <a:avLst/>
-          </a:prstGeom>
-        </p:spPr>
-      </p:pic>
     </p:spTree>
     <p:extLst>
       <p:ext uri="{BB962C8B-B14F-4D97-AF65-F5344CB8AC3E}">
-        <p14:creationId xmlns:p14="http://schemas.microsoft.com/office/powerpoint/2010/main" val="1795652021"/>
+        <p14:creationId xmlns:p14="http://schemas.microsoft.com/office/powerpoint/2010/main" val="1404452562"/>
       </p:ext>
     </p:extLst>
   </p:cSld>
@@ -20117,12 +21598,31 @@
           </a:bodyPr>
           <a:lstStyle/>
           <a:p>
-            <a:pPr lvl="0">
+            <a:pPr marL="0" marR="0" lvl="0" indent="0" algn="ctr" rtl="0">
+              <a:spcBef>
+                <a:spcPts val="0"/>
+              </a:spcBef>
+              <a:spcAft>
+                <a:spcPts val="0"/>
+              </a:spcAft>
+              <a:buClr>
+                <a:srgbClr val="09347A"/>
+              </a:buClr>
               <a:buSzPts val="3600"/>
-            </a:pPr>
-            <a:r>
-              <a:rPr lang="en-US" sz="3000" dirty="0"/>
-              <a:t>Xen Network Design Changes</a:t>
+              <a:buFont typeface="Verdana"/>
+              <a:buNone/>
+            </a:pPr>
+            <a:r>
+              <a:rPr lang="en-US" sz="3000" b="0" i="0" u="none" strike="noStrike" cap="none" dirty="0">
+                <a:solidFill>
+                  <a:srgbClr val="09347A"/>
+                </a:solidFill>
+                <a:latin typeface="Verdana"/>
+                <a:ea typeface="Verdana"/>
+                <a:cs typeface="Verdana"/>
+                <a:sym typeface="Verdana"/>
+              </a:rPr>
+              <a:t>Network Performance Analysis</a:t>
             </a:r>
             <a:endParaRPr sz="3000" b="0" i="0" u="none" strike="noStrike" cap="none" dirty="0">
               <a:solidFill>
@@ -20180,117 +21680,6 @@
             </a:endParaRPr>
           </a:p>
           <a:p>
-            <a:pPr marL="419100" indent="-342900">
-              <a:spcBef>
-                <a:spcPts val="0"/>
-              </a:spcBef>
-              <a:buSzPts val="2400"/>
-            </a:pPr>
-            <a:r>
-              <a:rPr lang="en-US" sz="2400" dirty="0">
-                <a:latin typeface="Times New Roman"/>
-                <a:ea typeface="Times New Roman"/>
-                <a:cs typeface="Times New Roman"/>
-                <a:sym typeface="Times New Roman"/>
-              </a:rPr>
-              <a:t>Architecture-independent optimizations</a:t>
-            </a:r>
-          </a:p>
-          <a:p>
-            <a:pPr marL="990600" lvl="1" indent="-457200">
-              <a:spcBef>
-                <a:spcPts val="0"/>
-              </a:spcBef>
-              <a:buSzPts val="2400"/>
-              <a:buFont typeface="+mj-lt"/>
-              <a:buAutoNum type="arabicPeriod"/>
-            </a:pPr>
-            <a:r>
-              <a:rPr lang="en-US" sz="2000" dirty="0">
-                <a:latin typeface="Times New Roman"/>
-                <a:ea typeface="Times New Roman"/>
-                <a:cs typeface="Times New Roman"/>
-                <a:sym typeface="Times New Roman"/>
-              </a:rPr>
-              <a:t>Disable </a:t>
-            </a:r>
-            <a:r>
-              <a:rPr lang="en-US" sz="2000" dirty="0" err="1">
-                <a:latin typeface="Times New Roman"/>
-                <a:ea typeface="Times New Roman"/>
-                <a:cs typeface="Times New Roman"/>
-                <a:sym typeface="Times New Roman"/>
-              </a:rPr>
-              <a:t>netfilter</a:t>
-            </a:r>
-            <a:r>
-              <a:rPr lang="en-US" sz="2000" dirty="0">
-                <a:latin typeface="Times New Roman"/>
-                <a:ea typeface="Times New Roman"/>
-                <a:cs typeface="Times New Roman"/>
-                <a:sym typeface="Times New Roman"/>
-              </a:rPr>
-              <a:t> bridge</a:t>
-            </a:r>
-          </a:p>
-          <a:p>
-            <a:pPr marL="990600" lvl="1" indent="-457200">
-              <a:spcBef>
-                <a:spcPts val="0"/>
-              </a:spcBef>
-              <a:buSzPts val="2400"/>
-              <a:buFont typeface="+mj-lt"/>
-              <a:buAutoNum type="arabicPeriod"/>
-            </a:pPr>
-            <a:r>
-              <a:rPr lang="en-US" sz="2000" dirty="0">
-                <a:latin typeface="Times New Roman"/>
-                <a:ea typeface="Times New Roman"/>
-                <a:cs typeface="Times New Roman"/>
-                <a:sym typeface="Times New Roman"/>
-              </a:rPr>
-              <a:t>Aligned data copies</a:t>
-            </a:r>
-          </a:p>
-          <a:p>
-            <a:pPr marL="990600" lvl="1" indent="-457200">
-              <a:spcBef>
-                <a:spcPts val="0"/>
-              </a:spcBef>
-              <a:buSzPts val="2400"/>
-              <a:buFont typeface="+mj-lt"/>
-              <a:buAutoNum type="arabicPeriod"/>
-            </a:pPr>
-            <a:r>
-              <a:rPr lang="en-US" sz="2000" dirty="0">
-                <a:latin typeface="Times New Roman"/>
-                <a:ea typeface="Times New Roman"/>
-                <a:cs typeface="Times New Roman"/>
-                <a:sym typeface="Times New Roman"/>
-              </a:rPr>
-              <a:t>Avoiding socket buffer fragments</a:t>
-            </a:r>
-          </a:p>
-          <a:p>
-            <a:pPr marL="990600" lvl="1" indent="-457200">
-              <a:spcBef>
-                <a:spcPts val="0"/>
-              </a:spcBef>
-              <a:buSzPts val="2400"/>
-              <a:buFont typeface="+mj-lt"/>
-              <a:buAutoNum type="arabicPeriod"/>
-            </a:pPr>
-            <a:r>
-              <a:rPr lang="en-US" sz="2000" dirty="0">
-                <a:latin typeface="Times New Roman"/>
-                <a:ea typeface="Times New Roman"/>
-                <a:cs typeface="Times New Roman"/>
-                <a:sym typeface="Times New Roman"/>
-              </a:rPr>
-              <a:t>Page grant optimizations</a:t>
-            </a:r>
-          </a:p>
-          <a:p>
             <a:pPr marL="533400" lvl="1" indent="0">
               <a:spcBef>
                 <a:spcPts val="0"/>
@@ -20307,10 +21696,40 @@
           </a:p>
         </p:txBody>
       </p:sp>
+      <p:pic>
+        <p:nvPicPr>
+          <p:cNvPr id="3" name="Picture 2">
+            <a:extLst>
+              <a:ext uri="{FF2B5EF4-FFF2-40B4-BE49-F238E27FC236}">
+                <a16:creationId xmlns:a16="http://schemas.microsoft.com/office/drawing/2014/main" id="{B8C03DFB-BC20-5F4B-9FC4-C261F8E64FAE}"/>
+              </a:ext>
+            </a:extLst>
+          </p:cNvPr>
+          <p:cNvPicPr>
+            <a:picLocks noChangeAspect="1"/>
+          </p:cNvPicPr>
+          <p:nvPr/>
+        </p:nvPicPr>
+        <p:blipFill>
+          <a:blip r:embed="rId3"/>
+          <a:stretch>
+            <a:fillRect/>
+          </a:stretch>
+        </p:blipFill>
+        <p:spPr>
+          <a:xfrm>
+            <a:off x="1969996" y="1448651"/>
+            <a:ext cx="5051971" cy="3146000"/>
+          </a:xfrm>
+          <a:prstGeom prst="rect">
+            <a:avLst/>
+          </a:prstGeom>
+        </p:spPr>
+      </p:pic>
     </p:spTree>
     <p:extLst>
       <p:ext uri="{BB962C8B-B14F-4D97-AF65-F5344CB8AC3E}">
-        <p14:creationId xmlns:p14="http://schemas.microsoft.com/office/powerpoint/2010/main" val="2568120495"/>
+        <p14:creationId xmlns:p14="http://schemas.microsoft.com/office/powerpoint/2010/main" val="1795652021"/>
       </p:ext>
     </p:extLst>
   </p:cSld>
@@ -20366,12 +21785,31 @@
           </a:bodyPr>
           <a:lstStyle/>
           <a:p>
-            <a:pPr lvl="0">
+            <a:pPr marL="0" marR="0" lvl="0" indent="0" algn="ctr" rtl="0">
+              <a:spcBef>
+                <a:spcPts val="0"/>
+              </a:spcBef>
+              <a:spcAft>
+                <a:spcPts val="0"/>
+              </a:spcAft>
+              <a:buClr>
+                <a:srgbClr val="09347A"/>
+              </a:buClr>
               <a:buSzPts val="3600"/>
-            </a:pPr>
-            <a:r>
-              <a:rPr lang="en-US" sz="3000" dirty="0"/>
-              <a:t>Xen Network Design Changes</a:t>
+              <a:buFont typeface="Verdana"/>
+              <a:buNone/>
+            </a:pPr>
+            <a:r>
+              <a:rPr lang="en-US" sz="3000" b="0" i="0" u="none" strike="noStrike" cap="none" dirty="0">
+                <a:solidFill>
+                  <a:srgbClr val="09347A"/>
+                </a:solidFill>
+                <a:latin typeface="Verdana"/>
+                <a:ea typeface="Verdana"/>
+                <a:cs typeface="Verdana"/>
+                <a:sym typeface="Verdana"/>
+              </a:rPr>
+              <a:t>Network Performance Analysis</a:t>
             </a:r>
             <a:endParaRPr sz="3000" b="0" i="0" u="none" strike="noStrike" cap="none" dirty="0">
               <a:solidFill>
@@ -20427,7 +21865,7 @@
                 <a:cs typeface="Times New Roman"/>
                 <a:sym typeface="Times New Roman"/>
               </a:rPr>
-              <a:t>Data copying moved to guest</a:t>
+              <a:t>PV Driver: Copy overhead</a:t>
             </a:r>
           </a:p>
           <a:p>
@@ -20444,17 +21882,16 @@
                 <a:cs typeface="Times New Roman"/>
                 <a:sym typeface="Times New Roman"/>
               </a:rPr>
-              <a:t>Additional copy between </a:t>
-            </a:r>
-            <a:r>
-              <a:rPr lang="en-US" sz="2000" dirty="0" err="1">
-                <a:latin typeface="Times New Roman"/>
-                <a:ea typeface="Times New Roman"/>
-                <a:cs typeface="Times New Roman"/>
-                <a:sym typeface="Times New Roman"/>
-              </a:rPr>
-              <a:t>DomD</a:t>
-            </a:r>
+              <a:t>x86 faster when memory addresses have same 64-bit word alignment, fastest if cache line aligned</a:t>
+            </a:r>
+          </a:p>
+          <a:p>
+            <a:pPr marL="876300" lvl="1" indent="-342900">
+              <a:spcBef>
+                <a:spcPts val="0"/>
+              </a:spcBef>
+              <a:buSzPts val="2400"/>
+            </a:pPr>
             <a:r>
               <a:rPr lang="en-US" sz="2000" dirty="0">
                 <a:latin typeface="Times New Roman"/>
@@ -20462,64 +21899,45 @@
                 <a:cs typeface="Times New Roman"/>
                 <a:sym typeface="Times New Roman"/>
               </a:rPr>
-              <a:t> and guest is overhead not required in native Linux</a:t>
-            </a:r>
-          </a:p>
-          <a:p>
-            <a:pPr marL="876300" lvl="1" indent="-342900">
-              <a:spcBef>
-                <a:spcPts val="0"/>
-              </a:spcBef>
-              <a:buSzPts val="2400"/>
-            </a:pPr>
-            <a:r>
-              <a:rPr lang="en-US" sz="2000" dirty="0">
-                <a:latin typeface="Times New Roman"/>
-                <a:ea typeface="Times New Roman"/>
-                <a:cs typeface="Times New Roman"/>
-                <a:sym typeface="Times New Roman"/>
-              </a:rPr>
-              <a:t>The data copy is likely performed by different CPU cores (one for driver domain, one for guest) leading to poor cache locality</a:t>
-            </a:r>
-          </a:p>
-          <a:p>
-            <a:pPr marL="876300" lvl="1" indent="-342900">
-              <a:spcBef>
-                <a:spcPts val="0"/>
-              </a:spcBef>
-              <a:buSzPts val="2400"/>
-            </a:pPr>
-            <a:r>
-              <a:rPr lang="en-US" sz="2000" dirty="0">
-                <a:latin typeface="Times New Roman"/>
-                <a:ea typeface="Times New Roman"/>
-                <a:cs typeface="Times New Roman"/>
-                <a:sym typeface="Times New Roman"/>
-              </a:rPr>
-              <a:t>Ownership of the page in the driver domain containing the packet from the NIC is transferred to the guest</a:t>
-            </a:r>
-          </a:p>
-          <a:p>
-            <a:pPr marL="533400" lvl="1" indent="0">
-              <a:spcBef>
-                <a:spcPts val="0"/>
-              </a:spcBef>
-              <a:buSzPts val="2400"/>
-              <a:buNone/>
-            </a:pPr>
-            <a:endParaRPr lang="en-US" sz="2000" dirty="0">
-              <a:latin typeface="Times New Roman"/>
-              <a:ea typeface="Times New Roman"/>
-              <a:cs typeface="Times New Roman"/>
-              <a:sym typeface="Times New Roman"/>
-            </a:endParaRPr>
+              <a:t>Network packets are non aligned due to 14B Ethernet header</a:t>
+            </a:r>
           </a:p>
         </p:txBody>
       </p:sp>
+      <p:pic>
+        <p:nvPicPr>
+          <p:cNvPr id="2" name="Picture 1">
+            <a:extLst>
+              <a:ext uri="{FF2B5EF4-FFF2-40B4-BE49-F238E27FC236}">
+                <a16:creationId xmlns:a16="http://schemas.microsoft.com/office/drawing/2014/main" id="{F2B788BD-9EDC-ED49-9DC8-D530D937FE7A}"/>
+              </a:ext>
+            </a:extLst>
+          </p:cNvPr>
+          <p:cNvPicPr>
+            <a:picLocks noChangeAspect="1"/>
+          </p:cNvPicPr>
+          <p:nvPr/>
+        </p:nvPicPr>
+        <p:blipFill>
+          <a:blip r:embed="rId3"/>
+          <a:stretch>
+            <a:fillRect/>
+          </a:stretch>
+        </p:blipFill>
+        <p:spPr>
+          <a:xfrm>
+            <a:off x="2345753" y="2540251"/>
+            <a:ext cx="4062213" cy="2603249"/>
+          </a:xfrm>
+          <a:prstGeom prst="rect">
+            <a:avLst/>
+          </a:prstGeom>
+        </p:spPr>
+      </p:pic>
     </p:spTree>
     <p:extLst>
       <p:ext uri="{BB962C8B-B14F-4D97-AF65-F5344CB8AC3E}">
-        <p14:creationId xmlns:p14="http://schemas.microsoft.com/office/powerpoint/2010/main" val="1404824072"/>
+        <p14:creationId xmlns:p14="http://schemas.microsoft.com/office/powerpoint/2010/main" val="2072395556"/>
       </p:ext>
     </p:extLst>
   </p:cSld>
@@ -20575,12 +21993,31 @@
           </a:bodyPr>
           <a:lstStyle/>
           <a:p>
-            <a:pPr lvl="0">
+            <a:pPr marL="0" marR="0" lvl="0" indent="0" algn="ctr" rtl="0">
+              <a:spcBef>
+                <a:spcPts val="0"/>
+              </a:spcBef>
+              <a:spcAft>
+                <a:spcPts val="0"/>
+              </a:spcAft>
+              <a:buClr>
+                <a:srgbClr val="09347A"/>
+              </a:buClr>
               <a:buSzPts val="3600"/>
-            </a:pPr>
-            <a:r>
-              <a:rPr lang="en-US" sz="3000" dirty="0"/>
-              <a:t>Xen Network Design Changes</a:t>
+              <a:buFont typeface="Verdana"/>
+              <a:buNone/>
+            </a:pPr>
+            <a:r>
+              <a:rPr lang="en-US" sz="3000" b="0" i="0" u="none" strike="noStrike" cap="none" dirty="0">
+                <a:solidFill>
+                  <a:srgbClr val="09347A"/>
+                </a:solidFill>
+                <a:latin typeface="Verdana"/>
+                <a:ea typeface="Verdana"/>
+                <a:cs typeface="Verdana"/>
+                <a:sym typeface="Verdana"/>
+              </a:rPr>
+              <a:t>Network Performance Analysis</a:t>
             </a:r>
             <a:endParaRPr sz="3000" b="0" i="0" u="none" strike="noStrike" cap="none" dirty="0">
               <a:solidFill>
@@ -20636,7 +22073,7 @@
                 <a:cs typeface="Times New Roman"/>
                 <a:sym typeface="Times New Roman"/>
               </a:rPr>
-              <a:t>Data copying moved to guest</a:t>
+              <a:t>PV Driver: Kernel overhead</a:t>
             </a:r>
           </a:p>
           <a:p>
@@ -20646,6 +22083,15 @@
               </a:spcBef>
               <a:buSzPts val="2400"/>
             </a:pPr>
+            <a:r>
+              <a:rPr lang="en-US" sz="2000" b="1" dirty="0">
+                <a:latin typeface="Times New Roman"/>
+                <a:ea typeface="Times New Roman"/>
+                <a:cs typeface="Times New Roman"/>
+                <a:sym typeface="Times New Roman"/>
+              </a:rPr>
+              <a:t>↑</a:t>
+            </a:r>
             <a:r>
               <a:rPr lang="en-US" sz="2000" dirty="0">
                 <a:latin typeface="Times New Roman"/>
@@ -20653,7 +22099,7 @@
                 <a:cs typeface="Times New Roman"/>
                 <a:sym typeface="Times New Roman"/>
               </a:rPr>
-              <a:t>Grant copy operation is performed on the guest just like the second data copy so the page is likely to exist in L2 cache</a:t>
+              <a:t> CPU cycles due to fragments in guest socket buffers</a:t>
             </a:r>
           </a:p>
           <a:p>
@@ -20670,17 +22116,16 @@
                 <a:cs typeface="Times New Roman"/>
                 <a:sym typeface="Times New Roman"/>
               </a:rPr>
-              <a:t>Avoids polluting </a:t>
-            </a:r>
-            <a:r>
-              <a:rPr lang="en-US" sz="2000" dirty="0" err="1">
-                <a:latin typeface="Times New Roman"/>
-                <a:ea typeface="Times New Roman"/>
-                <a:cs typeface="Times New Roman"/>
-                <a:sym typeface="Times New Roman"/>
-              </a:rPr>
-              <a:t>DomD</a:t>
-            </a:r>
+              <a:t>TCP Segmentation Offloading (TSO) and Large Receive Offloading (LRO) enable large packets spanning many pages</a:t>
+            </a:r>
+          </a:p>
+          <a:p>
+            <a:pPr marL="876300" lvl="1" indent="-342900">
+              <a:spcBef>
+                <a:spcPts val="0"/>
+              </a:spcBef>
+              <a:buSzPts val="2400"/>
+            </a:pPr>
             <a:r>
               <a:rPr lang="en-US" sz="2000" dirty="0">
                 <a:latin typeface="Times New Roman"/>
@@ -20688,113 +22133,15 @@
                 <a:cs typeface="Times New Roman"/>
                 <a:sym typeface="Times New Roman"/>
               </a:rPr>
-              <a:t> CPU cache</a:t>
-            </a:r>
-          </a:p>
-          <a:p>
-            <a:pPr marL="876300" lvl="1" indent="-342900">
-              <a:spcBef>
-                <a:spcPts val="0"/>
-              </a:spcBef>
-              <a:buSzPts val="2400"/>
-            </a:pPr>
-            <a:r>
-              <a:rPr lang="en-US" sz="2000" dirty="0">
-                <a:latin typeface="Times New Roman"/>
-                <a:ea typeface="Times New Roman"/>
-                <a:cs typeface="Times New Roman"/>
-                <a:sym typeface="Times New Roman"/>
-              </a:rPr>
-              <a:t>Improved scalability for multiple guests (avoids </a:t>
-            </a:r>
-            <a:r>
-              <a:rPr lang="en-US" sz="2000" dirty="0" err="1">
-                <a:latin typeface="Times New Roman"/>
-                <a:ea typeface="Times New Roman"/>
-                <a:cs typeface="Times New Roman"/>
-                <a:sym typeface="Times New Roman"/>
-              </a:rPr>
-              <a:t>DomD</a:t>
-            </a:r>
-            <a:r>
-              <a:rPr lang="en-US" sz="2000" dirty="0">
-                <a:latin typeface="Times New Roman"/>
-                <a:ea typeface="Times New Roman"/>
-                <a:cs typeface="Times New Roman"/>
-                <a:sym typeface="Times New Roman"/>
-              </a:rPr>
-              <a:t> bottleneck)</a:t>
-            </a:r>
-          </a:p>
-          <a:p>
-            <a:pPr marL="876300" lvl="1" indent="-342900">
-              <a:spcBef>
-                <a:spcPts val="0"/>
-              </a:spcBef>
-              <a:buSzPts val="2400"/>
-            </a:pPr>
-            <a:r>
-              <a:rPr lang="en-US" sz="2000" dirty="0">
-                <a:latin typeface="Times New Roman"/>
-                <a:ea typeface="Times New Roman"/>
-                <a:cs typeface="Times New Roman"/>
-                <a:sym typeface="Times New Roman"/>
-              </a:rPr>
-              <a:t>Enables other optimizations (e.g., socket buffer fragment allocation)</a:t>
-            </a:r>
-          </a:p>
-          <a:p>
-            <a:pPr marL="876300" lvl="1" indent="-342900">
-              <a:spcBef>
-                <a:spcPts val="0"/>
-              </a:spcBef>
-              <a:buSzPts val="2400"/>
-            </a:pPr>
-            <a:endParaRPr lang="en-US" sz="2000" dirty="0">
-              <a:latin typeface="Times New Roman"/>
-              <a:ea typeface="Times New Roman"/>
-              <a:cs typeface="Times New Roman"/>
-              <a:sym typeface="Times New Roman"/>
-            </a:endParaRPr>
-          </a:p>
-          <a:p>
-            <a:pPr marL="419100" indent="-342900">
-              <a:spcBef>
-                <a:spcPts val="0"/>
-              </a:spcBef>
-              <a:buSzPts val="2400"/>
-            </a:pPr>
-            <a:r>
-              <a:rPr lang="en-US" sz="2400" dirty="0">
-                <a:latin typeface="Times New Roman"/>
-                <a:ea typeface="Times New Roman"/>
-                <a:cs typeface="Times New Roman"/>
-                <a:sym typeface="Times New Roman"/>
-              </a:rPr>
-              <a:t>Saves ~2250 cycles or 276% of native</a:t>
-            </a:r>
-          </a:p>
-          <a:p>
-            <a:pPr marL="533400" lvl="1" indent="0">
-              <a:spcBef>
-                <a:spcPts val="0"/>
-              </a:spcBef>
-              <a:buSzPts val="2400"/>
-              <a:buNone/>
-            </a:pPr>
-            <a:endParaRPr lang="en-US" sz="2000" dirty="0">
-              <a:latin typeface="Times New Roman"/>
-              <a:ea typeface="Times New Roman"/>
-              <a:cs typeface="Times New Roman"/>
-              <a:sym typeface="Times New Roman"/>
-            </a:endParaRPr>
+              <a:t>Fragmentation introduces copy and socket buffer allocation overheads</a:t>
+            </a:r>
           </a:p>
         </p:txBody>
       </p:sp>
     </p:spTree>
     <p:extLst>
       <p:ext uri="{BB962C8B-B14F-4D97-AF65-F5344CB8AC3E}">
-        <p14:creationId xmlns:p14="http://schemas.microsoft.com/office/powerpoint/2010/main" val="2036892811"/>
+        <p14:creationId xmlns:p14="http://schemas.microsoft.com/office/powerpoint/2010/main" val="127240784"/>
       </p:ext>
     </p:extLst>
   </p:cSld>
@@ -20850,12 +22197,31 @@
           </a:bodyPr>
           <a:lstStyle/>
           <a:p>
-            <a:pPr lvl="0">
+            <a:pPr marL="0" marR="0" lvl="0" indent="0" algn="ctr" rtl="0">
+              <a:spcBef>
+                <a:spcPts val="0"/>
+              </a:spcBef>
+              <a:spcAft>
+                <a:spcPts val="0"/>
+              </a:spcAft>
+              <a:buClr>
+                <a:srgbClr val="09347A"/>
+              </a:buClr>
               <a:buSzPts val="3600"/>
-            </a:pPr>
-            <a:r>
-              <a:rPr lang="en-US" sz="3000" dirty="0"/>
-              <a:t>Xen Network Design Changes</a:t>
+              <a:buFont typeface="Verdana"/>
+              <a:buNone/>
+            </a:pPr>
+            <a:r>
+              <a:rPr lang="en-US" sz="3000" b="0" i="0" u="none" strike="noStrike" cap="none" dirty="0">
+                <a:solidFill>
+                  <a:srgbClr val="09347A"/>
+                </a:solidFill>
+                <a:latin typeface="Verdana"/>
+                <a:ea typeface="Verdana"/>
+                <a:cs typeface="Verdana"/>
+                <a:sym typeface="Verdana"/>
+              </a:rPr>
+              <a:t>Network Performance Analysis</a:t>
             </a:r>
             <a:endParaRPr sz="3000" b="0" i="0" u="none" strike="noStrike" cap="none" dirty="0">
               <a:solidFill>
@@ -20898,21 +22264,6 @@
           </a:bodyPr>
           <a:lstStyle/>
           <a:p>
-            <a:pPr marL="533400" lvl="1" indent="0">
-              <a:spcBef>
-                <a:spcPts val="0"/>
-              </a:spcBef>
-              <a:buSzPts val="2400"/>
-              <a:buNone/>
-            </a:pPr>
-            <a:endParaRPr lang="en-US" sz="2000" dirty="0">
-              <a:latin typeface="Times New Roman"/>
-              <a:ea typeface="Times New Roman"/>
-              <a:cs typeface="Times New Roman"/>
-              <a:sym typeface="Times New Roman"/>
-            </a:endParaRPr>
-          </a:p>
-          <a:p>
             <a:pPr marL="419100" indent="-342900">
               <a:spcBef>
                 <a:spcPts val="0"/>
@@ -20926,109 +22277,45 @@
                 <a:cs typeface="Times New Roman"/>
                 <a:sym typeface="Times New Roman"/>
               </a:rPr>
-              <a:t>Grant mechanism extensions</a:t>
-            </a:r>
-          </a:p>
-          <a:p>
-            <a:pPr marL="876300" lvl="1" indent="-342900">
-              <a:spcBef>
-                <a:spcPts val="0"/>
-              </a:spcBef>
-              <a:buSzPts val="2400"/>
-            </a:pPr>
-            <a:r>
-              <a:rPr lang="en-US" sz="2000" dirty="0" err="1">
-                <a:latin typeface="Times New Roman"/>
-                <a:ea typeface="Times New Roman"/>
-                <a:cs typeface="Times New Roman"/>
-                <a:sym typeface="Times New Roman"/>
-              </a:rPr>
-              <a:t>DomD</a:t>
-            </a:r>
-            <a:r>
-              <a:rPr lang="en-US" sz="2000" dirty="0">
-                <a:latin typeface="Times New Roman"/>
-                <a:ea typeface="Times New Roman"/>
-                <a:cs typeface="Times New Roman"/>
-                <a:sym typeface="Times New Roman"/>
-              </a:rPr>
-              <a:t> issues grant to the guest</a:t>
-            </a:r>
-          </a:p>
-          <a:p>
-            <a:pPr marL="876300" lvl="1" indent="-342900">
-              <a:spcBef>
-                <a:spcPts val="0"/>
-              </a:spcBef>
-              <a:buSzPts val="2400"/>
-            </a:pPr>
-            <a:r>
-              <a:rPr lang="en-US" sz="2000" dirty="0">
-                <a:latin typeface="Times New Roman"/>
-                <a:ea typeface="Times New Roman"/>
-                <a:cs typeface="Times New Roman"/>
-                <a:sym typeface="Times New Roman"/>
-              </a:rPr>
-              <a:t>Packets received from other guests are not owned by driver domain</a:t>
-            </a:r>
-          </a:p>
-          <a:p>
-            <a:pPr marL="876300" lvl="1" indent="-342900">
-              <a:spcBef>
-                <a:spcPts val="0"/>
-              </a:spcBef>
-              <a:buSzPts val="2400"/>
-            </a:pPr>
-            <a:r>
-              <a:rPr lang="en-US" sz="2000" dirty="0">
-                <a:latin typeface="Times New Roman"/>
-                <a:ea typeface="Times New Roman"/>
-                <a:cs typeface="Times New Roman"/>
-                <a:sym typeface="Times New Roman"/>
-              </a:rPr>
-              <a:t>Requires grant transitivity, guest domain can transfer grant to another</a:t>
-            </a:r>
-          </a:p>
-          <a:p>
-            <a:pPr marL="876300" lvl="1" indent="-342900">
-              <a:spcBef>
-                <a:spcPts val="0"/>
-              </a:spcBef>
-              <a:buSzPts val="2400"/>
-            </a:pPr>
-            <a:r>
-              <a:rPr lang="en-US" sz="2000" dirty="0">
-                <a:latin typeface="Times New Roman"/>
-                <a:ea typeface="Times New Roman"/>
-                <a:cs typeface="Times New Roman"/>
-                <a:sym typeface="Times New Roman"/>
-              </a:rPr>
-              <a:t>Same I/O buffer can receive data from different guests =&gt; potential security violation</a:t>
-            </a:r>
-          </a:p>
-          <a:p>
-            <a:pPr marL="876300" lvl="1" indent="-342900">
-              <a:spcBef>
-                <a:spcPts val="0"/>
-              </a:spcBef>
-              <a:buSzPts val="2400"/>
-            </a:pPr>
-            <a:r>
-              <a:rPr lang="en-US" sz="2000" dirty="0">
-                <a:latin typeface="Times New Roman"/>
-                <a:ea typeface="Times New Roman"/>
-                <a:cs typeface="Times New Roman"/>
-                <a:sym typeface="Times New Roman"/>
-              </a:rPr>
-              <a:t>Grants extended with offset and size fields so receiving guest only receives access to memory containing received packet data</a:t>
+              <a:t>PV Driver: Kernel overhead</a:t>
             </a:r>
           </a:p>
         </p:txBody>
       </p:sp>
+      <p:pic>
+        <p:nvPicPr>
+          <p:cNvPr id="2" name="Picture 1">
+            <a:extLst>
+              <a:ext uri="{FF2B5EF4-FFF2-40B4-BE49-F238E27FC236}">
+                <a16:creationId xmlns:a16="http://schemas.microsoft.com/office/drawing/2014/main" id="{25E975B3-97AC-8F49-AD40-2414889CEE07}"/>
+              </a:ext>
+            </a:extLst>
+          </p:cNvPr>
+          <p:cNvPicPr>
+            <a:picLocks noChangeAspect="1"/>
+          </p:cNvPicPr>
+          <p:nvPr/>
+        </p:nvPicPr>
+        <p:blipFill>
+          <a:blip r:embed="rId3"/>
+          <a:stretch>
+            <a:fillRect/>
+          </a:stretch>
+        </p:blipFill>
+        <p:spPr>
+          <a:xfrm>
+            <a:off x="2317686" y="1616461"/>
+            <a:ext cx="4921439" cy="3101651"/>
+          </a:xfrm>
+          <a:prstGeom prst="rect">
+            <a:avLst/>
+          </a:prstGeom>
+        </p:spPr>
+      </p:pic>
     </p:spTree>
     <p:extLst>
       <p:ext uri="{BB962C8B-B14F-4D97-AF65-F5344CB8AC3E}">
-        <p14:creationId xmlns:p14="http://schemas.microsoft.com/office/powerpoint/2010/main" val="846996893"/>
+        <p14:creationId xmlns:p14="http://schemas.microsoft.com/office/powerpoint/2010/main" val="2905517488"/>
       </p:ext>
     </p:extLst>
   </p:cSld>
@@ -21260,7 +22547,7 @@
                 <a:cs typeface="Times New Roman"/>
                 <a:sym typeface="Times New Roman"/>
               </a:rPr>
-              <a:t>Every packet would need to be inspected by virtualization layer!</a:t>
+              <a:t>Every packet would need to be inspected by virtualization layer</a:t>
             </a:r>
           </a:p>
         </p:txBody>
@@ -21319,12 +22606,31 @@
           </a:bodyPr>
           <a:lstStyle/>
           <a:p>
-            <a:pPr lvl="0">
+            <a:pPr marL="0" marR="0" lvl="0" indent="0" algn="ctr" rtl="0">
+              <a:spcBef>
+                <a:spcPts val="0"/>
+              </a:spcBef>
+              <a:spcAft>
+                <a:spcPts val="0"/>
+              </a:spcAft>
+              <a:buClr>
+                <a:srgbClr val="09347A"/>
+              </a:buClr>
               <a:buSzPts val="3600"/>
-            </a:pPr>
-            <a:r>
-              <a:rPr lang="en-US" sz="3000" dirty="0"/>
-              <a:t>Xen Network Design Changes</a:t>
+              <a:buFont typeface="Verdana"/>
+              <a:buNone/>
+            </a:pPr>
+            <a:r>
+              <a:rPr lang="en-US" sz="3000" b="0" i="0" u="none" strike="noStrike" cap="none" dirty="0">
+                <a:solidFill>
+                  <a:srgbClr val="09347A"/>
+                </a:solidFill>
+                <a:latin typeface="Verdana"/>
+                <a:ea typeface="Verdana"/>
+                <a:cs typeface="Verdana"/>
+                <a:sym typeface="Verdana"/>
+              </a:rPr>
+              <a:t>Network Performance Analysis</a:t>
             </a:r>
             <a:endParaRPr sz="3000" b="0" i="0" u="none" strike="noStrike" cap="none" dirty="0">
               <a:solidFill>
@@ -21367,6 +22673,1610 @@
           </a:bodyPr>
           <a:lstStyle/>
           <a:p>
+            <a:pPr marL="419100" indent="-342900">
+              <a:spcBef>
+                <a:spcPts val="0"/>
+              </a:spcBef>
+              <a:buSzPts val="2400"/>
+            </a:pPr>
+            <a:r>
+              <a:rPr lang="en-US" sz="2400" dirty="0">
+                <a:latin typeface="Times New Roman"/>
+                <a:ea typeface="Times New Roman"/>
+                <a:cs typeface="Times New Roman"/>
+                <a:sym typeface="Times New Roman"/>
+              </a:rPr>
+              <a:t>PV Driver: Hypervisor overhead</a:t>
+            </a:r>
+          </a:p>
+          <a:p>
+            <a:pPr marL="876300" lvl="1" indent="-342900">
+              <a:spcBef>
+                <a:spcPts val="0"/>
+              </a:spcBef>
+              <a:buSzPts val="2400"/>
+            </a:pPr>
+            <a:r>
+              <a:rPr lang="en-US" sz="2000" b="1" dirty="0">
+                <a:latin typeface="Times New Roman"/>
+                <a:ea typeface="Times New Roman"/>
+                <a:cs typeface="Times New Roman"/>
+                <a:sym typeface="Times New Roman"/>
+              </a:rPr>
+              <a:t>↑</a:t>
+            </a:r>
+            <a:r>
+              <a:rPr lang="en-US" sz="2000" dirty="0">
+                <a:latin typeface="Times New Roman"/>
+                <a:ea typeface="Times New Roman"/>
+                <a:cs typeface="Times New Roman"/>
+                <a:sym typeface="Times New Roman"/>
+              </a:rPr>
+              <a:t> CPU cycles due to code executing in the driver domain</a:t>
+            </a:r>
+          </a:p>
+          <a:p>
+            <a:pPr marL="876300" lvl="1" indent="-342900">
+              <a:spcBef>
+                <a:spcPts val="0"/>
+              </a:spcBef>
+              <a:buSzPts val="2400"/>
+            </a:pPr>
+            <a:r>
+              <a:rPr lang="en-US" sz="2000" dirty="0">
+                <a:latin typeface="Times New Roman"/>
+                <a:ea typeface="Times New Roman"/>
+                <a:cs typeface="Times New Roman"/>
+                <a:sym typeface="Times New Roman"/>
+              </a:rPr>
+              <a:t>Mostly page grant operations and scheduling</a:t>
+            </a:r>
+          </a:p>
+          <a:p>
+            <a:pPr marL="876300" lvl="1" indent="-342900">
+              <a:spcBef>
+                <a:spcPts val="0"/>
+              </a:spcBef>
+              <a:buSzPts val="2400"/>
+            </a:pPr>
+            <a:r>
+              <a:rPr lang="en-US" sz="2000" dirty="0">
+                <a:latin typeface="Times New Roman"/>
+                <a:ea typeface="Times New Roman"/>
+                <a:cs typeface="Times New Roman"/>
+                <a:sym typeface="Times New Roman"/>
+              </a:rPr>
+              <a:t>With </a:t>
+            </a:r>
+            <a:r>
+              <a:rPr lang="en-US" sz="2000" dirty="0" err="1">
+                <a:latin typeface="Times New Roman"/>
+                <a:ea typeface="Times New Roman"/>
+                <a:cs typeface="Times New Roman"/>
+                <a:sym typeface="Times New Roman"/>
+              </a:rPr>
+              <a:t>DomD</a:t>
+            </a:r>
+            <a:r>
+              <a:rPr lang="en-US" sz="2000" dirty="0">
+                <a:latin typeface="Times New Roman"/>
+                <a:ea typeface="Times New Roman"/>
+                <a:cs typeface="Times New Roman"/>
+                <a:sym typeface="Times New Roman"/>
+              </a:rPr>
+              <a:t> and guest on different cores, accessing schedule data structures results in more cache misses</a:t>
+            </a:r>
+          </a:p>
+          <a:p>
+            <a:pPr marL="876300" lvl="1" indent="-342900">
+              <a:spcBef>
+                <a:spcPts val="0"/>
+              </a:spcBef>
+              <a:buSzPts val="2400"/>
+            </a:pPr>
+            <a:r>
+              <a:rPr lang="en-US" sz="2000" dirty="0">
+                <a:latin typeface="Times New Roman"/>
+                <a:ea typeface="Times New Roman"/>
+                <a:cs typeface="Times New Roman"/>
+                <a:sym typeface="Times New Roman"/>
+              </a:rPr>
+              <a:t>Grant operation costs from spin locks, page pinning, and atomic swap operations</a:t>
+            </a:r>
+          </a:p>
+          <a:p>
+            <a:pPr marL="876300" lvl="1" indent="-342900">
+              <a:spcBef>
+                <a:spcPts val="0"/>
+              </a:spcBef>
+              <a:buSzPts val="2400"/>
+            </a:pPr>
+            <a:r>
+              <a:rPr lang="en-US" sz="2000" dirty="0">
+                <a:latin typeface="Times New Roman"/>
+                <a:ea typeface="Times New Roman"/>
+                <a:cs typeface="Times New Roman"/>
+                <a:sym typeface="Times New Roman"/>
+              </a:rPr>
+              <a:t>Can be optimized by moving driver domain operations into guest</a:t>
+            </a:r>
+          </a:p>
+        </p:txBody>
+      </p:sp>
+    </p:spTree>
+    <p:extLst>
+      <p:ext uri="{BB962C8B-B14F-4D97-AF65-F5344CB8AC3E}">
+        <p14:creationId xmlns:p14="http://schemas.microsoft.com/office/powerpoint/2010/main" val="2072526764"/>
+      </p:ext>
+    </p:extLst>
+  </p:cSld>
+  <p:clrMapOvr>
+    <a:masterClrMapping/>
+  </p:clrMapOvr>
+</p:sld>
+</file>
+
+<file path=ppt/slides/slide21.xml><?xml version="1.0" encoding="utf-8"?>
+<p:sld xmlns:a="http://schemas.openxmlformats.org/drawingml/2006/main" xmlns:r="http://schemas.openxmlformats.org/officeDocument/2006/relationships" xmlns:p="http://schemas.openxmlformats.org/presentationml/2006/main">
+  <p:cSld>
+    <p:spTree>
+      <p:nvGrpSpPr>
+        <p:cNvPr id="1" name="Shape 110"/>
+        <p:cNvGrpSpPr/>
+        <p:nvPr/>
+      </p:nvGrpSpPr>
+      <p:grpSpPr>
+        <a:xfrm>
+          <a:off x="0" y="0"/>
+          <a:ext cx="0" cy="0"/>
+          <a:chOff x="0" y="0"/>
+          <a:chExt cx="0" cy="0"/>
+        </a:xfrm>
+      </p:grpSpPr>
+      <p:sp>
+        <p:nvSpPr>
+          <p:cNvPr id="111" name="Shape 111"/>
+          <p:cNvSpPr txBox="1">
+            <a:spLocks noGrp="1"/>
+          </p:cNvSpPr>
+          <p:nvPr>
+            <p:ph type="title"/>
+          </p:nvPr>
+        </p:nvSpPr>
+        <p:spPr>
+          <a:xfrm>
+            <a:off x="457200" y="628650"/>
+            <a:ext cx="8229600" cy="537000"/>
+          </a:xfrm>
+          <a:prstGeom prst="rect">
+            <a:avLst/>
+          </a:prstGeom>
+          <a:noFill/>
+          <a:ln>
+            <a:noFill/>
+          </a:ln>
+        </p:spPr>
+        <p:txBody>
+          <a:bodyPr spcFirstLastPara="1" wrap="square" lIns="91425" tIns="45700" rIns="91425" bIns="45700" anchor="ctr" anchorCtr="0">
+            <a:noAutofit/>
+          </a:bodyPr>
+          <a:lstStyle/>
+          <a:p>
+            <a:pPr marL="0" marR="0" lvl="0" indent="0" algn="ctr" rtl="0">
+              <a:spcBef>
+                <a:spcPts val="0"/>
+              </a:spcBef>
+              <a:spcAft>
+                <a:spcPts val="0"/>
+              </a:spcAft>
+              <a:buClr>
+                <a:srgbClr val="09347A"/>
+              </a:buClr>
+              <a:buSzPts val="3600"/>
+              <a:buFont typeface="Verdana"/>
+              <a:buNone/>
+            </a:pPr>
+            <a:r>
+              <a:rPr lang="en-US" sz="3000" b="0" i="0" u="none" strike="noStrike" cap="none" dirty="0">
+                <a:solidFill>
+                  <a:srgbClr val="09347A"/>
+                </a:solidFill>
+                <a:latin typeface="Verdana"/>
+                <a:ea typeface="Verdana"/>
+                <a:cs typeface="Verdana"/>
+                <a:sym typeface="Verdana"/>
+              </a:rPr>
+              <a:t>Network Performance Analysis</a:t>
+            </a:r>
+            <a:endParaRPr sz="3000" b="0" i="0" u="none" strike="noStrike" cap="none" dirty="0">
+              <a:solidFill>
+                <a:srgbClr val="09347A"/>
+              </a:solidFill>
+              <a:latin typeface="Verdana"/>
+              <a:ea typeface="Verdana"/>
+              <a:cs typeface="Verdana"/>
+              <a:sym typeface="Verdana"/>
+            </a:endParaRPr>
+          </a:p>
+        </p:txBody>
+      </p:sp>
+      <p:sp>
+        <p:nvSpPr>
+          <p:cNvPr id="112" name="Shape 112"/>
+          <p:cNvSpPr txBox="1">
+            <a:spLocks noGrp="1"/>
+          </p:cNvSpPr>
+          <p:nvPr>
+            <p:ph type="body" idx="1"/>
+          </p:nvPr>
+        </p:nvSpPr>
+        <p:spPr>
+          <a:xfrm>
+            <a:off x="457200" y="1200151"/>
+            <a:ext cx="8229600" cy="3394500"/>
+          </a:xfrm>
+          <a:prstGeom prst="rect">
+            <a:avLst/>
+          </a:prstGeom>
+          <a:noFill/>
+          <a:ln>
+            <a:noFill/>
+          </a:ln>
+        </p:spPr>
+        <p:txBody>
+          <a:bodyPr spcFirstLastPara="1" wrap="square" lIns="91425" tIns="45700" rIns="91425" bIns="45700" anchor="t" anchorCtr="0">
+            <a:noAutofit/>
+          </a:bodyPr>
+          <a:lstStyle/>
+          <a:p>
+            <a:pPr marL="419100" indent="-342900">
+              <a:spcBef>
+                <a:spcPts val="0"/>
+              </a:spcBef>
+              <a:buSzPts val="2400"/>
+            </a:pPr>
+            <a:r>
+              <a:rPr lang="en-US" sz="2400" dirty="0">
+                <a:latin typeface="Times New Roman"/>
+                <a:ea typeface="Times New Roman"/>
+                <a:cs typeface="Times New Roman"/>
+                <a:sym typeface="Times New Roman"/>
+              </a:rPr>
+              <a:t>PV Driver: Hypervisor overhead</a:t>
+            </a:r>
+          </a:p>
+        </p:txBody>
+      </p:sp>
+      <p:pic>
+        <p:nvPicPr>
+          <p:cNvPr id="2" name="Picture 1">
+            <a:extLst>
+              <a:ext uri="{FF2B5EF4-FFF2-40B4-BE49-F238E27FC236}">
+                <a16:creationId xmlns:a16="http://schemas.microsoft.com/office/drawing/2014/main" id="{419CE3BD-CCD4-AA41-8F04-49936BF76600}"/>
+              </a:ext>
+            </a:extLst>
+          </p:cNvPr>
+          <p:cNvPicPr>
+            <a:picLocks noChangeAspect="1"/>
+          </p:cNvPicPr>
+          <p:nvPr/>
+        </p:nvPicPr>
+        <p:blipFill>
+          <a:blip r:embed="rId3"/>
+          <a:stretch>
+            <a:fillRect/>
+          </a:stretch>
+        </p:blipFill>
+        <p:spPr>
+          <a:xfrm>
+            <a:off x="2562131" y="1823706"/>
+            <a:ext cx="4635374" cy="2897109"/>
+          </a:xfrm>
+          <a:prstGeom prst="rect">
+            <a:avLst/>
+          </a:prstGeom>
+        </p:spPr>
+      </p:pic>
+    </p:spTree>
+    <p:extLst>
+      <p:ext uri="{BB962C8B-B14F-4D97-AF65-F5344CB8AC3E}">
+        <p14:creationId xmlns:p14="http://schemas.microsoft.com/office/powerpoint/2010/main" val="2684878000"/>
+      </p:ext>
+    </p:extLst>
+  </p:cSld>
+  <p:clrMapOvr>
+    <a:masterClrMapping/>
+  </p:clrMapOvr>
+</p:sld>
+</file>
+
+<file path=ppt/slides/slide22.xml><?xml version="1.0" encoding="utf-8"?>
+<p:sld xmlns:a="http://schemas.openxmlformats.org/drawingml/2006/main" xmlns:r="http://schemas.openxmlformats.org/officeDocument/2006/relationships" xmlns:p="http://schemas.openxmlformats.org/presentationml/2006/main">
+  <p:cSld>
+    <p:spTree>
+      <p:nvGrpSpPr>
+        <p:cNvPr id="1" name="Shape 110"/>
+        <p:cNvGrpSpPr/>
+        <p:nvPr/>
+      </p:nvGrpSpPr>
+      <p:grpSpPr>
+        <a:xfrm>
+          <a:off x="0" y="0"/>
+          <a:ext cx="0" cy="0"/>
+          <a:chOff x="0" y="0"/>
+          <a:chExt cx="0" cy="0"/>
+        </a:xfrm>
+      </p:grpSpPr>
+      <p:sp>
+        <p:nvSpPr>
+          <p:cNvPr id="111" name="Shape 111"/>
+          <p:cNvSpPr txBox="1">
+            <a:spLocks noGrp="1"/>
+          </p:cNvSpPr>
+          <p:nvPr>
+            <p:ph type="title"/>
+          </p:nvPr>
+        </p:nvSpPr>
+        <p:spPr>
+          <a:xfrm>
+            <a:off x="457200" y="628650"/>
+            <a:ext cx="8229600" cy="537000"/>
+          </a:xfrm>
+          <a:prstGeom prst="rect">
+            <a:avLst/>
+          </a:prstGeom>
+          <a:noFill/>
+          <a:ln>
+            <a:noFill/>
+          </a:ln>
+        </p:spPr>
+        <p:txBody>
+          <a:bodyPr spcFirstLastPara="1" wrap="square" lIns="91425" tIns="45700" rIns="91425" bIns="45700" anchor="ctr" anchorCtr="0">
+            <a:noAutofit/>
+          </a:bodyPr>
+          <a:lstStyle/>
+          <a:p>
+            <a:pPr marL="0" marR="0" lvl="0" indent="0" algn="ctr" rtl="0">
+              <a:spcBef>
+                <a:spcPts val="0"/>
+              </a:spcBef>
+              <a:spcAft>
+                <a:spcPts val="0"/>
+              </a:spcAft>
+              <a:buClr>
+                <a:srgbClr val="09347A"/>
+              </a:buClr>
+              <a:buSzPts val="3600"/>
+              <a:buFont typeface="Verdana"/>
+              <a:buNone/>
+            </a:pPr>
+            <a:r>
+              <a:rPr lang="en-US" sz="3000" b="0" i="0" u="none" strike="noStrike" cap="none" dirty="0">
+                <a:solidFill>
+                  <a:srgbClr val="09347A"/>
+                </a:solidFill>
+                <a:latin typeface="Verdana"/>
+                <a:ea typeface="Verdana"/>
+                <a:cs typeface="Verdana"/>
+                <a:sym typeface="Verdana"/>
+              </a:rPr>
+              <a:t>Network Performance Analysis</a:t>
+            </a:r>
+            <a:endParaRPr sz="3000" b="0" i="0" u="none" strike="noStrike" cap="none" dirty="0">
+              <a:solidFill>
+                <a:srgbClr val="09347A"/>
+              </a:solidFill>
+              <a:latin typeface="Verdana"/>
+              <a:ea typeface="Verdana"/>
+              <a:cs typeface="Verdana"/>
+              <a:sym typeface="Verdana"/>
+            </a:endParaRPr>
+          </a:p>
+        </p:txBody>
+      </p:sp>
+      <p:sp>
+        <p:nvSpPr>
+          <p:cNvPr id="112" name="Shape 112"/>
+          <p:cNvSpPr txBox="1">
+            <a:spLocks noGrp="1"/>
+          </p:cNvSpPr>
+          <p:nvPr>
+            <p:ph type="body" idx="1"/>
+          </p:nvPr>
+        </p:nvSpPr>
+        <p:spPr>
+          <a:xfrm>
+            <a:off x="457200" y="1200151"/>
+            <a:ext cx="8229600" cy="3394500"/>
+          </a:xfrm>
+          <a:prstGeom prst="rect">
+            <a:avLst/>
+          </a:prstGeom>
+          <a:noFill/>
+          <a:ln>
+            <a:noFill/>
+          </a:ln>
+        </p:spPr>
+        <p:txBody>
+          <a:bodyPr spcFirstLastPara="1" wrap="square" lIns="91425" tIns="45700" rIns="91425" bIns="45700" anchor="t" anchorCtr="0">
+            <a:noAutofit/>
+          </a:bodyPr>
+          <a:lstStyle/>
+          <a:p>
+            <a:pPr marL="419100" indent="-342900">
+              <a:spcBef>
+                <a:spcPts val="0"/>
+              </a:spcBef>
+              <a:buSzPts val="2400"/>
+            </a:pPr>
+            <a:r>
+              <a:rPr lang="en-US" sz="2400" dirty="0">
+                <a:latin typeface="Times New Roman"/>
+                <a:ea typeface="Times New Roman"/>
+                <a:cs typeface="Times New Roman"/>
+                <a:sym typeface="Times New Roman"/>
+              </a:rPr>
+              <a:t>PV Driver: Driver domain overhead</a:t>
+            </a:r>
+          </a:p>
+          <a:p>
+            <a:pPr marL="876300" lvl="1" indent="-342900">
+              <a:spcBef>
+                <a:spcPts val="0"/>
+              </a:spcBef>
+              <a:buSzPts val="2400"/>
+            </a:pPr>
+            <a:r>
+              <a:rPr lang="en-US" sz="2000" dirty="0">
+                <a:latin typeface="Times New Roman"/>
+                <a:ea typeface="Times New Roman"/>
+                <a:cs typeface="Times New Roman"/>
+                <a:sym typeface="Times New Roman"/>
+              </a:rPr>
+              <a:t>Mostly caused by bridge and </a:t>
+            </a:r>
+            <a:r>
+              <a:rPr lang="en-US" sz="2000" dirty="0" err="1">
+                <a:latin typeface="Times New Roman"/>
+                <a:ea typeface="Times New Roman"/>
+                <a:cs typeface="Times New Roman"/>
+                <a:sym typeface="Times New Roman"/>
+              </a:rPr>
+              <a:t>netfilter</a:t>
+            </a:r>
+            <a:r>
+              <a:rPr lang="en-US" sz="2000" dirty="0">
+                <a:latin typeface="Times New Roman"/>
+                <a:ea typeface="Times New Roman"/>
+                <a:cs typeface="Times New Roman"/>
+                <a:sym typeface="Times New Roman"/>
+              </a:rPr>
+              <a:t> functions</a:t>
+            </a:r>
+          </a:p>
+          <a:p>
+            <a:pPr marL="876300" lvl="1" indent="-342900">
+              <a:spcBef>
+                <a:spcPts val="0"/>
+              </a:spcBef>
+              <a:buSzPts val="2400"/>
+            </a:pPr>
+            <a:r>
+              <a:rPr lang="en-US" sz="2000" dirty="0">
+                <a:latin typeface="Times New Roman"/>
+                <a:ea typeface="Times New Roman"/>
+                <a:cs typeface="Times New Roman"/>
+                <a:sym typeface="Times New Roman"/>
+              </a:rPr>
+              <a:t>Can be disabled if kernel is configured properly</a:t>
+            </a:r>
+          </a:p>
+        </p:txBody>
+      </p:sp>
+      <p:pic>
+        <p:nvPicPr>
+          <p:cNvPr id="3" name="Picture 2">
+            <a:extLst>
+              <a:ext uri="{FF2B5EF4-FFF2-40B4-BE49-F238E27FC236}">
+                <a16:creationId xmlns:a16="http://schemas.microsoft.com/office/drawing/2014/main" id="{CC9887C4-ECA5-CB4C-99B8-38F3A407E8B4}"/>
+              </a:ext>
+            </a:extLst>
+          </p:cNvPr>
+          <p:cNvPicPr>
+            <a:picLocks noChangeAspect="1"/>
+          </p:cNvPicPr>
+          <p:nvPr/>
+        </p:nvPicPr>
+        <p:blipFill>
+          <a:blip r:embed="rId3"/>
+          <a:stretch>
+            <a:fillRect/>
+          </a:stretch>
+        </p:blipFill>
+        <p:spPr>
+          <a:xfrm>
+            <a:off x="2470968" y="2410108"/>
+            <a:ext cx="4577092" cy="2733392"/>
+          </a:xfrm>
+          <a:prstGeom prst="rect">
+            <a:avLst/>
+          </a:prstGeom>
+        </p:spPr>
+      </p:pic>
+    </p:spTree>
+    <p:extLst>
+      <p:ext uri="{BB962C8B-B14F-4D97-AF65-F5344CB8AC3E}">
+        <p14:creationId xmlns:p14="http://schemas.microsoft.com/office/powerpoint/2010/main" val="1873640707"/>
+      </p:ext>
+    </p:extLst>
+  </p:cSld>
+  <p:clrMapOvr>
+    <a:masterClrMapping/>
+  </p:clrMapOvr>
+</p:sld>
+</file>
+
+<file path=ppt/slides/slide23.xml><?xml version="1.0" encoding="utf-8"?>
+<p:sld xmlns:a="http://schemas.openxmlformats.org/drawingml/2006/main" xmlns:r="http://schemas.openxmlformats.org/officeDocument/2006/relationships" xmlns:p="http://schemas.openxmlformats.org/presentationml/2006/main">
+  <p:cSld>
+    <p:spTree>
+      <p:nvGrpSpPr>
+        <p:cNvPr id="1" name="Shape 110"/>
+        <p:cNvGrpSpPr/>
+        <p:nvPr/>
+      </p:nvGrpSpPr>
+      <p:grpSpPr>
+        <a:xfrm>
+          <a:off x="0" y="0"/>
+          <a:ext cx="0" cy="0"/>
+          <a:chOff x="0" y="0"/>
+          <a:chExt cx="0" cy="0"/>
+        </a:xfrm>
+      </p:grpSpPr>
+      <p:sp>
+        <p:nvSpPr>
+          <p:cNvPr id="111" name="Shape 111"/>
+          <p:cNvSpPr txBox="1">
+            <a:spLocks noGrp="1"/>
+          </p:cNvSpPr>
+          <p:nvPr>
+            <p:ph type="title"/>
+          </p:nvPr>
+        </p:nvSpPr>
+        <p:spPr>
+          <a:xfrm>
+            <a:off x="457200" y="628650"/>
+            <a:ext cx="8229600" cy="537000"/>
+          </a:xfrm>
+          <a:prstGeom prst="rect">
+            <a:avLst/>
+          </a:prstGeom>
+          <a:noFill/>
+          <a:ln>
+            <a:noFill/>
+          </a:ln>
+        </p:spPr>
+        <p:txBody>
+          <a:bodyPr spcFirstLastPara="1" wrap="square" lIns="91425" tIns="45700" rIns="91425" bIns="45700" anchor="ctr" anchorCtr="0">
+            <a:noAutofit/>
+          </a:bodyPr>
+          <a:lstStyle/>
+          <a:p>
+            <a:pPr lvl="0">
+              <a:buSzPts val="3600"/>
+            </a:pPr>
+            <a:r>
+              <a:rPr lang="en-US" sz="3000" dirty="0"/>
+              <a:t>Xen Network Design Changes</a:t>
+            </a:r>
+            <a:endParaRPr sz="3000" b="0" i="0" u="none" strike="noStrike" cap="none" dirty="0">
+              <a:solidFill>
+                <a:srgbClr val="09347A"/>
+              </a:solidFill>
+              <a:latin typeface="Verdana"/>
+              <a:ea typeface="Verdana"/>
+              <a:cs typeface="Verdana"/>
+              <a:sym typeface="Verdana"/>
+            </a:endParaRPr>
+          </a:p>
+        </p:txBody>
+      </p:sp>
+      <p:sp>
+        <p:nvSpPr>
+          <p:cNvPr id="112" name="Shape 112"/>
+          <p:cNvSpPr txBox="1">
+            <a:spLocks noGrp="1"/>
+          </p:cNvSpPr>
+          <p:nvPr>
+            <p:ph type="body" idx="1"/>
+          </p:nvPr>
+        </p:nvSpPr>
+        <p:spPr>
+          <a:xfrm>
+            <a:off x="457200" y="1200151"/>
+            <a:ext cx="8229600" cy="3394500"/>
+          </a:xfrm>
+          <a:prstGeom prst="rect">
+            <a:avLst/>
+          </a:prstGeom>
+          <a:noFill/>
+          <a:ln>
+            <a:noFill/>
+          </a:ln>
+        </p:spPr>
+        <p:txBody>
+          <a:bodyPr spcFirstLastPara="1" wrap="square" lIns="91425" tIns="45700" rIns="91425" bIns="45700" anchor="t" anchorCtr="0">
+            <a:noAutofit/>
+          </a:bodyPr>
+          <a:lstStyle/>
+          <a:p>
+            <a:pPr marL="533400" lvl="1" indent="0">
+              <a:spcBef>
+                <a:spcPts val="0"/>
+              </a:spcBef>
+              <a:buSzPts val="2400"/>
+              <a:buNone/>
+            </a:pPr>
+            <a:endParaRPr lang="en-US" sz="2000" dirty="0">
+              <a:latin typeface="Times New Roman"/>
+              <a:ea typeface="Times New Roman"/>
+              <a:cs typeface="Times New Roman"/>
+              <a:sym typeface="Times New Roman"/>
+            </a:endParaRPr>
+          </a:p>
+          <a:p>
+            <a:pPr marL="419100" indent="-342900">
+              <a:spcBef>
+                <a:spcPts val="0"/>
+              </a:spcBef>
+              <a:buSzPts val="2400"/>
+            </a:pPr>
+            <a:r>
+              <a:rPr lang="en-US" sz="2400" dirty="0">
+                <a:latin typeface="Times New Roman"/>
+                <a:ea typeface="Times New Roman"/>
+                <a:cs typeface="Times New Roman"/>
+                <a:sym typeface="Times New Roman"/>
+              </a:rPr>
+              <a:t>Architecture-independent optimizations</a:t>
+            </a:r>
+          </a:p>
+          <a:p>
+            <a:pPr marL="990600" lvl="1" indent="-457200">
+              <a:spcBef>
+                <a:spcPts val="0"/>
+              </a:spcBef>
+              <a:buSzPts val="2400"/>
+              <a:buFont typeface="+mj-lt"/>
+              <a:buAutoNum type="arabicPeriod"/>
+            </a:pPr>
+            <a:r>
+              <a:rPr lang="en-US" sz="2000" dirty="0">
+                <a:latin typeface="Times New Roman"/>
+                <a:ea typeface="Times New Roman"/>
+                <a:cs typeface="Times New Roman"/>
+                <a:sym typeface="Times New Roman"/>
+              </a:rPr>
+              <a:t>Disable </a:t>
+            </a:r>
+            <a:r>
+              <a:rPr lang="en-US" sz="2000" dirty="0" err="1">
+                <a:latin typeface="Times New Roman"/>
+                <a:ea typeface="Times New Roman"/>
+                <a:cs typeface="Times New Roman"/>
+                <a:sym typeface="Times New Roman"/>
+              </a:rPr>
+              <a:t>netfilter</a:t>
+            </a:r>
+            <a:r>
+              <a:rPr lang="en-US" sz="2000" dirty="0">
+                <a:latin typeface="Times New Roman"/>
+                <a:ea typeface="Times New Roman"/>
+                <a:cs typeface="Times New Roman"/>
+                <a:sym typeface="Times New Roman"/>
+              </a:rPr>
+              <a:t> bridge</a:t>
+            </a:r>
+          </a:p>
+          <a:p>
+            <a:pPr marL="990600" lvl="1" indent="-457200">
+              <a:spcBef>
+                <a:spcPts val="0"/>
+              </a:spcBef>
+              <a:buSzPts val="2400"/>
+              <a:buFont typeface="+mj-lt"/>
+              <a:buAutoNum type="arabicPeriod"/>
+            </a:pPr>
+            <a:r>
+              <a:rPr lang="en-US" sz="2000" dirty="0">
+                <a:latin typeface="Times New Roman"/>
+                <a:ea typeface="Times New Roman"/>
+                <a:cs typeface="Times New Roman"/>
+                <a:sym typeface="Times New Roman"/>
+              </a:rPr>
+              <a:t>Aligned data copies</a:t>
+            </a:r>
+          </a:p>
+          <a:p>
+            <a:pPr marL="990600" lvl="1" indent="-457200">
+              <a:spcBef>
+                <a:spcPts val="0"/>
+              </a:spcBef>
+              <a:buSzPts val="2400"/>
+              <a:buFont typeface="+mj-lt"/>
+              <a:buAutoNum type="arabicPeriod"/>
+            </a:pPr>
+            <a:r>
+              <a:rPr lang="en-US" sz="2000" dirty="0">
+                <a:latin typeface="Times New Roman"/>
+                <a:ea typeface="Times New Roman"/>
+                <a:cs typeface="Times New Roman"/>
+                <a:sym typeface="Times New Roman"/>
+              </a:rPr>
+              <a:t>Avoiding socket buffer fragments</a:t>
+            </a:r>
+          </a:p>
+          <a:p>
+            <a:pPr marL="990600" lvl="1" indent="-457200">
+              <a:spcBef>
+                <a:spcPts val="0"/>
+              </a:spcBef>
+              <a:buSzPts val="2400"/>
+              <a:buFont typeface="+mj-lt"/>
+              <a:buAutoNum type="arabicPeriod"/>
+            </a:pPr>
+            <a:r>
+              <a:rPr lang="en-US" sz="2000" dirty="0">
+                <a:latin typeface="Times New Roman"/>
+                <a:ea typeface="Times New Roman"/>
+                <a:cs typeface="Times New Roman"/>
+                <a:sym typeface="Times New Roman"/>
+              </a:rPr>
+              <a:t>Page grant optimizations</a:t>
+            </a:r>
+          </a:p>
+          <a:p>
+            <a:pPr marL="533400" lvl="1" indent="0">
+              <a:spcBef>
+                <a:spcPts val="0"/>
+              </a:spcBef>
+              <a:buSzPts val="2400"/>
+              <a:buNone/>
+            </a:pPr>
+            <a:endParaRPr lang="en-US" sz="2000" dirty="0">
+              <a:latin typeface="Times New Roman"/>
+              <a:ea typeface="Times New Roman"/>
+              <a:cs typeface="Times New Roman"/>
+              <a:sym typeface="Times New Roman"/>
+            </a:endParaRPr>
+          </a:p>
+        </p:txBody>
+      </p:sp>
+    </p:spTree>
+    <p:extLst>
+      <p:ext uri="{BB962C8B-B14F-4D97-AF65-F5344CB8AC3E}">
+        <p14:creationId xmlns:p14="http://schemas.microsoft.com/office/powerpoint/2010/main" val="2568120495"/>
+      </p:ext>
+    </p:extLst>
+  </p:cSld>
+  <p:clrMapOvr>
+    <a:masterClrMapping/>
+  </p:clrMapOvr>
+</p:sld>
+</file>
+
+<file path=ppt/slides/slide24.xml><?xml version="1.0" encoding="utf-8"?>
+<p:sld xmlns:a="http://schemas.openxmlformats.org/drawingml/2006/main" xmlns:r="http://schemas.openxmlformats.org/officeDocument/2006/relationships" xmlns:p="http://schemas.openxmlformats.org/presentationml/2006/main">
+  <p:cSld>
+    <p:spTree>
+      <p:nvGrpSpPr>
+        <p:cNvPr id="1" name="Shape 110"/>
+        <p:cNvGrpSpPr/>
+        <p:nvPr/>
+      </p:nvGrpSpPr>
+      <p:grpSpPr>
+        <a:xfrm>
+          <a:off x="0" y="0"/>
+          <a:ext cx="0" cy="0"/>
+          <a:chOff x="0" y="0"/>
+          <a:chExt cx="0" cy="0"/>
+        </a:xfrm>
+      </p:grpSpPr>
+      <p:sp>
+        <p:nvSpPr>
+          <p:cNvPr id="111" name="Shape 111"/>
+          <p:cNvSpPr txBox="1">
+            <a:spLocks noGrp="1"/>
+          </p:cNvSpPr>
+          <p:nvPr>
+            <p:ph type="title"/>
+          </p:nvPr>
+        </p:nvSpPr>
+        <p:spPr>
+          <a:xfrm>
+            <a:off x="457200" y="628650"/>
+            <a:ext cx="8229600" cy="537000"/>
+          </a:xfrm>
+          <a:prstGeom prst="rect">
+            <a:avLst/>
+          </a:prstGeom>
+          <a:noFill/>
+          <a:ln>
+            <a:noFill/>
+          </a:ln>
+        </p:spPr>
+        <p:txBody>
+          <a:bodyPr spcFirstLastPara="1" wrap="square" lIns="91425" tIns="45700" rIns="91425" bIns="45700" anchor="ctr" anchorCtr="0">
+            <a:noAutofit/>
+          </a:bodyPr>
+          <a:lstStyle/>
+          <a:p>
+            <a:pPr lvl="0">
+              <a:buSzPts val="3600"/>
+            </a:pPr>
+            <a:r>
+              <a:rPr lang="en-US" sz="3000" dirty="0"/>
+              <a:t>Xen Network Design Changes</a:t>
+            </a:r>
+            <a:endParaRPr sz="3000" b="0" i="0" u="none" strike="noStrike" cap="none" dirty="0">
+              <a:solidFill>
+                <a:srgbClr val="09347A"/>
+              </a:solidFill>
+              <a:latin typeface="Verdana"/>
+              <a:ea typeface="Verdana"/>
+              <a:cs typeface="Verdana"/>
+              <a:sym typeface="Verdana"/>
+            </a:endParaRPr>
+          </a:p>
+        </p:txBody>
+      </p:sp>
+      <p:sp>
+        <p:nvSpPr>
+          <p:cNvPr id="112" name="Shape 112"/>
+          <p:cNvSpPr txBox="1">
+            <a:spLocks noGrp="1"/>
+          </p:cNvSpPr>
+          <p:nvPr>
+            <p:ph type="body" idx="1"/>
+          </p:nvPr>
+        </p:nvSpPr>
+        <p:spPr>
+          <a:xfrm>
+            <a:off x="457200" y="1200151"/>
+            <a:ext cx="8229600" cy="3394500"/>
+          </a:xfrm>
+          <a:prstGeom prst="rect">
+            <a:avLst/>
+          </a:prstGeom>
+          <a:noFill/>
+          <a:ln>
+            <a:noFill/>
+          </a:ln>
+        </p:spPr>
+        <p:txBody>
+          <a:bodyPr spcFirstLastPara="1" wrap="square" lIns="91425" tIns="45700" rIns="91425" bIns="45700" anchor="t" anchorCtr="0">
+            <a:noAutofit/>
+          </a:bodyPr>
+          <a:lstStyle/>
+          <a:p>
+            <a:pPr marL="419100" indent="-342900">
+              <a:spcBef>
+                <a:spcPts val="0"/>
+              </a:spcBef>
+              <a:buSzPts val="2400"/>
+            </a:pPr>
+            <a:r>
+              <a:rPr lang="en-US" sz="2400" dirty="0">
+                <a:latin typeface="Times New Roman"/>
+                <a:ea typeface="Times New Roman"/>
+                <a:cs typeface="Times New Roman"/>
+                <a:sym typeface="Times New Roman"/>
+              </a:rPr>
+              <a:t>Data copying moved to guest</a:t>
+            </a:r>
+          </a:p>
+          <a:p>
+            <a:pPr marL="876300" lvl="1" indent="-342900">
+              <a:spcBef>
+                <a:spcPts val="0"/>
+              </a:spcBef>
+              <a:buSzPts val="2400"/>
+            </a:pPr>
+            <a:r>
+              <a:rPr lang="en-US" sz="2000" dirty="0">
+                <a:latin typeface="Times New Roman"/>
+                <a:ea typeface="Times New Roman"/>
+                <a:cs typeface="Times New Roman"/>
+                <a:sym typeface="Times New Roman"/>
+              </a:rPr>
+              <a:t>Additional copy between </a:t>
+            </a:r>
+            <a:r>
+              <a:rPr lang="en-US" sz="2000" dirty="0" err="1">
+                <a:latin typeface="Times New Roman"/>
+                <a:ea typeface="Times New Roman"/>
+                <a:cs typeface="Times New Roman"/>
+                <a:sym typeface="Times New Roman"/>
+              </a:rPr>
+              <a:t>DomD</a:t>
+            </a:r>
+            <a:r>
+              <a:rPr lang="en-US" sz="2000" dirty="0">
+                <a:latin typeface="Times New Roman"/>
+                <a:ea typeface="Times New Roman"/>
+                <a:cs typeface="Times New Roman"/>
+                <a:sym typeface="Times New Roman"/>
+              </a:rPr>
+              <a:t> and guest is overhead not required in native Linux</a:t>
+            </a:r>
+          </a:p>
+          <a:p>
+            <a:pPr marL="876300" lvl="1" indent="-342900">
+              <a:spcBef>
+                <a:spcPts val="0"/>
+              </a:spcBef>
+              <a:buSzPts val="2400"/>
+            </a:pPr>
+            <a:r>
+              <a:rPr lang="en-US" sz="2000" dirty="0">
+                <a:latin typeface="Times New Roman"/>
+                <a:ea typeface="Times New Roman"/>
+                <a:cs typeface="Times New Roman"/>
+                <a:sym typeface="Times New Roman"/>
+              </a:rPr>
+              <a:t>The data copy is likely performed by different CPU cores (one for driver domain, one for guest) leading to poor cache locality</a:t>
+            </a:r>
+          </a:p>
+          <a:p>
+            <a:pPr marL="876300" lvl="1" indent="-342900">
+              <a:spcBef>
+                <a:spcPts val="0"/>
+              </a:spcBef>
+              <a:buSzPts val="2400"/>
+            </a:pPr>
+            <a:r>
+              <a:rPr lang="en-US" sz="2000" dirty="0">
+                <a:latin typeface="Times New Roman"/>
+                <a:ea typeface="Times New Roman"/>
+                <a:cs typeface="Times New Roman"/>
+                <a:sym typeface="Times New Roman"/>
+              </a:rPr>
+              <a:t>Ownership of the page in the driver domain containing the packet from the NIC is transferred to the guest</a:t>
+            </a:r>
+          </a:p>
+          <a:p>
+            <a:pPr marL="533400" lvl="1" indent="0">
+              <a:spcBef>
+                <a:spcPts val="0"/>
+              </a:spcBef>
+              <a:buSzPts val="2400"/>
+              <a:buNone/>
+            </a:pPr>
+            <a:endParaRPr lang="en-US" sz="2000" dirty="0">
+              <a:latin typeface="Times New Roman"/>
+              <a:ea typeface="Times New Roman"/>
+              <a:cs typeface="Times New Roman"/>
+              <a:sym typeface="Times New Roman"/>
+            </a:endParaRPr>
+          </a:p>
+        </p:txBody>
+      </p:sp>
+    </p:spTree>
+    <p:extLst>
+      <p:ext uri="{BB962C8B-B14F-4D97-AF65-F5344CB8AC3E}">
+        <p14:creationId xmlns:p14="http://schemas.microsoft.com/office/powerpoint/2010/main" val="1404824072"/>
+      </p:ext>
+    </p:extLst>
+  </p:cSld>
+  <p:clrMapOvr>
+    <a:masterClrMapping/>
+  </p:clrMapOvr>
+</p:sld>
+</file>
+
+<file path=ppt/slides/slide25.xml><?xml version="1.0" encoding="utf-8"?>
+<p:sld xmlns:a="http://schemas.openxmlformats.org/drawingml/2006/main" xmlns:r="http://schemas.openxmlformats.org/officeDocument/2006/relationships" xmlns:p="http://schemas.openxmlformats.org/presentationml/2006/main">
+  <p:cSld>
+    <p:spTree>
+      <p:nvGrpSpPr>
+        <p:cNvPr id="1" name="Shape 110"/>
+        <p:cNvGrpSpPr/>
+        <p:nvPr/>
+      </p:nvGrpSpPr>
+      <p:grpSpPr>
+        <a:xfrm>
+          <a:off x="0" y="0"/>
+          <a:ext cx="0" cy="0"/>
+          <a:chOff x="0" y="0"/>
+          <a:chExt cx="0" cy="0"/>
+        </a:xfrm>
+      </p:grpSpPr>
+      <p:sp>
+        <p:nvSpPr>
+          <p:cNvPr id="111" name="Shape 111"/>
+          <p:cNvSpPr txBox="1">
+            <a:spLocks noGrp="1"/>
+          </p:cNvSpPr>
+          <p:nvPr>
+            <p:ph type="title"/>
+          </p:nvPr>
+        </p:nvSpPr>
+        <p:spPr>
+          <a:xfrm>
+            <a:off x="457200" y="628650"/>
+            <a:ext cx="8229600" cy="537000"/>
+          </a:xfrm>
+          <a:prstGeom prst="rect">
+            <a:avLst/>
+          </a:prstGeom>
+          <a:noFill/>
+          <a:ln>
+            <a:noFill/>
+          </a:ln>
+        </p:spPr>
+        <p:txBody>
+          <a:bodyPr spcFirstLastPara="1" wrap="square" lIns="91425" tIns="45700" rIns="91425" bIns="45700" anchor="ctr" anchorCtr="0">
+            <a:noAutofit/>
+          </a:bodyPr>
+          <a:lstStyle/>
+          <a:p>
+            <a:pPr lvl="0">
+              <a:buSzPts val="3600"/>
+            </a:pPr>
+            <a:r>
+              <a:rPr lang="en-US" sz="3000" dirty="0"/>
+              <a:t>Xen Network Design Changes</a:t>
+            </a:r>
+            <a:endParaRPr sz="3000" b="0" i="0" u="none" strike="noStrike" cap="none" dirty="0">
+              <a:solidFill>
+                <a:srgbClr val="09347A"/>
+              </a:solidFill>
+              <a:latin typeface="Verdana"/>
+              <a:ea typeface="Verdana"/>
+              <a:cs typeface="Verdana"/>
+              <a:sym typeface="Verdana"/>
+            </a:endParaRPr>
+          </a:p>
+        </p:txBody>
+      </p:sp>
+      <p:sp>
+        <p:nvSpPr>
+          <p:cNvPr id="112" name="Shape 112"/>
+          <p:cNvSpPr txBox="1">
+            <a:spLocks noGrp="1"/>
+          </p:cNvSpPr>
+          <p:nvPr>
+            <p:ph type="body" idx="1"/>
+          </p:nvPr>
+        </p:nvSpPr>
+        <p:spPr>
+          <a:xfrm>
+            <a:off x="457200" y="1200151"/>
+            <a:ext cx="8229600" cy="3394500"/>
+          </a:xfrm>
+          <a:prstGeom prst="rect">
+            <a:avLst/>
+          </a:prstGeom>
+          <a:noFill/>
+          <a:ln>
+            <a:noFill/>
+          </a:ln>
+        </p:spPr>
+        <p:txBody>
+          <a:bodyPr spcFirstLastPara="1" wrap="square" lIns="91425" tIns="45700" rIns="91425" bIns="45700" anchor="t" anchorCtr="0">
+            <a:noAutofit/>
+          </a:bodyPr>
+          <a:lstStyle/>
+          <a:p>
+            <a:pPr marL="419100" indent="-342900">
+              <a:spcBef>
+                <a:spcPts val="0"/>
+              </a:spcBef>
+              <a:buSzPts val="2400"/>
+            </a:pPr>
+            <a:r>
+              <a:rPr lang="en-US" sz="2400" dirty="0">
+                <a:latin typeface="Times New Roman"/>
+                <a:ea typeface="Times New Roman"/>
+                <a:cs typeface="Times New Roman"/>
+                <a:sym typeface="Times New Roman"/>
+              </a:rPr>
+              <a:t>Data copying moved to guest</a:t>
+            </a:r>
+          </a:p>
+          <a:p>
+            <a:pPr marL="876300" lvl="1" indent="-342900">
+              <a:spcBef>
+                <a:spcPts val="0"/>
+              </a:spcBef>
+              <a:buSzPts val="2400"/>
+            </a:pPr>
+            <a:r>
+              <a:rPr lang="en-US" sz="2000" dirty="0">
+                <a:latin typeface="Times New Roman"/>
+                <a:ea typeface="Times New Roman"/>
+                <a:cs typeface="Times New Roman"/>
+                <a:sym typeface="Times New Roman"/>
+              </a:rPr>
+              <a:t>Grant copy operation is performed on the guest just like the second data copy so the page is likely to exist in L2 cache</a:t>
+            </a:r>
+          </a:p>
+          <a:p>
+            <a:pPr marL="876300" lvl="1" indent="-342900">
+              <a:spcBef>
+                <a:spcPts val="0"/>
+              </a:spcBef>
+              <a:buSzPts val="2400"/>
+            </a:pPr>
+            <a:r>
+              <a:rPr lang="en-US" sz="2000" dirty="0">
+                <a:latin typeface="Times New Roman"/>
+                <a:ea typeface="Times New Roman"/>
+                <a:cs typeface="Times New Roman"/>
+                <a:sym typeface="Times New Roman"/>
+              </a:rPr>
+              <a:t>Avoids polluting </a:t>
+            </a:r>
+            <a:r>
+              <a:rPr lang="en-US" sz="2000" dirty="0" err="1">
+                <a:latin typeface="Times New Roman"/>
+                <a:ea typeface="Times New Roman"/>
+                <a:cs typeface="Times New Roman"/>
+                <a:sym typeface="Times New Roman"/>
+              </a:rPr>
+              <a:t>DomD</a:t>
+            </a:r>
+            <a:r>
+              <a:rPr lang="en-US" sz="2000" dirty="0">
+                <a:latin typeface="Times New Roman"/>
+                <a:ea typeface="Times New Roman"/>
+                <a:cs typeface="Times New Roman"/>
+                <a:sym typeface="Times New Roman"/>
+              </a:rPr>
+              <a:t> CPU cache</a:t>
+            </a:r>
+          </a:p>
+          <a:p>
+            <a:pPr marL="876300" lvl="1" indent="-342900">
+              <a:spcBef>
+                <a:spcPts val="0"/>
+              </a:spcBef>
+              <a:buSzPts val="2400"/>
+            </a:pPr>
+            <a:r>
+              <a:rPr lang="en-US" sz="2000" dirty="0">
+                <a:latin typeface="Times New Roman"/>
+                <a:ea typeface="Times New Roman"/>
+                <a:cs typeface="Times New Roman"/>
+                <a:sym typeface="Times New Roman"/>
+              </a:rPr>
+              <a:t>Improved scalability for multiple guests (avoids </a:t>
+            </a:r>
+            <a:r>
+              <a:rPr lang="en-US" sz="2000" dirty="0" err="1">
+                <a:latin typeface="Times New Roman"/>
+                <a:ea typeface="Times New Roman"/>
+                <a:cs typeface="Times New Roman"/>
+                <a:sym typeface="Times New Roman"/>
+              </a:rPr>
+              <a:t>DomD</a:t>
+            </a:r>
+            <a:r>
+              <a:rPr lang="en-US" sz="2000" dirty="0">
+                <a:latin typeface="Times New Roman"/>
+                <a:ea typeface="Times New Roman"/>
+                <a:cs typeface="Times New Roman"/>
+                <a:sym typeface="Times New Roman"/>
+              </a:rPr>
+              <a:t> bottleneck)</a:t>
+            </a:r>
+          </a:p>
+          <a:p>
+            <a:pPr marL="876300" lvl="1" indent="-342900">
+              <a:spcBef>
+                <a:spcPts val="0"/>
+              </a:spcBef>
+              <a:buSzPts val="2400"/>
+            </a:pPr>
+            <a:r>
+              <a:rPr lang="en-US" sz="2000" dirty="0">
+                <a:latin typeface="Times New Roman"/>
+                <a:ea typeface="Times New Roman"/>
+                <a:cs typeface="Times New Roman"/>
+                <a:sym typeface="Times New Roman"/>
+              </a:rPr>
+              <a:t>Enables other optimizations (e.g., socket buffer fragment allocation)</a:t>
+            </a:r>
+          </a:p>
+          <a:p>
+            <a:pPr marL="876300" lvl="1" indent="-342900">
+              <a:spcBef>
+                <a:spcPts val="0"/>
+              </a:spcBef>
+              <a:buSzPts val="2400"/>
+            </a:pPr>
+            <a:endParaRPr lang="en-US" sz="2000" dirty="0">
+              <a:latin typeface="Times New Roman"/>
+              <a:ea typeface="Times New Roman"/>
+              <a:cs typeface="Times New Roman"/>
+              <a:sym typeface="Times New Roman"/>
+            </a:endParaRPr>
+          </a:p>
+          <a:p>
+            <a:pPr marL="419100" indent="-342900">
+              <a:spcBef>
+                <a:spcPts val="0"/>
+              </a:spcBef>
+              <a:buSzPts val="2400"/>
+            </a:pPr>
+            <a:r>
+              <a:rPr lang="en-US" sz="2400" dirty="0">
+                <a:latin typeface="Times New Roman"/>
+                <a:ea typeface="Times New Roman"/>
+                <a:cs typeface="Times New Roman"/>
+                <a:sym typeface="Times New Roman"/>
+              </a:rPr>
+              <a:t>Saves ~2250 cycles or 276% of native</a:t>
+            </a:r>
+          </a:p>
+          <a:p>
+            <a:pPr marL="533400" lvl="1" indent="0">
+              <a:spcBef>
+                <a:spcPts val="0"/>
+              </a:spcBef>
+              <a:buSzPts val="2400"/>
+              <a:buNone/>
+            </a:pPr>
+            <a:endParaRPr lang="en-US" sz="2000" dirty="0">
+              <a:latin typeface="Times New Roman"/>
+              <a:ea typeface="Times New Roman"/>
+              <a:cs typeface="Times New Roman"/>
+              <a:sym typeface="Times New Roman"/>
+            </a:endParaRPr>
+          </a:p>
+        </p:txBody>
+      </p:sp>
+    </p:spTree>
+    <p:extLst>
+      <p:ext uri="{BB962C8B-B14F-4D97-AF65-F5344CB8AC3E}">
+        <p14:creationId xmlns:p14="http://schemas.microsoft.com/office/powerpoint/2010/main" val="2036892811"/>
+      </p:ext>
+    </p:extLst>
+  </p:cSld>
+  <p:clrMapOvr>
+    <a:masterClrMapping/>
+  </p:clrMapOvr>
+</p:sld>
+</file>
+
+<file path=ppt/slides/slide26.xml><?xml version="1.0" encoding="utf-8"?>
+<p:sld xmlns:a="http://schemas.openxmlformats.org/drawingml/2006/main" xmlns:r="http://schemas.openxmlformats.org/officeDocument/2006/relationships" xmlns:p="http://schemas.openxmlformats.org/presentationml/2006/main">
+  <p:cSld>
+    <p:spTree>
+      <p:nvGrpSpPr>
+        <p:cNvPr id="1" name="Shape 110"/>
+        <p:cNvGrpSpPr/>
+        <p:nvPr/>
+      </p:nvGrpSpPr>
+      <p:grpSpPr>
+        <a:xfrm>
+          <a:off x="0" y="0"/>
+          <a:ext cx="0" cy="0"/>
+          <a:chOff x="0" y="0"/>
+          <a:chExt cx="0" cy="0"/>
+        </a:xfrm>
+      </p:grpSpPr>
+      <p:sp>
+        <p:nvSpPr>
+          <p:cNvPr id="111" name="Shape 111"/>
+          <p:cNvSpPr txBox="1">
+            <a:spLocks noGrp="1"/>
+          </p:cNvSpPr>
+          <p:nvPr>
+            <p:ph type="title"/>
+          </p:nvPr>
+        </p:nvSpPr>
+        <p:spPr>
+          <a:xfrm>
+            <a:off x="457200" y="628650"/>
+            <a:ext cx="8229600" cy="537000"/>
+          </a:xfrm>
+          <a:prstGeom prst="rect">
+            <a:avLst/>
+          </a:prstGeom>
+          <a:noFill/>
+          <a:ln>
+            <a:noFill/>
+          </a:ln>
+        </p:spPr>
+        <p:txBody>
+          <a:bodyPr spcFirstLastPara="1" wrap="square" lIns="91425" tIns="45700" rIns="91425" bIns="45700" anchor="ctr" anchorCtr="0">
+            <a:noAutofit/>
+          </a:bodyPr>
+          <a:lstStyle/>
+          <a:p>
+            <a:pPr lvl="0">
+              <a:buSzPts val="3600"/>
+            </a:pPr>
+            <a:r>
+              <a:rPr lang="en-US" sz="3000" dirty="0"/>
+              <a:t>Xen Network Design Changes</a:t>
+            </a:r>
+            <a:endParaRPr sz="3000" b="0" i="0" u="none" strike="noStrike" cap="none" dirty="0">
+              <a:solidFill>
+                <a:srgbClr val="09347A"/>
+              </a:solidFill>
+              <a:latin typeface="Verdana"/>
+              <a:ea typeface="Verdana"/>
+              <a:cs typeface="Verdana"/>
+              <a:sym typeface="Verdana"/>
+            </a:endParaRPr>
+          </a:p>
+        </p:txBody>
+      </p:sp>
+      <p:sp>
+        <p:nvSpPr>
+          <p:cNvPr id="112" name="Shape 112"/>
+          <p:cNvSpPr txBox="1">
+            <a:spLocks noGrp="1"/>
+          </p:cNvSpPr>
+          <p:nvPr>
+            <p:ph type="body" idx="1"/>
+          </p:nvPr>
+        </p:nvSpPr>
+        <p:spPr>
+          <a:xfrm>
+            <a:off x="457200" y="1200151"/>
+            <a:ext cx="8229600" cy="3394500"/>
+          </a:xfrm>
+          <a:prstGeom prst="rect">
+            <a:avLst/>
+          </a:prstGeom>
+          <a:noFill/>
+          <a:ln>
+            <a:noFill/>
+          </a:ln>
+        </p:spPr>
+        <p:txBody>
+          <a:bodyPr spcFirstLastPara="1" wrap="square" lIns="91425" tIns="45700" rIns="91425" bIns="45700" anchor="t" anchorCtr="0">
+            <a:noAutofit/>
+          </a:bodyPr>
+          <a:lstStyle/>
+          <a:p>
+            <a:pPr marL="533400" lvl="1" indent="0">
+              <a:spcBef>
+                <a:spcPts val="0"/>
+              </a:spcBef>
+              <a:buSzPts val="2400"/>
+              <a:buNone/>
+            </a:pPr>
+            <a:endParaRPr lang="en-US" sz="2000" dirty="0">
+              <a:latin typeface="Times New Roman"/>
+              <a:ea typeface="Times New Roman"/>
+              <a:cs typeface="Times New Roman"/>
+              <a:sym typeface="Times New Roman"/>
+            </a:endParaRPr>
+          </a:p>
+          <a:p>
+            <a:pPr marL="419100" indent="-342900">
+              <a:spcBef>
+                <a:spcPts val="0"/>
+              </a:spcBef>
+              <a:buSzPts val="2400"/>
+            </a:pPr>
+            <a:r>
+              <a:rPr lang="en-US" sz="2400" dirty="0">
+                <a:latin typeface="Times New Roman"/>
+                <a:ea typeface="Times New Roman"/>
+                <a:cs typeface="Times New Roman"/>
+                <a:sym typeface="Times New Roman"/>
+              </a:rPr>
+              <a:t>Grant mechanism extensions</a:t>
+            </a:r>
+          </a:p>
+          <a:p>
+            <a:pPr marL="876300" lvl="1" indent="-342900">
+              <a:spcBef>
+                <a:spcPts val="0"/>
+              </a:spcBef>
+              <a:buSzPts val="2400"/>
+            </a:pPr>
+            <a:r>
+              <a:rPr lang="en-US" sz="2000" dirty="0" err="1">
+                <a:latin typeface="Times New Roman"/>
+                <a:ea typeface="Times New Roman"/>
+                <a:cs typeface="Times New Roman"/>
+                <a:sym typeface="Times New Roman"/>
+              </a:rPr>
+              <a:t>DomD</a:t>
+            </a:r>
+            <a:r>
+              <a:rPr lang="en-US" sz="2000" dirty="0">
+                <a:latin typeface="Times New Roman"/>
+                <a:ea typeface="Times New Roman"/>
+                <a:cs typeface="Times New Roman"/>
+                <a:sym typeface="Times New Roman"/>
+              </a:rPr>
+              <a:t> issues grant to the guest</a:t>
+            </a:r>
+          </a:p>
+          <a:p>
+            <a:pPr marL="876300" lvl="1" indent="-342900">
+              <a:spcBef>
+                <a:spcPts val="0"/>
+              </a:spcBef>
+              <a:buSzPts val="2400"/>
+            </a:pPr>
+            <a:r>
+              <a:rPr lang="en-US" sz="2000" dirty="0">
+                <a:latin typeface="Times New Roman"/>
+                <a:ea typeface="Times New Roman"/>
+                <a:cs typeface="Times New Roman"/>
+                <a:sym typeface="Times New Roman"/>
+              </a:rPr>
+              <a:t>Packets received from other guests are not owned by driver domain</a:t>
+            </a:r>
+          </a:p>
+          <a:p>
+            <a:pPr marL="876300" lvl="1" indent="-342900">
+              <a:spcBef>
+                <a:spcPts val="0"/>
+              </a:spcBef>
+              <a:buSzPts val="2400"/>
+            </a:pPr>
+            <a:r>
+              <a:rPr lang="en-US" sz="2000" dirty="0">
+                <a:latin typeface="Times New Roman"/>
+                <a:ea typeface="Times New Roman"/>
+                <a:cs typeface="Times New Roman"/>
+                <a:sym typeface="Times New Roman"/>
+              </a:rPr>
+              <a:t>Requires grant transitivity, guest domain can transfer grant to another</a:t>
+            </a:r>
+          </a:p>
+          <a:p>
+            <a:pPr marL="876300" lvl="1" indent="-342900">
+              <a:spcBef>
+                <a:spcPts val="0"/>
+              </a:spcBef>
+              <a:buSzPts val="2400"/>
+            </a:pPr>
+            <a:r>
+              <a:rPr lang="en-US" sz="2000" dirty="0">
+                <a:latin typeface="Times New Roman"/>
+                <a:ea typeface="Times New Roman"/>
+                <a:cs typeface="Times New Roman"/>
+                <a:sym typeface="Times New Roman"/>
+              </a:rPr>
+              <a:t>Same I/O buffer can receive data from different guests =&gt; potential security violation</a:t>
+            </a:r>
+          </a:p>
+          <a:p>
+            <a:pPr marL="876300" lvl="1" indent="-342900">
+              <a:spcBef>
+                <a:spcPts val="0"/>
+              </a:spcBef>
+              <a:buSzPts val="2400"/>
+            </a:pPr>
+            <a:r>
+              <a:rPr lang="en-US" sz="2000" dirty="0">
+                <a:latin typeface="Times New Roman"/>
+                <a:ea typeface="Times New Roman"/>
+                <a:cs typeface="Times New Roman"/>
+                <a:sym typeface="Times New Roman"/>
+              </a:rPr>
+              <a:t>Grants extended with offset and size fields so receiving guest only receives access to memory containing received packet data</a:t>
+            </a:r>
+          </a:p>
+        </p:txBody>
+      </p:sp>
+    </p:spTree>
+    <p:extLst>
+      <p:ext uri="{BB962C8B-B14F-4D97-AF65-F5344CB8AC3E}">
+        <p14:creationId xmlns:p14="http://schemas.microsoft.com/office/powerpoint/2010/main" val="846996893"/>
+      </p:ext>
+    </p:extLst>
+  </p:cSld>
+  <p:clrMapOvr>
+    <a:masterClrMapping/>
+  </p:clrMapOvr>
+</p:sld>
+</file>
+
+<file path=ppt/slides/slide27.xml><?xml version="1.0" encoding="utf-8"?>
+<p:sld xmlns:a="http://schemas.openxmlformats.org/drawingml/2006/main" xmlns:r="http://schemas.openxmlformats.org/officeDocument/2006/relationships" xmlns:p="http://schemas.openxmlformats.org/presentationml/2006/main">
+  <p:cSld>
+    <p:spTree>
+      <p:nvGrpSpPr>
+        <p:cNvPr id="1" name="Shape 110"/>
+        <p:cNvGrpSpPr/>
+        <p:nvPr/>
+      </p:nvGrpSpPr>
+      <p:grpSpPr>
+        <a:xfrm>
+          <a:off x="0" y="0"/>
+          <a:ext cx="0" cy="0"/>
+          <a:chOff x="0" y="0"/>
+          <a:chExt cx="0" cy="0"/>
+        </a:xfrm>
+      </p:grpSpPr>
+      <p:sp>
+        <p:nvSpPr>
+          <p:cNvPr id="111" name="Shape 111"/>
+          <p:cNvSpPr txBox="1">
+            <a:spLocks noGrp="1"/>
+          </p:cNvSpPr>
+          <p:nvPr>
+            <p:ph type="title"/>
+          </p:nvPr>
+        </p:nvSpPr>
+        <p:spPr>
+          <a:xfrm>
+            <a:off x="457200" y="628650"/>
+            <a:ext cx="8229600" cy="537000"/>
+          </a:xfrm>
+          <a:prstGeom prst="rect">
+            <a:avLst/>
+          </a:prstGeom>
+          <a:noFill/>
+          <a:ln>
+            <a:noFill/>
+          </a:ln>
+        </p:spPr>
+        <p:txBody>
+          <a:bodyPr spcFirstLastPara="1" wrap="square" lIns="91425" tIns="45700" rIns="91425" bIns="45700" anchor="ctr" anchorCtr="0">
+            <a:noAutofit/>
+          </a:bodyPr>
+          <a:lstStyle/>
+          <a:p>
+            <a:pPr lvl="0">
+              <a:buSzPts val="3600"/>
+            </a:pPr>
+            <a:r>
+              <a:rPr lang="en-US" sz="3000" dirty="0"/>
+              <a:t>Xen Network Design Changes</a:t>
+            </a:r>
+            <a:endParaRPr sz="3000" b="0" i="0" u="none" strike="noStrike" cap="none" dirty="0">
+              <a:solidFill>
+                <a:srgbClr val="09347A"/>
+              </a:solidFill>
+              <a:latin typeface="Verdana"/>
+              <a:ea typeface="Verdana"/>
+              <a:cs typeface="Verdana"/>
+              <a:sym typeface="Verdana"/>
+            </a:endParaRPr>
+          </a:p>
+        </p:txBody>
+      </p:sp>
+      <p:sp>
+        <p:nvSpPr>
+          <p:cNvPr id="112" name="Shape 112"/>
+          <p:cNvSpPr txBox="1">
+            <a:spLocks noGrp="1"/>
+          </p:cNvSpPr>
+          <p:nvPr>
+            <p:ph type="body" idx="1"/>
+          </p:nvPr>
+        </p:nvSpPr>
+        <p:spPr>
+          <a:xfrm>
+            <a:off x="457200" y="1200151"/>
+            <a:ext cx="8229600" cy="3394500"/>
+          </a:xfrm>
+          <a:prstGeom prst="rect">
+            <a:avLst/>
+          </a:prstGeom>
+          <a:noFill/>
+          <a:ln>
+            <a:noFill/>
+          </a:ln>
+        </p:spPr>
+        <p:txBody>
+          <a:bodyPr spcFirstLastPara="1" wrap="square" lIns="91425" tIns="45700" rIns="91425" bIns="45700" anchor="t" anchorCtr="0">
+            <a:noAutofit/>
+          </a:bodyPr>
+          <a:lstStyle/>
+          <a:p>
             <a:pPr marL="533400" lvl="1" indent="0">
               <a:spcBef>
                 <a:spcPts val="0"/>
@@ -21531,7 +24441,7 @@
 </p:sld>
 </file>
 
-<file path=ppt/slides/slide21.xml><?xml version="1.0" encoding="utf-8"?>
+<file path=ppt/slides/slide28.xml><?xml version="1.0" encoding="utf-8"?>
 <p:sld xmlns:a="http://schemas.openxmlformats.org/drawingml/2006/main" xmlns:r="http://schemas.openxmlformats.org/officeDocument/2006/relationships" xmlns:p="http://schemas.openxmlformats.org/presentationml/2006/main">
   <p:cSld>
     <p:spTree>
@@ -21714,7 +24624,7 @@
 </p:sld>
 </file>
 
-<file path=ppt/slides/slide22.xml><?xml version="1.0" encoding="utf-8"?>
+<file path=ppt/slides/slide29.xml><?xml version="1.0" encoding="utf-8"?>
 <p:sld xmlns:a="http://schemas.openxmlformats.org/drawingml/2006/main" xmlns:r="http://schemas.openxmlformats.org/officeDocument/2006/relationships" xmlns:p="http://schemas.openxmlformats.org/presentationml/2006/main">
   <p:cSld>
     <p:spTree>
@@ -21920,7 +24830,7 @@
 </p:sld>
 </file>
 
-<file path=ppt/slides/slide23.xml><?xml version="1.0" encoding="utf-8"?>
+<file path=ppt/slides/slide3.xml><?xml version="1.0" encoding="utf-8"?>
 <p:sld xmlns:a="http://schemas.openxmlformats.org/drawingml/2006/main" xmlns:r="http://schemas.openxmlformats.org/officeDocument/2006/relationships" xmlns:p="http://schemas.openxmlformats.org/presentationml/2006/main">
   <p:cSld>
     <p:spTree>
@@ -21966,12 +24876,23 @@
           </a:bodyPr>
           <a:lstStyle/>
           <a:p>
-            <a:pPr lvl="0">
+            <a:pPr marL="0" marR="0" lvl="0" indent="0" algn="ctr" rtl="0">
+              <a:spcBef>
+                <a:spcPts val="0"/>
+              </a:spcBef>
+              <a:spcAft>
+                <a:spcPts val="0"/>
+              </a:spcAft>
+              <a:buClr>
+                <a:srgbClr val="09347A"/>
+              </a:buClr>
               <a:buSzPts val="3600"/>
-            </a:pPr>
-            <a:r>
-              <a:rPr lang="en-US" sz="3000" dirty="0"/>
-              <a:t>Xen Network Design Changes</a:t>
+              <a:buFont typeface="Verdana"/>
+              <a:buNone/>
+            </a:pPr>
+            <a:r>
+              <a:rPr lang="en-US" sz="3000" dirty="0" err="1"/>
+              <a:t>Paravirtualization</a:t>
             </a:r>
             <a:endParaRPr sz="3000" b="0" i="0" u="none" strike="noStrike" cap="none" dirty="0">
               <a:solidFill>
@@ -22014,26 +24935,16 @@
           </a:bodyPr>
           <a:lstStyle/>
           <a:p>
-            <a:pPr marL="533400" lvl="1" indent="0">
-              <a:spcBef>
-                <a:spcPts val="0"/>
-              </a:spcBef>
+            <a:pPr marL="457200" marR="0" lvl="0" indent="-381000" algn="l" rtl="0">
+              <a:spcBef>
+                <a:spcPts val="0"/>
+              </a:spcBef>
+              <a:spcAft>
+                <a:spcPts val="0"/>
+              </a:spcAft>
               <a:buSzPts val="2400"/>
-              <a:buNone/>
-            </a:pPr>
-            <a:endParaRPr lang="en-US" sz="2000" dirty="0">
-              <a:latin typeface="Times New Roman"/>
-              <a:ea typeface="Times New Roman"/>
-              <a:cs typeface="Times New Roman"/>
-              <a:sym typeface="Times New Roman"/>
-            </a:endParaRPr>
-          </a:p>
-          <a:p>
-            <a:pPr marL="419100" indent="-342900">
-              <a:spcBef>
-                <a:spcPts val="0"/>
-              </a:spcBef>
-              <a:buSzPts val="2400"/>
+              <a:buFont typeface="Times New Roman"/>
+              <a:buChar char="•"/>
             </a:pPr>
             <a:r>
               <a:rPr lang="en-US" sz="2400" dirty="0">
@@ -22042,15 +24953,35 @@
                 <a:cs typeface="Times New Roman"/>
                 <a:sym typeface="Times New Roman"/>
               </a:rPr>
-              <a:t>Multi-queue summary</a:t>
-            </a:r>
-          </a:p>
-          <a:p>
-            <a:pPr marL="990600" lvl="1" indent="-457200">
+              <a:t>Guest executes a </a:t>
+            </a:r>
+            <a:r>
+              <a:rPr lang="en-US" sz="2400" dirty="0" err="1">
+                <a:latin typeface="Times New Roman"/>
+                <a:ea typeface="Times New Roman"/>
+                <a:cs typeface="Times New Roman"/>
+                <a:sym typeface="Times New Roman"/>
+              </a:rPr>
+              <a:t>paravirtualized</a:t>
+            </a:r>
+            <a:r>
+              <a:rPr lang="en-US" sz="2400" dirty="0">
+                <a:latin typeface="Times New Roman"/>
+                <a:ea typeface="Times New Roman"/>
+                <a:cs typeface="Times New Roman"/>
+                <a:sym typeface="Times New Roman"/>
+              </a:rPr>
+              <a:t> (PV) driver</a:t>
+            </a:r>
+          </a:p>
+          <a:p>
+            <a:pPr lvl="1" indent="-381000">
               <a:spcBef>
                 <a:spcPts val="0"/>
               </a:spcBef>
               <a:buSzPts val="2400"/>
+              <a:buFont typeface="Wingdings" pitchFamily="2" charset="2"/>
+              <a:buChar char="§"/>
             </a:pPr>
             <a:r>
               <a:rPr lang="en-US" sz="2000" dirty="0">
@@ -22059,15 +24990,97 @@
                 <a:cs typeface="Times New Roman"/>
                 <a:sym typeface="Times New Roman"/>
               </a:rPr>
-              <a:t>Device to guest data transfer reduces cost by 700 cycles</a:t>
-            </a:r>
-          </a:p>
-          <a:p>
-            <a:pPr marL="990600" lvl="1" indent="-457200">
-              <a:spcBef>
-                <a:spcPts val="0"/>
-              </a:spcBef>
+              <a:t>Simplified abstract device model</a:t>
+            </a:r>
+          </a:p>
+          <a:p>
+            <a:pPr marL="76200" marR="0" lvl="0" indent="0" algn="l" rtl="0">
+              <a:spcBef>
+                <a:spcPts val="0"/>
+              </a:spcBef>
+              <a:spcAft>
+                <a:spcPts val="0"/>
+              </a:spcAft>
               <a:buSzPts val="2400"/>
+              <a:buNone/>
+            </a:pPr>
+            <a:endParaRPr sz="2400" dirty="0">
+              <a:latin typeface="Times New Roman"/>
+              <a:ea typeface="Times New Roman"/>
+              <a:cs typeface="Times New Roman"/>
+              <a:sym typeface="Times New Roman"/>
+            </a:endParaRPr>
+          </a:p>
+          <a:p>
+            <a:pPr marL="457200" marR="0" lvl="0" indent="-381000" algn="l" rtl="0">
+              <a:spcBef>
+                <a:spcPts val="0"/>
+              </a:spcBef>
+              <a:spcAft>
+                <a:spcPts val="0"/>
+              </a:spcAft>
+              <a:buSzPts val="2400"/>
+              <a:buFont typeface="Times New Roman"/>
+              <a:buChar char="•"/>
+            </a:pPr>
+            <a:r>
+              <a:rPr lang="en-US" sz="2400" dirty="0">
+                <a:latin typeface="Times New Roman"/>
+                <a:ea typeface="Times New Roman"/>
+                <a:cs typeface="Times New Roman"/>
+                <a:sym typeface="Times New Roman"/>
+              </a:rPr>
+              <a:t>Actual driver resides in the hypervisor or driver domain</a:t>
+            </a:r>
+          </a:p>
+          <a:p>
+            <a:pPr marL="76200" marR="0" lvl="0" indent="0" algn="l" rtl="0">
+              <a:spcBef>
+                <a:spcPts val="0"/>
+              </a:spcBef>
+              <a:spcAft>
+                <a:spcPts val="0"/>
+              </a:spcAft>
+              <a:buSzPts val="2400"/>
+              <a:buNone/>
+            </a:pPr>
+            <a:endParaRPr lang="en-US" sz="2400" dirty="0">
+              <a:latin typeface="Times New Roman"/>
+              <a:ea typeface="Times New Roman"/>
+              <a:cs typeface="Times New Roman"/>
+              <a:sym typeface="Times New Roman"/>
+            </a:endParaRPr>
+          </a:p>
+          <a:p>
+            <a:pPr marL="457200" marR="0" lvl="0" indent="-381000" algn="l" rtl="0">
+              <a:spcBef>
+                <a:spcPts val="0"/>
+              </a:spcBef>
+              <a:spcAft>
+                <a:spcPts val="0"/>
+              </a:spcAft>
+              <a:buSzPts val="2400"/>
+              <a:buFont typeface="Times New Roman"/>
+              <a:buChar char="•"/>
+            </a:pPr>
+            <a:r>
+              <a:rPr lang="en-US" sz="2400" dirty="0">
+                <a:latin typeface="Times New Roman"/>
+                <a:ea typeface="Times New Roman"/>
+                <a:cs typeface="Times New Roman"/>
+                <a:sym typeface="Times New Roman"/>
+              </a:rPr>
+              <a:t>Device driver domain</a:t>
+            </a:r>
+          </a:p>
+          <a:p>
+            <a:pPr lvl="1" indent="-381000">
+              <a:spcBef>
+                <a:spcPts val="0"/>
+              </a:spcBef>
+              <a:buSzPts val="2400"/>
+              <a:buFont typeface="Wingdings" pitchFamily="2" charset="2"/>
+              <a:buChar char="§"/>
             </a:pPr>
             <a:r>
               <a:rPr lang="en-US" sz="2000" dirty="0">
@@ -22076,74 +25089,7 @@
                 <a:cs typeface="Times New Roman"/>
                 <a:sym typeface="Times New Roman"/>
               </a:rPr>
-              <a:t>Simplified socket buffer allocation and packet routing by 1150</a:t>
-            </a:r>
-          </a:p>
-          <a:p>
-            <a:pPr marL="990600" lvl="1" indent="-457200">
-              <a:spcBef>
-                <a:spcPts val="0"/>
-              </a:spcBef>
-              <a:buSzPts val="2400"/>
-            </a:pPr>
-            <a:r>
-              <a:rPr lang="en-US" sz="2000" dirty="0">
-                <a:latin typeface="Times New Roman"/>
-                <a:ea typeface="Times New Roman"/>
-                <a:cs typeface="Times New Roman"/>
-                <a:sym typeface="Times New Roman"/>
-              </a:rPr>
-              <a:t>Grant mapping requires two grant copies (map and </a:t>
-            </a:r>
-            <a:r>
-              <a:rPr lang="en-US" sz="2000" dirty="0" err="1">
-                <a:latin typeface="Times New Roman"/>
-                <a:ea typeface="Times New Roman"/>
-                <a:cs typeface="Times New Roman"/>
-                <a:sym typeface="Times New Roman"/>
-              </a:rPr>
-              <a:t>unmap</a:t>
-            </a:r>
-            <a:r>
-              <a:rPr lang="en-US" sz="2000" dirty="0">
-                <a:latin typeface="Times New Roman"/>
-                <a:ea typeface="Times New Roman"/>
-                <a:cs typeface="Times New Roman"/>
-                <a:sym typeface="Times New Roman"/>
-              </a:rPr>
-              <a:t>) increasing cost by 650 cycles</a:t>
-            </a:r>
-          </a:p>
-          <a:p>
-            <a:pPr marL="533400" lvl="1" indent="0">
-              <a:spcBef>
-                <a:spcPts val="0"/>
-              </a:spcBef>
-              <a:buSzPts val="2400"/>
-              <a:buNone/>
-            </a:pPr>
-            <a:endParaRPr lang="en-US" sz="2000" dirty="0">
-              <a:latin typeface="Times New Roman"/>
-              <a:ea typeface="Times New Roman"/>
-              <a:cs typeface="Times New Roman"/>
-              <a:sym typeface="Times New Roman"/>
-            </a:endParaRPr>
-          </a:p>
-          <a:p>
-            <a:pPr marL="533400" indent="-457200">
-              <a:spcBef>
-                <a:spcPts val="0"/>
-              </a:spcBef>
-              <a:buSzPts val="2400"/>
-            </a:pPr>
-            <a:r>
-              <a:rPr lang="en-US" sz="2400" dirty="0">
-                <a:latin typeface="Times New Roman"/>
-                <a:ea typeface="Times New Roman"/>
-                <a:cs typeface="Times New Roman"/>
-                <a:sym typeface="Times New Roman"/>
-              </a:rPr>
-              <a:t>Net reduction: 1200 cycles or 246% of native</a:t>
+              <a:t>Privileged access to the I/O hardware</a:t>
             </a:r>
           </a:p>
         </p:txBody>
@@ -22151,7 +25097,7 @@
     </p:spTree>
     <p:extLst>
       <p:ext uri="{BB962C8B-B14F-4D97-AF65-F5344CB8AC3E}">
-        <p14:creationId xmlns:p14="http://schemas.microsoft.com/office/powerpoint/2010/main" val="4097825951"/>
+        <p14:creationId xmlns:p14="http://schemas.microsoft.com/office/powerpoint/2010/main" val="1973450442"/>
       </p:ext>
     </p:extLst>
   </p:cSld>
@@ -22161,7 +25107,7 @@
 </p:sld>
 </file>
 
-<file path=ppt/slides/slide24.xml><?xml version="1.0" encoding="utf-8"?>
+<file path=ppt/slides/slide30.xml><?xml version="1.0" encoding="utf-8"?>
 <p:sld xmlns:a="http://schemas.openxmlformats.org/drawingml/2006/main" xmlns:r="http://schemas.openxmlformats.org/officeDocument/2006/relationships" xmlns:p="http://schemas.openxmlformats.org/presentationml/2006/main">
   <p:cSld>
     <p:spTree>
@@ -22283,6 +25229,247 @@
                 <a:cs typeface="Times New Roman"/>
                 <a:sym typeface="Times New Roman"/>
               </a:rPr>
+              <a:t>Multi-queue summary</a:t>
+            </a:r>
+          </a:p>
+          <a:p>
+            <a:pPr marL="990600" lvl="1" indent="-457200">
+              <a:spcBef>
+                <a:spcPts val="0"/>
+              </a:spcBef>
+              <a:buSzPts val="2400"/>
+            </a:pPr>
+            <a:r>
+              <a:rPr lang="en-US" sz="2000" dirty="0">
+                <a:latin typeface="Times New Roman"/>
+                <a:ea typeface="Times New Roman"/>
+                <a:cs typeface="Times New Roman"/>
+                <a:sym typeface="Times New Roman"/>
+              </a:rPr>
+              <a:t>Device to guest data transfer reduces cost by 700 cycles</a:t>
+            </a:r>
+          </a:p>
+          <a:p>
+            <a:pPr marL="990600" lvl="1" indent="-457200">
+              <a:spcBef>
+                <a:spcPts val="0"/>
+              </a:spcBef>
+              <a:buSzPts val="2400"/>
+            </a:pPr>
+            <a:r>
+              <a:rPr lang="en-US" sz="2000" dirty="0">
+                <a:latin typeface="Times New Roman"/>
+                <a:ea typeface="Times New Roman"/>
+                <a:cs typeface="Times New Roman"/>
+                <a:sym typeface="Times New Roman"/>
+              </a:rPr>
+              <a:t>Simplified socket buffer allocation and packet routing by 1150</a:t>
+            </a:r>
+          </a:p>
+          <a:p>
+            <a:pPr marL="990600" lvl="1" indent="-457200">
+              <a:spcBef>
+                <a:spcPts val="0"/>
+              </a:spcBef>
+              <a:buSzPts val="2400"/>
+            </a:pPr>
+            <a:r>
+              <a:rPr lang="en-US" sz="2000" dirty="0">
+                <a:latin typeface="Times New Roman"/>
+                <a:ea typeface="Times New Roman"/>
+                <a:cs typeface="Times New Roman"/>
+                <a:sym typeface="Times New Roman"/>
+              </a:rPr>
+              <a:t>Grant mapping requires two grant copies (map and </a:t>
+            </a:r>
+            <a:r>
+              <a:rPr lang="en-US" sz="2000" dirty="0" err="1">
+                <a:latin typeface="Times New Roman"/>
+                <a:ea typeface="Times New Roman"/>
+                <a:cs typeface="Times New Roman"/>
+                <a:sym typeface="Times New Roman"/>
+              </a:rPr>
+              <a:t>unmap</a:t>
+            </a:r>
+            <a:r>
+              <a:rPr lang="en-US" sz="2000" dirty="0">
+                <a:latin typeface="Times New Roman"/>
+                <a:ea typeface="Times New Roman"/>
+                <a:cs typeface="Times New Roman"/>
+                <a:sym typeface="Times New Roman"/>
+              </a:rPr>
+              <a:t>) increasing cost by 650 cycles</a:t>
+            </a:r>
+          </a:p>
+          <a:p>
+            <a:pPr marL="533400" lvl="1" indent="0">
+              <a:spcBef>
+                <a:spcPts val="0"/>
+              </a:spcBef>
+              <a:buSzPts val="2400"/>
+              <a:buNone/>
+            </a:pPr>
+            <a:endParaRPr lang="en-US" sz="2000" dirty="0">
+              <a:latin typeface="Times New Roman"/>
+              <a:ea typeface="Times New Roman"/>
+              <a:cs typeface="Times New Roman"/>
+              <a:sym typeface="Times New Roman"/>
+            </a:endParaRPr>
+          </a:p>
+          <a:p>
+            <a:pPr marL="533400" indent="-457200">
+              <a:spcBef>
+                <a:spcPts val="0"/>
+              </a:spcBef>
+              <a:buSzPts val="2400"/>
+            </a:pPr>
+            <a:r>
+              <a:rPr lang="en-US" sz="2400" dirty="0">
+                <a:latin typeface="Times New Roman"/>
+                <a:ea typeface="Times New Roman"/>
+                <a:cs typeface="Times New Roman"/>
+                <a:sym typeface="Times New Roman"/>
+              </a:rPr>
+              <a:t>Net reduction: 1200 cycles or 246% of native</a:t>
+            </a:r>
+          </a:p>
+        </p:txBody>
+      </p:sp>
+    </p:spTree>
+    <p:extLst>
+      <p:ext uri="{BB962C8B-B14F-4D97-AF65-F5344CB8AC3E}">
+        <p14:creationId xmlns:p14="http://schemas.microsoft.com/office/powerpoint/2010/main" val="4097825951"/>
+      </p:ext>
+    </p:extLst>
+  </p:cSld>
+  <p:clrMapOvr>
+    <a:masterClrMapping/>
+  </p:clrMapOvr>
+</p:sld>
+</file>
+
+<file path=ppt/slides/slide31.xml><?xml version="1.0" encoding="utf-8"?>
+<p:sld xmlns:a="http://schemas.openxmlformats.org/drawingml/2006/main" xmlns:r="http://schemas.openxmlformats.org/officeDocument/2006/relationships" xmlns:p="http://schemas.openxmlformats.org/presentationml/2006/main">
+  <p:cSld>
+    <p:spTree>
+      <p:nvGrpSpPr>
+        <p:cNvPr id="1" name="Shape 110"/>
+        <p:cNvGrpSpPr/>
+        <p:nvPr/>
+      </p:nvGrpSpPr>
+      <p:grpSpPr>
+        <a:xfrm>
+          <a:off x="0" y="0"/>
+          <a:ext cx="0" cy="0"/>
+          <a:chOff x="0" y="0"/>
+          <a:chExt cx="0" cy="0"/>
+        </a:xfrm>
+      </p:grpSpPr>
+      <p:sp>
+        <p:nvSpPr>
+          <p:cNvPr id="111" name="Shape 111"/>
+          <p:cNvSpPr txBox="1">
+            <a:spLocks noGrp="1"/>
+          </p:cNvSpPr>
+          <p:nvPr>
+            <p:ph type="title"/>
+          </p:nvPr>
+        </p:nvSpPr>
+        <p:spPr>
+          <a:xfrm>
+            <a:off x="457200" y="628650"/>
+            <a:ext cx="8229600" cy="537000"/>
+          </a:xfrm>
+          <a:prstGeom prst="rect">
+            <a:avLst/>
+          </a:prstGeom>
+          <a:noFill/>
+          <a:ln>
+            <a:noFill/>
+          </a:ln>
+        </p:spPr>
+        <p:txBody>
+          <a:bodyPr spcFirstLastPara="1" wrap="square" lIns="91425" tIns="45700" rIns="91425" bIns="45700" anchor="ctr" anchorCtr="0">
+            <a:noAutofit/>
+          </a:bodyPr>
+          <a:lstStyle/>
+          <a:p>
+            <a:pPr lvl="0">
+              <a:buSzPts val="3600"/>
+            </a:pPr>
+            <a:r>
+              <a:rPr lang="en-US" sz="3000" dirty="0"/>
+              <a:t>Xen Network Design Changes</a:t>
+            </a:r>
+            <a:endParaRPr sz="3000" b="0" i="0" u="none" strike="noStrike" cap="none" dirty="0">
+              <a:solidFill>
+                <a:srgbClr val="09347A"/>
+              </a:solidFill>
+              <a:latin typeface="Verdana"/>
+              <a:ea typeface="Verdana"/>
+              <a:cs typeface="Verdana"/>
+              <a:sym typeface="Verdana"/>
+            </a:endParaRPr>
+          </a:p>
+        </p:txBody>
+      </p:sp>
+      <p:sp>
+        <p:nvSpPr>
+          <p:cNvPr id="112" name="Shape 112"/>
+          <p:cNvSpPr txBox="1">
+            <a:spLocks noGrp="1"/>
+          </p:cNvSpPr>
+          <p:nvPr>
+            <p:ph type="body" idx="1"/>
+          </p:nvPr>
+        </p:nvSpPr>
+        <p:spPr>
+          <a:xfrm>
+            <a:off x="457200" y="1200151"/>
+            <a:ext cx="8229600" cy="3394500"/>
+          </a:xfrm>
+          <a:prstGeom prst="rect">
+            <a:avLst/>
+          </a:prstGeom>
+          <a:noFill/>
+          <a:ln>
+            <a:noFill/>
+          </a:ln>
+        </p:spPr>
+        <p:txBody>
+          <a:bodyPr spcFirstLastPara="1" wrap="square" lIns="91425" tIns="45700" rIns="91425" bIns="45700" anchor="t" anchorCtr="0">
+            <a:noAutofit/>
+          </a:bodyPr>
+          <a:lstStyle/>
+          <a:p>
+            <a:pPr marL="533400" lvl="1" indent="0">
+              <a:spcBef>
+                <a:spcPts val="0"/>
+              </a:spcBef>
+              <a:buSzPts val="2400"/>
+              <a:buNone/>
+            </a:pPr>
+            <a:endParaRPr lang="en-US" sz="2000" dirty="0">
+              <a:latin typeface="Times New Roman"/>
+              <a:ea typeface="Times New Roman"/>
+              <a:cs typeface="Times New Roman"/>
+              <a:sym typeface="Times New Roman"/>
+            </a:endParaRPr>
+          </a:p>
+          <a:p>
+            <a:pPr marL="419100" indent="-342900">
+              <a:spcBef>
+                <a:spcPts val="0"/>
+              </a:spcBef>
+              <a:buSzPts val="2400"/>
+            </a:pPr>
+            <a:r>
+              <a:rPr lang="en-US" sz="2400" dirty="0">
+                <a:latin typeface="Times New Roman"/>
+                <a:ea typeface="Times New Roman"/>
+                <a:cs typeface="Times New Roman"/>
+                <a:sym typeface="Times New Roman"/>
+              </a:rPr>
               <a:t>Caching and reusing page grants</a:t>
             </a:r>
           </a:p>
@@ -22419,7 +25606,7 @@
 </p:sld>
 </file>
 
-<file path=ppt/slides/slide25.xml><?xml version="1.0" encoding="utf-8"?>
+<file path=ppt/slides/slide32.xml><?xml version="1.0" encoding="utf-8"?>
 <p:sld xmlns:a="http://schemas.openxmlformats.org/drawingml/2006/main" xmlns:r="http://schemas.openxmlformats.org/officeDocument/2006/relationships" xmlns:p="http://schemas.openxmlformats.org/presentationml/2006/main">
   <p:cSld>
     <p:spTree>
@@ -22602,7 +25789,7 @@
 </p:sld>
 </file>
 
-<file path=ppt/slides/slide26.xml><?xml version="1.0" encoding="utf-8"?>
+<file path=ppt/slides/slide33.xml><?xml version="1.0" encoding="utf-8"?>
 <p:sld xmlns:a="http://schemas.openxmlformats.org/drawingml/2006/main" xmlns:r="http://schemas.openxmlformats.org/officeDocument/2006/relationships" xmlns:p="http://schemas.openxmlformats.org/presentationml/2006/main">
   <p:cSld>
     <p:spTree>
@@ -22891,7 +26078,7 @@
 </p:sld>
 </file>
 
-<file path=ppt/slides/slide27.xml><?xml version="1.0" encoding="utf-8"?>
+<file path=ppt/slides/slide34.xml><?xml version="1.0" encoding="utf-8"?>
 <p:sld xmlns:a="http://schemas.openxmlformats.org/drawingml/2006/main" xmlns:r="http://schemas.openxmlformats.org/officeDocument/2006/relationships" xmlns:p="http://schemas.openxmlformats.org/presentationml/2006/main">
   <p:cSld>
     <p:spTree>
@@ -23059,7 +26246,7 @@
 </p:sld>
 </file>
 
-<file path=ppt/slides/slide28.xml><?xml version="1.0" encoding="utf-8"?>
+<file path=ppt/slides/slide35.xml><?xml version="1.0" encoding="utf-8"?>
 <p:sld xmlns:a="http://schemas.openxmlformats.org/drawingml/2006/main" xmlns:r="http://schemas.openxmlformats.org/officeDocument/2006/relationships" xmlns:p="http://schemas.openxmlformats.org/presentationml/2006/main">
   <p:cSld>
     <p:spTree>
@@ -23354,7 +26541,7 @@
 </p:sld>
 </file>
 
-<file path=ppt/slides/slide29.xml><?xml version="1.0" encoding="utf-8"?>
+<file path=ppt/slides/slide36.xml><?xml version="1.0" encoding="utf-8"?>
 <p:sld xmlns:a="http://schemas.openxmlformats.org/drawingml/2006/main" xmlns:r="http://schemas.openxmlformats.org/officeDocument/2006/relationships" xmlns:p="http://schemas.openxmlformats.org/presentationml/2006/main">
   <p:cSld>
     <p:spTree>
@@ -23631,7 +26818,7 @@
 </p:sld>
 </file>
 
-<file path=ppt/slides/slide3.xml><?xml version="1.0" encoding="utf-8"?>
+<file path=ppt/slides/slide37.xml><?xml version="1.0" encoding="utf-8"?>
 <p:sld xmlns:a="http://schemas.openxmlformats.org/drawingml/2006/main" xmlns:r="http://schemas.openxmlformats.org/officeDocument/2006/relationships" xmlns:p="http://schemas.openxmlformats.org/presentationml/2006/main">
   <p:cSld>
     <p:spTree>
@@ -23677,23 +26864,12 @@
           </a:bodyPr>
           <a:lstStyle/>
           <a:p>
-            <a:pPr marL="0" marR="0" lvl="0" indent="0" algn="ctr" rtl="0">
-              <a:spcBef>
-                <a:spcPts val="0"/>
-              </a:spcBef>
-              <a:spcAft>
-                <a:spcPts val="0"/>
-              </a:spcAft>
-              <a:buClr>
-                <a:srgbClr val="09347A"/>
-              </a:buClr>
+            <a:pPr lvl="0">
               <a:buSzPts val="3600"/>
-              <a:buFont typeface="Verdana"/>
-              <a:buNone/>
-            </a:pPr>
-            <a:r>
-              <a:rPr lang="en-US" sz="3000" dirty="0" err="1"/>
-              <a:t>Paravirtualization</a:t>
+            </a:pPr>
+            <a:r>
+              <a:rPr lang="en-US" sz="3000" dirty="0"/>
+              <a:t>Tuning I/O Virtualization Configuration</a:t>
             </a:r>
             <a:endParaRPr sz="3000" b="0" i="0" u="none" strike="noStrike" cap="none" dirty="0">
               <a:solidFill>
@@ -23736,272 +26912,6 @@
           </a:bodyPr>
           <a:lstStyle/>
           <a:p>
-            <a:pPr marL="457200" marR="0" lvl="0" indent="-381000" algn="l" rtl="0">
-              <a:spcBef>
-                <a:spcPts val="0"/>
-              </a:spcBef>
-              <a:spcAft>
-                <a:spcPts val="0"/>
-              </a:spcAft>
-              <a:buSzPts val="2400"/>
-              <a:buFont typeface="Times New Roman"/>
-              <a:buChar char="•"/>
-            </a:pPr>
-            <a:r>
-              <a:rPr lang="en-US" sz="2400" dirty="0">
-                <a:latin typeface="Times New Roman"/>
-                <a:ea typeface="Times New Roman"/>
-                <a:cs typeface="Times New Roman"/>
-                <a:sym typeface="Times New Roman"/>
-              </a:rPr>
-              <a:t>Guest executes a </a:t>
-            </a:r>
-            <a:r>
-              <a:rPr lang="en-US" sz="2400" dirty="0" err="1">
-                <a:latin typeface="Times New Roman"/>
-                <a:ea typeface="Times New Roman"/>
-                <a:cs typeface="Times New Roman"/>
-                <a:sym typeface="Times New Roman"/>
-              </a:rPr>
-              <a:t>paravirtualized</a:t>
-            </a:r>
-            <a:r>
-              <a:rPr lang="en-US" sz="2400" dirty="0">
-                <a:latin typeface="Times New Roman"/>
-                <a:ea typeface="Times New Roman"/>
-                <a:cs typeface="Times New Roman"/>
-                <a:sym typeface="Times New Roman"/>
-              </a:rPr>
-              <a:t> (PV) driver</a:t>
-            </a:r>
-          </a:p>
-          <a:p>
-            <a:pPr lvl="1" indent="-381000">
-              <a:spcBef>
-                <a:spcPts val="0"/>
-              </a:spcBef>
-              <a:buSzPts val="2400"/>
-              <a:buFont typeface="Wingdings" pitchFamily="2" charset="2"/>
-              <a:buChar char="§"/>
-            </a:pPr>
-            <a:r>
-              <a:rPr lang="en-US" sz="2000" dirty="0">
-                <a:latin typeface="Times New Roman"/>
-                <a:ea typeface="Times New Roman"/>
-                <a:cs typeface="Times New Roman"/>
-                <a:sym typeface="Times New Roman"/>
-              </a:rPr>
-              <a:t>Simplified abstract device model</a:t>
-            </a:r>
-          </a:p>
-          <a:p>
-            <a:pPr marL="76200" marR="0" lvl="0" indent="0" algn="l" rtl="0">
-              <a:spcBef>
-                <a:spcPts val="0"/>
-              </a:spcBef>
-              <a:spcAft>
-                <a:spcPts val="0"/>
-              </a:spcAft>
-              <a:buSzPts val="2400"/>
-              <a:buNone/>
-            </a:pPr>
-            <a:endParaRPr sz="2400" dirty="0">
-              <a:latin typeface="Times New Roman"/>
-              <a:ea typeface="Times New Roman"/>
-              <a:cs typeface="Times New Roman"/>
-              <a:sym typeface="Times New Roman"/>
-            </a:endParaRPr>
-          </a:p>
-          <a:p>
-            <a:pPr marL="457200" marR="0" lvl="0" indent="-381000" algn="l" rtl="0">
-              <a:spcBef>
-                <a:spcPts val="0"/>
-              </a:spcBef>
-              <a:spcAft>
-                <a:spcPts val="0"/>
-              </a:spcAft>
-              <a:buSzPts val="2400"/>
-              <a:buFont typeface="Times New Roman"/>
-              <a:buChar char="•"/>
-            </a:pPr>
-            <a:r>
-              <a:rPr lang="en-US" sz="2400" dirty="0">
-                <a:latin typeface="Times New Roman"/>
-                <a:ea typeface="Times New Roman"/>
-                <a:cs typeface="Times New Roman"/>
-                <a:sym typeface="Times New Roman"/>
-              </a:rPr>
-              <a:t>Actual driver resides in the VMM</a:t>
-            </a:r>
-          </a:p>
-          <a:p>
-            <a:pPr marL="76200" marR="0" lvl="0" indent="0" algn="l" rtl="0">
-              <a:spcBef>
-                <a:spcPts val="0"/>
-              </a:spcBef>
-              <a:spcAft>
-                <a:spcPts val="0"/>
-              </a:spcAft>
-              <a:buSzPts val="2400"/>
-              <a:buNone/>
-            </a:pPr>
-            <a:endParaRPr lang="en-US" sz="2400" dirty="0">
-              <a:latin typeface="Times New Roman"/>
-              <a:ea typeface="Times New Roman"/>
-              <a:cs typeface="Times New Roman"/>
-              <a:sym typeface="Times New Roman"/>
-            </a:endParaRPr>
-          </a:p>
-          <a:p>
-            <a:pPr marL="457200" marR="0" lvl="0" indent="-381000" algn="l" rtl="0">
-              <a:spcBef>
-                <a:spcPts val="0"/>
-              </a:spcBef>
-              <a:spcAft>
-                <a:spcPts val="0"/>
-              </a:spcAft>
-              <a:buSzPts val="2400"/>
-              <a:buFont typeface="Times New Roman"/>
-              <a:buChar char="•"/>
-            </a:pPr>
-            <a:r>
-              <a:rPr lang="en-US" sz="2400" dirty="0">
-                <a:latin typeface="Times New Roman"/>
-                <a:ea typeface="Times New Roman"/>
-                <a:cs typeface="Times New Roman"/>
-                <a:sym typeface="Times New Roman"/>
-              </a:rPr>
-              <a:t>Device driver domain</a:t>
-            </a:r>
-          </a:p>
-          <a:p>
-            <a:pPr lvl="1" indent="-381000">
-              <a:spcBef>
-                <a:spcPts val="0"/>
-              </a:spcBef>
-              <a:buSzPts val="2400"/>
-              <a:buFont typeface="Wingdings" pitchFamily="2" charset="2"/>
-              <a:buChar char="§"/>
-            </a:pPr>
-            <a:r>
-              <a:rPr lang="en-US" sz="2000" dirty="0">
-                <a:latin typeface="Times New Roman"/>
-                <a:ea typeface="Times New Roman"/>
-                <a:cs typeface="Times New Roman"/>
-                <a:sym typeface="Times New Roman"/>
-              </a:rPr>
-              <a:t>Privileged access to the I/O hardware</a:t>
-            </a:r>
-          </a:p>
-        </p:txBody>
-      </p:sp>
-    </p:spTree>
-    <p:extLst>
-      <p:ext uri="{BB962C8B-B14F-4D97-AF65-F5344CB8AC3E}">
-        <p14:creationId xmlns:p14="http://schemas.microsoft.com/office/powerpoint/2010/main" val="1973450442"/>
-      </p:ext>
-    </p:extLst>
-  </p:cSld>
-  <p:clrMapOvr>
-    <a:masterClrMapping/>
-  </p:clrMapOvr>
-</p:sld>
-</file>
-
-<file path=ppt/slides/slide30.xml><?xml version="1.0" encoding="utf-8"?>
-<p:sld xmlns:a="http://schemas.openxmlformats.org/drawingml/2006/main" xmlns:r="http://schemas.openxmlformats.org/officeDocument/2006/relationships" xmlns:p="http://schemas.openxmlformats.org/presentationml/2006/main">
-  <p:cSld>
-    <p:spTree>
-      <p:nvGrpSpPr>
-        <p:cNvPr id="1" name="Shape 110"/>
-        <p:cNvGrpSpPr/>
-        <p:nvPr/>
-      </p:nvGrpSpPr>
-      <p:grpSpPr>
-        <a:xfrm>
-          <a:off x="0" y="0"/>
-          <a:ext cx="0" cy="0"/>
-          <a:chOff x="0" y="0"/>
-          <a:chExt cx="0" cy="0"/>
-        </a:xfrm>
-      </p:grpSpPr>
-      <p:sp>
-        <p:nvSpPr>
-          <p:cNvPr id="111" name="Shape 111"/>
-          <p:cNvSpPr txBox="1">
-            <a:spLocks noGrp="1"/>
-          </p:cNvSpPr>
-          <p:nvPr>
-            <p:ph type="title"/>
-          </p:nvPr>
-        </p:nvSpPr>
-        <p:spPr>
-          <a:xfrm>
-            <a:off x="457200" y="628650"/>
-            <a:ext cx="8229600" cy="537000"/>
-          </a:xfrm>
-          <a:prstGeom prst="rect">
-            <a:avLst/>
-          </a:prstGeom>
-          <a:noFill/>
-          <a:ln>
-            <a:noFill/>
-          </a:ln>
-        </p:spPr>
-        <p:txBody>
-          <a:bodyPr spcFirstLastPara="1" wrap="square" lIns="91425" tIns="45700" rIns="91425" bIns="45700" anchor="ctr" anchorCtr="0">
-            <a:noAutofit/>
-          </a:bodyPr>
-          <a:lstStyle/>
-          <a:p>
-            <a:pPr lvl="0">
-              <a:buSzPts val="3600"/>
-            </a:pPr>
-            <a:r>
-              <a:rPr lang="en-US" sz="3000" dirty="0"/>
-              <a:t>Tuning I/O Virtualization Configuration</a:t>
-            </a:r>
-            <a:endParaRPr sz="3000" b="0" i="0" u="none" strike="noStrike" cap="none" dirty="0">
-              <a:solidFill>
-                <a:srgbClr val="09347A"/>
-              </a:solidFill>
-              <a:latin typeface="Verdana"/>
-              <a:ea typeface="Verdana"/>
-              <a:cs typeface="Verdana"/>
-              <a:sym typeface="Verdana"/>
-            </a:endParaRPr>
-          </a:p>
-        </p:txBody>
-      </p:sp>
-      <p:sp>
-        <p:nvSpPr>
-          <p:cNvPr id="112" name="Shape 112"/>
-          <p:cNvSpPr txBox="1">
-            <a:spLocks noGrp="1"/>
-          </p:cNvSpPr>
-          <p:nvPr>
-            <p:ph type="body" idx="1"/>
-          </p:nvPr>
-        </p:nvSpPr>
-        <p:spPr>
-          <a:xfrm>
-            <a:off x="457200" y="1200151"/>
-            <a:ext cx="8229600" cy="3394500"/>
-          </a:xfrm>
-          <a:prstGeom prst="rect">
-            <a:avLst/>
-          </a:prstGeom>
-          <a:noFill/>
-          <a:ln>
-            <a:noFill/>
-          </a:ln>
-        </p:spPr>
-        <p:txBody>
-          <a:bodyPr spcFirstLastPara="1" wrap="square" lIns="91425" tIns="45700" rIns="91425" bIns="45700" anchor="t" anchorCtr="0">
-            <a:noAutofit/>
-          </a:bodyPr>
-          <a:lstStyle/>
-          <a:p>
             <a:pPr marL="533400" lvl="1" indent="0">
               <a:spcBef>
                 <a:spcPts val="0"/>
@@ -24175,7 +27085,7 @@
 </p:sld>
 </file>
 
-<file path=ppt/slides/slide31.xml><?xml version="1.0" encoding="utf-8"?>
+<file path=ppt/slides/slide38.xml><?xml version="1.0" encoding="utf-8"?>
 <p:sld xmlns:a="http://schemas.openxmlformats.org/drawingml/2006/main" xmlns:r="http://schemas.openxmlformats.org/officeDocument/2006/relationships" xmlns:p="http://schemas.openxmlformats.org/presentationml/2006/main">
   <p:cSld>
     <p:spTree>
@@ -24343,7 +27253,7 @@
 </p:sld>
 </file>
 
-<file path=ppt/slides/slide32.xml><?xml version="1.0" encoding="utf-8"?>
+<file path=ppt/slides/slide39.xml><?xml version="1.0" encoding="utf-8"?>
 <p:sld xmlns:a="http://schemas.openxmlformats.org/drawingml/2006/main" xmlns:r="http://schemas.openxmlformats.org/officeDocument/2006/relationships" xmlns:p="http://schemas.openxmlformats.org/presentationml/2006/main">
   <p:cSld>
     <p:spTree>
@@ -24448,35 +27358,11 @@
           </a:bodyPr>
           <a:lstStyle/>
           <a:p>
-            <a:pPr marL="457200" marR="0" lvl="0" indent="-381000" algn="l" rtl="0">
-              <a:spcBef>
-                <a:spcPts val="0"/>
-              </a:spcBef>
-              <a:spcAft>
-                <a:spcPts val="0"/>
-              </a:spcAft>
+            <a:pPr marL="419100" indent="-342900">
+              <a:spcBef>
+                <a:spcPts val="0"/>
+              </a:spcBef>
               <a:buSzPts val="2400"/>
-              <a:buFont typeface="Times New Roman"/>
-              <a:buChar char="•"/>
-            </a:pPr>
-            <a:endParaRPr lang="en-US" sz="2400" dirty="0">
-              <a:latin typeface="Times New Roman"/>
-              <a:ea typeface="Times New Roman"/>
-              <a:cs typeface="Times New Roman"/>
-              <a:sym typeface="Times New Roman"/>
-            </a:endParaRPr>
-          </a:p>
-          <a:p>
-            <a:pPr marL="457200" marR="0" lvl="0" indent="-381000" algn="l" rtl="0">
-              <a:spcBef>
-                <a:spcPts val="0"/>
-              </a:spcBef>
-              <a:spcAft>
-                <a:spcPts val="0"/>
-              </a:spcAft>
-              <a:buSzPts val="2400"/>
-              <a:buFont typeface="Times New Roman"/>
-              <a:buChar char="•"/>
             </a:pPr>
             <a:r>
               <a:rPr lang="en-US" sz="2400" dirty="0">
@@ -24485,7 +27371,7 @@
                 <a:cs typeface="Times New Roman"/>
                 <a:sym typeface="Times New Roman"/>
               </a:rPr>
-              <a:t>Existing filesystems lack physical isolation</a:t>
+              <a:t>Xen driver domain isolates device drivers from hypervisor and guest code</a:t>
             </a:r>
             <a:endParaRPr sz="2400" dirty="0">
               <a:latin typeface="Times New Roman"/>
@@ -24507,22 +27393,13 @@
               <a:buChar char="•"/>
             </a:pPr>
             <a:r>
-              <a:rPr lang="en-US" sz="2400" dirty="0" err="1">
-                <a:latin typeface="Times New Roman"/>
-                <a:ea typeface="Times New Roman"/>
-                <a:cs typeface="Times New Roman"/>
-                <a:sym typeface="Times New Roman"/>
-              </a:rPr>
-              <a:t>IceFS</a:t>
-            </a:r>
-            <a:r>
               <a:rPr lang="en-US" sz="2400" dirty="0">
                 <a:latin typeface="Times New Roman"/>
                 <a:ea typeface="Times New Roman"/>
                 <a:cs typeface="Times New Roman"/>
                 <a:sym typeface="Times New Roman"/>
               </a:rPr>
-              <a:t> achieves isolation using cube abstraction</a:t>
+              <a:t>Device drivers need access to I/O data in guests and to move data between them resulting in overhead</a:t>
             </a:r>
           </a:p>
           <a:p>
@@ -24544,7 +27421,7 @@
                 <a:cs typeface="Times New Roman"/>
                 <a:sym typeface="Times New Roman"/>
               </a:rPr>
-              <a:t>No shared resources, access dependencies, or bundled transactions among cubes</a:t>
+              <a:t>Moving copy operations to guest CPU increases data locality</a:t>
             </a:r>
           </a:p>
           <a:p>
@@ -24566,7 +27443,7 @@
                 <a:cs typeface="Times New Roman"/>
                 <a:sym typeface="Times New Roman"/>
               </a:rPr>
-              <a:t>Localize failures that were previously global</a:t>
+              <a:t>Data copies avoided by using HW to copy data directly into guest memory</a:t>
             </a:r>
           </a:p>
           <a:p>
@@ -24588,7 +27465,38 @@
                 <a:cs typeface="Times New Roman"/>
                 <a:sym typeface="Times New Roman"/>
               </a:rPr>
-              <a:t>Demonstrated fault isolation and fast recovery in two case studies: VM server and HDFS data nodes</a:t>
+              <a:t>Page grants can be reused by sharing I/O buffers</a:t>
+            </a:r>
+          </a:p>
+          <a:p>
+            <a:pPr marL="457200" marR="0" lvl="0" indent="-381000" algn="l" rtl="0">
+              <a:spcBef>
+                <a:spcPts val="0"/>
+              </a:spcBef>
+              <a:spcAft>
+                <a:spcPts val="0"/>
+              </a:spcAft>
+              <a:buSzPts val="2400"/>
+              <a:buFont typeface="Times New Roman"/>
+              <a:buChar char="•"/>
+            </a:pPr>
+            <a:r>
+              <a:rPr lang="en-US" sz="2400" dirty="0">
+                <a:latin typeface="Times New Roman"/>
+                <a:ea typeface="Times New Roman"/>
+                <a:cs typeface="Times New Roman"/>
+                <a:sym typeface="Times New Roman"/>
+              </a:rPr>
+              <a:t>I/O tuning can greatly </a:t>
+            </a:r>
+            <a:r>
+              <a:rPr lang="en-US" sz="2400">
+                <a:latin typeface="Times New Roman"/>
+                <a:ea typeface="Times New Roman"/>
+                <a:cs typeface="Times New Roman"/>
+                <a:sym typeface="Times New Roman"/>
+              </a:rPr>
+              <a:t>improve performance</a:t>
             </a:r>
             <a:endParaRPr sz="2400" dirty="0">
               <a:latin typeface="Times New Roman"/>
@@ -24653,8 +27561,8 @@
         </p:nvSpPr>
         <p:spPr>
           <a:xfrm>
-            <a:off x="457200" y="728238"/>
-            <a:ext cx="8229600" cy="537000"/>
+            <a:off x="294237" y="882147"/>
+            <a:ext cx="2665038" cy="537000"/>
           </a:xfrm>
           <a:prstGeom prst="rect">
             <a:avLst/>
@@ -24670,7 +27578,7 @@
           </a:bodyPr>
           <a:lstStyle/>
           <a:p>
-            <a:pPr marL="0" marR="0" lvl="0" indent="0" algn="l" rtl="0">
+            <a:pPr marL="0" marR="0" lvl="0" indent="0" rtl="0">
               <a:spcBef>
                 <a:spcPts val="0"/>
               </a:spcBef>

--- a/presentations/Bridging.pptx
+++ b/presentations/Bridging.pptx
@@ -20963,84 +20963,6 @@
               <a:buSzPts val="2400"/>
               <a:buNone/>
             </a:pPr>
-            <a:r>
-              <a:rPr lang="en-US" sz="1200" b="1" dirty="0">
-                <a:latin typeface="Times New Roman"/>
-                <a:ea typeface="Times New Roman"/>
-                <a:cs typeface="Times New Roman"/>
-                <a:sym typeface="Times New Roman"/>
-              </a:rPr>
-              <a:t>app: </a:t>
-            </a:r>
-            <a:r>
-              <a:rPr lang="en-US" sz="1200" dirty="0">
-                <a:latin typeface="Times New Roman"/>
-                <a:ea typeface="Times New Roman"/>
-                <a:cs typeface="Times New Roman"/>
-                <a:sym typeface="Times New Roman"/>
-              </a:rPr>
-              <a:t>user-space application on guest</a:t>
-            </a:r>
-          </a:p>
-          <a:p>
-            <a:pPr marL="533400" lvl="1" indent="0">
-              <a:spcBef>
-                <a:spcPts val="0"/>
-              </a:spcBef>
-              <a:buSzPts val="2400"/>
-              <a:buNone/>
-            </a:pPr>
-            <a:endParaRPr lang="en-US" sz="1200" dirty="0">
-              <a:latin typeface="Times New Roman"/>
-              <a:ea typeface="Times New Roman"/>
-              <a:cs typeface="Times New Roman"/>
-              <a:sym typeface="Times New Roman"/>
-            </a:endParaRPr>
-          </a:p>
-          <a:p>
-            <a:pPr marL="533400" lvl="1" indent="0">
-              <a:spcBef>
-                <a:spcPts val="0"/>
-              </a:spcBef>
-              <a:buSzPts val="2400"/>
-              <a:buNone/>
-            </a:pPr>
-            <a:r>
-              <a:rPr lang="en-US" sz="1200" b="1" dirty="0" err="1">
-                <a:latin typeface="Times New Roman"/>
-                <a:ea typeface="Times New Roman"/>
-                <a:cs typeface="Times New Roman"/>
-                <a:sym typeface="Times New Roman"/>
-              </a:rPr>
-              <a:t>usercopy</a:t>
-            </a:r>
-            <a:r>
-              <a:rPr lang="en-US" sz="1200" b="1" dirty="0">
-                <a:latin typeface="Times New Roman"/>
-                <a:ea typeface="Times New Roman"/>
-                <a:cs typeface="Times New Roman"/>
-                <a:sym typeface="Times New Roman"/>
-              </a:rPr>
-              <a:t>: </a:t>
-            </a:r>
-            <a:r>
-              <a:rPr lang="en-US" sz="1200" dirty="0">
-                <a:latin typeface="Times New Roman"/>
-                <a:ea typeface="Times New Roman"/>
-                <a:cs typeface="Times New Roman"/>
-                <a:sym typeface="Times New Roman"/>
-              </a:rPr>
-              <a:t>packet copy to user app</a:t>
-            </a:r>
-          </a:p>
-          <a:p>
-            <a:pPr marL="533400" lvl="1" indent="0">
-              <a:spcBef>
-                <a:spcPts val="0"/>
-              </a:spcBef>
-              <a:buSzPts val="2400"/>
-              <a:buNone/>
-            </a:pPr>
             <a:endParaRPr lang="en-US" sz="1200" b="1" dirty="0">
               <a:latin typeface="Times New Roman"/>
               <a:ea typeface="Times New Roman"/>
@@ -21048,236 +20970,38 @@
               <a:sym typeface="Times New Roman"/>
             </a:endParaRPr>
           </a:p>
-          <a:p>
-            <a:pPr marL="533400" lvl="1" indent="0">
-              <a:spcBef>
-                <a:spcPts val="0"/>
-              </a:spcBef>
-              <a:buSzPts val="2400"/>
-              <a:buNone/>
-            </a:pPr>
-            <a:r>
-              <a:rPr lang="en-US" sz="1200" b="1" dirty="0">
-                <a:latin typeface="Times New Roman"/>
-                <a:ea typeface="Times New Roman"/>
-                <a:cs typeface="Times New Roman"/>
-                <a:sym typeface="Times New Roman"/>
-              </a:rPr>
-              <a:t>kernel</a:t>
-            </a:r>
-            <a:r>
-              <a:rPr lang="en-US" sz="1200" dirty="0">
-                <a:latin typeface="Times New Roman"/>
-                <a:ea typeface="Times New Roman"/>
-                <a:cs typeface="Times New Roman"/>
-                <a:sym typeface="Times New Roman"/>
-              </a:rPr>
-              <a:t>: kernel-space code on guest</a:t>
-            </a:r>
-          </a:p>
-          <a:p>
-            <a:pPr marL="533400" lvl="1" indent="0">
-              <a:spcBef>
-                <a:spcPts val="0"/>
-              </a:spcBef>
-              <a:buSzPts val="2400"/>
-              <a:buNone/>
-            </a:pPr>
-            <a:endParaRPr lang="en-US" sz="1200" b="1" dirty="0">
-              <a:latin typeface="Times New Roman"/>
-              <a:ea typeface="Times New Roman"/>
-              <a:cs typeface="Times New Roman"/>
-              <a:sym typeface="Times New Roman"/>
-            </a:endParaRPr>
-          </a:p>
-          <a:p>
-            <a:pPr marL="533400" lvl="1" indent="0">
-              <a:spcBef>
-                <a:spcPts val="0"/>
-              </a:spcBef>
-              <a:buSzPts val="2400"/>
-              <a:buNone/>
-            </a:pPr>
-            <a:r>
-              <a:rPr lang="en-US" sz="1200" b="1" dirty="0" err="1">
-                <a:latin typeface="Times New Roman"/>
-                <a:ea typeface="Times New Roman"/>
-                <a:cs typeface="Times New Roman"/>
-                <a:sym typeface="Times New Roman"/>
-              </a:rPr>
-              <a:t>xen</a:t>
-            </a:r>
-            <a:r>
-              <a:rPr lang="en-US" sz="1200" dirty="0">
-                <a:latin typeface="Times New Roman"/>
-                <a:ea typeface="Times New Roman"/>
-                <a:cs typeface="Times New Roman"/>
-                <a:sym typeface="Times New Roman"/>
-              </a:rPr>
-              <a:t>: hypervisor code related to guest</a:t>
-            </a:r>
-          </a:p>
-          <a:p>
-            <a:pPr marL="533400" lvl="1" indent="0">
-              <a:spcBef>
-                <a:spcPts val="0"/>
-              </a:spcBef>
-              <a:buSzPts val="2400"/>
-              <a:buNone/>
-            </a:pPr>
-            <a:endParaRPr lang="en-US" sz="1200" b="1" dirty="0">
-              <a:latin typeface="Times New Roman"/>
-              <a:ea typeface="Times New Roman"/>
-              <a:cs typeface="Times New Roman"/>
-              <a:sym typeface="Times New Roman"/>
-            </a:endParaRPr>
-          </a:p>
-          <a:p>
-            <a:pPr marL="533400" lvl="1" indent="0">
-              <a:spcBef>
-                <a:spcPts val="0"/>
-              </a:spcBef>
-              <a:buSzPts val="2400"/>
-              <a:buNone/>
-            </a:pPr>
-            <a:r>
-              <a:rPr lang="en-US" sz="1200" b="1" dirty="0" err="1">
-                <a:latin typeface="Times New Roman"/>
-                <a:ea typeface="Times New Roman"/>
-                <a:cs typeface="Times New Roman"/>
-                <a:sym typeface="Times New Roman"/>
-              </a:rPr>
-              <a:t>grantcopy</a:t>
-            </a:r>
-            <a:r>
-              <a:rPr lang="en-US" sz="1200" dirty="0">
-                <a:latin typeface="Times New Roman"/>
-                <a:ea typeface="Times New Roman"/>
-                <a:cs typeface="Times New Roman"/>
-                <a:sym typeface="Times New Roman"/>
-              </a:rPr>
-              <a:t>: driver to guest data copy</a:t>
-            </a:r>
-          </a:p>
-          <a:p>
-            <a:pPr marL="533400" lvl="1" indent="0">
-              <a:spcBef>
-                <a:spcPts val="0"/>
-              </a:spcBef>
-              <a:buSzPts val="2400"/>
-              <a:buNone/>
-            </a:pPr>
-            <a:endParaRPr lang="en-US" sz="1200" b="1" dirty="0">
-              <a:latin typeface="Times New Roman"/>
-              <a:ea typeface="Times New Roman"/>
-              <a:cs typeface="Times New Roman"/>
-              <a:sym typeface="Times New Roman"/>
-            </a:endParaRPr>
-          </a:p>
-          <a:p>
-            <a:pPr marL="533400" lvl="1" indent="0">
-              <a:spcBef>
-                <a:spcPts val="0"/>
-              </a:spcBef>
-              <a:buSzPts val="2400"/>
-              <a:buNone/>
-            </a:pPr>
-            <a:r>
-              <a:rPr lang="en-US" sz="1200" b="1" dirty="0">
-                <a:latin typeface="Times New Roman"/>
-                <a:ea typeface="Times New Roman"/>
-                <a:cs typeface="Times New Roman"/>
-                <a:sym typeface="Times New Roman"/>
-              </a:rPr>
-              <a:t>kernel0</a:t>
-            </a:r>
-            <a:r>
-              <a:rPr lang="en-US" sz="1200" dirty="0">
-                <a:latin typeface="Times New Roman"/>
-                <a:ea typeface="Times New Roman"/>
-                <a:cs typeface="Times New Roman"/>
-                <a:sym typeface="Times New Roman"/>
-              </a:rPr>
-              <a:t>: kernel code in driver domain</a:t>
-            </a:r>
-          </a:p>
-          <a:p>
-            <a:pPr marL="533400" lvl="1" indent="0">
-              <a:spcBef>
-                <a:spcPts val="0"/>
-              </a:spcBef>
-              <a:buSzPts val="2400"/>
-              <a:buNone/>
-            </a:pPr>
-            <a:endParaRPr lang="en-US" sz="1200" b="1" dirty="0">
-              <a:latin typeface="Times New Roman"/>
-              <a:ea typeface="Times New Roman"/>
-              <a:cs typeface="Times New Roman"/>
-              <a:sym typeface="Times New Roman"/>
-            </a:endParaRPr>
-          </a:p>
-          <a:p>
-            <a:pPr marL="533400" lvl="1" indent="0">
-              <a:spcBef>
-                <a:spcPts val="0"/>
-              </a:spcBef>
-              <a:buSzPts val="2400"/>
-              <a:buNone/>
-            </a:pPr>
-            <a:r>
-              <a:rPr lang="en-US" sz="1200" b="1" dirty="0">
-                <a:latin typeface="Times New Roman"/>
-                <a:ea typeface="Times New Roman"/>
-                <a:cs typeface="Times New Roman"/>
-                <a:sym typeface="Times New Roman"/>
-              </a:rPr>
-              <a:t>xen0</a:t>
-            </a:r>
-            <a:r>
-              <a:rPr lang="en-US" sz="1200" dirty="0">
-                <a:latin typeface="Times New Roman"/>
-                <a:ea typeface="Times New Roman"/>
-                <a:cs typeface="Times New Roman"/>
-                <a:sym typeface="Times New Roman"/>
-              </a:rPr>
-              <a:t>: hypervisor code in driver domain</a:t>
-            </a:r>
-          </a:p>
-          <a:p>
-            <a:pPr marL="533400" lvl="1" indent="0">
-              <a:spcBef>
-                <a:spcPts val="0"/>
-              </a:spcBef>
-              <a:buSzPts val="2400"/>
-              <a:buNone/>
-            </a:pPr>
-            <a:endParaRPr lang="en-US" sz="1200" dirty="0">
-              <a:latin typeface="Times New Roman"/>
-              <a:ea typeface="Times New Roman"/>
-              <a:cs typeface="Times New Roman"/>
-              <a:sym typeface="Times New Roman"/>
-            </a:endParaRPr>
-          </a:p>
-          <a:p>
-            <a:pPr marL="533400" lvl="1" indent="0">
-              <a:spcBef>
-                <a:spcPts val="0"/>
-              </a:spcBef>
-              <a:buSzPts val="2400"/>
-              <a:buNone/>
-            </a:pPr>
-            <a:r>
-              <a:rPr lang="en-US" sz="1200" b="1" dirty="0">
-                <a:latin typeface="Times New Roman"/>
-                <a:ea typeface="Times New Roman"/>
-                <a:cs typeface="Times New Roman"/>
-                <a:sym typeface="Times New Roman"/>
-              </a:rPr>
-              <a:t> </a:t>
-            </a:r>
-          </a:p>
         </p:txBody>
       </p:sp>
+      <p:pic>
+        <p:nvPicPr>
+          <p:cNvPr id="3" name="Picture 2">
+            <a:extLst>
+              <a:ext uri="{FF2B5EF4-FFF2-40B4-BE49-F238E27FC236}">
+                <a16:creationId xmlns:a16="http://schemas.microsoft.com/office/drawing/2014/main" id="{55B1B6E0-3D6C-794A-99D3-FFB6338EF183}"/>
+              </a:ext>
+            </a:extLst>
+          </p:cNvPr>
+          <p:cNvPicPr>
+            <a:picLocks noChangeAspect="1"/>
+          </p:cNvPicPr>
+          <p:nvPr/>
+        </p:nvPicPr>
+        <p:blipFill>
+          <a:blip r:embed="rId4"/>
+          <a:stretch>
+            <a:fillRect/>
+          </a:stretch>
+        </p:blipFill>
+        <p:spPr>
+          <a:xfrm>
+            <a:off x="5481999" y="1900837"/>
+            <a:ext cx="3281001" cy="1413703"/>
+          </a:xfrm>
+          <a:prstGeom prst="rect">
+            <a:avLst/>
+          </a:prstGeom>
+        </p:spPr>
+      </p:pic>
     </p:spTree>
     <p:extLst>
       <p:ext uri="{BB962C8B-B14F-4D97-AF65-F5344CB8AC3E}">
@@ -21718,8 +21442,38 @@
         </p:blipFill>
         <p:spPr>
           <a:xfrm>
-            <a:off x="1969996" y="1448651"/>
+            <a:off x="457200" y="1448651"/>
             <a:ext cx="5051971" cy="3146000"/>
+          </a:xfrm>
+          <a:prstGeom prst="rect">
+            <a:avLst/>
+          </a:prstGeom>
+        </p:spPr>
+      </p:pic>
+      <p:pic>
+        <p:nvPicPr>
+          <p:cNvPr id="2" name="Picture 1">
+            <a:extLst>
+              <a:ext uri="{FF2B5EF4-FFF2-40B4-BE49-F238E27FC236}">
+                <a16:creationId xmlns:a16="http://schemas.microsoft.com/office/drawing/2014/main" id="{26FA671D-56D1-C144-A370-793141B24D7B}"/>
+              </a:ext>
+            </a:extLst>
+          </p:cNvPr>
+          <p:cNvPicPr>
+            <a:picLocks noChangeAspect="1"/>
+          </p:cNvPicPr>
+          <p:nvPr/>
+        </p:nvPicPr>
+        <p:blipFill>
+          <a:blip r:embed="rId4"/>
+          <a:stretch>
+            <a:fillRect/>
+          </a:stretch>
+        </p:blipFill>
+        <p:spPr>
+          <a:xfrm>
+            <a:off x="5610660" y="1931052"/>
+            <a:ext cx="3076140" cy="1844243"/>
           </a:xfrm>
           <a:prstGeom prst="rect">
             <a:avLst/>
@@ -22136,6 +21890,49 @@
               <a:t>Fragmentation introduces copy and socket buffer allocation overheads</a:t>
             </a:r>
           </a:p>
+          <a:p>
+            <a:pPr marL="876300" lvl="1" indent="-342900">
+              <a:spcBef>
+                <a:spcPts val="0"/>
+              </a:spcBef>
+              <a:buSzPts val="2400"/>
+            </a:pPr>
+            <a:r>
+              <a:rPr lang="en-US" sz="2000" dirty="0" err="1">
+                <a:latin typeface="Times New Roman"/>
+                <a:ea typeface="Times New Roman"/>
+                <a:cs typeface="Times New Roman"/>
+                <a:sym typeface="Times New Roman"/>
+              </a:rPr>
+              <a:t>netfront</a:t>
+            </a:r>
+            <a:r>
+              <a:rPr lang="en-US" sz="2000" dirty="0">
+                <a:latin typeface="Times New Roman"/>
+                <a:ea typeface="Times New Roman"/>
+                <a:cs typeface="Times New Roman"/>
+                <a:sym typeface="Times New Roman"/>
+              </a:rPr>
+              <a:t> modified to avoid using fragments, assumes packets will not span multiple pages (no jumbo packets, TSO, or LRO)</a:t>
+            </a:r>
+          </a:p>
+          <a:p>
+            <a:pPr marL="876300" lvl="1" indent="-342900">
+              <a:spcBef>
+                <a:spcPts val="0"/>
+              </a:spcBef>
+              <a:buSzPts val="2400"/>
+            </a:pPr>
+            <a:r>
+              <a:rPr lang="en-US" sz="2000" dirty="0">
+                <a:latin typeface="Times New Roman"/>
+                <a:ea typeface="Times New Roman"/>
+                <a:cs typeface="Times New Roman"/>
+                <a:sym typeface="Times New Roman"/>
+              </a:rPr>
+              <a:t>Grant permission table is updated with atomic operations, move grant bits into different words then use less expensive memory barriers</a:t>
+            </a:r>
+          </a:p>
         </p:txBody>
       </p:sp>
     </p:spTree>
@@ -23195,7 +22992,7 @@
         </p:blipFill>
         <p:spPr>
           <a:xfrm>
-            <a:off x="2470968" y="2410108"/>
+            <a:off x="2201972" y="2410108"/>
             <a:ext cx="4577092" cy="2733392"/>
           </a:xfrm>
           <a:prstGeom prst="rect">
@@ -24322,7 +24119,7 @@
                 <a:cs typeface="Times New Roman"/>
                 <a:sym typeface="Times New Roman"/>
               </a:rPr>
-              <a:t>Moving extra data copy to guest is good, eliminating it better!</a:t>
+              <a:t>If moving extra data copy to guest is good, eliminating is better!</a:t>
             </a:r>
           </a:p>
           <a:p>
@@ -24339,7 +24136,7 @@
                 <a:cs typeface="Times New Roman"/>
                 <a:sym typeface="Times New Roman"/>
               </a:rPr>
-              <a:t>If only NIC could place packets directly into guest kernel buffer</a:t>
+              <a:t>NIC places packets directly into guest kernel buffer</a:t>
             </a:r>
           </a:p>
           <a:p>
@@ -24797,7 +24594,7 @@
                 <a:cs typeface="Times New Roman"/>
                 <a:sym typeface="Times New Roman"/>
               </a:rPr>
-              <a:t>Packets from other guests contain copy grants</a:t>
+              <a:t>Packets from other guests contain copy grants, those from device have pre-posted buffers</a:t>
             </a:r>
           </a:p>
           <a:p>
@@ -25504,7 +25301,7 @@
                 <a:cs typeface="Times New Roman"/>
                 <a:sym typeface="Times New Roman"/>
               </a:rPr>
-              <a:t>Memory isolation property slightly relaxed</a:t>
+              <a:t>Memory isolation property could be slightly relaxed</a:t>
             </a:r>
           </a:p>
           <a:p>
@@ -25574,6 +25371,23 @@
                 <a:sym typeface="Times New Roman"/>
               </a:rPr>
               <a:t> can only access I/O pages, no other data or code</a:t>
+            </a:r>
+          </a:p>
+          <a:p>
+            <a:pPr marL="876300" lvl="1" indent="-342900">
+              <a:spcBef>
+                <a:spcPts val="0"/>
+              </a:spcBef>
+              <a:buSzPts val="2400"/>
+            </a:pPr>
+            <a:r>
+              <a:rPr lang="en-US" sz="2000" dirty="0">
+                <a:latin typeface="Times New Roman"/>
+                <a:ea typeface="Times New Roman"/>
+                <a:cs typeface="Times New Roman"/>
+                <a:sym typeface="Times New Roman"/>
+              </a:rPr>
+              <a:t>Guest must be able to invalidate grant pages</a:t>
             </a:r>
           </a:p>
           <a:p>
@@ -27487,16 +27301,7 @@
                 <a:cs typeface="Times New Roman"/>
                 <a:sym typeface="Times New Roman"/>
               </a:rPr>
-              <a:t>I/O tuning can greatly </a:t>
-            </a:r>
-            <a:r>
-              <a:rPr lang="en-US" sz="2400">
-                <a:latin typeface="Times New Roman"/>
-                <a:ea typeface="Times New Roman"/>
-                <a:cs typeface="Times New Roman"/>
-                <a:sym typeface="Times New Roman"/>
-              </a:rPr>
-              <a:t>improve performance</a:t>
+              <a:t>I/O tuning can greatly improve performance</a:t>
             </a:r>
             <a:endParaRPr sz="2400" dirty="0">
               <a:latin typeface="Times New Roman"/>
@@ -27942,7 +27747,7 @@
                 <a:cs typeface="Times New Roman"/>
                 <a:sym typeface="Times New Roman"/>
               </a:rPr>
-              <a:t>Isolation</a:t>
+              <a:t>Isolation of buggy drivers or devices</a:t>
             </a:r>
           </a:p>
           <a:p>
